--- a/projectVMS/VMS_pitch_presentation.pptx
+++ b/projectVMS/VMS_pitch_presentation.pptx
@@ -1,30 +1,30 @@
 
 <file path=ppt/presentation.xml><?xml version="1.0" encoding="utf-8"?>
-<p:presentation xmlns:a="http://schemas.openxmlformats.org/drawingml/2006/main" xmlns:r="http://schemas.openxmlformats.org/officeDocument/2006/relationships" xmlns:mc="http://schemas.openxmlformats.org/markup-compatibility/2006" xmlns:mv="urn:schemas-microsoft-com:mac:vml" xmlns:p="http://schemas.openxmlformats.org/presentationml/2006/main" xmlns:c="http://schemas.openxmlformats.org/drawingml/2006/chart" xmlns:dgm="http://schemas.openxmlformats.org/drawingml/2006/diagram" xmlns:o="urn:schemas-microsoft-com:office:office" xmlns:v="urn:schemas-microsoft-com:vml" xmlns:pvml="urn:schemas-microsoft-com:office:powerpoint" xmlns:com="http://schemas.openxmlformats.org/drawingml/2006/compatibility" xmlns:p14="http://schemas.microsoft.com/office/powerpoint/2010/main" xmlns:p15="http://schemas.microsoft.com/office/powerpoint/2012/main" xmlns:ahyp="http://schemas.microsoft.com/office/drawing/2018/hyperlinkcolor" autoCompressPictures="0" strictFirstAndLastChars="0" saveSubsetFonts="1">
+<p:presentation xmlns:a="http://schemas.openxmlformats.org/drawingml/2006/main" xmlns:r="http://schemas.openxmlformats.org/officeDocument/2006/relationships" xmlns:p="http://schemas.openxmlformats.org/presentationml/2006/main" strictFirstAndLastChars="0" saveSubsetFonts="1" autoCompressPictures="0">
   <p:sldMasterIdLst>
-    <p:sldMasterId id="2147483651" r:id="rId3"/>
+    <p:sldMasterId id="2147483651" r:id="rId1"/>
   </p:sldMasterIdLst>
   <p:notesMasterIdLst>
-    <p:notesMasterId r:id="rId4"/>
+    <p:notesMasterId r:id="rId14"/>
   </p:notesMasterIdLst>
   <p:sldIdLst>
-    <p:sldId id="256" r:id="rId5"/>
-    <p:sldId id="257" r:id="rId6"/>
-    <p:sldId id="258" r:id="rId7"/>
-    <p:sldId id="259" r:id="rId8"/>
-    <p:sldId id="260" r:id="rId9"/>
-    <p:sldId id="261" r:id="rId10"/>
-    <p:sldId id="262" r:id="rId11"/>
-    <p:sldId id="263" r:id="rId12"/>
-    <p:sldId id="264" r:id="rId13"/>
-    <p:sldId id="265" r:id="rId14"/>
-    <p:sldId id="266" r:id="rId15"/>
-    <p:sldId id="267" r:id="rId16"/>
+    <p:sldId id="256" r:id="rId2"/>
+    <p:sldId id="257" r:id="rId3"/>
+    <p:sldId id="258" r:id="rId4"/>
+    <p:sldId id="259" r:id="rId5"/>
+    <p:sldId id="260" r:id="rId6"/>
+    <p:sldId id="261" r:id="rId7"/>
+    <p:sldId id="262" r:id="rId8"/>
+    <p:sldId id="263" r:id="rId9"/>
+    <p:sldId id="264" r:id="rId10"/>
+    <p:sldId id="265" r:id="rId11"/>
+    <p:sldId id="266" r:id="rId12"/>
+    <p:sldId id="267" r:id="rId13"/>
   </p:sldIdLst>
-  <p:sldSz cy="6858000" cx="9144000"/>
+  <p:sldSz cx="9144000" cy="6858000" type="screen4x3"/>
   <p:notesSz cx="6858000" cy="9144000"/>
   <p:defaultTextStyle>
-    <a:defPPr lvl="0" marR="0" rtl="0" algn="l">
+    <a:defPPr marR="0" lvl="0" algn="l" rtl="0">
       <a:lnSpc>
         <a:spcPct val="100000"/>
       </a:lnSpc>
@@ -35,7 +35,7 @@
         <a:spcPts val="0"/>
       </a:spcAft>
     </a:defPPr>
-    <a:lvl1pPr lvl="0" marR="0" rtl="0" algn="l">
+    <a:lvl1pPr marR="0" lvl="0" algn="l" rtl="0">
       <a:lnSpc>
         <a:spcPct val="100000"/>
       </a:lnSpc>
@@ -49,7 +49,7 @@
         <a:srgbClr val="000000"/>
       </a:buClr>
       <a:buFont typeface="Arial"/>
-      <a:defRPr b="0" i="0" sz="1400" u="none" cap="none" strike="noStrike">
+      <a:defRPr sz="1400" b="0" i="0" u="none" strike="noStrike" cap="none">
         <a:solidFill>
           <a:srgbClr val="000000"/>
         </a:solidFill>
@@ -59,7 +59,7 @@
         <a:sym typeface="Arial"/>
       </a:defRPr>
     </a:lvl1pPr>
-    <a:lvl2pPr lvl="1" marR="0" rtl="0" algn="l">
+    <a:lvl2pPr marR="0" lvl="1" algn="l" rtl="0">
       <a:lnSpc>
         <a:spcPct val="100000"/>
       </a:lnSpc>
@@ -73,7 +73,7 @@
         <a:srgbClr val="000000"/>
       </a:buClr>
       <a:buFont typeface="Arial"/>
-      <a:defRPr b="0" i="0" sz="1400" u="none" cap="none" strike="noStrike">
+      <a:defRPr sz="1400" b="0" i="0" u="none" strike="noStrike" cap="none">
         <a:solidFill>
           <a:srgbClr val="000000"/>
         </a:solidFill>
@@ -83,7 +83,7 @@
         <a:sym typeface="Arial"/>
       </a:defRPr>
     </a:lvl2pPr>
-    <a:lvl3pPr lvl="2" marR="0" rtl="0" algn="l">
+    <a:lvl3pPr marR="0" lvl="2" algn="l" rtl="0">
       <a:lnSpc>
         <a:spcPct val="100000"/>
       </a:lnSpc>
@@ -97,7 +97,7 @@
         <a:srgbClr val="000000"/>
       </a:buClr>
       <a:buFont typeface="Arial"/>
-      <a:defRPr b="0" i="0" sz="1400" u="none" cap="none" strike="noStrike">
+      <a:defRPr sz="1400" b="0" i="0" u="none" strike="noStrike" cap="none">
         <a:solidFill>
           <a:srgbClr val="000000"/>
         </a:solidFill>
@@ -107,7 +107,7 @@
         <a:sym typeface="Arial"/>
       </a:defRPr>
     </a:lvl3pPr>
-    <a:lvl4pPr lvl="3" marR="0" rtl="0" algn="l">
+    <a:lvl4pPr marR="0" lvl="3" algn="l" rtl="0">
       <a:lnSpc>
         <a:spcPct val="100000"/>
       </a:lnSpc>
@@ -121,7 +121,7 @@
         <a:srgbClr val="000000"/>
       </a:buClr>
       <a:buFont typeface="Arial"/>
-      <a:defRPr b="0" i="0" sz="1400" u="none" cap="none" strike="noStrike">
+      <a:defRPr sz="1400" b="0" i="0" u="none" strike="noStrike" cap="none">
         <a:solidFill>
           <a:srgbClr val="000000"/>
         </a:solidFill>
@@ -131,7 +131,7 @@
         <a:sym typeface="Arial"/>
       </a:defRPr>
     </a:lvl4pPr>
-    <a:lvl5pPr lvl="4" marR="0" rtl="0" algn="l">
+    <a:lvl5pPr marR="0" lvl="4" algn="l" rtl="0">
       <a:lnSpc>
         <a:spcPct val="100000"/>
       </a:lnSpc>
@@ -145,7 +145,7 @@
         <a:srgbClr val="000000"/>
       </a:buClr>
       <a:buFont typeface="Arial"/>
-      <a:defRPr b="0" i="0" sz="1400" u="none" cap="none" strike="noStrike">
+      <a:defRPr sz="1400" b="0" i="0" u="none" strike="noStrike" cap="none">
         <a:solidFill>
           <a:srgbClr val="000000"/>
         </a:solidFill>
@@ -155,7 +155,7 @@
         <a:sym typeface="Arial"/>
       </a:defRPr>
     </a:lvl5pPr>
-    <a:lvl6pPr lvl="5" marR="0" rtl="0" algn="l">
+    <a:lvl6pPr marR="0" lvl="5" algn="l" rtl="0">
       <a:lnSpc>
         <a:spcPct val="100000"/>
       </a:lnSpc>
@@ -169,7 +169,7 @@
         <a:srgbClr val="000000"/>
       </a:buClr>
       <a:buFont typeface="Arial"/>
-      <a:defRPr b="0" i="0" sz="1400" u="none" cap="none" strike="noStrike">
+      <a:defRPr sz="1400" b="0" i="0" u="none" strike="noStrike" cap="none">
         <a:solidFill>
           <a:srgbClr val="000000"/>
         </a:solidFill>
@@ -179,7 +179,7 @@
         <a:sym typeface="Arial"/>
       </a:defRPr>
     </a:lvl6pPr>
-    <a:lvl7pPr lvl="6" marR="0" rtl="0" algn="l">
+    <a:lvl7pPr marR="0" lvl="6" algn="l" rtl="0">
       <a:lnSpc>
         <a:spcPct val="100000"/>
       </a:lnSpc>
@@ -193,7 +193,7 @@
         <a:srgbClr val="000000"/>
       </a:buClr>
       <a:buFont typeface="Arial"/>
-      <a:defRPr b="0" i="0" sz="1400" u="none" cap="none" strike="noStrike">
+      <a:defRPr sz="1400" b="0" i="0" u="none" strike="noStrike" cap="none">
         <a:solidFill>
           <a:srgbClr val="000000"/>
         </a:solidFill>
@@ -203,7 +203,7 @@
         <a:sym typeface="Arial"/>
       </a:defRPr>
     </a:lvl7pPr>
-    <a:lvl8pPr lvl="7" marR="0" rtl="0" algn="l">
+    <a:lvl8pPr marR="0" lvl="7" algn="l" rtl="0">
       <a:lnSpc>
         <a:spcPct val="100000"/>
       </a:lnSpc>
@@ -217,7 +217,7 @@
         <a:srgbClr val="000000"/>
       </a:buClr>
       <a:buFont typeface="Arial"/>
-      <a:defRPr b="0" i="0" sz="1400" u="none" cap="none" strike="noStrike">
+      <a:defRPr sz="1400" b="0" i="0" u="none" strike="noStrike" cap="none">
         <a:solidFill>
           <a:srgbClr val="000000"/>
         </a:solidFill>
@@ -227,7 +227,7 @@
         <a:sym typeface="Arial"/>
       </a:defRPr>
     </a:lvl8pPr>
-    <a:lvl9pPr lvl="8" marR="0" rtl="0" algn="l">
+    <a:lvl9pPr marR="0" lvl="8" algn="l" rtl="0">
       <a:lnSpc>
         <a:spcPct val="100000"/>
       </a:lnSpc>
@@ -241,7 +241,7 @@
         <a:srgbClr val="000000"/>
       </a:buClr>
       <a:buFont typeface="Arial"/>
-      <a:defRPr b="0" i="0" sz="1400" u="none" cap="none" strike="noStrike">
+      <a:defRPr sz="1400" b="0" i="0" u="none" strike="noStrike" cap="none">
         <a:solidFill>
           <a:srgbClr val="000000"/>
         </a:solidFill>
@@ -256,18 +256,19 @@
 </file>
 
 <file path=ppt/notesMasters/notesMaster1.xml><?xml version="1.0" encoding="utf-8"?>
-<p:notesMaster xmlns:a="http://schemas.openxmlformats.org/drawingml/2006/main" xmlns:r="http://schemas.openxmlformats.org/officeDocument/2006/relationships" xmlns:mc="http://schemas.openxmlformats.org/markup-compatibility/2006" xmlns:mv="urn:schemas-microsoft-com:mac:vml" xmlns:p="http://schemas.openxmlformats.org/presentationml/2006/main" xmlns:c="http://schemas.openxmlformats.org/drawingml/2006/chart" xmlns:dgm="http://schemas.openxmlformats.org/drawingml/2006/diagram" xmlns:o="urn:schemas-microsoft-com:office:office" xmlns:v="urn:schemas-microsoft-com:vml" xmlns:pvml="urn:schemas-microsoft-com:office:powerpoint" xmlns:com="http://schemas.openxmlformats.org/drawingml/2006/compatibility" xmlns:p14="http://schemas.microsoft.com/office/powerpoint/2010/main" xmlns:p15="http://schemas.microsoft.com/office/powerpoint/2012/main" xmlns:ahyp="http://schemas.microsoft.com/office/drawing/2018/hyperlinkcolor">
+<p:notesMaster xmlns:a="http://schemas.openxmlformats.org/drawingml/2006/main" xmlns:r="http://schemas.openxmlformats.org/officeDocument/2006/relationships" xmlns:p="http://schemas.openxmlformats.org/presentationml/2006/main">
   <p:cSld>
     <p:bg>
       <p:bgPr>
         <a:solidFill>
           <a:schemeClr val="lt1"/>
         </a:solidFill>
+        <a:effectLst/>
       </p:bgPr>
     </p:bg>
     <p:spTree>
       <p:nvGrpSpPr>
-        <p:cNvPr id="2" name="Shape 2"/>
+        <p:cNvPr id="1" name="Shape 2"/>
         <p:cNvGrpSpPr/>
         <p:nvPr/>
       </p:nvGrpSpPr>
@@ -282,9 +283,11 @@
       <p:sp>
         <p:nvSpPr>
           <p:cNvPr id="3" name="Google Shape;3;n"/>
-          <p:cNvSpPr txBox="1"/>
+          <p:cNvSpPr txBox="1">
+            <a:spLocks noGrp="1"/>
+          </p:cNvSpPr>
           <p:nvPr>
-            <p:ph idx="2" type="hdr"/>
+            <p:ph type="hdr" idx="2"/>
           </p:nvPr>
         </p:nvSpPr>
         <p:spPr>
@@ -301,20 +304,20 @@
           </a:ln>
         </p:spPr>
         <p:txBody>
-          <a:bodyPr anchorCtr="0" anchor="t" bIns="91425" lIns="91425" spcFirstLastPara="1" rIns="91425" wrap="square" tIns="91425">
+          <a:bodyPr spcFirstLastPara="1" wrap="square" lIns="91425" tIns="91425" rIns="91425" bIns="91425" anchor="t" anchorCtr="0">
             <a:noAutofit/>
           </a:bodyPr>
           <a:lstStyle>
-            <a:lvl1pPr indent="0" lvl="0" marL="0" marR="0" rtl="0" algn="l">
-              <a:spcBef>
-                <a:spcPts val="0"/>
-              </a:spcBef>
-              <a:spcAft>
-                <a:spcPts val="0"/>
-              </a:spcAft>
-              <a:buSzPts val="1400"/>
-              <a:buNone/>
-              <a:defRPr b="0" i="0" sz="1200" u="none" cap="none" strike="noStrike">
+            <a:lvl1pPr marL="0" marR="0" lvl="0" indent="0" algn="l" rtl="0">
+              <a:spcBef>
+                <a:spcPts val="0"/>
+              </a:spcBef>
+              <a:spcAft>
+                <a:spcPts val="0"/>
+              </a:spcAft>
+              <a:buSzPts val="1400"/>
+              <a:buNone/>
+              <a:defRPr sz="1200" b="0" i="0" u="none" strike="noStrike" cap="none">
                 <a:solidFill>
                   <a:schemeClr val="dk1"/>
                 </a:solidFill>
@@ -324,16 +327,16 @@
                 <a:sym typeface="Arial"/>
               </a:defRPr>
             </a:lvl1pPr>
-            <a:lvl2pPr indent="0" lvl="1" marL="457200" marR="0" rtl="0" algn="l">
-              <a:spcBef>
-                <a:spcPts val="0"/>
-              </a:spcBef>
-              <a:spcAft>
-                <a:spcPts val="0"/>
-              </a:spcAft>
-              <a:buSzPts val="1400"/>
-              <a:buNone/>
-              <a:defRPr b="0" i="0" sz="1800" u="none" cap="none" strike="noStrike">
+            <a:lvl2pPr marL="457200" marR="0" lvl="1" indent="0" algn="l" rtl="0">
+              <a:spcBef>
+                <a:spcPts val="0"/>
+              </a:spcBef>
+              <a:spcAft>
+                <a:spcPts val="0"/>
+              </a:spcAft>
+              <a:buSzPts val="1400"/>
+              <a:buNone/>
+              <a:defRPr sz="1800" b="0" i="0" u="none" strike="noStrike" cap="none">
                 <a:solidFill>
                   <a:schemeClr val="dk1"/>
                 </a:solidFill>
@@ -343,16 +346,16 @@
                 <a:sym typeface="Arial"/>
               </a:defRPr>
             </a:lvl2pPr>
-            <a:lvl3pPr indent="0" lvl="2" marL="914400" marR="0" rtl="0" algn="l">
-              <a:spcBef>
-                <a:spcPts val="0"/>
-              </a:spcBef>
-              <a:spcAft>
-                <a:spcPts val="0"/>
-              </a:spcAft>
-              <a:buSzPts val="1400"/>
-              <a:buNone/>
-              <a:defRPr b="0" i="0" sz="1800" u="none" cap="none" strike="noStrike">
+            <a:lvl3pPr marL="914400" marR="0" lvl="2" indent="0" algn="l" rtl="0">
+              <a:spcBef>
+                <a:spcPts val="0"/>
+              </a:spcBef>
+              <a:spcAft>
+                <a:spcPts val="0"/>
+              </a:spcAft>
+              <a:buSzPts val="1400"/>
+              <a:buNone/>
+              <a:defRPr sz="1800" b="0" i="0" u="none" strike="noStrike" cap="none">
                 <a:solidFill>
                   <a:schemeClr val="dk1"/>
                 </a:solidFill>
@@ -362,16 +365,16 @@
                 <a:sym typeface="Arial"/>
               </a:defRPr>
             </a:lvl3pPr>
-            <a:lvl4pPr indent="0" lvl="3" marL="1371600" marR="0" rtl="0" algn="l">
-              <a:spcBef>
-                <a:spcPts val="0"/>
-              </a:spcBef>
-              <a:spcAft>
-                <a:spcPts val="0"/>
-              </a:spcAft>
-              <a:buSzPts val="1400"/>
-              <a:buNone/>
-              <a:defRPr b="0" i="0" sz="1800" u="none" cap="none" strike="noStrike">
+            <a:lvl4pPr marL="1371600" marR="0" lvl="3" indent="0" algn="l" rtl="0">
+              <a:spcBef>
+                <a:spcPts val="0"/>
+              </a:spcBef>
+              <a:spcAft>
+                <a:spcPts val="0"/>
+              </a:spcAft>
+              <a:buSzPts val="1400"/>
+              <a:buNone/>
+              <a:defRPr sz="1800" b="0" i="0" u="none" strike="noStrike" cap="none">
                 <a:solidFill>
                   <a:schemeClr val="dk1"/>
                 </a:solidFill>
@@ -381,16 +384,16 @@
                 <a:sym typeface="Arial"/>
               </a:defRPr>
             </a:lvl4pPr>
-            <a:lvl5pPr indent="0" lvl="4" marL="1828800" marR="0" rtl="0" algn="l">
-              <a:spcBef>
-                <a:spcPts val="0"/>
-              </a:spcBef>
-              <a:spcAft>
-                <a:spcPts val="0"/>
-              </a:spcAft>
-              <a:buSzPts val="1400"/>
-              <a:buNone/>
-              <a:defRPr b="0" i="0" sz="1800" u="none" cap="none" strike="noStrike">
+            <a:lvl5pPr marL="1828800" marR="0" lvl="4" indent="0" algn="l" rtl="0">
+              <a:spcBef>
+                <a:spcPts val="0"/>
+              </a:spcBef>
+              <a:spcAft>
+                <a:spcPts val="0"/>
+              </a:spcAft>
+              <a:buSzPts val="1400"/>
+              <a:buNone/>
+              <a:defRPr sz="1800" b="0" i="0" u="none" strike="noStrike" cap="none">
                 <a:solidFill>
                   <a:schemeClr val="dk1"/>
                 </a:solidFill>
@@ -400,16 +403,16 @@
                 <a:sym typeface="Arial"/>
               </a:defRPr>
             </a:lvl5pPr>
-            <a:lvl6pPr indent="0" lvl="5" marL="2286000" marR="0" rtl="0" algn="l">
-              <a:spcBef>
-                <a:spcPts val="0"/>
-              </a:spcBef>
-              <a:spcAft>
-                <a:spcPts val="0"/>
-              </a:spcAft>
-              <a:buSzPts val="1400"/>
-              <a:buNone/>
-              <a:defRPr b="0" i="0" sz="1800" u="none" cap="none" strike="noStrike">
+            <a:lvl6pPr marL="2286000" marR="0" lvl="5" indent="0" algn="l" rtl="0">
+              <a:spcBef>
+                <a:spcPts val="0"/>
+              </a:spcBef>
+              <a:spcAft>
+                <a:spcPts val="0"/>
+              </a:spcAft>
+              <a:buSzPts val="1400"/>
+              <a:buNone/>
+              <a:defRPr sz="1800" b="0" i="0" u="none" strike="noStrike" cap="none">
                 <a:solidFill>
                   <a:schemeClr val="dk1"/>
                 </a:solidFill>
@@ -419,16 +422,16 @@
                 <a:sym typeface="Arial"/>
               </a:defRPr>
             </a:lvl6pPr>
-            <a:lvl7pPr indent="0" lvl="6" marL="2743200" marR="0" rtl="0" algn="l">
-              <a:spcBef>
-                <a:spcPts val="0"/>
-              </a:spcBef>
-              <a:spcAft>
-                <a:spcPts val="0"/>
-              </a:spcAft>
-              <a:buSzPts val="1400"/>
-              <a:buNone/>
-              <a:defRPr b="0" i="0" sz="1800" u="none" cap="none" strike="noStrike">
+            <a:lvl7pPr marL="2743200" marR="0" lvl="6" indent="0" algn="l" rtl="0">
+              <a:spcBef>
+                <a:spcPts val="0"/>
+              </a:spcBef>
+              <a:spcAft>
+                <a:spcPts val="0"/>
+              </a:spcAft>
+              <a:buSzPts val="1400"/>
+              <a:buNone/>
+              <a:defRPr sz="1800" b="0" i="0" u="none" strike="noStrike" cap="none">
                 <a:solidFill>
                   <a:schemeClr val="dk1"/>
                 </a:solidFill>
@@ -438,16 +441,16 @@
                 <a:sym typeface="Arial"/>
               </a:defRPr>
             </a:lvl7pPr>
-            <a:lvl8pPr indent="0" lvl="7" marL="3200400" marR="0" rtl="0" algn="l">
-              <a:spcBef>
-                <a:spcPts val="0"/>
-              </a:spcBef>
-              <a:spcAft>
-                <a:spcPts val="0"/>
-              </a:spcAft>
-              <a:buSzPts val="1400"/>
-              <a:buNone/>
-              <a:defRPr b="0" i="0" sz="1800" u="none" cap="none" strike="noStrike">
+            <a:lvl8pPr marL="3200400" marR="0" lvl="7" indent="0" algn="l" rtl="0">
+              <a:spcBef>
+                <a:spcPts val="0"/>
+              </a:spcBef>
+              <a:spcAft>
+                <a:spcPts val="0"/>
+              </a:spcAft>
+              <a:buSzPts val="1400"/>
+              <a:buNone/>
+              <a:defRPr sz="1800" b="0" i="0" u="none" strike="noStrike" cap="none">
                 <a:solidFill>
                   <a:schemeClr val="dk1"/>
                 </a:solidFill>
@@ -457,16 +460,16 @@
                 <a:sym typeface="Arial"/>
               </a:defRPr>
             </a:lvl8pPr>
-            <a:lvl9pPr indent="0" lvl="8" marL="3657600" marR="0" rtl="0" algn="l">
-              <a:spcBef>
-                <a:spcPts val="0"/>
-              </a:spcBef>
-              <a:spcAft>
-                <a:spcPts val="0"/>
-              </a:spcAft>
-              <a:buSzPts val="1400"/>
-              <a:buNone/>
-              <a:defRPr b="0" i="0" sz="1800" u="none" cap="none" strike="noStrike">
+            <a:lvl9pPr marL="3657600" marR="0" lvl="8" indent="0" algn="l" rtl="0">
+              <a:spcBef>
+                <a:spcPts val="0"/>
+              </a:spcBef>
+              <a:spcAft>
+                <a:spcPts val="0"/>
+              </a:spcAft>
+              <a:buSzPts val="1400"/>
+              <a:buNone/>
+              <a:defRPr sz="1800" b="0" i="0" u="none" strike="noStrike" cap="none">
                 <a:solidFill>
                   <a:schemeClr val="dk1"/>
                 </a:solidFill>
@@ -477,15 +480,19 @@
               </a:defRPr>
             </a:lvl9pPr>
           </a:lstStyle>
-          <a:p/>
+          <a:p>
+            <a:endParaRPr/>
+          </a:p>
         </p:txBody>
       </p:sp>
       <p:sp>
         <p:nvSpPr>
           <p:cNvPr id="4" name="Google Shape;4;n"/>
-          <p:cNvSpPr txBox="1"/>
+          <p:cNvSpPr txBox="1">
+            <a:spLocks noGrp="1"/>
+          </p:cNvSpPr>
           <p:nvPr>
-            <p:ph idx="10" type="dt"/>
+            <p:ph type="dt" idx="10"/>
           </p:nvPr>
         </p:nvSpPr>
         <p:spPr>
@@ -502,20 +509,20 @@
           </a:ln>
         </p:spPr>
         <p:txBody>
-          <a:bodyPr anchorCtr="0" anchor="t" bIns="91425" lIns="91425" spcFirstLastPara="1" rIns="91425" wrap="square" tIns="91425">
+          <a:bodyPr spcFirstLastPara="1" wrap="square" lIns="91425" tIns="91425" rIns="91425" bIns="91425" anchor="t" anchorCtr="0">
             <a:noAutofit/>
           </a:bodyPr>
           <a:lstStyle>
-            <a:lvl1pPr indent="0" lvl="0" marL="0" marR="0" rtl="0" algn="r">
-              <a:spcBef>
-                <a:spcPts val="0"/>
-              </a:spcBef>
-              <a:spcAft>
-                <a:spcPts val="0"/>
-              </a:spcAft>
-              <a:buSzPts val="1400"/>
-              <a:buNone/>
-              <a:defRPr b="0" i="0" sz="1200" u="none" cap="none" strike="noStrike">
+            <a:lvl1pPr marL="0" marR="0" lvl="0" indent="0" algn="r" rtl="0">
+              <a:spcBef>
+                <a:spcPts val="0"/>
+              </a:spcBef>
+              <a:spcAft>
+                <a:spcPts val="0"/>
+              </a:spcAft>
+              <a:buSzPts val="1400"/>
+              <a:buNone/>
+              <a:defRPr sz="1200" b="0" i="0" u="none" strike="noStrike" cap="none">
                 <a:solidFill>
                   <a:schemeClr val="dk1"/>
                 </a:solidFill>
@@ -525,16 +532,16 @@
                 <a:sym typeface="Arial"/>
               </a:defRPr>
             </a:lvl1pPr>
-            <a:lvl2pPr indent="0" lvl="1" marL="457200" marR="0" rtl="0" algn="l">
-              <a:spcBef>
-                <a:spcPts val="0"/>
-              </a:spcBef>
-              <a:spcAft>
-                <a:spcPts val="0"/>
-              </a:spcAft>
-              <a:buSzPts val="1400"/>
-              <a:buNone/>
-              <a:defRPr b="0" i="0" sz="1800" u="none" cap="none" strike="noStrike">
+            <a:lvl2pPr marL="457200" marR="0" lvl="1" indent="0" algn="l" rtl="0">
+              <a:spcBef>
+                <a:spcPts val="0"/>
+              </a:spcBef>
+              <a:spcAft>
+                <a:spcPts val="0"/>
+              </a:spcAft>
+              <a:buSzPts val="1400"/>
+              <a:buNone/>
+              <a:defRPr sz="1800" b="0" i="0" u="none" strike="noStrike" cap="none">
                 <a:solidFill>
                   <a:schemeClr val="dk1"/>
                 </a:solidFill>
@@ -544,16 +551,16 @@
                 <a:sym typeface="Arial"/>
               </a:defRPr>
             </a:lvl2pPr>
-            <a:lvl3pPr indent="0" lvl="2" marL="914400" marR="0" rtl="0" algn="l">
-              <a:spcBef>
-                <a:spcPts val="0"/>
-              </a:spcBef>
-              <a:spcAft>
-                <a:spcPts val="0"/>
-              </a:spcAft>
-              <a:buSzPts val="1400"/>
-              <a:buNone/>
-              <a:defRPr b="0" i="0" sz="1800" u="none" cap="none" strike="noStrike">
+            <a:lvl3pPr marL="914400" marR="0" lvl="2" indent="0" algn="l" rtl="0">
+              <a:spcBef>
+                <a:spcPts val="0"/>
+              </a:spcBef>
+              <a:spcAft>
+                <a:spcPts val="0"/>
+              </a:spcAft>
+              <a:buSzPts val="1400"/>
+              <a:buNone/>
+              <a:defRPr sz="1800" b="0" i="0" u="none" strike="noStrike" cap="none">
                 <a:solidFill>
                   <a:schemeClr val="dk1"/>
                 </a:solidFill>
@@ -563,16 +570,16 @@
                 <a:sym typeface="Arial"/>
               </a:defRPr>
             </a:lvl3pPr>
-            <a:lvl4pPr indent="0" lvl="3" marL="1371600" marR="0" rtl="0" algn="l">
-              <a:spcBef>
-                <a:spcPts val="0"/>
-              </a:spcBef>
-              <a:spcAft>
-                <a:spcPts val="0"/>
-              </a:spcAft>
-              <a:buSzPts val="1400"/>
-              <a:buNone/>
-              <a:defRPr b="0" i="0" sz="1800" u="none" cap="none" strike="noStrike">
+            <a:lvl4pPr marL="1371600" marR="0" lvl="3" indent="0" algn="l" rtl="0">
+              <a:spcBef>
+                <a:spcPts val="0"/>
+              </a:spcBef>
+              <a:spcAft>
+                <a:spcPts val="0"/>
+              </a:spcAft>
+              <a:buSzPts val="1400"/>
+              <a:buNone/>
+              <a:defRPr sz="1800" b="0" i="0" u="none" strike="noStrike" cap="none">
                 <a:solidFill>
                   <a:schemeClr val="dk1"/>
                 </a:solidFill>
@@ -582,16 +589,16 @@
                 <a:sym typeface="Arial"/>
               </a:defRPr>
             </a:lvl4pPr>
-            <a:lvl5pPr indent="0" lvl="4" marL="1828800" marR="0" rtl="0" algn="l">
-              <a:spcBef>
-                <a:spcPts val="0"/>
-              </a:spcBef>
-              <a:spcAft>
-                <a:spcPts val="0"/>
-              </a:spcAft>
-              <a:buSzPts val="1400"/>
-              <a:buNone/>
-              <a:defRPr b="0" i="0" sz="1800" u="none" cap="none" strike="noStrike">
+            <a:lvl5pPr marL="1828800" marR="0" lvl="4" indent="0" algn="l" rtl="0">
+              <a:spcBef>
+                <a:spcPts val="0"/>
+              </a:spcBef>
+              <a:spcAft>
+                <a:spcPts val="0"/>
+              </a:spcAft>
+              <a:buSzPts val="1400"/>
+              <a:buNone/>
+              <a:defRPr sz="1800" b="0" i="0" u="none" strike="noStrike" cap="none">
                 <a:solidFill>
                   <a:schemeClr val="dk1"/>
                 </a:solidFill>
@@ -601,16 +608,16 @@
                 <a:sym typeface="Arial"/>
               </a:defRPr>
             </a:lvl5pPr>
-            <a:lvl6pPr indent="0" lvl="5" marL="2286000" marR="0" rtl="0" algn="l">
-              <a:spcBef>
-                <a:spcPts val="0"/>
-              </a:spcBef>
-              <a:spcAft>
-                <a:spcPts val="0"/>
-              </a:spcAft>
-              <a:buSzPts val="1400"/>
-              <a:buNone/>
-              <a:defRPr b="0" i="0" sz="1800" u="none" cap="none" strike="noStrike">
+            <a:lvl6pPr marL="2286000" marR="0" lvl="5" indent="0" algn="l" rtl="0">
+              <a:spcBef>
+                <a:spcPts val="0"/>
+              </a:spcBef>
+              <a:spcAft>
+                <a:spcPts val="0"/>
+              </a:spcAft>
+              <a:buSzPts val="1400"/>
+              <a:buNone/>
+              <a:defRPr sz="1800" b="0" i="0" u="none" strike="noStrike" cap="none">
                 <a:solidFill>
                   <a:schemeClr val="dk1"/>
                 </a:solidFill>
@@ -620,16 +627,16 @@
                 <a:sym typeface="Arial"/>
               </a:defRPr>
             </a:lvl6pPr>
-            <a:lvl7pPr indent="0" lvl="6" marL="2743200" marR="0" rtl="0" algn="l">
-              <a:spcBef>
-                <a:spcPts val="0"/>
-              </a:spcBef>
-              <a:spcAft>
-                <a:spcPts val="0"/>
-              </a:spcAft>
-              <a:buSzPts val="1400"/>
-              <a:buNone/>
-              <a:defRPr b="0" i="0" sz="1800" u="none" cap="none" strike="noStrike">
+            <a:lvl7pPr marL="2743200" marR="0" lvl="6" indent="0" algn="l" rtl="0">
+              <a:spcBef>
+                <a:spcPts val="0"/>
+              </a:spcBef>
+              <a:spcAft>
+                <a:spcPts val="0"/>
+              </a:spcAft>
+              <a:buSzPts val="1400"/>
+              <a:buNone/>
+              <a:defRPr sz="1800" b="0" i="0" u="none" strike="noStrike" cap="none">
                 <a:solidFill>
                   <a:schemeClr val="dk1"/>
                 </a:solidFill>
@@ -639,16 +646,16 @@
                 <a:sym typeface="Arial"/>
               </a:defRPr>
             </a:lvl7pPr>
-            <a:lvl8pPr indent="0" lvl="7" marL="3200400" marR="0" rtl="0" algn="l">
-              <a:spcBef>
-                <a:spcPts val="0"/>
-              </a:spcBef>
-              <a:spcAft>
-                <a:spcPts val="0"/>
-              </a:spcAft>
-              <a:buSzPts val="1400"/>
-              <a:buNone/>
-              <a:defRPr b="0" i="0" sz="1800" u="none" cap="none" strike="noStrike">
+            <a:lvl8pPr marL="3200400" marR="0" lvl="7" indent="0" algn="l" rtl="0">
+              <a:spcBef>
+                <a:spcPts val="0"/>
+              </a:spcBef>
+              <a:spcAft>
+                <a:spcPts val="0"/>
+              </a:spcAft>
+              <a:buSzPts val="1400"/>
+              <a:buNone/>
+              <a:defRPr sz="1800" b="0" i="0" u="none" strike="noStrike" cap="none">
                 <a:solidFill>
                   <a:schemeClr val="dk1"/>
                 </a:solidFill>
@@ -658,16 +665,16 @@
                 <a:sym typeface="Arial"/>
               </a:defRPr>
             </a:lvl8pPr>
-            <a:lvl9pPr indent="0" lvl="8" marL="3657600" marR="0" rtl="0" algn="l">
-              <a:spcBef>
-                <a:spcPts val="0"/>
-              </a:spcBef>
-              <a:spcAft>
-                <a:spcPts val="0"/>
-              </a:spcAft>
-              <a:buSzPts val="1400"/>
-              <a:buNone/>
-              <a:defRPr b="0" i="0" sz="1800" u="none" cap="none" strike="noStrike">
+            <a:lvl9pPr marL="3657600" marR="0" lvl="8" indent="0" algn="l" rtl="0">
+              <a:spcBef>
+                <a:spcPts val="0"/>
+              </a:spcBef>
+              <a:spcAft>
+                <a:spcPts val="0"/>
+              </a:spcAft>
+              <a:buSzPts val="1400"/>
+              <a:buNone/>
+              <a:defRPr sz="1800" b="0" i="0" u="none" strike="noStrike" cap="none">
                 <a:solidFill>
                   <a:schemeClr val="dk1"/>
                 </a:solidFill>
@@ -678,15 +685,19 @@
               </a:defRPr>
             </a:lvl9pPr>
           </a:lstStyle>
-          <a:p/>
+          <a:p>
+            <a:endParaRPr/>
+          </a:p>
         </p:txBody>
       </p:sp>
       <p:sp>
         <p:nvSpPr>
           <p:cNvPr id="5" name="Google Shape;5;n"/>
-          <p:cNvSpPr/>
+          <p:cNvSpPr>
+            <a:spLocks noGrp="1" noRot="1" noChangeAspect="1"/>
+          </p:cNvSpPr>
           <p:nvPr>
-            <p:ph idx="3" type="sldImg"/>
+            <p:ph type="sldImg" idx="3"/>
           </p:nvPr>
         </p:nvSpPr>
         <p:spPr>
@@ -695,9 +706,13 @@
             <a:ext cx="4572000" cy="3429000"/>
           </a:xfrm>
           <a:custGeom>
-            <a:rect b="b" l="l" r="r" t="t"/>
+            <a:avLst/>
+            <a:gdLst/>
+            <a:ahLst/>
+            <a:cxnLst/>
+            <a:rect l="l" t="t" r="r" b="b"/>
             <a:pathLst>
-              <a:path extrusionOk="0" h="120000" w="120000">
+              <a:path w="120000" h="120000" extrusionOk="0">
                 <a:moveTo>
                   <a:pt x="0" y="0"/>
                 </a:moveTo>
@@ -715,23 +730,25 @@
             </a:pathLst>
           </a:custGeom>
           <a:noFill/>
-          <a:ln cap="flat" cmpd="sng" w="12700">
+          <a:ln w="12700" cap="flat" cmpd="sng">
             <a:solidFill>
               <a:srgbClr val="000000"/>
             </a:solidFill>
             <a:prstDash val="solid"/>
             <a:round/>
-            <a:headEnd len="sm" w="sm" type="none"/>
-            <a:tailEnd len="sm" w="sm" type="none"/>
+            <a:headEnd type="none" w="sm" len="sm"/>
+            <a:tailEnd type="none" w="sm" len="sm"/>
           </a:ln>
         </p:spPr>
       </p:sp>
       <p:sp>
         <p:nvSpPr>
           <p:cNvPr id="6" name="Google Shape;6;n"/>
-          <p:cNvSpPr txBox="1"/>
+          <p:cNvSpPr txBox="1">
+            <a:spLocks noGrp="1"/>
+          </p:cNvSpPr>
           <p:nvPr>
-            <p:ph idx="1" type="body"/>
+            <p:ph type="body" idx="1"/>
           </p:nvPr>
         </p:nvSpPr>
         <p:spPr>
@@ -748,20 +765,20 @@
           </a:ln>
         </p:spPr>
         <p:txBody>
-          <a:bodyPr anchorCtr="0" anchor="t" bIns="91425" lIns="91425" spcFirstLastPara="1" rIns="91425" wrap="square" tIns="91425">
+          <a:bodyPr spcFirstLastPara="1" wrap="square" lIns="91425" tIns="91425" rIns="91425" bIns="91425" anchor="t" anchorCtr="0">
             <a:noAutofit/>
           </a:bodyPr>
           <a:lstStyle>
-            <a:lvl1pPr indent="-228600" lvl="0" marL="457200" marR="0" rtl="0" algn="l">
-              <a:spcBef>
-                <a:spcPts val="0"/>
-              </a:spcBef>
-              <a:spcAft>
-                <a:spcPts val="0"/>
-              </a:spcAft>
-              <a:buSzPts val="1400"/>
-              <a:buNone/>
-              <a:defRPr b="0" i="0" sz="1200" u="none" cap="none" strike="noStrike">
+            <a:lvl1pPr marL="457200" marR="0" lvl="0" indent="-228600" algn="l" rtl="0">
+              <a:spcBef>
+                <a:spcPts val="0"/>
+              </a:spcBef>
+              <a:spcAft>
+                <a:spcPts val="0"/>
+              </a:spcAft>
+              <a:buSzPts val="1400"/>
+              <a:buNone/>
+              <a:defRPr sz="1200" b="0" i="0" u="none" strike="noStrike" cap="none">
                 <a:solidFill>
                   <a:schemeClr val="dk1"/>
                 </a:solidFill>
@@ -771,16 +788,16 @@
                 <a:sym typeface="Calibri"/>
               </a:defRPr>
             </a:lvl1pPr>
-            <a:lvl2pPr indent="-228600" lvl="1" marL="914400" marR="0" rtl="0" algn="l">
-              <a:spcBef>
-                <a:spcPts val="0"/>
-              </a:spcBef>
-              <a:spcAft>
-                <a:spcPts val="0"/>
-              </a:spcAft>
-              <a:buSzPts val="1400"/>
-              <a:buNone/>
-              <a:defRPr b="0" i="0" sz="1200" u="none" cap="none" strike="noStrike">
+            <a:lvl2pPr marL="914400" marR="0" lvl="1" indent="-228600" algn="l" rtl="0">
+              <a:spcBef>
+                <a:spcPts val="0"/>
+              </a:spcBef>
+              <a:spcAft>
+                <a:spcPts val="0"/>
+              </a:spcAft>
+              <a:buSzPts val="1400"/>
+              <a:buNone/>
+              <a:defRPr sz="1200" b="0" i="0" u="none" strike="noStrike" cap="none">
                 <a:solidFill>
                   <a:schemeClr val="dk1"/>
                 </a:solidFill>
@@ -790,16 +807,16 @@
                 <a:sym typeface="Calibri"/>
               </a:defRPr>
             </a:lvl2pPr>
-            <a:lvl3pPr indent="-228600" lvl="2" marL="1371600" marR="0" rtl="0" algn="l">
-              <a:spcBef>
-                <a:spcPts val="0"/>
-              </a:spcBef>
-              <a:spcAft>
-                <a:spcPts val="0"/>
-              </a:spcAft>
-              <a:buSzPts val="1400"/>
-              <a:buNone/>
-              <a:defRPr b="0" i="0" sz="1200" u="none" cap="none" strike="noStrike">
+            <a:lvl3pPr marL="1371600" marR="0" lvl="2" indent="-228600" algn="l" rtl="0">
+              <a:spcBef>
+                <a:spcPts val="0"/>
+              </a:spcBef>
+              <a:spcAft>
+                <a:spcPts val="0"/>
+              </a:spcAft>
+              <a:buSzPts val="1400"/>
+              <a:buNone/>
+              <a:defRPr sz="1200" b="0" i="0" u="none" strike="noStrike" cap="none">
                 <a:solidFill>
                   <a:schemeClr val="dk1"/>
                 </a:solidFill>
@@ -809,16 +826,16 @@
                 <a:sym typeface="Calibri"/>
               </a:defRPr>
             </a:lvl3pPr>
-            <a:lvl4pPr indent="-228600" lvl="3" marL="1828800" marR="0" rtl="0" algn="l">
-              <a:spcBef>
-                <a:spcPts val="0"/>
-              </a:spcBef>
-              <a:spcAft>
-                <a:spcPts val="0"/>
-              </a:spcAft>
-              <a:buSzPts val="1400"/>
-              <a:buNone/>
-              <a:defRPr b="0" i="0" sz="1200" u="none" cap="none" strike="noStrike">
+            <a:lvl4pPr marL="1828800" marR="0" lvl="3" indent="-228600" algn="l" rtl="0">
+              <a:spcBef>
+                <a:spcPts val="0"/>
+              </a:spcBef>
+              <a:spcAft>
+                <a:spcPts val="0"/>
+              </a:spcAft>
+              <a:buSzPts val="1400"/>
+              <a:buNone/>
+              <a:defRPr sz="1200" b="0" i="0" u="none" strike="noStrike" cap="none">
                 <a:solidFill>
                   <a:schemeClr val="dk1"/>
                 </a:solidFill>
@@ -828,16 +845,16 @@
                 <a:sym typeface="Calibri"/>
               </a:defRPr>
             </a:lvl4pPr>
-            <a:lvl5pPr indent="-228600" lvl="4" marL="2286000" marR="0" rtl="0" algn="l">
-              <a:spcBef>
-                <a:spcPts val="0"/>
-              </a:spcBef>
-              <a:spcAft>
-                <a:spcPts val="0"/>
-              </a:spcAft>
-              <a:buSzPts val="1400"/>
-              <a:buNone/>
-              <a:defRPr b="0" i="0" sz="1200" u="none" cap="none" strike="noStrike">
+            <a:lvl5pPr marL="2286000" marR="0" lvl="4" indent="-228600" algn="l" rtl="0">
+              <a:spcBef>
+                <a:spcPts val="0"/>
+              </a:spcBef>
+              <a:spcAft>
+                <a:spcPts val="0"/>
+              </a:spcAft>
+              <a:buSzPts val="1400"/>
+              <a:buNone/>
+              <a:defRPr sz="1200" b="0" i="0" u="none" strike="noStrike" cap="none">
                 <a:solidFill>
                   <a:schemeClr val="dk1"/>
                 </a:solidFill>
@@ -847,16 +864,16 @@
                 <a:sym typeface="Calibri"/>
               </a:defRPr>
             </a:lvl5pPr>
-            <a:lvl6pPr indent="-228600" lvl="5" marL="2743200" marR="0" rtl="0" algn="l">
-              <a:spcBef>
-                <a:spcPts val="0"/>
-              </a:spcBef>
-              <a:spcAft>
-                <a:spcPts val="0"/>
-              </a:spcAft>
-              <a:buSzPts val="1400"/>
-              <a:buNone/>
-              <a:defRPr b="0" i="0" sz="1200" u="none" cap="none" strike="noStrike">
+            <a:lvl6pPr marL="2743200" marR="0" lvl="5" indent="-228600" algn="l" rtl="0">
+              <a:spcBef>
+                <a:spcPts val="0"/>
+              </a:spcBef>
+              <a:spcAft>
+                <a:spcPts val="0"/>
+              </a:spcAft>
+              <a:buSzPts val="1400"/>
+              <a:buNone/>
+              <a:defRPr sz="1200" b="0" i="0" u="none" strike="noStrike" cap="none">
                 <a:solidFill>
                   <a:schemeClr val="dk1"/>
                 </a:solidFill>
@@ -866,16 +883,16 @@
                 <a:sym typeface="Calibri"/>
               </a:defRPr>
             </a:lvl6pPr>
-            <a:lvl7pPr indent="-228600" lvl="6" marL="3200400" marR="0" rtl="0" algn="l">
-              <a:spcBef>
-                <a:spcPts val="0"/>
-              </a:spcBef>
-              <a:spcAft>
-                <a:spcPts val="0"/>
-              </a:spcAft>
-              <a:buSzPts val="1400"/>
-              <a:buNone/>
-              <a:defRPr b="0" i="0" sz="1200" u="none" cap="none" strike="noStrike">
+            <a:lvl7pPr marL="3200400" marR="0" lvl="6" indent="-228600" algn="l" rtl="0">
+              <a:spcBef>
+                <a:spcPts val="0"/>
+              </a:spcBef>
+              <a:spcAft>
+                <a:spcPts val="0"/>
+              </a:spcAft>
+              <a:buSzPts val="1400"/>
+              <a:buNone/>
+              <a:defRPr sz="1200" b="0" i="0" u="none" strike="noStrike" cap="none">
                 <a:solidFill>
                   <a:schemeClr val="dk1"/>
                 </a:solidFill>
@@ -885,16 +902,16 @@
                 <a:sym typeface="Calibri"/>
               </a:defRPr>
             </a:lvl7pPr>
-            <a:lvl8pPr indent="-228600" lvl="7" marL="3657600" marR="0" rtl="0" algn="l">
-              <a:spcBef>
-                <a:spcPts val="0"/>
-              </a:spcBef>
-              <a:spcAft>
-                <a:spcPts val="0"/>
-              </a:spcAft>
-              <a:buSzPts val="1400"/>
-              <a:buNone/>
-              <a:defRPr b="0" i="0" sz="1200" u="none" cap="none" strike="noStrike">
+            <a:lvl8pPr marL="3657600" marR="0" lvl="7" indent="-228600" algn="l" rtl="0">
+              <a:spcBef>
+                <a:spcPts val="0"/>
+              </a:spcBef>
+              <a:spcAft>
+                <a:spcPts val="0"/>
+              </a:spcAft>
+              <a:buSzPts val="1400"/>
+              <a:buNone/>
+              <a:defRPr sz="1200" b="0" i="0" u="none" strike="noStrike" cap="none">
                 <a:solidFill>
                   <a:schemeClr val="dk1"/>
                 </a:solidFill>
@@ -904,16 +921,16 @@
                 <a:sym typeface="Calibri"/>
               </a:defRPr>
             </a:lvl8pPr>
-            <a:lvl9pPr indent="-228600" lvl="8" marL="4114800" marR="0" rtl="0" algn="l">
-              <a:spcBef>
-                <a:spcPts val="0"/>
-              </a:spcBef>
-              <a:spcAft>
-                <a:spcPts val="0"/>
-              </a:spcAft>
-              <a:buSzPts val="1400"/>
-              <a:buNone/>
-              <a:defRPr b="0" i="0" sz="1200" u="none" cap="none" strike="noStrike">
+            <a:lvl9pPr marL="4114800" marR="0" lvl="8" indent="-228600" algn="l" rtl="0">
+              <a:spcBef>
+                <a:spcPts val="0"/>
+              </a:spcBef>
+              <a:spcAft>
+                <a:spcPts val="0"/>
+              </a:spcAft>
+              <a:buSzPts val="1400"/>
+              <a:buNone/>
+              <a:defRPr sz="1200" b="0" i="0" u="none" strike="noStrike" cap="none">
                 <a:solidFill>
                   <a:schemeClr val="dk1"/>
                 </a:solidFill>
@@ -924,15 +941,19 @@
               </a:defRPr>
             </a:lvl9pPr>
           </a:lstStyle>
-          <a:p/>
+          <a:p>
+            <a:endParaRPr/>
+          </a:p>
         </p:txBody>
       </p:sp>
       <p:sp>
         <p:nvSpPr>
           <p:cNvPr id="7" name="Google Shape;7;n"/>
-          <p:cNvSpPr txBox="1"/>
+          <p:cNvSpPr txBox="1">
+            <a:spLocks noGrp="1"/>
+          </p:cNvSpPr>
           <p:nvPr>
-            <p:ph idx="11" type="ftr"/>
+            <p:ph type="ftr" idx="11"/>
           </p:nvPr>
         </p:nvSpPr>
         <p:spPr>
@@ -949,20 +970,20 @@
           </a:ln>
         </p:spPr>
         <p:txBody>
-          <a:bodyPr anchorCtr="0" anchor="b" bIns="91425" lIns="91425" spcFirstLastPara="1" rIns="91425" wrap="square" tIns="91425">
+          <a:bodyPr spcFirstLastPara="1" wrap="square" lIns="91425" tIns="91425" rIns="91425" bIns="91425" anchor="b" anchorCtr="0">
             <a:noAutofit/>
           </a:bodyPr>
           <a:lstStyle>
-            <a:lvl1pPr indent="0" lvl="0" marL="0" marR="0" rtl="0" algn="l">
-              <a:spcBef>
-                <a:spcPts val="0"/>
-              </a:spcBef>
-              <a:spcAft>
-                <a:spcPts val="0"/>
-              </a:spcAft>
-              <a:buSzPts val="1400"/>
-              <a:buNone/>
-              <a:defRPr b="0" i="0" sz="1200" u="none" cap="none" strike="noStrike">
+            <a:lvl1pPr marL="0" marR="0" lvl="0" indent="0" algn="l" rtl="0">
+              <a:spcBef>
+                <a:spcPts val="0"/>
+              </a:spcBef>
+              <a:spcAft>
+                <a:spcPts val="0"/>
+              </a:spcAft>
+              <a:buSzPts val="1400"/>
+              <a:buNone/>
+              <a:defRPr sz="1200" b="0" i="0" u="none" strike="noStrike" cap="none">
                 <a:solidFill>
                   <a:schemeClr val="dk1"/>
                 </a:solidFill>
@@ -972,16 +993,16 @@
                 <a:sym typeface="Arial"/>
               </a:defRPr>
             </a:lvl1pPr>
-            <a:lvl2pPr indent="0" lvl="1" marL="457200" marR="0" rtl="0" algn="l">
-              <a:spcBef>
-                <a:spcPts val="0"/>
-              </a:spcBef>
-              <a:spcAft>
-                <a:spcPts val="0"/>
-              </a:spcAft>
-              <a:buSzPts val="1400"/>
-              <a:buNone/>
-              <a:defRPr b="0" i="0" sz="1800" u="none" cap="none" strike="noStrike">
+            <a:lvl2pPr marL="457200" marR="0" lvl="1" indent="0" algn="l" rtl="0">
+              <a:spcBef>
+                <a:spcPts val="0"/>
+              </a:spcBef>
+              <a:spcAft>
+                <a:spcPts val="0"/>
+              </a:spcAft>
+              <a:buSzPts val="1400"/>
+              <a:buNone/>
+              <a:defRPr sz="1800" b="0" i="0" u="none" strike="noStrike" cap="none">
                 <a:solidFill>
                   <a:schemeClr val="dk1"/>
                 </a:solidFill>
@@ -991,16 +1012,16 @@
                 <a:sym typeface="Arial"/>
               </a:defRPr>
             </a:lvl2pPr>
-            <a:lvl3pPr indent="0" lvl="2" marL="914400" marR="0" rtl="0" algn="l">
-              <a:spcBef>
-                <a:spcPts val="0"/>
-              </a:spcBef>
-              <a:spcAft>
-                <a:spcPts val="0"/>
-              </a:spcAft>
-              <a:buSzPts val="1400"/>
-              <a:buNone/>
-              <a:defRPr b="0" i="0" sz="1800" u="none" cap="none" strike="noStrike">
+            <a:lvl3pPr marL="914400" marR="0" lvl="2" indent="0" algn="l" rtl="0">
+              <a:spcBef>
+                <a:spcPts val="0"/>
+              </a:spcBef>
+              <a:spcAft>
+                <a:spcPts val="0"/>
+              </a:spcAft>
+              <a:buSzPts val="1400"/>
+              <a:buNone/>
+              <a:defRPr sz="1800" b="0" i="0" u="none" strike="noStrike" cap="none">
                 <a:solidFill>
                   <a:schemeClr val="dk1"/>
                 </a:solidFill>
@@ -1010,16 +1031,16 @@
                 <a:sym typeface="Arial"/>
               </a:defRPr>
             </a:lvl3pPr>
-            <a:lvl4pPr indent="0" lvl="3" marL="1371600" marR="0" rtl="0" algn="l">
-              <a:spcBef>
-                <a:spcPts val="0"/>
-              </a:spcBef>
-              <a:spcAft>
-                <a:spcPts val="0"/>
-              </a:spcAft>
-              <a:buSzPts val="1400"/>
-              <a:buNone/>
-              <a:defRPr b="0" i="0" sz="1800" u="none" cap="none" strike="noStrike">
+            <a:lvl4pPr marL="1371600" marR="0" lvl="3" indent="0" algn="l" rtl="0">
+              <a:spcBef>
+                <a:spcPts val="0"/>
+              </a:spcBef>
+              <a:spcAft>
+                <a:spcPts val="0"/>
+              </a:spcAft>
+              <a:buSzPts val="1400"/>
+              <a:buNone/>
+              <a:defRPr sz="1800" b="0" i="0" u="none" strike="noStrike" cap="none">
                 <a:solidFill>
                   <a:schemeClr val="dk1"/>
                 </a:solidFill>
@@ -1029,16 +1050,16 @@
                 <a:sym typeface="Arial"/>
               </a:defRPr>
             </a:lvl4pPr>
-            <a:lvl5pPr indent="0" lvl="4" marL="1828800" marR="0" rtl="0" algn="l">
-              <a:spcBef>
-                <a:spcPts val="0"/>
-              </a:spcBef>
-              <a:spcAft>
-                <a:spcPts val="0"/>
-              </a:spcAft>
-              <a:buSzPts val="1400"/>
-              <a:buNone/>
-              <a:defRPr b="0" i="0" sz="1800" u="none" cap="none" strike="noStrike">
+            <a:lvl5pPr marL="1828800" marR="0" lvl="4" indent="0" algn="l" rtl="0">
+              <a:spcBef>
+                <a:spcPts val="0"/>
+              </a:spcBef>
+              <a:spcAft>
+                <a:spcPts val="0"/>
+              </a:spcAft>
+              <a:buSzPts val="1400"/>
+              <a:buNone/>
+              <a:defRPr sz="1800" b="0" i="0" u="none" strike="noStrike" cap="none">
                 <a:solidFill>
                   <a:schemeClr val="dk1"/>
                 </a:solidFill>
@@ -1048,16 +1069,16 @@
                 <a:sym typeface="Arial"/>
               </a:defRPr>
             </a:lvl5pPr>
-            <a:lvl6pPr indent="0" lvl="5" marL="2286000" marR="0" rtl="0" algn="l">
-              <a:spcBef>
-                <a:spcPts val="0"/>
-              </a:spcBef>
-              <a:spcAft>
-                <a:spcPts val="0"/>
-              </a:spcAft>
-              <a:buSzPts val="1400"/>
-              <a:buNone/>
-              <a:defRPr b="0" i="0" sz="1800" u="none" cap="none" strike="noStrike">
+            <a:lvl6pPr marL="2286000" marR="0" lvl="5" indent="0" algn="l" rtl="0">
+              <a:spcBef>
+                <a:spcPts val="0"/>
+              </a:spcBef>
+              <a:spcAft>
+                <a:spcPts val="0"/>
+              </a:spcAft>
+              <a:buSzPts val="1400"/>
+              <a:buNone/>
+              <a:defRPr sz="1800" b="0" i="0" u="none" strike="noStrike" cap="none">
                 <a:solidFill>
                   <a:schemeClr val="dk1"/>
                 </a:solidFill>
@@ -1067,16 +1088,16 @@
                 <a:sym typeface="Arial"/>
               </a:defRPr>
             </a:lvl6pPr>
-            <a:lvl7pPr indent="0" lvl="6" marL="2743200" marR="0" rtl="0" algn="l">
-              <a:spcBef>
-                <a:spcPts val="0"/>
-              </a:spcBef>
-              <a:spcAft>
-                <a:spcPts val="0"/>
-              </a:spcAft>
-              <a:buSzPts val="1400"/>
-              <a:buNone/>
-              <a:defRPr b="0" i="0" sz="1800" u="none" cap="none" strike="noStrike">
+            <a:lvl7pPr marL="2743200" marR="0" lvl="6" indent="0" algn="l" rtl="0">
+              <a:spcBef>
+                <a:spcPts val="0"/>
+              </a:spcBef>
+              <a:spcAft>
+                <a:spcPts val="0"/>
+              </a:spcAft>
+              <a:buSzPts val="1400"/>
+              <a:buNone/>
+              <a:defRPr sz="1800" b="0" i="0" u="none" strike="noStrike" cap="none">
                 <a:solidFill>
                   <a:schemeClr val="dk1"/>
                 </a:solidFill>
@@ -1086,16 +1107,16 @@
                 <a:sym typeface="Arial"/>
               </a:defRPr>
             </a:lvl7pPr>
-            <a:lvl8pPr indent="0" lvl="7" marL="3200400" marR="0" rtl="0" algn="l">
-              <a:spcBef>
-                <a:spcPts val="0"/>
-              </a:spcBef>
-              <a:spcAft>
-                <a:spcPts val="0"/>
-              </a:spcAft>
-              <a:buSzPts val="1400"/>
-              <a:buNone/>
-              <a:defRPr b="0" i="0" sz="1800" u="none" cap="none" strike="noStrike">
+            <a:lvl8pPr marL="3200400" marR="0" lvl="7" indent="0" algn="l" rtl="0">
+              <a:spcBef>
+                <a:spcPts val="0"/>
+              </a:spcBef>
+              <a:spcAft>
+                <a:spcPts val="0"/>
+              </a:spcAft>
+              <a:buSzPts val="1400"/>
+              <a:buNone/>
+              <a:defRPr sz="1800" b="0" i="0" u="none" strike="noStrike" cap="none">
                 <a:solidFill>
                   <a:schemeClr val="dk1"/>
                 </a:solidFill>
@@ -1105,16 +1126,16 @@
                 <a:sym typeface="Arial"/>
               </a:defRPr>
             </a:lvl8pPr>
-            <a:lvl9pPr indent="0" lvl="8" marL="3657600" marR="0" rtl="0" algn="l">
-              <a:spcBef>
-                <a:spcPts val="0"/>
-              </a:spcBef>
-              <a:spcAft>
-                <a:spcPts val="0"/>
-              </a:spcAft>
-              <a:buSzPts val="1400"/>
-              <a:buNone/>
-              <a:defRPr b="0" i="0" sz="1800" u="none" cap="none" strike="noStrike">
+            <a:lvl9pPr marL="3657600" marR="0" lvl="8" indent="0" algn="l" rtl="0">
+              <a:spcBef>
+                <a:spcPts val="0"/>
+              </a:spcBef>
+              <a:spcAft>
+                <a:spcPts val="0"/>
+              </a:spcAft>
+              <a:buSzPts val="1400"/>
+              <a:buNone/>
+              <a:defRPr sz="1800" b="0" i="0" u="none" strike="noStrike" cap="none">
                 <a:solidFill>
                   <a:schemeClr val="dk1"/>
                 </a:solidFill>
@@ -1125,15 +1146,19 @@
               </a:defRPr>
             </a:lvl9pPr>
           </a:lstStyle>
-          <a:p/>
+          <a:p>
+            <a:endParaRPr/>
+          </a:p>
         </p:txBody>
       </p:sp>
       <p:sp>
         <p:nvSpPr>
           <p:cNvPr id="8" name="Google Shape;8;n"/>
-          <p:cNvSpPr txBox="1"/>
+          <p:cNvSpPr txBox="1">
+            <a:spLocks noGrp="1"/>
+          </p:cNvSpPr>
           <p:nvPr>
-            <p:ph idx="12" type="sldNum"/>
+            <p:ph type="sldNum" idx="12"/>
           </p:nvPr>
         </p:nvSpPr>
         <p:spPr>
@@ -1150,12 +1175,12 @@
           </a:ln>
         </p:spPr>
         <p:txBody>
-          <a:bodyPr anchorCtr="0" anchor="b" bIns="45700" lIns="91425" spcFirstLastPara="1" rIns="91425" wrap="square" tIns="45700">
+          <a:bodyPr spcFirstLastPara="1" wrap="square" lIns="91425" tIns="45700" rIns="91425" bIns="45700" anchor="b" anchorCtr="0">
             <a:noAutofit/>
           </a:bodyPr>
           <a:lstStyle/>
           <a:p>
-            <a:pPr indent="0" lvl="0" marL="0" marR="0" rtl="0" algn="r">
+            <a:pPr marL="0" marR="0" lvl="0" indent="0" algn="r" rtl="0">
               <a:spcBef>
                 <a:spcPts val="0"/>
               </a:spcBef>
@@ -1165,7 +1190,7 @@
               <a:buNone/>
             </a:pPr>
             <a:fld id="{00000000-1234-1234-1234-123412341234}" type="slidenum">
-              <a:rPr b="0" i="0" lang="en-US" sz="1200" u="none" cap="none" strike="noStrike">
+              <a:rPr lang="en-US" sz="1200" b="0" i="0" u="none" strike="noStrike" cap="none">
                 <a:solidFill>
                   <a:schemeClr val="dk1"/>
                 </a:solidFill>
@@ -1176,7 +1201,7 @@
               </a:rPr>
               <a:t>‹#›</a:t>
             </a:fld>
-            <a:endParaRPr b="0" i="0" sz="1200" u="none" cap="none" strike="noStrike">
+            <a:endParaRPr sz="1200" b="0" i="0" u="none" strike="noStrike" cap="none">
               <a:solidFill>
                 <a:schemeClr val="dk1"/>
               </a:solidFill>
@@ -1190,9 +1215,9 @@
       </p:sp>
     </p:spTree>
   </p:cSld>
-  <p:clrMap accent1="accent1" accent2="accent2" accent3="accent3" accent4="accent4" accent5="accent5" accent6="accent6" bg1="lt1" bg2="dk2" tx1="dk1" tx2="lt2" folHlink="folHlink" hlink="hlink"/>
+  <p:clrMap bg1="lt1" tx1="dk1" bg2="dk2" tx2="lt2" accent1="accent1" accent2="accent2" accent3="accent3" accent4="accent4" accent5="accent5" accent6="accent6" hlink="hlink" folHlink="folHlink"/>
   <p:notesStyle>
-    <a:defPPr lvl="0" marR="0" rtl="0" algn="l">
+    <a:defPPr marR="0" lvl="0" algn="l" rtl="0">
       <a:lnSpc>
         <a:spcPct val="100000"/>
       </a:lnSpc>
@@ -1203,7 +1228,7 @@
         <a:spcPts val="0"/>
       </a:spcAft>
     </a:defPPr>
-    <a:lvl1pPr lvl="0" marR="0" rtl="0" algn="l">
+    <a:lvl1pPr marR="0" lvl="0" algn="l" rtl="0">
       <a:lnSpc>
         <a:spcPct val="100000"/>
       </a:lnSpc>
@@ -1217,7 +1242,7 @@
         <a:srgbClr val="000000"/>
       </a:buClr>
       <a:buFont typeface="Arial"/>
-      <a:defRPr b="0" i="0" sz="1400" u="none" cap="none" strike="noStrike">
+      <a:defRPr sz="1400" b="0" i="0" u="none" strike="noStrike" cap="none">
         <a:solidFill>
           <a:srgbClr val="000000"/>
         </a:solidFill>
@@ -1227,7 +1252,7 @@
         <a:sym typeface="Arial"/>
       </a:defRPr>
     </a:lvl1pPr>
-    <a:lvl2pPr lvl="1" marR="0" rtl="0" algn="l">
+    <a:lvl2pPr marR="0" lvl="1" algn="l" rtl="0">
       <a:lnSpc>
         <a:spcPct val="100000"/>
       </a:lnSpc>
@@ -1241,7 +1266,7 @@
         <a:srgbClr val="000000"/>
       </a:buClr>
       <a:buFont typeface="Arial"/>
-      <a:defRPr b="0" i="0" sz="1400" u="none" cap="none" strike="noStrike">
+      <a:defRPr sz="1400" b="0" i="0" u="none" strike="noStrike" cap="none">
         <a:solidFill>
           <a:srgbClr val="000000"/>
         </a:solidFill>
@@ -1251,7 +1276,7 @@
         <a:sym typeface="Arial"/>
       </a:defRPr>
     </a:lvl2pPr>
-    <a:lvl3pPr lvl="2" marR="0" rtl="0" algn="l">
+    <a:lvl3pPr marR="0" lvl="2" algn="l" rtl="0">
       <a:lnSpc>
         <a:spcPct val="100000"/>
       </a:lnSpc>
@@ -1265,7 +1290,7 @@
         <a:srgbClr val="000000"/>
       </a:buClr>
       <a:buFont typeface="Arial"/>
-      <a:defRPr b="0" i="0" sz="1400" u="none" cap="none" strike="noStrike">
+      <a:defRPr sz="1400" b="0" i="0" u="none" strike="noStrike" cap="none">
         <a:solidFill>
           <a:srgbClr val="000000"/>
         </a:solidFill>
@@ -1275,7 +1300,7 @@
         <a:sym typeface="Arial"/>
       </a:defRPr>
     </a:lvl3pPr>
-    <a:lvl4pPr lvl="3" marR="0" rtl="0" algn="l">
+    <a:lvl4pPr marR="0" lvl="3" algn="l" rtl="0">
       <a:lnSpc>
         <a:spcPct val="100000"/>
       </a:lnSpc>
@@ -1289,7 +1314,7 @@
         <a:srgbClr val="000000"/>
       </a:buClr>
       <a:buFont typeface="Arial"/>
-      <a:defRPr b="0" i="0" sz="1400" u="none" cap="none" strike="noStrike">
+      <a:defRPr sz="1400" b="0" i="0" u="none" strike="noStrike" cap="none">
         <a:solidFill>
           <a:srgbClr val="000000"/>
         </a:solidFill>
@@ -1299,7 +1324,7 @@
         <a:sym typeface="Arial"/>
       </a:defRPr>
     </a:lvl4pPr>
-    <a:lvl5pPr lvl="4" marR="0" rtl="0" algn="l">
+    <a:lvl5pPr marR="0" lvl="4" algn="l" rtl="0">
       <a:lnSpc>
         <a:spcPct val="100000"/>
       </a:lnSpc>
@@ -1313,7 +1338,7 @@
         <a:srgbClr val="000000"/>
       </a:buClr>
       <a:buFont typeface="Arial"/>
-      <a:defRPr b="0" i="0" sz="1400" u="none" cap="none" strike="noStrike">
+      <a:defRPr sz="1400" b="0" i="0" u="none" strike="noStrike" cap="none">
         <a:solidFill>
           <a:srgbClr val="000000"/>
         </a:solidFill>
@@ -1323,7 +1348,7 @@
         <a:sym typeface="Arial"/>
       </a:defRPr>
     </a:lvl5pPr>
-    <a:lvl6pPr lvl="5" marR="0" rtl="0" algn="l">
+    <a:lvl6pPr marR="0" lvl="5" algn="l" rtl="0">
       <a:lnSpc>
         <a:spcPct val="100000"/>
       </a:lnSpc>
@@ -1337,7 +1362,7 @@
         <a:srgbClr val="000000"/>
       </a:buClr>
       <a:buFont typeface="Arial"/>
-      <a:defRPr b="0" i="0" sz="1400" u="none" cap="none" strike="noStrike">
+      <a:defRPr sz="1400" b="0" i="0" u="none" strike="noStrike" cap="none">
         <a:solidFill>
           <a:srgbClr val="000000"/>
         </a:solidFill>
@@ -1347,7 +1372,7 @@
         <a:sym typeface="Arial"/>
       </a:defRPr>
     </a:lvl6pPr>
-    <a:lvl7pPr lvl="6" marR="0" rtl="0" algn="l">
+    <a:lvl7pPr marR="0" lvl="6" algn="l" rtl="0">
       <a:lnSpc>
         <a:spcPct val="100000"/>
       </a:lnSpc>
@@ -1361,7 +1386,7 @@
         <a:srgbClr val="000000"/>
       </a:buClr>
       <a:buFont typeface="Arial"/>
-      <a:defRPr b="0" i="0" sz="1400" u="none" cap="none" strike="noStrike">
+      <a:defRPr sz="1400" b="0" i="0" u="none" strike="noStrike" cap="none">
         <a:solidFill>
           <a:srgbClr val="000000"/>
         </a:solidFill>
@@ -1371,7 +1396,7 @@
         <a:sym typeface="Arial"/>
       </a:defRPr>
     </a:lvl7pPr>
-    <a:lvl8pPr lvl="7" marR="0" rtl="0" algn="l">
+    <a:lvl8pPr marR="0" lvl="7" algn="l" rtl="0">
       <a:lnSpc>
         <a:spcPct val="100000"/>
       </a:lnSpc>
@@ -1385,7 +1410,7 @@
         <a:srgbClr val="000000"/>
       </a:buClr>
       <a:buFont typeface="Arial"/>
-      <a:defRPr b="0" i="0" sz="1400" u="none" cap="none" strike="noStrike">
+      <a:defRPr sz="1400" b="0" i="0" u="none" strike="noStrike" cap="none">
         <a:solidFill>
           <a:srgbClr val="000000"/>
         </a:solidFill>
@@ -1395,7 +1420,7 @@
         <a:sym typeface="Arial"/>
       </a:defRPr>
     </a:lvl8pPr>
-    <a:lvl9pPr lvl="8" marR="0" rtl="0" algn="l">
+    <a:lvl9pPr marR="0" lvl="8" algn="l" rtl="0">
       <a:lnSpc>
         <a:spcPct val="100000"/>
       </a:lnSpc>
@@ -1409,7 +1434,7 @@
         <a:srgbClr val="000000"/>
       </a:buClr>
       <a:buFont typeface="Arial"/>
-      <a:defRPr b="0" i="0" sz="1400" u="none" cap="none" strike="noStrike">
+      <a:defRPr sz="1400" b="0" i="0" u="none" strike="noStrike" cap="none">
         <a:solidFill>
           <a:srgbClr val="000000"/>
         </a:solidFill>
@@ -1424,11 +1449,11 @@
 </file>
 
 <file path=ppt/notesSlides/notesSlide1.xml><?xml version="1.0" encoding="utf-8"?>
-<p:notes xmlns:a="http://schemas.openxmlformats.org/drawingml/2006/main" xmlns:r="http://schemas.openxmlformats.org/officeDocument/2006/relationships" xmlns:mc="http://schemas.openxmlformats.org/markup-compatibility/2006" xmlns:mv="urn:schemas-microsoft-com:mac:vml" xmlns:p="http://schemas.openxmlformats.org/presentationml/2006/main" xmlns:c="http://schemas.openxmlformats.org/drawingml/2006/chart" xmlns:dgm="http://schemas.openxmlformats.org/drawingml/2006/diagram" xmlns:o="urn:schemas-microsoft-com:office:office" xmlns:v="urn:schemas-microsoft-com:vml" xmlns:pvml="urn:schemas-microsoft-com:office:powerpoint" xmlns:com="http://schemas.openxmlformats.org/drawingml/2006/compatibility" xmlns:p14="http://schemas.microsoft.com/office/powerpoint/2010/main" xmlns:p15="http://schemas.microsoft.com/office/powerpoint/2012/main" xmlns:ahyp="http://schemas.microsoft.com/office/drawing/2018/hyperlinkcolor" showMasterPhAnim="0" showMasterSp="0">
+<p:notes xmlns:a="http://schemas.openxmlformats.org/drawingml/2006/main" xmlns:r="http://schemas.openxmlformats.org/officeDocument/2006/relationships" xmlns:p="http://schemas.openxmlformats.org/presentationml/2006/main" showMasterSp="0" showMasterPhAnim="0">
   <p:cSld>
     <p:spTree>
       <p:nvGrpSpPr>
-        <p:cNvPr id="32" name="Shape 32"/>
+        <p:cNvPr id="1" name="Shape 32"/>
         <p:cNvGrpSpPr/>
         <p:nvPr/>
       </p:nvGrpSpPr>
@@ -1443,9 +1468,11 @@
       <p:sp>
         <p:nvSpPr>
           <p:cNvPr id="33" name="Google Shape;33;p3:notes"/>
-          <p:cNvSpPr txBox="1"/>
+          <p:cNvSpPr txBox="1">
+            <a:spLocks noGrp="1"/>
+          </p:cNvSpPr>
           <p:nvPr>
-            <p:ph idx="1" type="body"/>
+            <p:ph type="body" idx="1"/>
           </p:nvPr>
         </p:nvSpPr>
         <p:spPr>
@@ -1458,12 +1485,12 @@
           </a:prstGeom>
         </p:spPr>
         <p:txBody>
-          <a:bodyPr anchorCtr="0" anchor="t" bIns="91425" lIns="91425" spcFirstLastPara="1" rIns="91425" wrap="square" tIns="91425">
+          <a:bodyPr spcFirstLastPara="1" wrap="square" lIns="91425" tIns="91425" rIns="91425" bIns="91425" anchor="t" anchorCtr="0">
             <a:noAutofit/>
           </a:bodyPr>
           <a:lstStyle/>
           <a:p>
-            <a:pPr indent="0" lvl="0" marL="0" rtl="0" algn="l">
+            <a:pPr marL="0" lvl="0" indent="0" algn="l" rtl="0">
               <a:spcBef>
                 <a:spcPts val="0"/>
               </a:spcBef>
@@ -1472,9 +1499,6 @@
               </a:spcAft>
               <a:buNone/>
             </a:pPr>
-            <a:r>
-              <a:t/>
-            </a:r>
             <a:endParaRPr/>
           </a:p>
         </p:txBody>
@@ -1482,9 +1506,11 @@
       <p:sp>
         <p:nvSpPr>
           <p:cNvPr id="34" name="Google Shape;34;p3:notes"/>
-          <p:cNvSpPr/>
+          <p:cNvSpPr>
+            <a:spLocks noGrp="1" noRot="1" noChangeAspect="1"/>
+          </p:cNvSpPr>
           <p:nvPr>
-            <p:ph idx="2" type="sldImg"/>
+            <p:ph type="sldImg" idx="2"/>
           </p:nvPr>
         </p:nvSpPr>
         <p:spPr>
@@ -1493,9 +1519,13 @@
             <a:ext cx="4572000" cy="3429000"/>
           </a:xfrm>
           <a:custGeom>
-            <a:rect b="b" l="l" r="r" t="t"/>
+            <a:avLst/>
+            <a:gdLst/>
+            <a:ahLst/>
+            <a:cxnLst/>
+            <a:rect l="l" t="t" r="r" b="b"/>
             <a:pathLst>
-              <a:path extrusionOk="0" h="120000" w="120000">
+              <a:path w="120000" h="120000" extrusionOk="0">
                 <a:moveTo>
                   <a:pt x="0" y="0"/>
                 </a:moveTo>
@@ -1523,11 +1553,11 @@
 </file>
 
 <file path=ppt/notesSlides/notesSlide10.xml><?xml version="1.0" encoding="utf-8"?>
-<p:notes xmlns:a="http://schemas.openxmlformats.org/drawingml/2006/main" xmlns:r="http://schemas.openxmlformats.org/officeDocument/2006/relationships" xmlns:mc="http://schemas.openxmlformats.org/markup-compatibility/2006" xmlns:mv="urn:schemas-microsoft-com:mac:vml" xmlns:p="http://schemas.openxmlformats.org/presentationml/2006/main" xmlns:c="http://schemas.openxmlformats.org/drawingml/2006/chart" xmlns:dgm="http://schemas.openxmlformats.org/drawingml/2006/diagram" xmlns:o="urn:schemas-microsoft-com:office:office" xmlns:v="urn:schemas-microsoft-com:vml" xmlns:pvml="urn:schemas-microsoft-com:office:powerpoint" xmlns:com="http://schemas.openxmlformats.org/drawingml/2006/compatibility" xmlns:p14="http://schemas.microsoft.com/office/powerpoint/2010/main" xmlns:p15="http://schemas.microsoft.com/office/powerpoint/2012/main" xmlns:ahyp="http://schemas.microsoft.com/office/drawing/2018/hyperlinkcolor" showMasterPhAnim="0" showMasterSp="0">
+<p:notes xmlns:a="http://schemas.openxmlformats.org/drawingml/2006/main" xmlns:r="http://schemas.openxmlformats.org/officeDocument/2006/relationships" xmlns:p="http://schemas.openxmlformats.org/presentationml/2006/main" showMasterSp="0" showMasterPhAnim="0">
   <p:cSld>
     <p:spTree>
       <p:nvGrpSpPr>
-        <p:cNvPr id="101" name="Shape 101"/>
+        <p:cNvPr id="1" name="Shape 101"/>
         <p:cNvGrpSpPr/>
         <p:nvPr/>
       </p:nvGrpSpPr>
@@ -1542,9 +1572,11 @@
       <p:sp>
         <p:nvSpPr>
           <p:cNvPr id="102" name="Google Shape;102;ga66dc68b7d_0_27:notes"/>
-          <p:cNvSpPr/>
+          <p:cNvSpPr>
+            <a:spLocks noGrp="1" noRot="1" noChangeAspect="1"/>
+          </p:cNvSpPr>
           <p:nvPr>
-            <p:ph idx="2" type="sldImg"/>
+            <p:ph type="sldImg" idx="2"/>
           </p:nvPr>
         </p:nvSpPr>
         <p:spPr>
@@ -1553,9 +1585,13 @@
             <a:ext cx="4572000" cy="3429000"/>
           </a:xfrm>
           <a:custGeom>
-            <a:rect b="b" l="l" r="r" t="t"/>
+            <a:avLst/>
+            <a:gdLst/>
+            <a:ahLst/>
+            <a:cxnLst/>
+            <a:rect l="l" t="t" r="r" b="b"/>
             <a:pathLst>
-              <a:path extrusionOk="0" h="120000" w="120000">
+              <a:path w="120000" h="120000" extrusionOk="0">
                 <a:moveTo>
                   <a:pt x="0" y="0"/>
                 </a:moveTo>
@@ -1577,9 +1613,11 @@
       <p:sp>
         <p:nvSpPr>
           <p:cNvPr id="103" name="Google Shape;103;ga66dc68b7d_0_27:notes"/>
-          <p:cNvSpPr txBox="1"/>
+          <p:cNvSpPr txBox="1">
+            <a:spLocks noGrp="1"/>
+          </p:cNvSpPr>
           <p:nvPr>
-            <p:ph idx="1" type="body"/>
+            <p:ph type="body" idx="1"/>
           </p:nvPr>
         </p:nvSpPr>
         <p:spPr>
@@ -1592,12 +1630,12 @@
           </a:prstGeom>
         </p:spPr>
         <p:txBody>
-          <a:bodyPr anchorCtr="0" anchor="t" bIns="91425" lIns="91425" spcFirstLastPara="1" rIns="91425" wrap="square" tIns="91425">
+          <a:bodyPr spcFirstLastPara="1" wrap="square" lIns="91425" tIns="91425" rIns="91425" bIns="91425" anchor="t" anchorCtr="0">
             <a:noAutofit/>
           </a:bodyPr>
           <a:lstStyle/>
           <a:p>
-            <a:pPr indent="0" lvl="0" marL="0" rtl="0" algn="l">
+            <a:pPr marL="0" lvl="0" indent="0" algn="l" rtl="0">
               <a:spcBef>
                 <a:spcPts val="0"/>
               </a:spcBef>
@@ -1617,9 +1655,11 @@
       <p:sp>
         <p:nvSpPr>
           <p:cNvPr id="104" name="Google Shape;104;ga66dc68b7d_0_27:notes"/>
-          <p:cNvSpPr txBox="1"/>
+          <p:cNvSpPr txBox="1">
+            <a:spLocks noGrp="1"/>
+          </p:cNvSpPr>
           <p:nvPr>
-            <p:ph idx="12" type="sldNum"/>
+            <p:ph type="sldNum" idx="12"/>
           </p:nvPr>
         </p:nvSpPr>
         <p:spPr>
@@ -1632,12 +1672,12 @@
           </a:prstGeom>
         </p:spPr>
         <p:txBody>
-          <a:bodyPr anchorCtr="0" anchor="b" bIns="45700" lIns="91425" spcFirstLastPara="1" rIns="91425" wrap="square" tIns="45700">
+          <a:bodyPr spcFirstLastPara="1" wrap="square" lIns="91425" tIns="45700" rIns="91425" bIns="45700" anchor="b" anchorCtr="0">
             <a:noAutofit/>
           </a:bodyPr>
           <a:lstStyle/>
           <a:p>
-            <a:pPr indent="0" lvl="0" marL="0" rtl="0" algn="r">
+            <a:pPr marL="0" lvl="0" indent="0" algn="r" rtl="0">
               <a:spcBef>
                 <a:spcPts val="0"/>
               </a:spcBef>
@@ -1652,7 +1692,7 @@
             </a:pPr>
             <a:fld id="{00000000-1234-1234-1234-123412341234}" type="slidenum">
               <a:rPr lang="en-US"/>
-              <a:t>‹#›</a:t>
+              <a:t>10</a:t>
             </a:fld>
             <a:endParaRPr/>
           </a:p>
@@ -1667,11 +1707,11 @@
 </file>
 
 <file path=ppt/notesSlides/notesSlide11.xml><?xml version="1.0" encoding="utf-8"?>
-<p:notes xmlns:a="http://schemas.openxmlformats.org/drawingml/2006/main" xmlns:r="http://schemas.openxmlformats.org/officeDocument/2006/relationships" xmlns:mc="http://schemas.openxmlformats.org/markup-compatibility/2006" xmlns:mv="urn:schemas-microsoft-com:mac:vml" xmlns:p="http://schemas.openxmlformats.org/presentationml/2006/main" xmlns:c="http://schemas.openxmlformats.org/drawingml/2006/chart" xmlns:dgm="http://schemas.openxmlformats.org/drawingml/2006/diagram" xmlns:o="urn:schemas-microsoft-com:office:office" xmlns:v="urn:schemas-microsoft-com:vml" xmlns:pvml="urn:schemas-microsoft-com:office:powerpoint" xmlns:com="http://schemas.openxmlformats.org/drawingml/2006/compatibility" xmlns:p14="http://schemas.microsoft.com/office/powerpoint/2010/main" xmlns:p15="http://schemas.microsoft.com/office/powerpoint/2012/main" xmlns:ahyp="http://schemas.microsoft.com/office/drawing/2018/hyperlinkcolor" showMasterPhAnim="0" showMasterSp="0">
+<p:notes xmlns:a="http://schemas.openxmlformats.org/drawingml/2006/main" xmlns:r="http://schemas.openxmlformats.org/officeDocument/2006/relationships" xmlns:p="http://schemas.openxmlformats.org/presentationml/2006/main" showMasterSp="0" showMasterPhAnim="0">
   <p:cSld>
     <p:spTree>
       <p:nvGrpSpPr>
-        <p:cNvPr id="109" name="Shape 109"/>
+        <p:cNvPr id="1" name="Shape 109"/>
         <p:cNvGrpSpPr/>
         <p:nvPr/>
       </p:nvGrpSpPr>
@@ -1686,9 +1726,11 @@
       <p:sp>
         <p:nvSpPr>
           <p:cNvPr id="110" name="Google Shape;110;ga66dc68b7d_0_21:notes"/>
-          <p:cNvSpPr/>
+          <p:cNvSpPr>
+            <a:spLocks noGrp="1" noRot="1" noChangeAspect="1"/>
+          </p:cNvSpPr>
           <p:nvPr>
-            <p:ph idx="2" type="sldImg"/>
+            <p:ph type="sldImg" idx="2"/>
           </p:nvPr>
         </p:nvSpPr>
         <p:spPr>
@@ -1697,9 +1739,13 @@
             <a:ext cx="4572000" cy="3429000"/>
           </a:xfrm>
           <a:custGeom>
-            <a:rect b="b" l="l" r="r" t="t"/>
+            <a:avLst/>
+            <a:gdLst/>
+            <a:ahLst/>
+            <a:cxnLst/>
+            <a:rect l="l" t="t" r="r" b="b"/>
             <a:pathLst>
-              <a:path extrusionOk="0" h="120000" w="120000">
+              <a:path w="120000" h="120000" extrusionOk="0">
                 <a:moveTo>
                   <a:pt x="0" y="0"/>
                 </a:moveTo>
@@ -1721,9 +1767,11 @@
       <p:sp>
         <p:nvSpPr>
           <p:cNvPr id="111" name="Google Shape;111;ga66dc68b7d_0_21:notes"/>
-          <p:cNvSpPr txBox="1"/>
+          <p:cNvSpPr txBox="1">
+            <a:spLocks noGrp="1"/>
+          </p:cNvSpPr>
           <p:nvPr>
-            <p:ph idx="1" type="body"/>
+            <p:ph type="body" idx="1"/>
           </p:nvPr>
         </p:nvSpPr>
         <p:spPr>
@@ -1736,12 +1784,12 @@
           </a:prstGeom>
         </p:spPr>
         <p:txBody>
-          <a:bodyPr anchorCtr="0" anchor="t" bIns="91425" lIns="91425" spcFirstLastPara="1" rIns="91425" wrap="square" tIns="91425">
+          <a:bodyPr spcFirstLastPara="1" wrap="square" lIns="91425" tIns="91425" rIns="91425" bIns="91425" anchor="t" anchorCtr="0">
             <a:noAutofit/>
           </a:bodyPr>
           <a:lstStyle/>
           <a:p>
-            <a:pPr indent="0" lvl="0" marL="0" rtl="0" algn="l">
+            <a:pPr marL="0" lvl="0" indent="0" algn="l" rtl="0">
               <a:spcBef>
                 <a:spcPts val="0"/>
               </a:spcBef>
@@ -1761,9 +1809,11 @@
       <p:sp>
         <p:nvSpPr>
           <p:cNvPr id="112" name="Google Shape;112;ga66dc68b7d_0_21:notes"/>
-          <p:cNvSpPr txBox="1"/>
+          <p:cNvSpPr txBox="1">
+            <a:spLocks noGrp="1"/>
+          </p:cNvSpPr>
           <p:nvPr>
-            <p:ph idx="12" type="sldNum"/>
+            <p:ph type="sldNum" idx="12"/>
           </p:nvPr>
         </p:nvSpPr>
         <p:spPr>
@@ -1776,12 +1826,12 @@
           </a:prstGeom>
         </p:spPr>
         <p:txBody>
-          <a:bodyPr anchorCtr="0" anchor="b" bIns="45700" lIns="91425" spcFirstLastPara="1" rIns="91425" wrap="square" tIns="45700">
+          <a:bodyPr spcFirstLastPara="1" wrap="square" lIns="91425" tIns="45700" rIns="91425" bIns="45700" anchor="b" anchorCtr="0">
             <a:noAutofit/>
           </a:bodyPr>
           <a:lstStyle/>
           <a:p>
-            <a:pPr indent="0" lvl="0" marL="0" rtl="0" algn="r">
+            <a:pPr marL="0" lvl="0" indent="0" algn="r" rtl="0">
               <a:spcBef>
                 <a:spcPts val="0"/>
               </a:spcBef>
@@ -1796,7 +1846,7 @@
             </a:pPr>
             <a:fld id="{00000000-1234-1234-1234-123412341234}" type="slidenum">
               <a:rPr lang="en-US"/>
-              <a:t>‹#›</a:t>
+              <a:t>11</a:t>
             </a:fld>
             <a:endParaRPr/>
           </a:p>
@@ -1811,11 +1861,11 @@
 </file>
 
 <file path=ppt/notesSlides/notesSlide12.xml><?xml version="1.0" encoding="utf-8"?>
-<p:notes xmlns:a="http://schemas.openxmlformats.org/drawingml/2006/main" xmlns:r="http://schemas.openxmlformats.org/officeDocument/2006/relationships" xmlns:mc="http://schemas.openxmlformats.org/markup-compatibility/2006" xmlns:mv="urn:schemas-microsoft-com:mac:vml" xmlns:p="http://schemas.openxmlformats.org/presentationml/2006/main" xmlns:c="http://schemas.openxmlformats.org/drawingml/2006/chart" xmlns:dgm="http://schemas.openxmlformats.org/drawingml/2006/diagram" xmlns:o="urn:schemas-microsoft-com:office:office" xmlns:v="urn:schemas-microsoft-com:vml" xmlns:pvml="urn:schemas-microsoft-com:office:powerpoint" xmlns:com="http://schemas.openxmlformats.org/drawingml/2006/compatibility" xmlns:p14="http://schemas.microsoft.com/office/powerpoint/2010/main" xmlns:p15="http://schemas.microsoft.com/office/powerpoint/2012/main" xmlns:ahyp="http://schemas.microsoft.com/office/drawing/2018/hyperlinkcolor" showMasterPhAnim="0" showMasterSp="0">
+<p:notes xmlns:a="http://schemas.openxmlformats.org/drawingml/2006/main" xmlns:r="http://schemas.openxmlformats.org/officeDocument/2006/relationships" xmlns:p="http://schemas.openxmlformats.org/presentationml/2006/main" showMasterSp="0" showMasterPhAnim="0">
   <p:cSld>
     <p:spTree>
       <p:nvGrpSpPr>
-        <p:cNvPr id="117" name="Shape 117"/>
+        <p:cNvPr id="1" name="Shape 117"/>
         <p:cNvGrpSpPr/>
         <p:nvPr/>
       </p:nvGrpSpPr>
@@ -1830,9 +1880,11 @@
       <p:sp>
         <p:nvSpPr>
           <p:cNvPr id="118" name="Google Shape;118;p7:notes"/>
-          <p:cNvSpPr txBox="1"/>
+          <p:cNvSpPr txBox="1">
+            <a:spLocks noGrp="1"/>
+          </p:cNvSpPr>
           <p:nvPr>
-            <p:ph idx="1" type="body"/>
+            <p:ph type="body" idx="1"/>
           </p:nvPr>
         </p:nvSpPr>
         <p:spPr>
@@ -1845,12 +1897,12 @@
           </a:prstGeom>
         </p:spPr>
         <p:txBody>
-          <a:bodyPr anchorCtr="0" anchor="t" bIns="91425" lIns="91425" spcFirstLastPara="1" rIns="91425" wrap="square" tIns="91425">
+          <a:bodyPr spcFirstLastPara="1" wrap="square" lIns="91425" tIns="91425" rIns="91425" bIns="91425" anchor="t" anchorCtr="0">
             <a:noAutofit/>
           </a:bodyPr>
           <a:lstStyle/>
           <a:p>
-            <a:pPr indent="0" lvl="0" marL="0" rtl="0" algn="l">
+            <a:pPr marL="0" lvl="0" indent="0" algn="l" rtl="0">
               <a:spcBef>
                 <a:spcPts val="0"/>
               </a:spcBef>
@@ -1859,9 +1911,6 @@
               </a:spcAft>
               <a:buNone/>
             </a:pPr>
-            <a:r>
-              <a:t/>
-            </a:r>
             <a:endParaRPr/>
           </a:p>
         </p:txBody>
@@ -1869,9 +1918,11 @@
       <p:sp>
         <p:nvSpPr>
           <p:cNvPr id="119" name="Google Shape;119;p7:notes"/>
-          <p:cNvSpPr/>
+          <p:cNvSpPr>
+            <a:spLocks noGrp="1" noRot="1" noChangeAspect="1"/>
+          </p:cNvSpPr>
           <p:nvPr>
-            <p:ph idx="2" type="sldImg"/>
+            <p:ph type="sldImg" idx="2"/>
           </p:nvPr>
         </p:nvSpPr>
         <p:spPr>
@@ -1880,9 +1931,13 @@
             <a:ext cx="4572000" cy="3429000"/>
           </a:xfrm>
           <a:custGeom>
-            <a:rect b="b" l="l" r="r" t="t"/>
+            <a:avLst/>
+            <a:gdLst/>
+            <a:ahLst/>
+            <a:cxnLst/>
+            <a:rect l="l" t="t" r="r" b="b"/>
             <a:pathLst>
-              <a:path extrusionOk="0" h="120000" w="120000">
+              <a:path w="120000" h="120000" extrusionOk="0">
                 <a:moveTo>
                   <a:pt x="0" y="0"/>
                 </a:moveTo>
@@ -1910,11 +1965,11 @@
 </file>
 
 <file path=ppt/notesSlides/notesSlide2.xml><?xml version="1.0" encoding="utf-8"?>
-<p:notes xmlns:a="http://schemas.openxmlformats.org/drawingml/2006/main" xmlns:r="http://schemas.openxmlformats.org/officeDocument/2006/relationships" xmlns:mc="http://schemas.openxmlformats.org/markup-compatibility/2006" xmlns:mv="urn:schemas-microsoft-com:mac:vml" xmlns:p="http://schemas.openxmlformats.org/presentationml/2006/main" xmlns:c="http://schemas.openxmlformats.org/drawingml/2006/chart" xmlns:dgm="http://schemas.openxmlformats.org/drawingml/2006/diagram" xmlns:o="urn:schemas-microsoft-com:office:office" xmlns:v="urn:schemas-microsoft-com:vml" xmlns:pvml="urn:schemas-microsoft-com:office:powerpoint" xmlns:com="http://schemas.openxmlformats.org/drawingml/2006/compatibility" xmlns:p14="http://schemas.microsoft.com/office/powerpoint/2010/main" xmlns:p15="http://schemas.microsoft.com/office/powerpoint/2012/main" xmlns:ahyp="http://schemas.microsoft.com/office/drawing/2018/hyperlinkcolor" showMasterPhAnim="0" showMasterSp="0">
+<p:notes xmlns:a="http://schemas.openxmlformats.org/drawingml/2006/main" xmlns:r="http://schemas.openxmlformats.org/officeDocument/2006/relationships" xmlns:p="http://schemas.openxmlformats.org/presentationml/2006/main" showMasterSp="0" showMasterPhAnim="0">
   <p:cSld>
     <p:spTree>
       <p:nvGrpSpPr>
-        <p:cNvPr id="38" name="Shape 38"/>
+        <p:cNvPr id="1" name="Shape 38"/>
         <p:cNvGrpSpPr/>
         <p:nvPr/>
       </p:nvGrpSpPr>
@@ -1929,9 +1984,11 @@
       <p:sp>
         <p:nvSpPr>
           <p:cNvPr id="39" name="Google Shape;39;g9f3720feec_1_0:notes"/>
-          <p:cNvSpPr txBox="1"/>
+          <p:cNvSpPr txBox="1">
+            <a:spLocks noGrp="1"/>
+          </p:cNvSpPr>
           <p:nvPr>
-            <p:ph idx="1" type="body"/>
+            <p:ph type="body" idx="1"/>
           </p:nvPr>
         </p:nvSpPr>
         <p:spPr>
@@ -1944,12 +2001,12 @@
           </a:prstGeom>
         </p:spPr>
         <p:txBody>
-          <a:bodyPr anchorCtr="0" anchor="t" bIns="91425" lIns="91425" spcFirstLastPara="1" rIns="91425" wrap="square" tIns="91425">
+          <a:bodyPr spcFirstLastPara="1" wrap="square" lIns="91425" tIns="91425" rIns="91425" bIns="91425" anchor="t" anchorCtr="0">
             <a:noAutofit/>
           </a:bodyPr>
           <a:lstStyle/>
           <a:p>
-            <a:pPr indent="0" lvl="0" marL="0" rtl="0" algn="l">
+            <a:pPr marL="0" lvl="0" indent="0" algn="l" rtl="0">
               <a:spcBef>
                 <a:spcPts val="0"/>
               </a:spcBef>
@@ -1970,7 +2027,7 @@
             <a:endParaRPr/>
           </a:p>
           <a:p>
-            <a:pPr indent="0" lvl="0" marL="0" rtl="0" algn="l">
+            <a:pPr marL="0" lvl="0" indent="0" algn="l" rtl="0">
               <a:spcBef>
                 <a:spcPts val="0"/>
               </a:spcBef>
@@ -1991,7 +2048,7 @@
             <a:endParaRPr/>
           </a:p>
           <a:p>
-            <a:pPr indent="0" lvl="0" marL="0" rtl="0" algn="l">
+            <a:pPr marL="0" lvl="0" indent="0" algn="l" rtl="0">
               <a:spcBef>
                 <a:spcPts val="0"/>
               </a:spcBef>
@@ -2012,7 +2069,7 @@
             <a:endParaRPr/>
           </a:p>
           <a:p>
-            <a:pPr indent="0" lvl="0" marL="0" rtl="0" algn="l">
+            <a:pPr marL="0" lvl="0" indent="0" algn="l" rtl="0">
               <a:spcBef>
                 <a:spcPts val="0"/>
               </a:spcBef>
@@ -2033,7 +2090,7 @@
             <a:endParaRPr/>
           </a:p>
           <a:p>
-            <a:pPr indent="0" lvl="0" marL="0" rtl="0" algn="l">
+            <a:pPr marL="0" lvl="0" indent="0" algn="l" rtl="0">
               <a:spcBef>
                 <a:spcPts val="0"/>
               </a:spcBef>
@@ -2058,9 +2115,11 @@
       <p:sp>
         <p:nvSpPr>
           <p:cNvPr id="40" name="Google Shape;40;g9f3720feec_1_0:notes"/>
-          <p:cNvSpPr/>
+          <p:cNvSpPr>
+            <a:spLocks noGrp="1" noRot="1" noChangeAspect="1"/>
+          </p:cNvSpPr>
           <p:nvPr>
-            <p:ph idx="2" type="sldImg"/>
+            <p:ph type="sldImg" idx="2"/>
           </p:nvPr>
         </p:nvSpPr>
         <p:spPr>
@@ -2069,9 +2128,13 @@
             <a:ext cx="4572000" cy="3429000"/>
           </a:xfrm>
           <a:custGeom>
-            <a:rect b="b" l="l" r="r" t="t"/>
+            <a:avLst/>
+            <a:gdLst/>
+            <a:ahLst/>
+            <a:cxnLst/>
+            <a:rect l="l" t="t" r="r" b="b"/>
             <a:pathLst>
-              <a:path extrusionOk="0" h="120000" w="120000">
+              <a:path w="120000" h="120000" extrusionOk="0">
                 <a:moveTo>
                   <a:pt x="0" y="0"/>
                 </a:moveTo>
@@ -2099,11 +2162,11 @@
 </file>
 
 <file path=ppt/notesSlides/notesSlide3.xml><?xml version="1.0" encoding="utf-8"?>
-<p:notes xmlns:a="http://schemas.openxmlformats.org/drawingml/2006/main" xmlns:r="http://schemas.openxmlformats.org/officeDocument/2006/relationships" xmlns:mc="http://schemas.openxmlformats.org/markup-compatibility/2006" xmlns:mv="urn:schemas-microsoft-com:mac:vml" xmlns:p="http://schemas.openxmlformats.org/presentationml/2006/main" xmlns:c="http://schemas.openxmlformats.org/drawingml/2006/chart" xmlns:dgm="http://schemas.openxmlformats.org/drawingml/2006/diagram" xmlns:o="urn:schemas-microsoft-com:office:office" xmlns:v="urn:schemas-microsoft-com:vml" xmlns:pvml="urn:schemas-microsoft-com:office:powerpoint" xmlns:com="http://schemas.openxmlformats.org/drawingml/2006/compatibility" xmlns:p14="http://schemas.microsoft.com/office/powerpoint/2010/main" xmlns:p15="http://schemas.microsoft.com/office/powerpoint/2012/main" xmlns:ahyp="http://schemas.microsoft.com/office/drawing/2018/hyperlinkcolor" showMasterPhAnim="0" showMasterSp="0">
+<p:notes xmlns:a="http://schemas.openxmlformats.org/drawingml/2006/main" xmlns:r="http://schemas.openxmlformats.org/officeDocument/2006/relationships" xmlns:p="http://schemas.openxmlformats.org/presentationml/2006/main" showMasterSp="0" showMasterPhAnim="0">
   <p:cSld>
     <p:spTree>
       <p:nvGrpSpPr>
-        <p:cNvPr id="46" name="Shape 46"/>
+        <p:cNvPr id="1" name="Shape 46"/>
         <p:cNvGrpSpPr/>
         <p:nvPr/>
       </p:nvGrpSpPr>
@@ -2118,9 +2181,11 @@
       <p:sp>
         <p:nvSpPr>
           <p:cNvPr id="47" name="Google Shape;47;ga66dc68b7d_1_474:notes"/>
-          <p:cNvSpPr txBox="1"/>
+          <p:cNvSpPr txBox="1">
+            <a:spLocks noGrp="1"/>
+          </p:cNvSpPr>
           <p:nvPr>
-            <p:ph idx="1" type="body"/>
+            <p:ph type="body" idx="1"/>
           </p:nvPr>
         </p:nvSpPr>
         <p:spPr>
@@ -2133,12 +2198,12 @@
           </a:prstGeom>
         </p:spPr>
         <p:txBody>
-          <a:bodyPr anchorCtr="0" anchor="t" bIns="91425" lIns="91425" spcFirstLastPara="1" rIns="91425" wrap="square" tIns="91425">
+          <a:bodyPr spcFirstLastPara="1" wrap="square" lIns="91425" tIns="91425" rIns="91425" bIns="91425" anchor="t" anchorCtr="0">
             <a:noAutofit/>
           </a:bodyPr>
           <a:lstStyle/>
           <a:p>
-            <a:pPr indent="0" lvl="0" marL="0" rtl="0" algn="l">
+            <a:pPr marL="0" lvl="0" indent="0" algn="l" rtl="0">
               <a:spcBef>
                 <a:spcPts val="0"/>
               </a:spcBef>
@@ -2154,7 +2219,7 @@
             <a:endParaRPr/>
           </a:p>
           <a:p>
-            <a:pPr indent="0" lvl="0" marL="0" rtl="0" algn="l">
+            <a:pPr marL="0" lvl="0" indent="0" algn="l" rtl="0">
               <a:spcBef>
                 <a:spcPts val="0"/>
               </a:spcBef>
@@ -2170,7 +2235,7 @@
             <a:endParaRPr/>
           </a:p>
           <a:p>
-            <a:pPr indent="0" lvl="0" marL="0" rtl="0" algn="l">
+            <a:pPr marL="0" lvl="0" indent="0" algn="l" rtl="0">
               <a:spcBef>
                 <a:spcPts val="0"/>
               </a:spcBef>
@@ -2179,13 +2244,10 @@
               </a:spcAft>
               <a:buNone/>
             </a:pPr>
-            <a:r>
-              <a:t/>
-            </a:r>
             <a:endParaRPr/>
           </a:p>
           <a:p>
-            <a:pPr indent="0" lvl="0" marL="0" rtl="0" algn="l">
+            <a:pPr marL="0" lvl="0" indent="0" algn="l" rtl="0">
               <a:spcBef>
                 <a:spcPts val="0"/>
               </a:spcBef>
@@ -2194,13 +2256,10 @@
               </a:spcAft>
               <a:buNone/>
             </a:pPr>
-            <a:r>
-              <a:t/>
-            </a:r>
             <a:endParaRPr/>
           </a:p>
           <a:p>
-            <a:pPr indent="0" lvl="0" marL="0" rtl="0" algn="l">
+            <a:pPr marL="0" lvl="0" indent="0" algn="l" rtl="0">
               <a:spcBef>
                 <a:spcPts val="0"/>
               </a:spcBef>
@@ -2220,9 +2279,11 @@
       <p:sp>
         <p:nvSpPr>
           <p:cNvPr id="48" name="Google Shape;48;ga66dc68b7d_1_474:notes"/>
-          <p:cNvSpPr/>
+          <p:cNvSpPr>
+            <a:spLocks noGrp="1" noRot="1" noChangeAspect="1"/>
+          </p:cNvSpPr>
           <p:nvPr>
-            <p:ph idx="2" type="sldImg"/>
+            <p:ph type="sldImg" idx="2"/>
           </p:nvPr>
         </p:nvSpPr>
         <p:spPr>
@@ -2231,9 +2292,13 @@
             <a:ext cx="4572000" cy="3429000"/>
           </a:xfrm>
           <a:custGeom>
-            <a:rect b="b" l="l" r="r" t="t"/>
+            <a:avLst/>
+            <a:gdLst/>
+            <a:ahLst/>
+            <a:cxnLst/>
+            <a:rect l="l" t="t" r="r" b="b"/>
             <a:pathLst>
-              <a:path extrusionOk="0" h="120000" w="120000">
+              <a:path w="120000" h="120000" extrusionOk="0">
                 <a:moveTo>
                   <a:pt x="0" y="0"/>
                 </a:moveTo>
@@ -2261,11 +2326,11 @@
 </file>
 
 <file path=ppt/notesSlides/notesSlide4.xml><?xml version="1.0" encoding="utf-8"?>
-<p:notes xmlns:a="http://schemas.openxmlformats.org/drawingml/2006/main" xmlns:r="http://schemas.openxmlformats.org/officeDocument/2006/relationships" xmlns:mc="http://schemas.openxmlformats.org/markup-compatibility/2006" xmlns:mv="urn:schemas-microsoft-com:mac:vml" xmlns:p="http://schemas.openxmlformats.org/presentationml/2006/main" xmlns:c="http://schemas.openxmlformats.org/drawingml/2006/chart" xmlns:dgm="http://schemas.openxmlformats.org/drawingml/2006/diagram" xmlns:o="urn:schemas-microsoft-com:office:office" xmlns:v="urn:schemas-microsoft-com:vml" xmlns:pvml="urn:schemas-microsoft-com:office:powerpoint" xmlns:com="http://schemas.openxmlformats.org/drawingml/2006/compatibility" xmlns:p14="http://schemas.microsoft.com/office/powerpoint/2010/main" xmlns:p15="http://schemas.microsoft.com/office/powerpoint/2012/main" xmlns:ahyp="http://schemas.microsoft.com/office/drawing/2018/hyperlinkcolor" showMasterPhAnim="0" showMasterSp="0">
+<p:notes xmlns:a="http://schemas.openxmlformats.org/drawingml/2006/main" xmlns:r="http://schemas.openxmlformats.org/officeDocument/2006/relationships" xmlns:p="http://schemas.openxmlformats.org/presentationml/2006/main" showMasterSp="0" showMasterPhAnim="0">
   <p:cSld>
     <p:spTree>
       <p:nvGrpSpPr>
-        <p:cNvPr id="53" name="Shape 53"/>
+        <p:cNvPr id="1" name="Shape 53"/>
         <p:cNvGrpSpPr/>
         <p:nvPr/>
       </p:nvGrpSpPr>
@@ -2280,9 +2345,11 @@
       <p:sp>
         <p:nvSpPr>
           <p:cNvPr id="54" name="Google Shape;54;ga66dc68b7d_0_9:notes"/>
-          <p:cNvSpPr/>
+          <p:cNvSpPr>
+            <a:spLocks noGrp="1" noRot="1" noChangeAspect="1"/>
+          </p:cNvSpPr>
           <p:nvPr>
-            <p:ph idx="2" type="sldImg"/>
+            <p:ph type="sldImg" idx="2"/>
           </p:nvPr>
         </p:nvSpPr>
         <p:spPr>
@@ -2291,9 +2358,13 @@
             <a:ext cx="4572000" cy="3429000"/>
           </a:xfrm>
           <a:custGeom>
-            <a:rect b="b" l="l" r="r" t="t"/>
+            <a:avLst/>
+            <a:gdLst/>
+            <a:ahLst/>
+            <a:cxnLst/>
+            <a:rect l="l" t="t" r="r" b="b"/>
             <a:pathLst>
-              <a:path extrusionOk="0" h="120000" w="120000">
+              <a:path w="120000" h="120000" extrusionOk="0">
                 <a:moveTo>
                   <a:pt x="0" y="0"/>
                 </a:moveTo>
@@ -2315,9 +2386,11 @@
       <p:sp>
         <p:nvSpPr>
           <p:cNvPr id="55" name="Google Shape;55;ga66dc68b7d_0_9:notes"/>
-          <p:cNvSpPr txBox="1"/>
+          <p:cNvSpPr txBox="1">
+            <a:spLocks noGrp="1"/>
+          </p:cNvSpPr>
           <p:nvPr>
-            <p:ph idx="1" type="body"/>
+            <p:ph type="body" idx="1"/>
           </p:nvPr>
         </p:nvSpPr>
         <p:spPr>
@@ -2330,12 +2403,12 @@
           </a:prstGeom>
         </p:spPr>
         <p:txBody>
-          <a:bodyPr anchorCtr="0" anchor="t" bIns="91425" lIns="91425" spcFirstLastPara="1" rIns="91425" wrap="square" tIns="91425">
+          <a:bodyPr spcFirstLastPara="1" wrap="square" lIns="91425" tIns="91425" rIns="91425" bIns="91425" anchor="t" anchorCtr="0">
             <a:noAutofit/>
           </a:bodyPr>
           <a:lstStyle/>
           <a:p>
-            <a:pPr indent="0" lvl="0" marL="0" rtl="0" algn="l">
+            <a:pPr marL="0" lvl="0" indent="0" algn="l" rtl="0">
               <a:spcBef>
                 <a:spcPts val="0"/>
               </a:spcBef>
@@ -2355,9 +2428,11 @@
       <p:sp>
         <p:nvSpPr>
           <p:cNvPr id="56" name="Google Shape;56;ga66dc68b7d_0_9:notes"/>
-          <p:cNvSpPr txBox="1"/>
+          <p:cNvSpPr txBox="1">
+            <a:spLocks noGrp="1"/>
+          </p:cNvSpPr>
           <p:nvPr>
-            <p:ph idx="12" type="sldNum"/>
+            <p:ph type="sldNum" idx="12"/>
           </p:nvPr>
         </p:nvSpPr>
         <p:spPr>
@@ -2370,12 +2445,12 @@
           </a:prstGeom>
         </p:spPr>
         <p:txBody>
-          <a:bodyPr anchorCtr="0" anchor="b" bIns="45700" lIns="91425" spcFirstLastPara="1" rIns="91425" wrap="square" tIns="45700">
+          <a:bodyPr spcFirstLastPara="1" wrap="square" lIns="91425" tIns="45700" rIns="91425" bIns="45700" anchor="b" anchorCtr="0">
             <a:noAutofit/>
           </a:bodyPr>
           <a:lstStyle/>
           <a:p>
-            <a:pPr indent="0" lvl="0" marL="0" rtl="0" algn="r">
+            <a:pPr marL="0" lvl="0" indent="0" algn="r" rtl="0">
               <a:spcBef>
                 <a:spcPts val="0"/>
               </a:spcBef>
@@ -2390,7 +2465,7 @@
             </a:pPr>
             <a:fld id="{00000000-1234-1234-1234-123412341234}" type="slidenum">
               <a:rPr lang="en-US"/>
-              <a:t>‹#›</a:t>
+              <a:t>4</a:t>
             </a:fld>
             <a:endParaRPr/>
           </a:p>
@@ -2405,11 +2480,11 @@
 </file>
 
 <file path=ppt/notesSlides/notesSlide5.xml><?xml version="1.0" encoding="utf-8"?>
-<p:notes xmlns:a="http://schemas.openxmlformats.org/drawingml/2006/main" xmlns:r="http://schemas.openxmlformats.org/officeDocument/2006/relationships" xmlns:mc="http://schemas.openxmlformats.org/markup-compatibility/2006" xmlns:mv="urn:schemas-microsoft-com:mac:vml" xmlns:p="http://schemas.openxmlformats.org/presentationml/2006/main" xmlns:c="http://schemas.openxmlformats.org/drawingml/2006/chart" xmlns:dgm="http://schemas.openxmlformats.org/drawingml/2006/diagram" xmlns:o="urn:schemas-microsoft-com:office:office" xmlns:v="urn:schemas-microsoft-com:vml" xmlns:pvml="urn:schemas-microsoft-com:office:powerpoint" xmlns:com="http://schemas.openxmlformats.org/drawingml/2006/compatibility" xmlns:p14="http://schemas.microsoft.com/office/powerpoint/2010/main" xmlns:p15="http://schemas.microsoft.com/office/powerpoint/2012/main" xmlns:ahyp="http://schemas.microsoft.com/office/drawing/2018/hyperlinkcolor" showMasterPhAnim="0" showMasterSp="0">
+<p:notes xmlns:a="http://schemas.openxmlformats.org/drawingml/2006/main" xmlns:r="http://schemas.openxmlformats.org/officeDocument/2006/relationships" xmlns:p="http://schemas.openxmlformats.org/presentationml/2006/main" showMasterSp="0" showMasterPhAnim="0">
   <p:cSld>
     <p:spTree>
       <p:nvGrpSpPr>
-        <p:cNvPr id="61" name="Shape 61"/>
+        <p:cNvPr id="1" name="Shape 61"/>
         <p:cNvGrpSpPr/>
         <p:nvPr/>
       </p:nvGrpSpPr>
@@ -2424,9 +2499,11 @@
       <p:sp>
         <p:nvSpPr>
           <p:cNvPr id="62" name="Google Shape;62;g9f3720feec_2_0:notes"/>
-          <p:cNvSpPr/>
+          <p:cNvSpPr>
+            <a:spLocks noGrp="1" noRot="1" noChangeAspect="1"/>
+          </p:cNvSpPr>
           <p:nvPr>
-            <p:ph idx="2" type="sldImg"/>
+            <p:ph type="sldImg" idx="2"/>
           </p:nvPr>
         </p:nvSpPr>
         <p:spPr>
@@ -2435,9 +2512,13 @@
             <a:ext cx="4572000" cy="3429000"/>
           </a:xfrm>
           <a:custGeom>
-            <a:rect b="b" l="l" r="r" t="t"/>
+            <a:avLst/>
+            <a:gdLst/>
+            <a:ahLst/>
+            <a:cxnLst/>
+            <a:rect l="l" t="t" r="r" b="b"/>
             <a:pathLst>
-              <a:path extrusionOk="0" h="120000" w="120000">
+              <a:path w="120000" h="120000" extrusionOk="0">
                 <a:moveTo>
                   <a:pt x="0" y="0"/>
                 </a:moveTo>
@@ -2459,9 +2540,11 @@
       <p:sp>
         <p:nvSpPr>
           <p:cNvPr id="63" name="Google Shape;63;g9f3720feec_2_0:notes"/>
-          <p:cNvSpPr txBox="1"/>
+          <p:cNvSpPr txBox="1">
+            <a:spLocks noGrp="1"/>
+          </p:cNvSpPr>
           <p:nvPr>
-            <p:ph idx="1" type="body"/>
+            <p:ph type="body" idx="1"/>
           </p:nvPr>
         </p:nvSpPr>
         <p:spPr>
@@ -2474,12 +2557,12 @@
           </a:prstGeom>
         </p:spPr>
         <p:txBody>
-          <a:bodyPr anchorCtr="0" anchor="t" bIns="91425" lIns="91425" spcFirstLastPara="1" rIns="91425" wrap="square" tIns="91425">
+          <a:bodyPr spcFirstLastPara="1" wrap="square" lIns="91425" tIns="91425" rIns="91425" bIns="91425" anchor="t" anchorCtr="0">
             <a:noAutofit/>
           </a:bodyPr>
           <a:lstStyle/>
           <a:p>
-            <a:pPr indent="0" lvl="0" marL="0" rtl="0" algn="l">
+            <a:pPr marL="0" lvl="0" indent="0" algn="l" rtl="0">
               <a:spcBef>
                 <a:spcPts val="0"/>
               </a:spcBef>
@@ -2490,15 +2573,7 @@
             </a:pPr>
             <a:r>
               <a:rPr lang="en-US"/>
-              <a:t>Dit is dan een voorbeeld hoe de </a:t>
-            </a:r>
-            <a:r>
-              <a:rPr lang="en-US"/>
-              <a:t>visualisaties</a:t>
-            </a:r>
-            <a:r>
-              <a:rPr lang="en-US"/>
-              <a:t> eruit zouden kunnen zien. Hier vinden ze hoe snel de biggen groeien, hoeveel voer hiervoor nodig is, hoe snel ze groeien per dag etc. Uit deze visualisaties kan de gebruiker dan zelf besluiten gaan trekken of zijn bedrijf goed bezig is of niet door dit te vergelijken met andere groepen. </a:t>
+              <a:t>Dit is dan een voorbeeld hoe de visualisaties eruit zouden kunnen zien. Hier vinden ze hoe snel de biggen groeien, hoeveel voer hiervoor nodig is, hoe snel ze groeien per dag etc. Uit deze visualisaties kan de gebruiker dan zelf besluiten gaan trekken of zijn bedrijf goed bezig is of niet door dit te vergelijken met andere groepen. </a:t>
             </a:r>
             <a:endParaRPr/>
           </a:p>
@@ -2507,9 +2582,11 @@
       <p:sp>
         <p:nvSpPr>
           <p:cNvPr id="64" name="Google Shape;64;g9f3720feec_2_0:notes"/>
-          <p:cNvSpPr txBox="1"/>
+          <p:cNvSpPr txBox="1">
+            <a:spLocks noGrp="1"/>
+          </p:cNvSpPr>
           <p:nvPr>
-            <p:ph idx="12" type="sldNum"/>
+            <p:ph type="sldNum" idx="12"/>
           </p:nvPr>
         </p:nvSpPr>
         <p:spPr>
@@ -2522,12 +2599,12 @@
           </a:prstGeom>
         </p:spPr>
         <p:txBody>
-          <a:bodyPr anchorCtr="0" anchor="b" bIns="45700" lIns="91425" spcFirstLastPara="1" rIns="91425" wrap="square" tIns="45700">
+          <a:bodyPr spcFirstLastPara="1" wrap="square" lIns="91425" tIns="45700" rIns="91425" bIns="45700" anchor="b" anchorCtr="0">
             <a:noAutofit/>
           </a:bodyPr>
           <a:lstStyle/>
           <a:p>
-            <a:pPr indent="0" lvl="0" marL="0" rtl="0" algn="r">
+            <a:pPr marL="0" lvl="0" indent="0" algn="r" rtl="0">
               <a:spcBef>
                 <a:spcPts val="0"/>
               </a:spcBef>
@@ -2542,7 +2619,7 @@
             </a:pPr>
             <a:fld id="{00000000-1234-1234-1234-123412341234}" type="slidenum">
               <a:rPr lang="en-US"/>
-              <a:t>‹#›</a:t>
+              <a:t>5</a:t>
             </a:fld>
             <a:endParaRPr/>
           </a:p>
@@ -2557,11 +2634,11 @@
 </file>
 
 <file path=ppt/notesSlides/notesSlide6.xml><?xml version="1.0" encoding="utf-8"?>
-<p:notes xmlns:a="http://schemas.openxmlformats.org/drawingml/2006/main" xmlns:r="http://schemas.openxmlformats.org/officeDocument/2006/relationships" xmlns:mc="http://schemas.openxmlformats.org/markup-compatibility/2006" xmlns:mv="urn:schemas-microsoft-com:mac:vml" xmlns:p="http://schemas.openxmlformats.org/presentationml/2006/main" xmlns:c="http://schemas.openxmlformats.org/drawingml/2006/chart" xmlns:dgm="http://schemas.openxmlformats.org/drawingml/2006/diagram" xmlns:o="urn:schemas-microsoft-com:office:office" xmlns:v="urn:schemas-microsoft-com:vml" xmlns:pvml="urn:schemas-microsoft-com:office:powerpoint" xmlns:com="http://schemas.openxmlformats.org/drawingml/2006/compatibility" xmlns:p14="http://schemas.microsoft.com/office/powerpoint/2010/main" xmlns:p15="http://schemas.microsoft.com/office/powerpoint/2012/main" xmlns:ahyp="http://schemas.microsoft.com/office/drawing/2018/hyperlinkcolor" showMasterPhAnim="0" showMasterSp="0">
+<p:notes xmlns:a="http://schemas.openxmlformats.org/drawingml/2006/main" xmlns:r="http://schemas.openxmlformats.org/officeDocument/2006/relationships" xmlns:p="http://schemas.openxmlformats.org/presentationml/2006/main" showMasterSp="0" showMasterPhAnim="0">
   <p:cSld>
     <p:spTree>
       <p:nvGrpSpPr>
-        <p:cNvPr id="69" name="Shape 69"/>
+        <p:cNvPr id="1" name="Shape 69"/>
         <p:cNvGrpSpPr/>
         <p:nvPr/>
       </p:nvGrpSpPr>
@@ -2576,9 +2653,11 @@
       <p:sp>
         <p:nvSpPr>
           <p:cNvPr id="70" name="Google Shape;70;ga66dc68b7d_0_15:notes"/>
-          <p:cNvSpPr/>
+          <p:cNvSpPr>
+            <a:spLocks noGrp="1" noRot="1" noChangeAspect="1"/>
+          </p:cNvSpPr>
           <p:nvPr>
-            <p:ph idx="2" type="sldImg"/>
+            <p:ph type="sldImg" idx="2"/>
           </p:nvPr>
         </p:nvSpPr>
         <p:spPr>
@@ -2587,9 +2666,13 @@
             <a:ext cx="4572000" cy="3429000"/>
           </a:xfrm>
           <a:custGeom>
-            <a:rect b="b" l="l" r="r" t="t"/>
+            <a:avLst/>
+            <a:gdLst/>
+            <a:ahLst/>
+            <a:cxnLst/>
+            <a:rect l="l" t="t" r="r" b="b"/>
             <a:pathLst>
-              <a:path extrusionOk="0" h="120000" w="120000">
+              <a:path w="120000" h="120000" extrusionOk="0">
                 <a:moveTo>
                   <a:pt x="0" y="0"/>
                 </a:moveTo>
@@ -2611,9 +2694,11 @@
       <p:sp>
         <p:nvSpPr>
           <p:cNvPr id="71" name="Google Shape;71;ga66dc68b7d_0_15:notes"/>
-          <p:cNvSpPr txBox="1"/>
+          <p:cNvSpPr txBox="1">
+            <a:spLocks noGrp="1"/>
+          </p:cNvSpPr>
           <p:nvPr>
-            <p:ph idx="1" type="body"/>
+            <p:ph type="body" idx="1"/>
           </p:nvPr>
         </p:nvSpPr>
         <p:spPr>
@@ -2626,12 +2711,12 @@
           </a:prstGeom>
         </p:spPr>
         <p:txBody>
-          <a:bodyPr anchorCtr="0" anchor="t" bIns="91425" lIns="91425" spcFirstLastPara="1" rIns="91425" wrap="square" tIns="91425">
+          <a:bodyPr spcFirstLastPara="1" wrap="square" lIns="91425" tIns="91425" rIns="91425" bIns="91425" anchor="t" anchorCtr="0">
             <a:noAutofit/>
           </a:bodyPr>
           <a:lstStyle/>
           <a:p>
-            <a:pPr indent="0" lvl="0" marL="0" rtl="0" algn="l">
+            <a:pPr marL="0" lvl="0" indent="0" algn="l" rtl="0">
               <a:spcBef>
                 <a:spcPts val="0"/>
               </a:spcBef>
@@ -2651,9 +2736,11 @@
       <p:sp>
         <p:nvSpPr>
           <p:cNvPr id="72" name="Google Shape;72;ga66dc68b7d_0_15:notes"/>
-          <p:cNvSpPr txBox="1"/>
+          <p:cNvSpPr txBox="1">
+            <a:spLocks noGrp="1"/>
+          </p:cNvSpPr>
           <p:nvPr>
-            <p:ph idx="12" type="sldNum"/>
+            <p:ph type="sldNum" idx="12"/>
           </p:nvPr>
         </p:nvSpPr>
         <p:spPr>
@@ -2666,12 +2753,12 @@
           </a:prstGeom>
         </p:spPr>
         <p:txBody>
-          <a:bodyPr anchorCtr="0" anchor="b" bIns="45700" lIns="91425" spcFirstLastPara="1" rIns="91425" wrap="square" tIns="45700">
+          <a:bodyPr spcFirstLastPara="1" wrap="square" lIns="91425" tIns="45700" rIns="91425" bIns="45700" anchor="b" anchorCtr="0">
             <a:noAutofit/>
           </a:bodyPr>
           <a:lstStyle/>
           <a:p>
-            <a:pPr indent="0" lvl="0" marL="0" rtl="0" algn="r">
+            <a:pPr marL="0" lvl="0" indent="0" algn="r" rtl="0">
               <a:spcBef>
                 <a:spcPts val="0"/>
               </a:spcBef>
@@ -2686,7 +2773,7 @@
             </a:pPr>
             <a:fld id="{00000000-1234-1234-1234-123412341234}" type="slidenum">
               <a:rPr lang="en-US"/>
-              <a:t>‹#›</a:t>
+              <a:t>6</a:t>
             </a:fld>
             <a:endParaRPr/>
           </a:p>
@@ -2701,11 +2788,11 @@
 </file>
 
 <file path=ppt/notesSlides/notesSlide7.xml><?xml version="1.0" encoding="utf-8"?>
-<p:notes xmlns:a="http://schemas.openxmlformats.org/drawingml/2006/main" xmlns:r="http://schemas.openxmlformats.org/officeDocument/2006/relationships" xmlns:mc="http://schemas.openxmlformats.org/markup-compatibility/2006" xmlns:mv="urn:schemas-microsoft-com:mac:vml" xmlns:p="http://schemas.openxmlformats.org/presentationml/2006/main" xmlns:c="http://schemas.openxmlformats.org/drawingml/2006/chart" xmlns:dgm="http://schemas.openxmlformats.org/drawingml/2006/diagram" xmlns:o="urn:schemas-microsoft-com:office:office" xmlns:v="urn:schemas-microsoft-com:vml" xmlns:pvml="urn:schemas-microsoft-com:office:powerpoint" xmlns:com="http://schemas.openxmlformats.org/drawingml/2006/compatibility" xmlns:p14="http://schemas.microsoft.com/office/powerpoint/2010/main" xmlns:p15="http://schemas.microsoft.com/office/powerpoint/2012/main" xmlns:ahyp="http://schemas.microsoft.com/office/drawing/2018/hyperlinkcolor" showMasterPhAnim="0" showMasterSp="0">
+<p:notes xmlns:a="http://schemas.openxmlformats.org/drawingml/2006/main" xmlns:r="http://schemas.openxmlformats.org/officeDocument/2006/relationships" xmlns:p="http://schemas.openxmlformats.org/presentationml/2006/main" showMasterSp="0" showMasterPhAnim="0">
   <p:cSld>
     <p:spTree>
       <p:nvGrpSpPr>
-        <p:cNvPr id="77" name="Shape 77"/>
+        <p:cNvPr id="1" name="Shape 77"/>
         <p:cNvGrpSpPr/>
         <p:nvPr/>
       </p:nvGrpSpPr>
@@ -2720,9 +2807,11 @@
       <p:sp>
         <p:nvSpPr>
           <p:cNvPr id="78" name="Google Shape;78;ga66dc68b7d_0_47:notes"/>
-          <p:cNvSpPr/>
+          <p:cNvSpPr>
+            <a:spLocks noGrp="1" noRot="1" noChangeAspect="1"/>
+          </p:cNvSpPr>
           <p:nvPr>
-            <p:ph idx="2" type="sldImg"/>
+            <p:ph type="sldImg" idx="2"/>
           </p:nvPr>
         </p:nvSpPr>
         <p:spPr>
@@ -2731,9 +2820,13 @@
             <a:ext cx="4572000" cy="3429000"/>
           </a:xfrm>
           <a:custGeom>
-            <a:rect b="b" l="l" r="r" t="t"/>
+            <a:avLst/>
+            <a:gdLst/>
+            <a:ahLst/>
+            <a:cxnLst/>
+            <a:rect l="l" t="t" r="r" b="b"/>
             <a:pathLst>
-              <a:path extrusionOk="0" h="120000" w="120000">
+              <a:path w="120000" h="120000" extrusionOk="0">
                 <a:moveTo>
                   <a:pt x="0" y="0"/>
                 </a:moveTo>
@@ -2755,9 +2848,11 @@
       <p:sp>
         <p:nvSpPr>
           <p:cNvPr id="79" name="Google Shape;79;ga66dc68b7d_0_47:notes"/>
-          <p:cNvSpPr txBox="1"/>
+          <p:cNvSpPr txBox="1">
+            <a:spLocks noGrp="1"/>
+          </p:cNvSpPr>
           <p:nvPr>
-            <p:ph idx="1" type="body"/>
+            <p:ph type="body" idx="1"/>
           </p:nvPr>
         </p:nvSpPr>
         <p:spPr>
@@ -2770,12 +2865,12 @@
           </a:prstGeom>
         </p:spPr>
         <p:txBody>
-          <a:bodyPr anchorCtr="0" anchor="t" bIns="91425" lIns="91425" spcFirstLastPara="1" rIns="91425" wrap="square" tIns="91425">
+          <a:bodyPr spcFirstLastPara="1" wrap="square" lIns="91425" tIns="91425" rIns="91425" bIns="91425" anchor="t" anchorCtr="0">
             <a:noAutofit/>
           </a:bodyPr>
           <a:lstStyle/>
           <a:p>
-            <a:pPr indent="0" lvl="0" marL="0" rtl="0" algn="l">
+            <a:pPr marL="0" lvl="0" indent="0" algn="l" rtl="0">
               <a:spcBef>
                 <a:spcPts val="0"/>
               </a:spcBef>
@@ -2795,9 +2890,11 @@
       <p:sp>
         <p:nvSpPr>
           <p:cNvPr id="80" name="Google Shape;80;ga66dc68b7d_0_47:notes"/>
-          <p:cNvSpPr txBox="1"/>
+          <p:cNvSpPr txBox="1">
+            <a:spLocks noGrp="1"/>
+          </p:cNvSpPr>
           <p:nvPr>
-            <p:ph idx="12" type="sldNum"/>
+            <p:ph type="sldNum" idx="12"/>
           </p:nvPr>
         </p:nvSpPr>
         <p:spPr>
@@ -2810,12 +2907,12 @@
           </a:prstGeom>
         </p:spPr>
         <p:txBody>
-          <a:bodyPr anchorCtr="0" anchor="b" bIns="45700" lIns="91425" spcFirstLastPara="1" rIns="91425" wrap="square" tIns="45700">
+          <a:bodyPr spcFirstLastPara="1" wrap="square" lIns="91425" tIns="45700" rIns="91425" bIns="45700" anchor="b" anchorCtr="0">
             <a:noAutofit/>
           </a:bodyPr>
           <a:lstStyle/>
           <a:p>
-            <a:pPr indent="0" lvl="0" marL="0" rtl="0" algn="r">
+            <a:pPr marL="0" lvl="0" indent="0" algn="r" rtl="0">
               <a:spcBef>
                 <a:spcPts val="0"/>
               </a:spcBef>
@@ -2830,7 +2927,7 @@
             </a:pPr>
             <a:fld id="{00000000-1234-1234-1234-123412341234}" type="slidenum">
               <a:rPr lang="en-US"/>
-              <a:t>‹#›</a:t>
+              <a:t>7</a:t>
             </a:fld>
             <a:endParaRPr/>
           </a:p>
@@ -2845,11 +2942,11 @@
 </file>
 
 <file path=ppt/notesSlides/notesSlide8.xml><?xml version="1.0" encoding="utf-8"?>
-<p:notes xmlns:a="http://schemas.openxmlformats.org/drawingml/2006/main" xmlns:r="http://schemas.openxmlformats.org/officeDocument/2006/relationships" xmlns:mc="http://schemas.openxmlformats.org/markup-compatibility/2006" xmlns:mv="urn:schemas-microsoft-com:mac:vml" xmlns:p="http://schemas.openxmlformats.org/presentationml/2006/main" xmlns:c="http://schemas.openxmlformats.org/drawingml/2006/chart" xmlns:dgm="http://schemas.openxmlformats.org/drawingml/2006/diagram" xmlns:o="urn:schemas-microsoft-com:office:office" xmlns:v="urn:schemas-microsoft-com:vml" xmlns:pvml="urn:schemas-microsoft-com:office:powerpoint" xmlns:com="http://schemas.openxmlformats.org/drawingml/2006/compatibility" xmlns:p14="http://schemas.microsoft.com/office/powerpoint/2010/main" xmlns:p15="http://schemas.microsoft.com/office/powerpoint/2012/main" xmlns:ahyp="http://schemas.microsoft.com/office/drawing/2018/hyperlinkcolor" showMasterPhAnim="0" showMasterSp="0">
+<p:notes xmlns:a="http://schemas.openxmlformats.org/drawingml/2006/main" xmlns:r="http://schemas.openxmlformats.org/officeDocument/2006/relationships" xmlns:p="http://schemas.openxmlformats.org/presentationml/2006/main" showMasterSp="0" showMasterPhAnim="0">
   <p:cSld>
     <p:spTree>
       <p:nvGrpSpPr>
-        <p:cNvPr id="85" name="Shape 85"/>
+        <p:cNvPr id="1" name="Shape 85"/>
         <p:cNvGrpSpPr/>
         <p:nvPr/>
       </p:nvGrpSpPr>
@@ -2864,9 +2961,11 @@
       <p:sp>
         <p:nvSpPr>
           <p:cNvPr id="86" name="Google Shape;86;ga66dc68b7d_0_33:notes"/>
-          <p:cNvSpPr/>
+          <p:cNvSpPr>
+            <a:spLocks noGrp="1" noRot="1" noChangeAspect="1"/>
+          </p:cNvSpPr>
           <p:nvPr>
-            <p:ph idx="2" type="sldImg"/>
+            <p:ph type="sldImg" idx="2"/>
           </p:nvPr>
         </p:nvSpPr>
         <p:spPr>
@@ -2875,9 +2974,13 @@
             <a:ext cx="4572000" cy="3429000"/>
           </a:xfrm>
           <a:custGeom>
-            <a:rect b="b" l="l" r="r" t="t"/>
+            <a:avLst/>
+            <a:gdLst/>
+            <a:ahLst/>
+            <a:cxnLst/>
+            <a:rect l="l" t="t" r="r" b="b"/>
             <a:pathLst>
-              <a:path extrusionOk="0" h="120000" w="120000">
+              <a:path w="120000" h="120000" extrusionOk="0">
                 <a:moveTo>
                   <a:pt x="0" y="0"/>
                 </a:moveTo>
@@ -2899,9 +3002,11 @@
       <p:sp>
         <p:nvSpPr>
           <p:cNvPr id="87" name="Google Shape;87;ga66dc68b7d_0_33:notes"/>
-          <p:cNvSpPr txBox="1"/>
+          <p:cNvSpPr txBox="1">
+            <a:spLocks noGrp="1"/>
+          </p:cNvSpPr>
           <p:nvPr>
-            <p:ph idx="1" type="body"/>
+            <p:ph type="body" idx="1"/>
           </p:nvPr>
         </p:nvSpPr>
         <p:spPr>
@@ -2914,12 +3019,12 @@
           </a:prstGeom>
         </p:spPr>
         <p:txBody>
-          <a:bodyPr anchorCtr="0" anchor="t" bIns="91425" lIns="91425" spcFirstLastPara="1" rIns="91425" wrap="square" tIns="91425">
+          <a:bodyPr spcFirstLastPara="1" wrap="square" lIns="91425" tIns="91425" rIns="91425" bIns="91425" anchor="t" anchorCtr="0">
             <a:noAutofit/>
           </a:bodyPr>
           <a:lstStyle/>
           <a:p>
-            <a:pPr indent="0" lvl="0" marL="0" rtl="0" algn="l">
+            <a:pPr marL="0" lvl="0" indent="0" algn="l" rtl="0">
               <a:spcBef>
                 <a:spcPts val="0"/>
               </a:spcBef>
@@ -2939,9 +3044,11 @@
       <p:sp>
         <p:nvSpPr>
           <p:cNvPr id="88" name="Google Shape;88;ga66dc68b7d_0_33:notes"/>
-          <p:cNvSpPr txBox="1"/>
+          <p:cNvSpPr txBox="1">
+            <a:spLocks noGrp="1"/>
+          </p:cNvSpPr>
           <p:nvPr>
-            <p:ph idx="12" type="sldNum"/>
+            <p:ph type="sldNum" idx="12"/>
           </p:nvPr>
         </p:nvSpPr>
         <p:spPr>
@@ -2954,12 +3061,12 @@
           </a:prstGeom>
         </p:spPr>
         <p:txBody>
-          <a:bodyPr anchorCtr="0" anchor="b" bIns="45700" lIns="91425" spcFirstLastPara="1" rIns="91425" wrap="square" tIns="45700">
+          <a:bodyPr spcFirstLastPara="1" wrap="square" lIns="91425" tIns="45700" rIns="91425" bIns="45700" anchor="b" anchorCtr="0">
             <a:noAutofit/>
           </a:bodyPr>
           <a:lstStyle/>
           <a:p>
-            <a:pPr indent="0" lvl="0" marL="0" rtl="0" algn="r">
+            <a:pPr marL="0" lvl="0" indent="0" algn="r" rtl="0">
               <a:spcBef>
                 <a:spcPts val="0"/>
               </a:spcBef>
@@ -2974,7 +3081,7 @@
             </a:pPr>
             <a:fld id="{00000000-1234-1234-1234-123412341234}" type="slidenum">
               <a:rPr lang="en-US"/>
-              <a:t>‹#›</a:t>
+              <a:t>8</a:t>
             </a:fld>
             <a:endParaRPr/>
           </a:p>
@@ -2989,11 +3096,11 @@
 </file>
 
 <file path=ppt/notesSlides/notesSlide9.xml><?xml version="1.0" encoding="utf-8"?>
-<p:notes xmlns:a="http://schemas.openxmlformats.org/drawingml/2006/main" xmlns:r="http://schemas.openxmlformats.org/officeDocument/2006/relationships" xmlns:mc="http://schemas.openxmlformats.org/markup-compatibility/2006" xmlns:mv="urn:schemas-microsoft-com:mac:vml" xmlns:p="http://schemas.openxmlformats.org/presentationml/2006/main" xmlns:c="http://schemas.openxmlformats.org/drawingml/2006/chart" xmlns:dgm="http://schemas.openxmlformats.org/drawingml/2006/diagram" xmlns:o="urn:schemas-microsoft-com:office:office" xmlns:v="urn:schemas-microsoft-com:vml" xmlns:pvml="urn:schemas-microsoft-com:office:powerpoint" xmlns:com="http://schemas.openxmlformats.org/drawingml/2006/compatibility" xmlns:p14="http://schemas.microsoft.com/office/powerpoint/2010/main" xmlns:p15="http://schemas.microsoft.com/office/powerpoint/2012/main" xmlns:ahyp="http://schemas.microsoft.com/office/drawing/2018/hyperlinkcolor" showMasterPhAnim="0" showMasterSp="0">
+<p:notes xmlns:a="http://schemas.openxmlformats.org/drawingml/2006/main" xmlns:r="http://schemas.openxmlformats.org/officeDocument/2006/relationships" xmlns:p="http://schemas.openxmlformats.org/presentationml/2006/main" showMasterSp="0" showMasterPhAnim="0">
   <p:cSld>
     <p:spTree>
       <p:nvGrpSpPr>
-        <p:cNvPr id="93" name="Shape 93"/>
+        <p:cNvPr id="1" name="Shape 93"/>
         <p:cNvGrpSpPr/>
         <p:nvPr/>
       </p:nvGrpSpPr>
@@ -3008,9 +3115,11 @@
       <p:sp>
         <p:nvSpPr>
           <p:cNvPr id="94" name="Google Shape;94;ga66dc68b7d_0_53:notes"/>
-          <p:cNvSpPr/>
+          <p:cNvSpPr>
+            <a:spLocks noGrp="1" noRot="1" noChangeAspect="1"/>
+          </p:cNvSpPr>
           <p:nvPr>
-            <p:ph idx="2" type="sldImg"/>
+            <p:ph type="sldImg" idx="2"/>
           </p:nvPr>
         </p:nvSpPr>
         <p:spPr>
@@ -3019,9 +3128,13 @@
             <a:ext cx="4572000" cy="3429000"/>
           </a:xfrm>
           <a:custGeom>
-            <a:rect b="b" l="l" r="r" t="t"/>
+            <a:avLst/>
+            <a:gdLst/>
+            <a:ahLst/>
+            <a:cxnLst/>
+            <a:rect l="l" t="t" r="r" b="b"/>
             <a:pathLst>
-              <a:path extrusionOk="0" h="120000" w="120000">
+              <a:path w="120000" h="120000" extrusionOk="0">
                 <a:moveTo>
                   <a:pt x="0" y="0"/>
                 </a:moveTo>
@@ -3043,9 +3156,11 @@
       <p:sp>
         <p:nvSpPr>
           <p:cNvPr id="95" name="Google Shape;95;ga66dc68b7d_0_53:notes"/>
-          <p:cNvSpPr txBox="1"/>
+          <p:cNvSpPr txBox="1">
+            <a:spLocks noGrp="1"/>
+          </p:cNvSpPr>
           <p:nvPr>
-            <p:ph idx="1" type="body"/>
+            <p:ph type="body" idx="1"/>
           </p:nvPr>
         </p:nvSpPr>
         <p:spPr>
@@ -3058,12 +3173,12 @@
           </a:prstGeom>
         </p:spPr>
         <p:txBody>
-          <a:bodyPr anchorCtr="0" anchor="t" bIns="91425" lIns="91425" spcFirstLastPara="1" rIns="91425" wrap="square" tIns="91425">
+          <a:bodyPr spcFirstLastPara="1" wrap="square" lIns="91425" tIns="91425" rIns="91425" bIns="91425" anchor="t" anchorCtr="0">
             <a:noAutofit/>
           </a:bodyPr>
           <a:lstStyle/>
           <a:p>
-            <a:pPr indent="0" lvl="0" marL="0" rtl="0" algn="l">
+            <a:pPr marL="0" lvl="0" indent="0" algn="l" rtl="0">
               <a:spcBef>
                 <a:spcPts val="0"/>
               </a:spcBef>
@@ -3074,15 +3189,7 @@
             </a:pPr>
             <a:r>
               <a:rPr lang="en-US"/>
-              <a:t>En bij de verkoop zijn ook deze gegevens nodig. Maar na dit punt is een groep afgehandeld. En is het niet de bedoeling dat deze groepen nog aangepast worden. Dit is natuurlijk nog steeds mogelijk maar hierbij zal dan telkens een </a:t>
-            </a:r>
-            <a:r>
-              <a:rPr lang="en-US"/>
-              <a:t>waarschuwing</a:t>
-            </a:r>
-            <a:r>
-              <a:rPr lang="en-US"/>
-              <a:t> gegeven worden.</a:t>
+              <a:t>En bij de verkoop zijn ook deze gegevens nodig. Maar na dit punt is een groep afgehandeld. En is het niet de bedoeling dat deze groepen nog aangepast worden. Dit is natuurlijk nog steeds mogelijk maar hierbij zal dan telkens een waarschuwing gegeven worden.</a:t>
             </a:r>
             <a:endParaRPr/>
           </a:p>
@@ -3091,9 +3198,11 @@
       <p:sp>
         <p:nvSpPr>
           <p:cNvPr id="96" name="Google Shape;96;ga66dc68b7d_0_53:notes"/>
-          <p:cNvSpPr txBox="1"/>
+          <p:cNvSpPr txBox="1">
+            <a:spLocks noGrp="1"/>
+          </p:cNvSpPr>
           <p:nvPr>
-            <p:ph idx="12" type="sldNum"/>
+            <p:ph type="sldNum" idx="12"/>
           </p:nvPr>
         </p:nvSpPr>
         <p:spPr>
@@ -3106,12 +3215,12 @@
           </a:prstGeom>
         </p:spPr>
         <p:txBody>
-          <a:bodyPr anchorCtr="0" anchor="b" bIns="45700" lIns="91425" spcFirstLastPara="1" rIns="91425" wrap="square" tIns="45700">
+          <a:bodyPr spcFirstLastPara="1" wrap="square" lIns="91425" tIns="45700" rIns="91425" bIns="45700" anchor="b" anchorCtr="0">
             <a:noAutofit/>
           </a:bodyPr>
           <a:lstStyle/>
           <a:p>
-            <a:pPr indent="0" lvl="0" marL="0" rtl="0" algn="r">
+            <a:pPr marL="0" lvl="0" indent="0" algn="r" rtl="0">
               <a:spcBef>
                 <a:spcPts val="0"/>
               </a:spcBef>
@@ -3126,7 +3235,7 @@
             </a:pPr>
             <a:fld id="{00000000-1234-1234-1234-123412341234}" type="slidenum">
               <a:rPr lang="en-US"/>
-              <a:t>‹#›</a:t>
+              <a:t>9</a:t>
             </a:fld>
             <a:endParaRPr/>
           </a:p>
@@ -3141,11 +3250,11 @@
 </file>
 
 <file path=ppt/slideLayouts/slideLayout1.xml><?xml version="1.0" encoding="utf-8"?>
-<p:sldLayout xmlns:a="http://schemas.openxmlformats.org/drawingml/2006/main" xmlns:r="http://schemas.openxmlformats.org/officeDocument/2006/relationships" xmlns:mc="http://schemas.openxmlformats.org/markup-compatibility/2006" xmlns:mv="urn:schemas-microsoft-com:mac:vml" xmlns:p="http://schemas.openxmlformats.org/presentationml/2006/main" xmlns:c="http://schemas.openxmlformats.org/drawingml/2006/chart" xmlns:dgm="http://schemas.openxmlformats.org/drawingml/2006/diagram" xmlns:o="urn:schemas-microsoft-com:office:office" xmlns:v="urn:schemas-microsoft-com:vml" xmlns:pvml="urn:schemas-microsoft-com:office:powerpoint" xmlns:com="http://schemas.openxmlformats.org/drawingml/2006/compatibility" xmlns:p14="http://schemas.microsoft.com/office/powerpoint/2010/main" xmlns:p15="http://schemas.microsoft.com/office/powerpoint/2012/main" xmlns:ahyp="http://schemas.microsoft.com/office/drawing/2018/hyperlinkcolor" matchingName="Title Slide" type="title">
+<p:sldLayout xmlns:a="http://schemas.openxmlformats.org/drawingml/2006/main" xmlns:r="http://schemas.openxmlformats.org/officeDocument/2006/relationships" xmlns:p="http://schemas.openxmlformats.org/presentationml/2006/main" matchingName="Title Slide" type="title">
   <p:cSld name="TITLE">
     <p:spTree>
       <p:nvGrpSpPr>
-        <p:cNvPr id="15" name="Shape 15"/>
+        <p:cNvPr id="1" name="Shape 15"/>
         <p:cNvGrpSpPr/>
         <p:nvPr/>
       </p:nvGrpSpPr>
@@ -3159,7 +3268,7 @@
       </p:grpSpPr>
       <p:pic>
         <p:nvPicPr>
-          <p:cNvPr descr="foto-1.jpg" id="16" name="Google Shape;16;p2"/>
+          <p:cNvPr id="16" name="Google Shape;16;p2" descr="foto-1.jpg"/>
           <p:cNvPicPr preferRelativeResize="0"/>
           <p:nvPr/>
         </p:nvPicPr>
@@ -3167,7 +3276,7 @@
           <a:blip r:embed="rId2">
             <a:alphaModFix/>
           </a:blip>
-          <a:srcRect b="0" l="0" r="0" t="7535"/>
+          <a:srcRect t="7535"/>
           <a:stretch/>
         </p:blipFill>
         <p:spPr>
@@ -3186,7 +3295,7 @@
       </p:pic>
       <p:pic>
         <p:nvPicPr>
-          <p:cNvPr descr="logo-slide-titel.png" id="17" name="Google Shape;17;p2"/>
+          <p:cNvPr id="17" name="Google Shape;17;p2" descr="logo-slide-titel.png"/>
           <p:cNvPicPr preferRelativeResize="0"/>
           <p:nvPr/>
         </p:nvPicPr>
@@ -3194,7 +3303,7 @@
           <a:blip r:embed="rId3">
             <a:alphaModFix/>
           </a:blip>
-          <a:srcRect b="0" l="0" r="0" t="0"/>
+          <a:srcRect/>
           <a:stretch/>
         </p:blipFill>
         <p:spPr>
@@ -3214,7 +3323,9 @@
       <p:sp>
         <p:nvSpPr>
           <p:cNvPr id="18" name="Google Shape;18;p2"/>
-          <p:cNvSpPr txBox="1"/>
+          <p:cNvSpPr txBox="1">
+            <a:spLocks noGrp="1"/>
+          </p:cNvSpPr>
           <p:nvPr>
             <p:ph type="ctrTitle"/>
           </p:nvPr>
@@ -3233,20 +3344,20 @@
           </a:ln>
         </p:spPr>
         <p:txBody>
-          <a:bodyPr anchorCtr="0" anchor="ctr" bIns="91425" lIns="91425" spcFirstLastPara="1" rIns="91425" wrap="square" tIns="91425">
+          <a:bodyPr spcFirstLastPara="1" wrap="square" lIns="91425" tIns="91425" rIns="91425" bIns="91425" anchor="ctr" anchorCtr="0">
             <a:noAutofit/>
           </a:bodyPr>
           <a:lstStyle>
-            <a:lvl1pPr indent="0" lvl="0" marL="0" marR="0" rtl="0" algn="l">
-              <a:spcBef>
-                <a:spcPts val="0"/>
-              </a:spcBef>
-              <a:spcAft>
-                <a:spcPts val="0"/>
-              </a:spcAft>
-              <a:buSzPts val="1400"/>
-              <a:buNone/>
-              <a:defRPr b="1" i="0" sz="3200" u="none" cap="none" strike="noStrike">
+            <a:lvl1pPr marL="0" marR="0" lvl="0" indent="0" algn="l" rtl="0">
+              <a:spcBef>
+                <a:spcPts val="0"/>
+              </a:spcBef>
+              <a:spcAft>
+                <a:spcPts val="0"/>
+              </a:spcAft>
+              <a:buSzPts val="1400"/>
+              <a:buNone/>
+              <a:defRPr sz="3200" b="1" i="0" u="none" strike="noStrike" cap="none">
                 <a:solidFill>
                   <a:schemeClr val="dk1"/>
                 </a:solidFill>
@@ -3256,16 +3367,16 @@
                 <a:sym typeface="Verdana"/>
               </a:defRPr>
             </a:lvl1pPr>
-            <a:lvl2pPr indent="0" lvl="1" marL="0" marR="0" rtl="0" algn="ctr">
-              <a:spcBef>
-                <a:spcPts val="0"/>
-              </a:spcBef>
-              <a:spcAft>
-                <a:spcPts val="0"/>
-              </a:spcAft>
-              <a:buSzPts val="1400"/>
-              <a:buNone/>
-              <a:defRPr b="0" i="0" sz="4400" u="none" cap="none" strike="noStrike">
+            <a:lvl2pPr marL="0" marR="0" lvl="1" indent="0" algn="ctr" rtl="0">
+              <a:spcBef>
+                <a:spcPts val="0"/>
+              </a:spcBef>
+              <a:spcAft>
+                <a:spcPts val="0"/>
+              </a:spcAft>
+              <a:buSzPts val="1400"/>
+              <a:buNone/>
+              <a:defRPr sz="4400" b="0" i="0" u="none" strike="noStrike" cap="none">
                 <a:solidFill>
                   <a:schemeClr val="dk1"/>
                 </a:solidFill>
@@ -3275,16 +3386,16 @@
                 <a:sym typeface="Calibri"/>
               </a:defRPr>
             </a:lvl2pPr>
-            <a:lvl3pPr indent="0" lvl="2" marL="0" marR="0" rtl="0" algn="ctr">
-              <a:spcBef>
-                <a:spcPts val="0"/>
-              </a:spcBef>
-              <a:spcAft>
-                <a:spcPts val="0"/>
-              </a:spcAft>
-              <a:buSzPts val="1400"/>
-              <a:buNone/>
-              <a:defRPr b="0" i="0" sz="4400" u="none" cap="none" strike="noStrike">
+            <a:lvl3pPr marL="0" marR="0" lvl="2" indent="0" algn="ctr" rtl="0">
+              <a:spcBef>
+                <a:spcPts val="0"/>
+              </a:spcBef>
+              <a:spcAft>
+                <a:spcPts val="0"/>
+              </a:spcAft>
+              <a:buSzPts val="1400"/>
+              <a:buNone/>
+              <a:defRPr sz="4400" b="0" i="0" u="none" strike="noStrike" cap="none">
                 <a:solidFill>
                   <a:schemeClr val="dk1"/>
                 </a:solidFill>
@@ -3294,16 +3405,16 @@
                 <a:sym typeface="Calibri"/>
               </a:defRPr>
             </a:lvl3pPr>
-            <a:lvl4pPr indent="0" lvl="3" marL="0" marR="0" rtl="0" algn="ctr">
-              <a:spcBef>
-                <a:spcPts val="0"/>
-              </a:spcBef>
-              <a:spcAft>
-                <a:spcPts val="0"/>
-              </a:spcAft>
-              <a:buSzPts val="1400"/>
-              <a:buNone/>
-              <a:defRPr b="0" i="0" sz="4400" u="none" cap="none" strike="noStrike">
+            <a:lvl4pPr marL="0" marR="0" lvl="3" indent="0" algn="ctr" rtl="0">
+              <a:spcBef>
+                <a:spcPts val="0"/>
+              </a:spcBef>
+              <a:spcAft>
+                <a:spcPts val="0"/>
+              </a:spcAft>
+              <a:buSzPts val="1400"/>
+              <a:buNone/>
+              <a:defRPr sz="4400" b="0" i="0" u="none" strike="noStrike" cap="none">
                 <a:solidFill>
                   <a:schemeClr val="dk1"/>
                 </a:solidFill>
@@ -3313,16 +3424,16 @@
                 <a:sym typeface="Calibri"/>
               </a:defRPr>
             </a:lvl4pPr>
-            <a:lvl5pPr indent="0" lvl="4" marL="0" marR="0" rtl="0" algn="ctr">
-              <a:spcBef>
-                <a:spcPts val="0"/>
-              </a:spcBef>
-              <a:spcAft>
-                <a:spcPts val="0"/>
-              </a:spcAft>
-              <a:buSzPts val="1400"/>
-              <a:buNone/>
-              <a:defRPr b="0" i="0" sz="4400" u="none" cap="none" strike="noStrike">
+            <a:lvl5pPr marL="0" marR="0" lvl="4" indent="0" algn="ctr" rtl="0">
+              <a:spcBef>
+                <a:spcPts val="0"/>
+              </a:spcBef>
+              <a:spcAft>
+                <a:spcPts val="0"/>
+              </a:spcAft>
+              <a:buSzPts val="1400"/>
+              <a:buNone/>
+              <a:defRPr sz="4400" b="0" i="0" u="none" strike="noStrike" cap="none">
                 <a:solidFill>
                   <a:schemeClr val="dk1"/>
                 </a:solidFill>
@@ -3332,16 +3443,16 @@
                 <a:sym typeface="Calibri"/>
               </a:defRPr>
             </a:lvl5pPr>
-            <a:lvl6pPr indent="0" lvl="5" marL="457200" marR="0" rtl="0" algn="ctr">
-              <a:spcBef>
-                <a:spcPts val="0"/>
-              </a:spcBef>
-              <a:spcAft>
-                <a:spcPts val="0"/>
-              </a:spcAft>
-              <a:buSzPts val="1400"/>
-              <a:buNone/>
-              <a:defRPr b="0" i="0" sz="4400" u="none" cap="none" strike="noStrike">
+            <a:lvl6pPr marL="457200" marR="0" lvl="5" indent="0" algn="ctr" rtl="0">
+              <a:spcBef>
+                <a:spcPts val="0"/>
+              </a:spcBef>
+              <a:spcAft>
+                <a:spcPts val="0"/>
+              </a:spcAft>
+              <a:buSzPts val="1400"/>
+              <a:buNone/>
+              <a:defRPr sz="4400" b="0" i="0" u="none" strike="noStrike" cap="none">
                 <a:solidFill>
                   <a:schemeClr val="dk1"/>
                 </a:solidFill>
@@ -3351,16 +3462,16 @@
                 <a:sym typeface="Calibri"/>
               </a:defRPr>
             </a:lvl6pPr>
-            <a:lvl7pPr indent="0" lvl="6" marL="914400" marR="0" rtl="0" algn="ctr">
-              <a:spcBef>
-                <a:spcPts val="0"/>
-              </a:spcBef>
-              <a:spcAft>
-                <a:spcPts val="0"/>
-              </a:spcAft>
-              <a:buSzPts val="1400"/>
-              <a:buNone/>
-              <a:defRPr b="0" i="0" sz="4400" u="none" cap="none" strike="noStrike">
+            <a:lvl7pPr marL="914400" marR="0" lvl="6" indent="0" algn="ctr" rtl="0">
+              <a:spcBef>
+                <a:spcPts val="0"/>
+              </a:spcBef>
+              <a:spcAft>
+                <a:spcPts val="0"/>
+              </a:spcAft>
+              <a:buSzPts val="1400"/>
+              <a:buNone/>
+              <a:defRPr sz="4400" b="0" i="0" u="none" strike="noStrike" cap="none">
                 <a:solidFill>
                   <a:schemeClr val="dk1"/>
                 </a:solidFill>
@@ -3370,16 +3481,16 @@
                 <a:sym typeface="Calibri"/>
               </a:defRPr>
             </a:lvl7pPr>
-            <a:lvl8pPr indent="0" lvl="7" marL="1371600" marR="0" rtl="0" algn="ctr">
-              <a:spcBef>
-                <a:spcPts val="0"/>
-              </a:spcBef>
-              <a:spcAft>
-                <a:spcPts val="0"/>
-              </a:spcAft>
-              <a:buSzPts val="1400"/>
-              <a:buNone/>
-              <a:defRPr b="0" i="0" sz="4400" u="none" cap="none" strike="noStrike">
+            <a:lvl8pPr marL="1371600" marR="0" lvl="7" indent="0" algn="ctr" rtl="0">
+              <a:spcBef>
+                <a:spcPts val="0"/>
+              </a:spcBef>
+              <a:spcAft>
+                <a:spcPts val="0"/>
+              </a:spcAft>
+              <a:buSzPts val="1400"/>
+              <a:buNone/>
+              <a:defRPr sz="4400" b="0" i="0" u="none" strike="noStrike" cap="none">
                 <a:solidFill>
                   <a:schemeClr val="dk1"/>
                 </a:solidFill>
@@ -3389,16 +3500,16 @@
                 <a:sym typeface="Calibri"/>
               </a:defRPr>
             </a:lvl8pPr>
-            <a:lvl9pPr indent="0" lvl="8" marL="1828800" marR="0" rtl="0" algn="ctr">
-              <a:spcBef>
-                <a:spcPts val="0"/>
-              </a:spcBef>
-              <a:spcAft>
-                <a:spcPts val="0"/>
-              </a:spcAft>
-              <a:buSzPts val="1400"/>
-              <a:buNone/>
-              <a:defRPr b="0" i="0" sz="4400" u="none" cap="none" strike="noStrike">
+            <a:lvl9pPr marL="1828800" marR="0" lvl="8" indent="0" algn="ctr" rtl="0">
+              <a:spcBef>
+                <a:spcPts val="0"/>
+              </a:spcBef>
+              <a:spcAft>
+                <a:spcPts val="0"/>
+              </a:spcAft>
+              <a:buSzPts val="1400"/>
+              <a:buNone/>
+              <a:defRPr sz="4400" b="0" i="0" u="none" strike="noStrike" cap="none">
                 <a:solidFill>
                   <a:schemeClr val="dk1"/>
                 </a:solidFill>
@@ -3409,15 +3520,19 @@
               </a:defRPr>
             </a:lvl9pPr>
           </a:lstStyle>
-          <a:p/>
+          <a:p>
+            <a:endParaRPr/>
+          </a:p>
         </p:txBody>
       </p:sp>
       <p:sp>
         <p:nvSpPr>
           <p:cNvPr id="19" name="Google Shape;19;p2"/>
-          <p:cNvSpPr txBox="1"/>
+          <p:cNvSpPr txBox="1">
+            <a:spLocks noGrp="1"/>
+          </p:cNvSpPr>
           <p:nvPr>
-            <p:ph idx="1" type="subTitle"/>
+            <p:ph type="subTitle" idx="1"/>
           </p:nvPr>
         </p:nvSpPr>
         <p:spPr>
@@ -3434,11 +3549,11 @@
           </a:ln>
         </p:spPr>
         <p:txBody>
-          <a:bodyPr anchorCtr="0" anchor="t" bIns="91425" lIns="91425" spcFirstLastPara="1" rIns="91425" wrap="square" tIns="91425">
+          <a:bodyPr spcFirstLastPara="1" wrap="square" lIns="91425" tIns="91425" rIns="91425" bIns="91425" anchor="t" anchorCtr="0">
             <a:noAutofit/>
           </a:bodyPr>
           <a:lstStyle>
-            <a:lvl1pPr indent="0" lvl="0" marL="0" marR="0" rtl="0" algn="l">
+            <a:lvl1pPr marL="0" marR="0" lvl="0" indent="0" algn="l" rtl="0">
               <a:spcBef>
                 <a:spcPts val="400"/>
               </a:spcBef>
@@ -3451,7 +3566,7 @@
               <a:buSzPts val="2000"/>
               <a:buFont typeface="Arial"/>
               <a:buNone/>
-              <a:defRPr b="0" i="0" sz="2000" u="none" cap="none" strike="noStrike">
+              <a:defRPr sz="2000" b="0" i="0" u="none" strike="noStrike" cap="none">
                 <a:solidFill>
                   <a:srgbClr val="4F4F4F"/>
                 </a:solidFill>
@@ -3461,7 +3576,7 @@
                 <a:sym typeface="Verdana"/>
               </a:defRPr>
             </a:lvl1pPr>
-            <a:lvl2pPr indent="0" lvl="1" marL="457200" marR="0" rtl="0" algn="ctr">
+            <a:lvl2pPr marL="457200" marR="0" lvl="1" indent="0" algn="ctr" rtl="0">
               <a:spcBef>
                 <a:spcPts val="560"/>
               </a:spcBef>
@@ -3474,7 +3589,7 @@
               <a:buSzPts val="2800"/>
               <a:buFont typeface="Arial"/>
               <a:buNone/>
-              <a:defRPr b="0" i="0" sz="2800" u="none" cap="none" strike="noStrike">
+              <a:defRPr sz="2800" b="0" i="0" u="none" strike="noStrike" cap="none">
                 <a:solidFill>
                   <a:srgbClr val="888888"/>
                 </a:solidFill>
@@ -3484,7 +3599,7 @@
                 <a:sym typeface="Calibri"/>
               </a:defRPr>
             </a:lvl2pPr>
-            <a:lvl3pPr indent="0" lvl="2" marL="914400" marR="0" rtl="0" algn="ctr">
+            <a:lvl3pPr marL="914400" marR="0" lvl="2" indent="0" algn="ctr" rtl="0">
               <a:spcBef>
                 <a:spcPts val="480"/>
               </a:spcBef>
@@ -3497,7 +3612,7 @@
               <a:buSzPts val="2400"/>
               <a:buFont typeface="Arial"/>
               <a:buNone/>
-              <a:defRPr b="0" i="0" sz="2400" u="none" cap="none" strike="noStrike">
+              <a:defRPr sz="2400" b="0" i="0" u="none" strike="noStrike" cap="none">
                 <a:solidFill>
                   <a:srgbClr val="888888"/>
                 </a:solidFill>
@@ -3507,7 +3622,7 @@
                 <a:sym typeface="Calibri"/>
               </a:defRPr>
             </a:lvl3pPr>
-            <a:lvl4pPr indent="0" lvl="3" marL="1371600" marR="0" rtl="0" algn="ctr">
+            <a:lvl4pPr marL="1371600" marR="0" lvl="3" indent="0" algn="ctr" rtl="0">
               <a:spcBef>
                 <a:spcPts val="400"/>
               </a:spcBef>
@@ -3520,7 +3635,7 @@
               <a:buSzPts val="2000"/>
               <a:buFont typeface="Arial"/>
               <a:buNone/>
-              <a:defRPr b="0" i="0" sz="2000" u="none" cap="none" strike="noStrike">
+              <a:defRPr sz="2000" b="0" i="0" u="none" strike="noStrike" cap="none">
                 <a:solidFill>
                   <a:srgbClr val="888888"/>
                 </a:solidFill>
@@ -3530,7 +3645,7 @@
                 <a:sym typeface="Calibri"/>
               </a:defRPr>
             </a:lvl4pPr>
-            <a:lvl5pPr indent="0" lvl="4" marL="1828800" marR="0" rtl="0" algn="ctr">
+            <a:lvl5pPr marL="1828800" marR="0" lvl="4" indent="0" algn="ctr" rtl="0">
               <a:spcBef>
                 <a:spcPts val="400"/>
               </a:spcBef>
@@ -3543,7 +3658,7 @@
               <a:buSzPts val="2000"/>
               <a:buFont typeface="Arial"/>
               <a:buNone/>
-              <a:defRPr b="0" i="0" sz="2000" u="none" cap="none" strike="noStrike">
+              <a:defRPr sz="2000" b="0" i="0" u="none" strike="noStrike" cap="none">
                 <a:solidFill>
                   <a:srgbClr val="888888"/>
                 </a:solidFill>
@@ -3553,7 +3668,7 @@
                 <a:sym typeface="Calibri"/>
               </a:defRPr>
             </a:lvl5pPr>
-            <a:lvl6pPr indent="0" lvl="5" marL="2286000" marR="0" rtl="0" algn="ctr">
+            <a:lvl6pPr marL="2286000" marR="0" lvl="5" indent="0" algn="ctr" rtl="0">
               <a:spcBef>
                 <a:spcPts val="400"/>
               </a:spcBef>
@@ -3566,7 +3681,7 @@
               <a:buSzPts val="2000"/>
               <a:buFont typeface="Arial"/>
               <a:buNone/>
-              <a:defRPr b="0" i="0" sz="2000" u="none" cap="none" strike="noStrike">
+              <a:defRPr sz="2000" b="0" i="0" u="none" strike="noStrike" cap="none">
                 <a:solidFill>
                   <a:srgbClr val="888888"/>
                 </a:solidFill>
@@ -3576,7 +3691,7 @@
                 <a:sym typeface="Calibri"/>
               </a:defRPr>
             </a:lvl6pPr>
-            <a:lvl7pPr indent="0" lvl="6" marL="2743200" marR="0" rtl="0" algn="ctr">
+            <a:lvl7pPr marL="2743200" marR="0" lvl="6" indent="0" algn="ctr" rtl="0">
               <a:spcBef>
                 <a:spcPts val="400"/>
               </a:spcBef>
@@ -3589,7 +3704,7 @@
               <a:buSzPts val="2000"/>
               <a:buFont typeface="Arial"/>
               <a:buNone/>
-              <a:defRPr b="0" i="0" sz="2000" u="none" cap="none" strike="noStrike">
+              <a:defRPr sz="2000" b="0" i="0" u="none" strike="noStrike" cap="none">
                 <a:solidFill>
                   <a:srgbClr val="888888"/>
                 </a:solidFill>
@@ -3599,7 +3714,7 @@
                 <a:sym typeface="Calibri"/>
               </a:defRPr>
             </a:lvl7pPr>
-            <a:lvl8pPr indent="0" lvl="7" marL="3200400" marR="0" rtl="0" algn="ctr">
+            <a:lvl8pPr marL="3200400" marR="0" lvl="7" indent="0" algn="ctr" rtl="0">
               <a:spcBef>
                 <a:spcPts val="400"/>
               </a:spcBef>
@@ -3612,7 +3727,7 @@
               <a:buSzPts val="2000"/>
               <a:buFont typeface="Arial"/>
               <a:buNone/>
-              <a:defRPr b="0" i="0" sz="2000" u="none" cap="none" strike="noStrike">
+              <a:defRPr sz="2000" b="0" i="0" u="none" strike="noStrike" cap="none">
                 <a:solidFill>
                   <a:srgbClr val="888888"/>
                 </a:solidFill>
@@ -3622,7 +3737,7 @@
                 <a:sym typeface="Calibri"/>
               </a:defRPr>
             </a:lvl8pPr>
-            <a:lvl9pPr indent="0" lvl="8" marL="3657600" marR="0" rtl="0" algn="ctr">
+            <a:lvl9pPr marL="3657600" marR="0" lvl="8" indent="0" algn="ctr" rtl="0">
               <a:spcBef>
                 <a:spcPts val="400"/>
               </a:spcBef>
@@ -3635,7 +3750,7 @@
               <a:buSzPts val="2000"/>
               <a:buFont typeface="Arial"/>
               <a:buNone/>
-              <a:defRPr b="0" i="0" sz="2000" u="none" cap="none" strike="noStrike">
+              <a:defRPr sz="2000" b="0" i="0" u="none" strike="noStrike" cap="none">
                 <a:solidFill>
                   <a:srgbClr val="888888"/>
                 </a:solidFill>
@@ -3646,7 +3761,9 @@
               </a:defRPr>
             </a:lvl9pPr>
           </a:lstStyle>
-          <a:p/>
+          <a:p>
+            <a:endParaRPr/>
+          </a:p>
         </p:txBody>
       </p:sp>
     </p:spTree>
@@ -3658,11 +3775,11 @@
 </file>
 
 <file path=ppt/slideLayouts/slideLayout2.xml><?xml version="1.0" encoding="utf-8"?>
-<p:sldLayout xmlns:a="http://schemas.openxmlformats.org/drawingml/2006/main" xmlns:r="http://schemas.openxmlformats.org/officeDocument/2006/relationships" xmlns:mc="http://schemas.openxmlformats.org/markup-compatibility/2006" xmlns:mv="urn:schemas-microsoft-com:mac:vml" xmlns:p="http://schemas.openxmlformats.org/presentationml/2006/main" xmlns:c="http://schemas.openxmlformats.org/drawingml/2006/chart" xmlns:dgm="http://schemas.openxmlformats.org/drawingml/2006/diagram" xmlns:o="urn:schemas-microsoft-com:office:office" xmlns:v="urn:schemas-microsoft-com:vml" xmlns:pvml="urn:schemas-microsoft-com:office:powerpoint" xmlns:com="http://schemas.openxmlformats.org/drawingml/2006/compatibility" xmlns:p14="http://schemas.microsoft.com/office/powerpoint/2010/main" xmlns:p15="http://schemas.microsoft.com/office/powerpoint/2012/main" xmlns:ahyp="http://schemas.microsoft.com/office/drawing/2018/hyperlinkcolor" matchingName="Title and Content" type="obj">
+<p:sldLayout xmlns:a="http://schemas.openxmlformats.org/drawingml/2006/main" xmlns:r="http://schemas.openxmlformats.org/officeDocument/2006/relationships" xmlns:p="http://schemas.openxmlformats.org/presentationml/2006/main" matchingName="Title and Content" type="obj">
   <p:cSld name="OBJECT">
     <p:spTree>
       <p:nvGrpSpPr>
-        <p:cNvPr id="20" name="Shape 20"/>
+        <p:cNvPr id="1" name="Shape 20"/>
         <p:cNvGrpSpPr/>
         <p:nvPr/>
       </p:nvGrpSpPr>
@@ -3676,7 +3793,7 @@
       </p:grpSpPr>
       <p:pic>
         <p:nvPicPr>
-          <p:cNvPr descr="logo-slide.png" id="21" name="Google Shape;21;p3"/>
+          <p:cNvPr id="21" name="Google Shape;21;p3" descr="logo-slide.png"/>
           <p:cNvPicPr preferRelativeResize="0"/>
           <p:nvPr/>
         </p:nvPicPr>
@@ -3684,7 +3801,7 @@
           <a:blip r:embed="rId2">
             <a:alphaModFix/>
           </a:blip>
-          <a:srcRect b="0" l="0" r="0" t="0"/>
+          <a:srcRect/>
           <a:stretch/>
         </p:blipFill>
         <p:spPr>
@@ -3704,7 +3821,9 @@
       <p:sp>
         <p:nvSpPr>
           <p:cNvPr id="22" name="Google Shape;22;p3"/>
-          <p:cNvSpPr txBox="1"/>
+          <p:cNvSpPr txBox="1">
+            <a:spLocks noGrp="1"/>
+          </p:cNvSpPr>
           <p:nvPr>
             <p:ph type="title"/>
           </p:nvPr>
@@ -3723,20 +3842,20 @@
           </a:ln>
         </p:spPr>
         <p:txBody>
-          <a:bodyPr anchorCtr="0" anchor="ctr" bIns="91425" lIns="91425" spcFirstLastPara="1" rIns="91425" wrap="square" tIns="91425">
+          <a:bodyPr spcFirstLastPara="1" wrap="square" lIns="91425" tIns="91425" rIns="91425" bIns="91425" anchor="ctr" anchorCtr="0">
             <a:noAutofit/>
           </a:bodyPr>
           <a:lstStyle>
-            <a:lvl1pPr indent="0" lvl="0" marL="0" marR="0" rtl="0" algn="l">
-              <a:spcBef>
-                <a:spcPts val="0"/>
-              </a:spcBef>
-              <a:spcAft>
-                <a:spcPts val="0"/>
-              </a:spcAft>
-              <a:buSzPts val="1400"/>
-              <a:buNone/>
-              <a:defRPr b="0" i="0" sz="2400" u="none" cap="none" strike="noStrike">
+            <a:lvl1pPr marL="0" marR="0" lvl="0" indent="0" algn="l" rtl="0">
+              <a:spcBef>
+                <a:spcPts val="0"/>
+              </a:spcBef>
+              <a:spcAft>
+                <a:spcPts val="0"/>
+              </a:spcAft>
+              <a:buSzPts val="1400"/>
+              <a:buNone/>
+              <a:defRPr sz="2400" b="0" i="0" u="none" strike="noStrike" cap="none">
                 <a:solidFill>
                   <a:schemeClr val="dk1"/>
                 </a:solidFill>
@@ -3746,16 +3865,16 @@
                 <a:sym typeface="Verdana"/>
               </a:defRPr>
             </a:lvl1pPr>
-            <a:lvl2pPr indent="0" lvl="1" marL="0" marR="0" rtl="0" algn="ctr">
-              <a:spcBef>
-                <a:spcPts val="0"/>
-              </a:spcBef>
-              <a:spcAft>
-                <a:spcPts val="0"/>
-              </a:spcAft>
-              <a:buSzPts val="1400"/>
-              <a:buNone/>
-              <a:defRPr b="0" i="0" sz="4400" u="none" cap="none" strike="noStrike">
+            <a:lvl2pPr marL="0" marR="0" lvl="1" indent="0" algn="ctr" rtl="0">
+              <a:spcBef>
+                <a:spcPts val="0"/>
+              </a:spcBef>
+              <a:spcAft>
+                <a:spcPts val="0"/>
+              </a:spcAft>
+              <a:buSzPts val="1400"/>
+              <a:buNone/>
+              <a:defRPr sz="4400" b="0" i="0" u="none" strike="noStrike" cap="none">
                 <a:solidFill>
                   <a:schemeClr val="dk1"/>
                 </a:solidFill>
@@ -3765,16 +3884,16 @@
                 <a:sym typeface="Calibri"/>
               </a:defRPr>
             </a:lvl2pPr>
-            <a:lvl3pPr indent="0" lvl="2" marL="0" marR="0" rtl="0" algn="ctr">
-              <a:spcBef>
-                <a:spcPts val="0"/>
-              </a:spcBef>
-              <a:spcAft>
-                <a:spcPts val="0"/>
-              </a:spcAft>
-              <a:buSzPts val="1400"/>
-              <a:buNone/>
-              <a:defRPr b="0" i="0" sz="4400" u="none" cap="none" strike="noStrike">
+            <a:lvl3pPr marL="0" marR="0" lvl="2" indent="0" algn="ctr" rtl="0">
+              <a:spcBef>
+                <a:spcPts val="0"/>
+              </a:spcBef>
+              <a:spcAft>
+                <a:spcPts val="0"/>
+              </a:spcAft>
+              <a:buSzPts val="1400"/>
+              <a:buNone/>
+              <a:defRPr sz="4400" b="0" i="0" u="none" strike="noStrike" cap="none">
                 <a:solidFill>
                   <a:schemeClr val="dk1"/>
                 </a:solidFill>
@@ -3784,16 +3903,16 @@
                 <a:sym typeface="Calibri"/>
               </a:defRPr>
             </a:lvl3pPr>
-            <a:lvl4pPr indent="0" lvl="3" marL="0" marR="0" rtl="0" algn="ctr">
-              <a:spcBef>
-                <a:spcPts val="0"/>
-              </a:spcBef>
-              <a:spcAft>
-                <a:spcPts val="0"/>
-              </a:spcAft>
-              <a:buSzPts val="1400"/>
-              <a:buNone/>
-              <a:defRPr b="0" i="0" sz="4400" u="none" cap="none" strike="noStrike">
+            <a:lvl4pPr marL="0" marR="0" lvl="3" indent="0" algn="ctr" rtl="0">
+              <a:spcBef>
+                <a:spcPts val="0"/>
+              </a:spcBef>
+              <a:spcAft>
+                <a:spcPts val="0"/>
+              </a:spcAft>
+              <a:buSzPts val="1400"/>
+              <a:buNone/>
+              <a:defRPr sz="4400" b="0" i="0" u="none" strike="noStrike" cap="none">
                 <a:solidFill>
                   <a:schemeClr val="dk1"/>
                 </a:solidFill>
@@ -3803,16 +3922,16 @@
                 <a:sym typeface="Calibri"/>
               </a:defRPr>
             </a:lvl4pPr>
-            <a:lvl5pPr indent="0" lvl="4" marL="0" marR="0" rtl="0" algn="ctr">
-              <a:spcBef>
-                <a:spcPts val="0"/>
-              </a:spcBef>
-              <a:spcAft>
-                <a:spcPts val="0"/>
-              </a:spcAft>
-              <a:buSzPts val="1400"/>
-              <a:buNone/>
-              <a:defRPr b="0" i="0" sz="4400" u="none" cap="none" strike="noStrike">
+            <a:lvl5pPr marL="0" marR="0" lvl="4" indent="0" algn="ctr" rtl="0">
+              <a:spcBef>
+                <a:spcPts val="0"/>
+              </a:spcBef>
+              <a:spcAft>
+                <a:spcPts val="0"/>
+              </a:spcAft>
+              <a:buSzPts val="1400"/>
+              <a:buNone/>
+              <a:defRPr sz="4400" b="0" i="0" u="none" strike="noStrike" cap="none">
                 <a:solidFill>
                   <a:schemeClr val="dk1"/>
                 </a:solidFill>
@@ -3822,16 +3941,16 @@
                 <a:sym typeface="Calibri"/>
               </a:defRPr>
             </a:lvl5pPr>
-            <a:lvl6pPr indent="0" lvl="5" marL="457200" marR="0" rtl="0" algn="ctr">
-              <a:spcBef>
-                <a:spcPts val="0"/>
-              </a:spcBef>
-              <a:spcAft>
-                <a:spcPts val="0"/>
-              </a:spcAft>
-              <a:buSzPts val="1400"/>
-              <a:buNone/>
-              <a:defRPr b="0" i="0" sz="4400" u="none" cap="none" strike="noStrike">
+            <a:lvl6pPr marL="457200" marR="0" lvl="5" indent="0" algn="ctr" rtl="0">
+              <a:spcBef>
+                <a:spcPts val="0"/>
+              </a:spcBef>
+              <a:spcAft>
+                <a:spcPts val="0"/>
+              </a:spcAft>
+              <a:buSzPts val="1400"/>
+              <a:buNone/>
+              <a:defRPr sz="4400" b="0" i="0" u="none" strike="noStrike" cap="none">
                 <a:solidFill>
                   <a:schemeClr val="dk1"/>
                 </a:solidFill>
@@ -3841,16 +3960,16 @@
                 <a:sym typeface="Calibri"/>
               </a:defRPr>
             </a:lvl6pPr>
-            <a:lvl7pPr indent="0" lvl="6" marL="914400" marR="0" rtl="0" algn="ctr">
-              <a:spcBef>
-                <a:spcPts val="0"/>
-              </a:spcBef>
-              <a:spcAft>
-                <a:spcPts val="0"/>
-              </a:spcAft>
-              <a:buSzPts val="1400"/>
-              <a:buNone/>
-              <a:defRPr b="0" i="0" sz="4400" u="none" cap="none" strike="noStrike">
+            <a:lvl7pPr marL="914400" marR="0" lvl="6" indent="0" algn="ctr" rtl="0">
+              <a:spcBef>
+                <a:spcPts val="0"/>
+              </a:spcBef>
+              <a:spcAft>
+                <a:spcPts val="0"/>
+              </a:spcAft>
+              <a:buSzPts val="1400"/>
+              <a:buNone/>
+              <a:defRPr sz="4400" b="0" i="0" u="none" strike="noStrike" cap="none">
                 <a:solidFill>
                   <a:schemeClr val="dk1"/>
                 </a:solidFill>
@@ -3860,16 +3979,16 @@
                 <a:sym typeface="Calibri"/>
               </a:defRPr>
             </a:lvl7pPr>
-            <a:lvl8pPr indent="0" lvl="7" marL="1371600" marR="0" rtl="0" algn="ctr">
-              <a:spcBef>
-                <a:spcPts val="0"/>
-              </a:spcBef>
-              <a:spcAft>
-                <a:spcPts val="0"/>
-              </a:spcAft>
-              <a:buSzPts val="1400"/>
-              <a:buNone/>
-              <a:defRPr b="0" i="0" sz="4400" u="none" cap="none" strike="noStrike">
+            <a:lvl8pPr marL="1371600" marR="0" lvl="7" indent="0" algn="ctr" rtl="0">
+              <a:spcBef>
+                <a:spcPts val="0"/>
+              </a:spcBef>
+              <a:spcAft>
+                <a:spcPts val="0"/>
+              </a:spcAft>
+              <a:buSzPts val="1400"/>
+              <a:buNone/>
+              <a:defRPr sz="4400" b="0" i="0" u="none" strike="noStrike" cap="none">
                 <a:solidFill>
                   <a:schemeClr val="dk1"/>
                 </a:solidFill>
@@ -3879,16 +3998,16 @@
                 <a:sym typeface="Calibri"/>
               </a:defRPr>
             </a:lvl8pPr>
-            <a:lvl9pPr indent="0" lvl="8" marL="1828800" marR="0" rtl="0" algn="ctr">
-              <a:spcBef>
-                <a:spcPts val="0"/>
-              </a:spcBef>
-              <a:spcAft>
-                <a:spcPts val="0"/>
-              </a:spcAft>
-              <a:buSzPts val="1400"/>
-              <a:buNone/>
-              <a:defRPr b="0" i="0" sz="4400" u="none" cap="none" strike="noStrike">
+            <a:lvl9pPr marL="1828800" marR="0" lvl="8" indent="0" algn="ctr" rtl="0">
+              <a:spcBef>
+                <a:spcPts val="0"/>
+              </a:spcBef>
+              <a:spcAft>
+                <a:spcPts val="0"/>
+              </a:spcAft>
+              <a:buSzPts val="1400"/>
+              <a:buNone/>
+              <a:defRPr sz="4400" b="0" i="0" u="none" strike="noStrike" cap="none">
                 <a:solidFill>
                   <a:schemeClr val="dk1"/>
                 </a:solidFill>
@@ -3899,15 +4018,19 @@
               </a:defRPr>
             </a:lvl9pPr>
           </a:lstStyle>
-          <a:p/>
+          <a:p>
+            <a:endParaRPr/>
+          </a:p>
         </p:txBody>
       </p:sp>
       <p:sp>
         <p:nvSpPr>
           <p:cNvPr id="23" name="Google Shape;23;p3"/>
-          <p:cNvSpPr txBox="1"/>
+          <p:cNvSpPr txBox="1">
+            <a:spLocks noGrp="1"/>
+          </p:cNvSpPr>
           <p:nvPr>
-            <p:ph idx="1" type="body"/>
+            <p:ph type="body" idx="1"/>
           </p:nvPr>
         </p:nvSpPr>
         <p:spPr>
@@ -3924,11 +4047,11 @@
           </a:ln>
         </p:spPr>
         <p:txBody>
-          <a:bodyPr anchorCtr="0" anchor="t" bIns="91425" lIns="91425" spcFirstLastPara="1" rIns="91425" wrap="square" tIns="91425">
+          <a:bodyPr spcFirstLastPara="1" wrap="square" lIns="91425" tIns="91425" rIns="91425" bIns="91425" anchor="t" anchorCtr="0">
             <a:noAutofit/>
           </a:bodyPr>
           <a:lstStyle>
-            <a:lvl1pPr indent="-406400" lvl="0" marL="457200" marR="0" rtl="0" algn="l">
+            <a:lvl1pPr marL="457200" marR="0" lvl="0" indent="-406400" algn="l" rtl="0">
               <a:spcBef>
                 <a:spcPts val="560"/>
               </a:spcBef>
@@ -3941,7 +4064,7 @@
               <a:buSzPts val="2800"/>
               <a:buFont typeface="Noto Sans Symbols"/>
               <a:buChar char="▪"/>
-              <a:defRPr b="0" i="0" sz="2800" u="none" cap="none" strike="noStrike">
+              <a:defRPr sz="2800" b="0" i="0" u="none" strike="noStrike" cap="none">
                 <a:solidFill>
                   <a:srgbClr val="474746"/>
                 </a:solidFill>
@@ -3951,7 +4074,7 @@
                 <a:sym typeface="Verdana"/>
               </a:defRPr>
             </a:lvl1pPr>
-            <a:lvl2pPr indent="-381000" lvl="1" marL="914400" marR="0" rtl="0" algn="l">
+            <a:lvl2pPr marL="914400" marR="0" lvl="1" indent="-381000" algn="l" rtl="0">
               <a:spcBef>
                 <a:spcPts val="480"/>
               </a:spcBef>
@@ -3964,7 +4087,7 @@
               <a:buSzPts val="2400"/>
               <a:buFont typeface="Noto Sans Symbols"/>
               <a:buChar char="▪"/>
-              <a:defRPr b="0" i="0" sz="2400" u="none" cap="none" strike="noStrike">
+              <a:defRPr sz="2400" b="0" i="0" u="none" strike="noStrike" cap="none">
                 <a:solidFill>
                   <a:srgbClr val="474746"/>
                 </a:solidFill>
@@ -3974,7 +4097,7 @@
                 <a:sym typeface="Verdana"/>
               </a:defRPr>
             </a:lvl2pPr>
-            <a:lvl3pPr indent="-355600" lvl="2" marL="1371600" marR="0" rtl="0" algn="l">
+            <a:lvl3pPr marL="1371600" marR="0" lvl="2" indent="-355600" algn="l" rtl="0">
               <a:spcBef>
                 <a:spcPts val="400"/>
               </a:spcBef>
@@ -3987,7 +4110,7 @@
               <a:buSzPts val="2000"/>
               <a:buFont typeface="Noto Sans Symbols"/>
               <a:buChar char="▪"/>
-              <a:defRPr b="0" i="0" sz="2000" u="none" cap="none" strike="noStrike">
+              <a:defRPr sz="2000" b="0" i="0" u="none" strike="noStrike" cap="none">
                 <a:solidFill>
                   <a:srgbClr val="474746"/>
                 </a:solidFill>
@@ -3997,7 +4120,7 @@
                 <a:sym typeface="Verdana"/>
               </a:defRPr>
             </a:lvl3pPr>
-            <a:lvl4pPr indent="-330200" lvl="3" marL="1828800" marR="0" rtl="0" algn="l">
+            <a:lvl4pPr marL="1828800" marR="0" lvl="3" indent="-330200" algn="l" rtl="0">
               <a:spcBef>
                 <a:spcPts val="320"/>
               </a:spcBef>
@@ -4010,7 +4133,7 @@
               <a:buSzPts val="1600"/>
               <a:buFont typeface="Noto Sans Symbols"/>
               <a:buChar char="▪"/>
-              <a:defRPr b="0" i="0" sz="1600" u="none" cap="none" strike="noStrike">
+              <a:defRPr sz="1600" b="0" i="0" u="none" strike="noStrike" cap="none">
                 <a:solidFill>
                   <a:srgbClr val="474746"/>
                 </a:solidFill>
@@ -4020,7 +4143,7 @@
                 <a:sym typeface="Verdana"/>
               </a:defRPr>
             </a:lvl4pPr>
-            <a:lvl5pPr indent="-330200" lvl="4" marL="2286000" marR="0" rtl="0" algn="l">
+            <a:lvl5pPr marL="2286000" marR="0" lvl="4" indent="-330200" algn="l" rtl="0">
               <a:spcBef>
                 <a:spcPts val="320"/>
               </a:spcBef>
@@ -4033,7 +4156,7 @@
               <a:buSzPts val="1600"/>
               <a:buFont typeface="Noto Sans Symbols"/>
               <a:buChar char="▪"/>
-              <a:defRPr b="0" i="0" sz="1600" u="none" cap="none" strike="noStrike">
+              <a:defRPr sz="1600" b="0" i="0" u="none" strike="noStrike" cap="none">
                 <a:solidFill>
                   <a:srgbClr val="474746"/>
                 </a:solidFill>
@@ -4043,7 +4166,7 @@
                 <a:sym typeface="Verdana"/>
               </a:defRPr>
             </a:lvl5pPr>
-            <a:lvl6pPr indent="-355600" lvl="5" marL="2743200" marR="0" rtl="0" algn="l">
+            <a:lvl6pPr marL="2743200" marR="0" lvl="5" indent="-355600" algn="l" rtl="0">
               <a:spcBef>
                 <a:spcPts val="400"/>
               </a:spcBef>
@@ -4056,7 +4179,7 @@
               <a:buSzPts val="2000"/>
               <a:buFont typeface="Arial"/>
               <a:buChar char="•"/>
-              <a:defRPr b="0" i="0" sz="2000" u="none" cap="none" strike="noStrike">
+              <a:defRPr sz="2000" b="0" i="0" u="none" strike="noStrike" cap="none">
                 <a:solidFill>
                   <a:schemeClr val="dk1"/>
                 </a:solidFill>
@@ -4066,7 +4189,7 @@
                 <a:sym typeface="Calibri"/>
               </a:defRPr>
             </a:lvl6pPr>
-            <a:lvl7pPr indent="-355600" lvl="6" marL="3200400" marR="0" rtl="0" algn="l">
+            <a:lvl7pPr marL="3200400" marR="0" lvl="6" indent="-355600" algn="l" rtl="0">
               <a:spcBef>
                 <a:spcPts val="400"/>
               </a:spcBef>
@@ -4079,7 +4202,7 @@
               <a:buSzPts val="2000"/>
               <a:buFont typeface="Arial"/>
               <a:buChar char="•"/>
-              <a:defRPr b="0" i="0" sz="2000" u="none" cap="none" strike="noStrike">
+              <a:defRPr sz="2000" b="0" i="0" u="none" strike="noStrike" cap="none">
                 <a:solidFill>
                   <a:schemeClr val="dk1"/>
                 </a:solidFill>
@@ -4089,7 +4212,7 @@
                 <a:sym typeface="Calibri"/>
               </a:defRPr>
             </a:lvl7pPr>
-            <a:lvl8pPr indent="-355600" lvl="7" marL="3657600" marR="0" rtl="0" algn="l">
+            <a:lvl8pPr marL="3657600" marR="0" lvl="7" indent="-355600" algn="l" rtl="0">
               <a:spcBef>
                 <a:spcPts val="400"/>
               </a:spcBef>
@@ -4102,7 +4225,7 @@
               <a:buSzPts val="2000"/>
               <a:buFont typeface="Arial"/>
               <a:buChar char="•"/>
-              <a:defRPr b="0" i="0" sz="2000" u="none" cap="none" strike="noStrike">
+              <a:defRPr sz="2000" b="0" i="0" u="none" strike="noStrike" cap="none">
                 <a:solidFill>
                   <a:schemeClr val="dk1"/>
                 </a:solidFill>
@@ -4112,7 +4235,7 @@
                 <a:sym typeface="Calibri"/>
               </a:defRPr>
             </a:lvl8pPr>
-            <a:lvl9pPr indent="-355600" lvl="8" marL="4114800" marR="0" rtl="0" algn="l">
+            <a:lvl9pPr marL="4114800" marR="0" lvl="8" indent="-355600" algn="l" rtl="0">
               <a:spcBef>
                 <a:spcPts val="400"/>
               </a:spcBef>
@@ -4125,7 +4248,7 @@
               <a:buSzPts val="2000"/>
               <a:buFont typeface="Arial"/>
               <a:buChar char="•"/>
-              <a:defRPr b="0" i="0" sz="2000" u="none" cap="none" strike="noStrike">
+              <a:defRPr sz="2000" b="0" i="0" u="none" strike="noStrike" cap="none">
                 <a:solidFill>
                   <a:schemeClr val="dk1"/>
                 </a:solidFill>
@@ -4136,15 +4259,19 @@
               </a:defRPr>
             </a:lvl9pPr>
           </a:lstStyle>
-          <a:p/>
+          <a:p>
+            <a:endParaRPr/>
+          </a:p>
         </p:txBody>
       </p:sp>
       <p:sp>
         <p:nvSpPr>
           <p:cNvPr id="24" name="Google Shape;24;p3"/>
-          <p:cNvSpPr txBox="1"/>
+          <p:cNvSpPr txBox="1">
+            <a:spLocks noGrp="1"/>
+          </p:cNvSpPr>
           <p:nvPr>
-            <p:ph idx="10" type="dt"/>
+            <p:ph type="dt" idx="10"/>
           </p:nvPr>
         </p:nvSpPr>
         <p:spPr>
@@ -4161,20 +4288,20 @@
           </a:ln>
         </p:spPr>
         <p:txBody>
-          <a:bodyPr anchorCtr="0" anchor="ctr" bIns="91425" lIns="91425" spcFirstLastPara="1" rIns="91425" wrap="square" tIns="91425">
+          <a:bodyPr spcFirstLastPara="1" wrap="square" lIns="91425" tIns="91425" rIns="91425" bIns="91425" anchor="ctr" anchorCtr="0">
             <a:noAutofit/>
           </a:bodyPr>
           <a:lstStyle>
-            <a:lvl1pPr indent="0" lvl="0" marL="0" marR="0" rtl="0" algn="l">
-              <a:spcBef>
-                <a:spcPts val="0"/>
-              </a:spcBef>
-              <a:spcAft>
-                <a:spcPts val="0"/>
-              </a:spcAft>
-              <a:buSzPts val="1400"/>
-              <a:buNone/>
-              <a:defRPr b="0" i="0" sz="1200" u="none" cap="none" strike="noStrike">
+            <a:lvl1pPr marL="0" marR="0" lvl="0" indent="0" algn="l" rtl="0">
+              <a:spcBef>
+                <a:spcPts val="0"/>
+              </a:spcBef>
+              <a:spcAft>
+                <a:spcPts val="0"/>
+              </a:spcAft>
+              <a:buSzPts val="1400"/>
+              <a:buNone/>
+              <a:defRPr sz="1200" b="0" i="0" u="none" strike="noStrike" cap="none">
                 <a:solidFill>
                   <a:srgbClr val="898989"/>
                 </a:solidFill>
@@ -4184,16 +4311,16 @@
                 <a:sym typeface="Calibri"/>
               </a:defRPr>
             </a:lvl1pPr>
-            <a:lvl2pPr indent="0" lvl="1" marL="457200" marR="0" rtl="0" algn="l">
-              <a:spcBef>
-                <a:spcPts val="0"/>
-              </a:spcBef>
-              <a:spcAft>
-                <a:spcPts val="0"/>
-              </a:spcAft>
-              <a:buSzPts val="1400"/>
-              <a:buNone/>
-              <a:defRPr b="0" i="0" sz="1800" u="none" cap="none" strike="noStrike">
+            <a:lvl2pPr marL="457200" marR="0" lvl="1" indent="0" algn="l" rtl="0">
+              <a:spcBef>
+                <a:spcPts val="0"/>
+              </a:spcBef>
+              <a:spcAft>
+                <a:spcPts val="0"/>
+              </a:spcAft>
+              <a:buSzPts val="1400"/>
+              <a:buNone/>
+              <a:defRPr sz="1800" b="0" i="0" u="none" strike="noStrike" cap="none">
                 <a:solidFill>
                   <a:schemeClr val="dk1"/>
                 </a:solidFill>
@@ -4203,16 +4330,16 @@
                 <a:sym typeface="Arial"/>
               </a:defRPr>
             </a:lvl2pPr>
-            <a:lvl3pPr indent="0" lvl="2" marL="914400" marR="0" rtl="0" algn="l">
-              <a:spcBef>
-                <a:spcPts val="0"/>
-              </a:spcBef>
-              <a:spcAft>
-                <a:spcPts val="0"/>
-              </a:spcAft>
-              <a:buSzPts val="1400"/>
-              <a:buNone/>
-              <a:defRPr b="0" i="0" sz="1800" u="none" cap="none" strike="noStrike">
+            <a:lvl3pPr marL="914400" marR="0" lvl="2" indent="0" algn="l" rtl="0">
+              <a:spcBef>
+                <a:spcPts val="0"/>
+              </a:spcBef>
+              <a:spcAft>
+                <a:spcPts val="0"/>
+              </a:spcAft>
+              <a:buSzPts val="1400"/>
+              <a:buNone/>
+              <a:defRPr sz="1800" b="0" i="0" u="none" strike="noStrike" cap="none">
                 <a:solidFill>
                   <a:schemeClr val="dk1"/>
                 </a:solidFill>
@@ -4222,16 +4349,16 @@
                 <a:sym typeface="Arial"/>
               </a:defRPr>
             </a:lvl3pPr>
-            <a:lvl4pPr indent="0" lvl="3" marL="1371600" marR="0" rtl="0" algn="l">
-              <a:spcBef>
-                <a:spcPts val="0"/>
-              </a:spcBef>
-              <a:spcAft>
-                <a:spcPts val="0"/>
-              </a:spcAft>
-              <a:buSzPts val="1400"/>
-              <a:buNone/>
-              <a:defRPr b="0" i="0" sz="1800" u="none" cap="none" strike="noStrike">
+            <a:lvl4pPr marL="1371600" marR="0" lvl="3" indent="0" algn="l" rtl="0">
+              <a:spcBef>
+                <a:spcPts val="0"/>
+              </a:spcBef>
+              <a:spcAft>
+                <a:spcPts val="0"/>
+              </a:spcAft>
+              <a:buSzPts val="1400"/>
+              <a:buNone/>
+              <a:defRPr sz="1800" b="0" i="0" u="none" strike="noStrike" cap="none">
                 <a:solidFill>
                   <a:schemeClr val="dk1"/>
                 </a:solidFill>
@@ -4241,16 +4368,16 @@
                 <a:sym typeface="Arial"/>
               </a:defRPr>
             </a:lvl4pPr>
-            <a:lvl5pPr indent="0" lvl="4" marL="1828800" marR="0" rtl="0" algn="l">
-              <a:spcBef>
-                <a:spcPts val="0"/>
-              </a:spcBef>
-              <a:spcAft>
-                <a:spcPts val="0"/>
-              </a:spcAft>
-              <a:buSzPts val="1400"/>
-              <a:buNone/>
-              <a:defRPr b="0" i="0" sz="1800" u="none" cap="none" strike="noStrike">
+            <a:lvl5pPr marL="1828800" marR="0" lvl="4" indent="0" algn="l" rtl="0">
+              <a:spcBef>
+                <a:spcPts val="0"/>
+              </a:spcBef>
+              <a:spcAft>
+                <a:spcPts val="0"/>
+              </a:spcAft>
+              <a:buSzPts val="1400"/>
+              <a:buNone/>
+              <a:defRPr sz="1800" b="0" i="0" u="none" strike="noStrike" cap="none">
                 <a:solidFill>
                   <a:schemeClr val="dk1"/>
                 </a:solidFill>
@@ -4260,16 +4387,16 @@
                 <a:sym typeface="Arial"/>
               </a:defRPr>
             </a:lvl5pPr>
-            <a:lvl6pPr indent="0" lvl="5" marL="2286000" marR="0" rtl="0" algn="l">
-              <a:spcBef>
-                <a:spcPts val="0"/>
-              </a:spcBef>
-              <a:spcAft>
-                <a:spcPts val="0"/>
-              </a:spcAft>
-              <a:buSzPts val="1400"/>
-              <a:buNone/>
-              <a:defRPr b="0" i="0" sz="1800" u="none" cap="none" strike="noStrike">
+            <a:lvl6pPr marL="2286000" marR="0" lvl="5" indent="0" algn="l" rtl="0">
+              <a:spcBef>
+                <a:spcPts val="0"/>
+              </a:spcBef>
+              <a:spcAft>
+                <a:spcPts val="0"/>
+              </a:spcAft>
+              <a:buSzPts val="1400"/>
+              <a:buNone/>
+              <a:defRPr sz="1800" b="0" i="0" u="none" strike="noStrike" cap="none">
                 <a:solidFill>
                   <a:schemeClr val="dk1"/>
                 </a:solidFill>
@@ -4279,16 +4406,16 @@
                 <a:sym typeface="Arial"/>
               </a:defRPr>
             </a:lvl6pPr>
-            <a:lvl7pPr indent="0" lvl="6" marL="2743200" marR="0" rtl="0" algn="l">
-              <a:spcBef>
-                <a:spcPts val="0"/>
-              </a:spcBef>
-              <a:spcAft>
-                <a:spcPts val="0"/>
-              </a:spcAft>
-              <a:buSzPts val="1400"/>
-              <a:buNone/>
-              <a:defRPr b="0" i="0" sz="1800" u="none" cap="none" strike="noStrike">
+            <a:lvl7pPr marL="2743200" marR="0" lvl="6" indent="0" algn="l" rtl="0">
+              <a:spcBef>
+                <a:spcPts val="0"/>
+              </a:spcBef>
+              <a:spcAft>
+                <a:spcPts val="0"/>
+              </a:spcAft>
+              <a:buSzPts val="1400"/>
+              <a:buNone/>
+              <a:defRPr sz="1800" b="0" i="0" u="none" strike="noStrike" cap="none">
                 <a:solidFill>
                   <a:schemeClr val="dk1"/>
                 </a:solidFill>
@@ -4298,16 +4425,16 @@
                 <a:sym typeface="Arial"/>
               </a:defRPr>
             </a:lvl7pPr>
-            <a:lvl8pPr indent="0" lvl="7" marL="3200400" marR="0" rtl="0" algn="l">
-              <a:spcBef>
-                <a:spcPts val="0"/>
-              </a:spcBef>
-              <a:spcAft>
-                <a:spcPts val="0"/>
-              </a:spcAft>
-              <a:buSzPts val="1400"/>
-              <a:buNone/>
-              <a:defRPr b="0" i="0" sz="1800" u="none" cap="none" strike="noStrike">
+            <a:lvl8pPr marL="3200400" marR="0" lvl="7" indent="0" algn="l" rtl="0">
+              <a:spcBef>
+                <a:spcPts val="0"/>
+              </a:spcBef>
+              <a:spcAft>
+                <a:spcPts val="0"/>
+              </a:spcAft>
+              <a:buSzPts val="1400"/>
+              <a:buNone/>
+              <a:defRPr sz="1800" b="0" i="0" u="none" strike="noStrike" cap="none">
                 <a:solidFill>
                   <a:schemeClr val="dk1"/>
                 </a:solidFill>
@@ -4317,16 +4444,16 @@
                 <a:sym typeface="Arial"/>
               </a:defRPr>
             </a:lvl8pPr>
-            <a:lvl9pPr indent="0" lvl="8" marL="3657600" marR="0" rtl="0" algn="l">
-              <a:spcBef>
-                <a:spcPts val="0"/>
-              </a:spcBef>
-              <a:spcAft>
-                <a:spcPts val="0"/>
-              </a:spcAft>
-              <a:buSzPts val="1400"/>
-              <a:buNone/>
-              <a:defRPr b="0" i="0" sz="1800" u="none" cap="none" strike="noStrike">
+            <a:lvl9pPr marL="3657600" marR="0" lvl="8" indent="0" algn="l" rtl="0">
+              <a:spcBef>
+                <a:spcPts val="0"/>
+              </a:spcBef>
+              <a:spcAft>
+                <a:spcPts val="0"/>
+              </a:spcAft>
+              <a:buSzPts val="1400"/>
+              <a:buNone/>
+              <a:defRPr sz="1800" b="0" i="0" u="none" strike="noStrike" cap="none">
                 <a:solidFill>
                   <a:schemeClr val="dk1"/>
                 </a:solidFill>
@@ -4337,15 +4464,19 @@
               </a:defRPr>
             </a:lvl9pPr>
           </a:lstStyle>
-          <a:p/>
+          <a:p>
+            <a:endParaRPr/>
+          </a:p>
         </p:txBody>
       </p:sp>
       <p:sp>
         <p:nvSpPr>
           <p:cNvPr id="25" name="Google Shape;25;p3"/>
-          <p:cNvSpPr txBox="1"/>
+          <p:cNvSpPr txBox="1">
+            <a:spLocks noGrp="1"/>
+          </p:cNvSpPr>
           <p:nvPr>
-            <p:ph idx="11" type="ftr"/>
+            <p:ph type="ftr" idx="11"/>
           </p:nvPr>
         </p:nvSpPr>
         <p:spPr>
@@ -4362,20 +4493,20 @@
           </a:ln>
         </p:spPr>
         <p:txBody>
-          <a:bodyPr anchorCtr="0" anchor="ctr" bIns="91425" lIns="91425" spcFirstLastPara="1" rIns="91425" wrap="square" tIns="91425">
+          <a:bodyPr spcFirstLastPara="1" wrap="square" lIns="91425" tIns="91425" rIns="91425" bIns="91425" anchor="ctr" anchorCtr="0">
             <a:noAutofit/>
           </a:bodyPr>
           <a:lstStyle>
-            <a:lvl1pPr indent="0" lvl="0" marL="0" marR="0" rtl="0" algn="ctr">
-              <a:spcBef>
-                <a:spcPts val="0"/>
-              </a:spcBef>
-              <a:spcAft>
-                <a:spcPts val="0"/>
-              </a:spcAft>
-              <a:buSzPts val="1400"/>
-              <a:buNone/>
-              <a:defRPr b="0" i="0" sz="1200" u="none" cap="none" strike="noStrike">
+            <a:lvl1pPr marL="0" marR="0" lvl="0" indent="0" algn="ctr" rtl="0">
+              <a:spcBef>
+                <a:spcPts val="0"/>
+              </a:spcBef>
+              <a:spcAft>
+                <a:spcPts val="0"/>
+              </a:spcAft>
+              <a:buSzPts val="1400"/>
+              <a:buNone/>
+              <a:defRPr sz="1200" b="0" i="0" u="none" strike="noStrike" cap="none">
                 <a:solidFill>
                   <a:srgbClr val="888888"/>
                 </a:solidFill>
@@ -4385,16 +4516,16 @@
                 <a:sym typeface="Calibri"/>
               </a:defRPr>
             </a:lvl1pPr>
-            <a:lvl2pPr indent="0" lvl="1" marL="457200" marR="0" rtl="0" algn="l">
-              <a:spcBef>
-                <a:spcPts val="0"/>
-              </a:spcBef>
-              <a:spcAft>
-                <a:spcPts val="0"/>
-              </a:spcAft>
-              <a:buSzPts val="1400"/>
-              <a:buNone/>
-              <a:defRPr b="0" i="0" sz="1800" u="none" cap="none" strike="noStrike">
+            <a:lvl2pPr marL="457200" marR="0" lvl="1" indent="0" algn="l" rtl="0">
+              <a:spcBef>
+                <a:spcPts val="0"/>
+              </a:spcBef>
+              <a:spcAft>
+                <a:spcPts val="0"/>
+              </a:spcAft>
+              <a:buSzPts val="1400"/>
+              <a:buNone/>
+              <a:defRPr sz="1800" b="0" i="0" u="none" strike="noStrike" cap="none">
                 <a:solidFill>
                   <a:schemeClr val="dk1"/>
                 </a:solidFill>
@@ -4404,16 +4535,16 @@
                 <a:sym typeface="Arial"/>
               </a:defRPr>
             </a:lvl2pPr>
-            <a:lvl3pPr indent="0" lvl="2" marL="914400" marR="0" rtl="0" algn="l">
-              <a:spcBef>
-                <a:spcPts val="0"/>
-              </a:spcBef>
-              <a:spcAft>
-                <a:spcPts val="0"/>
-              </a:spcAft>
-              <a:buSzPts val="1400"/>
-              <a:buNone/>
-              <a:defRPr b="0" i="0" sz="1800" u="none" cap="none" strike="noStrike">
+            <a:lvl3pPr marL="914400" marR="0" lvl="2" indent="0" algn="l" rtl="0">
+              <a:spcBef>
+                <a:spcPts val="0"/>
+              </a:spcBef>
+              <a:spcAft>
+                <a:spcPts val="0"/>
+              </a:spcAft>
+              <a:buSzPts val="1400"/>
+              <a:buNone/>
+              <a:defRPr sz="1800" b="0" i="0" u="none" strike="noStrike" cap="none">
                 <a:solidFill>
                   <a:schemeClr val="dk1"/>
                 </a:solidFill>
@@ -4423,16 +4554,16 @@
                 <a:sym typeface="Arial"/>
               </a:defRPr>
             </a:lvl3pPr>
-            <a:lvl4pPr indent="0" lvl="3" marL="1371600" marR="0" rtl="0" algn="l">
-              <a:spcBef>
-                <a:spcPts val="0"/>
-              </a:spcBef>
-              <a:spcAft>
-                <a:spcPts val="0"/>
-              </a:spcAft>
-              <a:buSzPts val="1400"/>
-              <a:buNone/>
-              <a:defRPr b="0" i="0" sz="1800" u="none" cap="none" strike="noStrike">
+            <a:lvl4pPr marL="1371600" marR="0" lvl="3" indent="0" algn="l" rtl="0">
+              <a:spcBef>
+                <a:spcPts val="0"/>
+              </a:spcBef>
+              <a:spcAft>
+                <a:spcPts val="0"/>
+              </a:spcAft>
+              <a:buSzPts val="1400"/>
+              <a:buNone/>
+              <a:defRPr sz="1800" b="0" i="0" u="none" strike="noStrike" cap="none">
                 <a:solidFill>
                   <a:schemeClr val="dk1"/>
                 </a:solidFill>
@@ -4442,16 +4573,16 @@
                 <a:sym typeface="Arial"/>
               </a:defRPr>
             </a:lvl4pPr>
-            <a:lvl5pPr indent="0" lvl="4" marL="1828800" marR="0" rtl="0" algn="l">
-              <a:spcBef>
-                <a:spcPts val="0"/>
-              </a:spcBef>
-              <a:spcAft>
-                <a:spcPts val="0"/>
-              </a:spcAft>
-              <a:buSzPts val="1400"/>
-              <a:buNone/>
-              <a:defRPr b="0" i="0" sz="1800" u="none" cap="none" strike="noStrike">
+            <a:lvl5pPr marL="1828800" marR="0" lvl="4" indent="0" algn="l" rtl="0">
+              <a:spcBef>
+                <a:spcPts val="0"/>
+              </a:spcBef>
+              <a:spcAft>
+                <a:spcPts val="0"/>
+              </a:spcAft>
+              <a:buSzPts val="1400"/>
+              <a:buNone/>
+              <a:defRPr sz="1800" b="0" i="0" u="none" strike="noStrike" cap="none">
                 <a:solidFill>
                   <a:schemeClr val="dk1"/>
                 </a:solidFill>
@@ -4461,16 +4592,16 @@
                 <a:sym typeface="Arial"/>
               </a:defRPr>
             </a:lvl5pPr>
-            <a:lvl6pPr indent="0" lvl="5" marL="2286000" marR="0" rtl="0" algn="l">
-              <a:spcBef>
-                <a:spcPts val="0"/>
-              </a:spcBef>
-              <a:spcAft>
-                <a:spcPts val="0"/>
-              </a:spcAft>
-              <a:buSzPts val="1400"/>
-              <a:buNone/>
-              <a:defRPr b="0" i="0" sz="1800" u="none" cap="none" strike="noStrike">
+            <a:lvl6pPr marL="2286000" marR="0" lvl="5" indent="0" algn="l" rtl="0">
+              <a:spcBef>
+                <a:spcPts val="0"/>
+              </a:spcBef>
+              <a:spcAft>
+                <a:spcPts val="0"/>
+              </a:spcAft>
+              <a:buSzPts val="1400"/>
+              <a:buNone/>
+              <a:defRPr sz="1800" b="0" i="0" u="none" strike="noStrike" cap="none">
                 <a:solidFill>
                   <a:schemeClr val="dk1"/>
                 </a:solidFill>
@@ -4480,16 +4611,16 @@
                 <a:sym typeface="Arial"/>
               </a:defRPr>
             </a:lvl6pPr>
-            <a:lvl7pPr indent="0" lvl="6" marL="2743200" marR="0" rtl="0" algn="l">
-              <a:spcBef>
-                <a:spcPts val="0"/>
-              </a:spcBef>
-              <a:spcAft>
-                <a:spcPts val="0"/>
-              </a:spcAft>
-              <a:buSzPts val="1400"/>
-              <a:buNone/>
-              <a:defRPr b="0" i="0" sz="1800" u="none" cap="none" strike="noStrike">
+            <a:lvl7pPr marL="2743200" marR="0" lvl="6" indent="0" algn="l" rtl="0">
+              <a:spcBef>
+                <a:spcPts val="0"/>
+              </a:spcBef>
+              <a:spcAft>
+                <a:spcPts val="0"/>
+              </a:spcAft>
+              <a:buSzPts val="1400"/>
+              <a:buNone/>
+              <a:defRPr sz="1800" b="0" i="0" u="none" strike="noStrike" cap="none">
                 <a:solidFill>
                   <a:schemeClr val="dk1"/>
                 </a:solidFill>
@@ -4499,16 +4630,16 @@
                 <a:sym typeface="Arial"/>
               </a:defRPr>
             </a:lvl7pPr>
-            <a:lvl8pPr indent="0" lvl="7" marL="3200400" marR="0" rtl="0" algn="l">
-              <a:spcBef>
-                <a:spcPts val="0"/>
-              </a:spcBef>
-              <a:spcAft>
-                <a:spcPts val="0"/>
-              </a:spcAft>
-              <a:buSzPts val="1400"/>
-              <a:buNone/>
-              <a:defRPr b="0" i="0" sz="1800" u="none" cap="none" strike="noStrike">
+            <a:lvl8pPr marL="3200400" marR="0" lvl="7" indent="0" algn="l" rtl="0">
+              <a:spcBef>
+                <a:spcPts val="0"/>
+              </a:spcBef>
+              <a:spcAft>
+                <a:spcPts val="0"/>
+              </a:spcAft>
+              <a:buSzPts val="1400"/>
+              <a:buNone/>
+              <a:defRPr sz="1800" b="0" i="0" u="none" strike="noStrike" cap="none">
                 <a:solidFill>
                   <a:schemeClr val="dk1"/>
                 </a:solidFill>
@@ -4518,16 +4649,16 @@
                 <a:sym typeface="Arial"/>
               </a:defRPr>
             </a:lvl8pPr>
-            <a:lvl9pPr indent="0" lvl="8" marL="3657600" marR="0" rtl="0" algn="l">
-              <a:spcBef>
-                <a:spcPts val="0"/>
-              </a:spcBef>
-              <a:spcAft>
-                <a:spcPts val="0"/>
-              </a:spcAft>
-              <a:buSzPts val="1400"/>
-              <a:buNone/>
-              <a:defRPr b="0" i="0" sz="1800" u="none" cap="none" strike="noStrike">
+            <a:lvl9pPr marL="3657600" marR="0" lvl="8" indent="0" algn="l" rtl="0">
+              <a:spcBef>
+                <a:spcPts val="0"/>
+              </a:spcBef>
+              <a:spcAft>
+                <a:spcPts val="0"/>
+              </a:spcAft>
+              <a:buSzPts val="1400"/>
+              <a:buNone/>
+              <a:defRPr sz="1800" b="0" i="0" u="none" strike="noStrike" cap="none">
                 <a:solidFill>
                   <a:schemeClr val="dk1"/>
                 </a:solidFill>
@@ -4538,15 +4669,19 @@
               </a:defRPr>
             </a:lvl9pPr>
           </a:lstStyle>
-          <a:p/>
+          <a:p>
+            <a:endParaRPr/>
+          </a:p>
         </p:txBody>
       </p:sp>
       <p:sp>
         <p:nvSpPr>
           <p:cNvPr id="26" name="Google Shape;26;p3"/>
-          <p:cNvSpPr txBox="1"/>
+          <p:cNvSpPr txBox="1">
+            <a:spLocks noGrp="1"/>
+          </p:cNvSpPr>
           <p:nvPr>
-            <p:ph idx="12" type="sldNum"/>
+            <p:ph type="sldNum" idx="12"/>
           </p:nvPr>
         </p:nvSpPr>
         <p:spPr>
@@ -4563,19 +4698,19 @@
           </a:ln>
         </p:spPr>
         <p:txBody>
-          <a:bodyPr anchorCtr="0" anchor="ctr" bIns="45700" lIns="91425" spcFirstLastPara="1" rIns="91425" wrap="square" tIns="45700">
+          <a:bodyPr spcFirstLastPara="1" wrap="square" lIns="91425" tIns="45700" rIns="91425" bIns="45700" anchor="ctr" anchorCtr="0">
             <a:noAutofit/>
           </a:bodyPr>
           <a:lstStyle>
-            <a:lvl1pPr indent="0" lvl="0" marL="0" marR="0" rtl="0" algn="r">
-              <a:spcBef>
-                <a:spcPts val="0"/>
-              </a:spcBef>
-              <a:spcAft>
-                <a:spcPts val="0"/>
-              </a:spcAft>
-              <a:buNone/>
-              <a:defRPr b="0" i="0" sz="1200" u="none" cap="none" strike="noStrike">
+            <a:lvl1pPr marL="0" marR="0" lvl="0" indent="0" algn="r" rtl="0">
+              <a:spcBef>
+                <a:spcPts val="0"/>
+              </a:spcBef>
+              <a:spcAft>
+                <a:spcPts val="0"/>
+              </a:spcAft>
+              <a:buNone/>
+              <a:defRPr sz="1200" b="0" i="0" u="none" strike="noStrike" cap="none">
                 <a:solidFill>
                   <a:srgbClr val="898989"/>
                 </a:solidFill>
@@ -4585,15 +4720,15 @@
                 <a:sym typeface="Calibri"/>
               </a:defRPr>
             </a:lvl1pPr>
-            <a:lvl2pPr indent="0" lvl="1" marL="0" marR="0" rtl="0" algn="r">
-              <a:spcBef>
-                <a:spcPts val="0"/>
-              </a:spcBef>
-              <a:spcAft>
-                <a:spcPts val="0"/>
-              </a:spcAft>
-              <a:buNone/>
-              <a:defRPr b="0" i="0" sz="1200" u="none" cap="none" strike="noStrike">
+            <a:lvl2pPr marL="0" marR="0" lvl="1" indent="0" algn="r" rtl="0">
+              <a:spcBef>
+                <a:spcPts val="0"/>
+              </a:spcBef>
+              <a:spcAft>
+                <a:spcPts val="0"/>
+              </a:spcAft>
+              <a:buNone/>
+              <a:defRPr sz="1200" b="0" i="0" u="none" strike="noStrike" cap="none">
                 <a:solidFill>
                   <a:srgbClr val="898989"/>
                 </a:solidFill>
@@ -4603,15 +4738,15 @@
                 <a:sym typeface="Calibri"/>
               </a:defRPr>
             </a:lvl2pPr>
-            <a:lvl3pPr indent="0" lvl="2" marL="0" marR="0" rtl="0" algn="r">
-              <a:spcBef>
-                <a:spcPts val="0"/>
-              </a:spcBef>
-              <a:spcAft>
-                <a:spcPts val="0"/>
-              </a:spcAft>
-              <a:buNone/>
-              <a:defRPr b="0" i="0" sz="1200" u="none" cap="none" strike="noStrike">
+            <a:lvl3pPr marL="0" marR="0" lvl="2" indent="0" algn="r" rtl="0">
+              <a:spcBef>
+                <a:spcPts val="0"/>
+              </a:spcBef>
+              <a:spcAft>
+                <a:spcPts val="0"/>
+              </a:spcAft>
+              <a:buNone/>
+              <a:defRPr sz="1200" b="0" i="0" u="none" strike="noStrike" cap="none">
                 <a:solidFill>
                   <a:srgbClr val="898989"/>
                 </a:solidFill>
@@ -4621,15 +4756,15 @@
                 <a:sym typeface="Calibri"/>
               </a:defRPr>
             </a:lvl3pPr>
-            <a:lvl4pPr indent="0" lvl="3" marL="0" marR="0" rtl="0" algn="r">
-              <a:spcBef>
-                <a:spcPts val="0"/>
-              </a:spcBef>
-              <a:spcAft>
-                <a:spcPts val="0"/>
-              </a:spcAft>
-              <a:buNone/>
-              <a:defRPr b="0" i="0" sz="1200" u="none" cap="none" strike="noStrike">
+            <a:lvl4pPr marL="0" marR="0" lvl="3" indent="0" algn="r" rtl="0">
+              <a:spcBef>
+                <a:spcPts val="0"/>
+              </a:spcBef>
+              <a:spcAft>
+                <a:spcPts val="0"/>
+              </a:spcAft>
+              <a:buNone/>
+              <a:defRPr sz="1200" b="0" i="0" u="none" strike="noStrike" cap="none">
                 <a:solidFill>
                   <a:srgbClr val="898989"/>
                 </a:solidFill>
@@ -4639,15 +4774,15 @@
                 <a:sym typeface="Calibri"/>
               </a:defRPr>
             </a:lvl4pPr>
-            <a:lvl5pPr indent="0" lvl="4" marL="0" marR="0" rtl="0" algn="r">
-              <a:spcBef>
-                <a:spcPts val="0"/>
-              </a:spcBef>
-              <a:spcAft>
-                <a:spcPts val="0"/>
-              </a:spcAft>
-              <a:buNone/>
-              <a:defRPr b="0" i="0" sz="1200" u="none" cap="none" strike="noStrike">
+            <a:lvl5pPr marL="0" marR="0" lvl="4" indent="0" algn="r" rtl="0">
+              <a:spcBef>
+                <a:spcPts val="0"/>
+              </a:spcBef>
+              <a:spcAft>
+                <a:spcPts val="0"/>
+              </a:spcAft>
+              <a:buNone/>
+              <a:defRPr sz="1200" b="0" i="0" u="none" strike="noStrike" cap="none">
                 <a:solidFill>
                   <a:srgbClr val="898989"/>
                 </a:solidFill>
@@ -4657,15 +4792,15 @@
                 <a:sym typeface="Calibri"/>
               </a:defRPr>
             </a:lvl5pPr>
-            <a:lvl6pPr indent="0" lvl="5" marL="0" marR="0" rtl="0" algn="r">
-              <a:spcBef>
-                <a:spcPts val="0"/>
-              </a:spcBef>
-              <a:spcAft>
-                <a:spcPts val="0"/>
-              </a:spcAft>
-              <a:buNone/>
-              <a:defRPr b="0" i="0" sz="1200" u="none" cap="none" strike="noStrike">
+            <a:lvl6pPr marL="0" marR="0" lvl="5" indent="0" algn="r" rtl="0">
+              <a:spcBef>
+                <a:spcPts val="0"/>
+              </a:spcBef>
+              <a:spcAft>
+                <a:spcPts val="0"/>
+              </a:spcAft>
+              <a:buNone/>
+              <a:defRPr sz="1200" b="0" i="0" u="none" strike="noStrike" cap="none">
                 <a:solidFill>
                   <a:srgbClr val="898989"/>
                 </a:solidFill>
@@ -4675,15 +4810,15 @@
                 <a:sym typeface="Calibri"/>
               </a:defRPr>
             </a:lvl6pPr>
-            <a:lvl7pPr indent="0" lvl="6" marL="0" marR="0" rtl="0" algn="r">
-              <a:spcBef>
-                <a:spcPts val="0"/>
-              </a:spcBef>
-              <a:spcAft>
-                <a:spcPts val="0"/>
-              </a:spcAft>
-              <a:buNone/>
-              <a:defRPr b="0" i="0" sz="1200" u="none" cap="none" strike="noStrike">
+            <a:lvl7pPr marL="0" marR="0" lvl="6" indent="0" algn="r" rtl="0">
+              <a:spcBef>
+                <a:spcPts val="0"/>
+              </a:spcBef>
+              <a:spcAft>
+                <a:spcPts val="0"/>
+              </a:spcAft>
+              <a:buNone/>
+              <a:defRPr sz="1200" b="0" i="0" u="none" strike="noStrike" cap="none">
                 <a:solidFill>
                   <a:srgbClr val="898989"/>
                 </a:solidFill>
@@ -4693,15 +4828,15 @@
                 <a:sym typeface="Calibri"/>
               </a:defRPr>
             </a:lvl7pPr>
-            <a:lvl8pPr indent="0" lvl="7" marL="0" marR="0" rtl="0" algn="r">
-              <a:spcBef>
-                <a:spcPts val="0"/>
-              </a:spcBef>
-              <a:spcAft>
-                <a:spcPts val="0"/>
-              </a:spcAft>
-              <a:buNone/>
-              <a:defRPr b="0" i="0" sz="1200" u="none" cap="none" strike="noStrike">
+            <a:lvl8pPr marL="0" marR="0" lvl="7" indent="0" algn="r" rtl="0">
+              <a:spcBef>
+                <a:spcPts val="0"/>
+              </a:spcBef>
+              <a:spcAft>
+                <a:spcPts val="0"/>
+              </a:spcAft>
+              <a:buNone/>
+              <a:defRPr sz="1200" b="0" i="0" u="none" strike="noStrike" cap="none">
                 <a:solidFill>
                   <a:srgbClr val="898989"/>
                 </a:solidFill>
@@ -4711,15 +4846,15 @@
                 <a:sym typeface="Calibri"/>
               </a:defRPr>
             </a:lvl8pPr>
-            <a:lvl9pPr indent="0" lvl="8" marL="0" marR="0" rtl="0" algn="r">
-              <a:spcBef>
-                <a:spcPts val="0"/>
-              </a:spcBef>
-              <a:spcAft>
-                <a:spcPts val="0"/>
-              </a:spcAft>
-              <a:buNone/>
-              <a:defRPr b="0" i="0" sz="1200" u="none" cap="none" strike="noStrike">
+            <a:lvl9pPr marL="0" marR="0" lvl="8" indent="0" algn="r" rtl="0">
+              <a:spcBef>
+                <a:spcPts val="0"/>
+              </a:spcBef>
+              <a:spcAft>
+                <a:spcPts val="0"/>
+              </a:spcAft>
+              <a:buNone/>
+              <a:defRPr sz="1200" b="0" i="0" u="none" strike="noStrike" cap="none">
                 <a:solidFill>
                   <a:srgbClr val="898989"/>
                 </a:solidFill>
@@ -4731,7 +4866,7 @@
             </a:lvl9pPr>
           </a:lstStyle>
           <a:p>
-            <a:pPr indent="0" lvl="0" marL="0" rtl="0" algn="r">
+            <a:pPr marL="0" lvl="0" indent="0" algn="r" rtl="0">
               <a:spcBef>
                 <a:spcPts val="0"/>
               </a:spcBef>
@@ -4757,11 +4892,11 @@
 </file>
 
 <file path=ppt/slideLayouts/slideLayout3.xml><?xml version="1.0" encoding="utf-8"?>
-<p:sldLayout xmlns:a="http://schemas.openxmlformats.org/drawingml/2006/main" xmlns:r="http://schemas.openxmlformats.org/officeDocument/2006/relationships" xmlns:mc="http://schemas.openxmlformats.org/markup-compatibility/2006" xmlns:mv="urn:schemas-microsoft-com:mac:vml" xmlns:p="http://schemas.openxmlformats.org/presentationml/2006/main" xmlns:c="http://schemas.openxmlformats.org/drawingml/2006/chart" xmlns:dgm="http://schemas.openxmlformats.org/drawingml/2006/diagram" xmlns:o="urn:schemas-microsoft-com:office:office" xmlns:v="urn:schemas-microsoft-com:vml" xmlns:pvml="urn:schemas-microsoft-com:office:powerpoint" xmlns:com="http://schemas.openxmlformats.org/drawingml/2006/compatibility" xmlns:p14="http://schemas.microsoft.com/office/powerpoint/2010/main" xmlns:p15="http://schemas.microsoft.com/office/powerpoint/2012/main" xmlns:ahyp="http://schemas.microsoft.com/office/drawing/2018/hyperlinkcolor" matchingName="1_Title and Content">
+<p:sldLayout xmlns:a="http://schemas.openxmlformats.org/drawingml/2006/main" xmlns:r="http://schemas.openxmlformats.org/officeDocument/2006/relationships" xmlns:p="http://schemas.openxmlformats.org/presentationml/2006/main" matchingName="1_Title and Content">
   <p:cSld name="1_Title and Content">
     <p:spTree>
       <p:nvGrpSpPr>
-        <p:cNvPr id="27" name="Shape 27"/>
+        <p:cNvPr id="1" name="Shape 27"/>
         <p:cNvGrpSpPr/>
         <p:nvPr/>
       </p:nvGrpSpPr>
@@ -4795,12 +4930,12 @@
           </a:ln>
         </p:spPr>
         <p:txBody>
-          <a:bodyPr anchorCtr="0" anchor="ctr" bIns="45700" lIns="91425" spcFirstLastPara="1" rIns="91425" wrap="square" tIns="45700">
+          <a:bodyPr spcFirstLastPara="1" wrap="square" lIns="91425" tIns="45700" rIns="91425" bIns="45700" anchor="ctr" anchorCtr="0">
             <a:noAutofit/>
           </a:bodyPr>
           <a:lstStyle/>
           <a:p>
-            <a:pPr indent="0" lvl="0" marL="0" marR="0" rtl="0" algn="ctr">
+            <a:pPr marL="0" marR="0" lvl="0" indent="0" algn="ctr" rtl="0">
               <a:spcBef>
                 <a:spcPts val="0"/>
               </a:spcBef>
@@ -4809,10 +4944,7 @@
               </a:spcAft>
               <a:buNone/>
             </a:pPr>
-            <a:r>
-              <a:t/>
-            </a:r>
-            <a:endParaRPr b="0" i="0" sz="1800" u="none" cap="none" strike="noStrike">
+            <a:endParaRPr sz="1800" b="0" i="0" u="none" strike="noStrike" cap="none">
               <a:solidFill>
                 <a:schemeClr val="lt1"/>
               </a:solidFill>
@@ -4826,7 +4958,7 @@
       </p:sp>
       <p:pic>
         <p:nvPicPr>
-          <p:cNvPr descr="logo-slide-titel-wit.png" id="29" name="Google Shape;29;p4"/>
+          <p:cNvPr id="29" name="Google Shape;29;p4" descr="logo-slide-titel-wit.png"/>
           <p:cNvPicPr preferRelativeResize="0"/>
           <p:nvPr/>
         </p:nvPicPr>
@@ -4834,7 +4966,7 @@
           <a:blip r:embed="rId2">
             <a:alphaModFix/>
           </a:blip>
-          <a:srcRect b="0" l="0" r="0" t="0"/>
+          <a:srcRect/>
           <a:stretch/>
         </p:blipFill>
         <p:spPr>
@@ -4854,7 +4986,9 @@
       <p:sp>
         <p:nvSpPr>
           <p:cNvPr id="30" name="Google Shape;30;p4"/>
-          <p:cNvSpPr txBox="1"/>
+          <p:cNvSpPr txBox="1">
+            <a:spLocks noGrp="1"/>
+          </p:cNvSpPr>
           <p:nvPr>
             <p:ph type="ctrTitle"/>
           </p:nvPr>
@@ -4873,20 +5007,20 @@
           </a:ln>
         </p:spPr>
         <p:txBody>
-          <a:bodyPr anchorCtr="0" anchor="ctr" bIns="91425" lIns="91425" spcFirstLastPara="1" rIns="91425" wrap="square" tIns="91425">
+          <a:bodyPr spcFirstLastPara="1" wrap="square" lIns="91425" tIns="91425" rIns="91425" bIns="91425" anchor="ctr" anchorCtr="0">
             <a:noAutofit/>
           </a:bodyPr>
           <a:lstStyle>
-            <a:lvl1pPr indent="0" lvl="0" marL="0" marR="0" rtl="0" algn="l">
-              <a:spcBef>
-                <a:spcPts val="0"/>
-              </a:spcBef>
-              <a:spcAft>
-                <a:spcPts val="0"/>
-              </a:spcAft>
-              <a:buSzPts val="1400"/>
-              <a:buNone/>
-              <a:defRPr b="1" i="0" sz="3200" u="none" cap="none" strike="noStrike">
+            <a:lvl1pPr marL="0" marR="0" lvl="0" indent="0" algn="l" rtl="0">
+              <a:spcBef>
+                <a:spcPts val="0"/>
+              </a:spcBef>
+              <a:spcAft>
+                <a:spcPts val="0"/>
+              </a:spcAft>
+              <a:buSzPts val="1400"/>
+              <a:buNone/>
+              <a:defRPr sz="3200" b="1" i="0" u="none" strike="noStrike" cap="none">
                 <a:solidFill>
                   <a:schemeClr val="lt1"/>
                 </a:solidFill>
@@ -4896,16 +5030,16 @@
                 <a:sym typeface="Verdana"/>
               </a:defRPr>
             </a:lvl1pPr>
-            <a:lvl2pPr indent="0" lvl="1" marL="0" marR="0" rtl="0" algn="ctr">
-              <a:spcBef>
-                <a:spcPts val="0"/>
-              </a:spcBef>
-              <a:spcAft>
-                <a:spcPts val="0"/>
-              </a:spcAft>
-              <a:buSzPts val="1400"/>
-              <a:buNone/>
-              <a:defRPr b="0" i="0" sz="4400" u="none" cap="none" strike="noStrike">
+            <a:lvl2pPr marL="0" marR="0" lvl="1" indent="0" algn="ctr" rtl="0">
+              <a:spcBef>
+                <a:spcPts val="0"/>
+              </a:spcBef>
+              <a:spcAft>
+                <a:spcPts val="0"/>
+              </a:spcAft>
+              <a:buSzPts val="1400"/>
+              <a:buNone/>
+              <a:defRPr sz="4400" b="0" i="0" u="none" strike="noStrike" cap="none">
                 <a:solidFill>
                   <a:schemeClr val="dk1"/>
                 </a:solidFill>
@@ -4915,16 +5049,16 @@
                 <a:sym typeface="Calibri"/>
               </a:defRPr>
             </a:lvl2pPr>
-            <a:lvl3pPr indent="0" lvl="2" marL="0" marR="0" rtl="0" algn="ctr">
-              <a:spcBef>
-                <a:spcPts val="0"/>
-              </a:spcBef>
-              <a:spcAft>
-                <a:spcPts val="0"/>
-              </a:spcAft>
-              <a:buSzPts val="1400"/>
-              <a:buNone/>
-              <a:defRPr b="0" i="0" sz="4400" u="none" cap="none" strike="noStrike">
+            <a:lvl3pPr marL="0" marR="0" lvl="2" indent="0" algn="ctr" rtl="0">
+              <a:spcBef>
+                <a:spcPts val="0"/>
+              </a:spcBef>
+              <a:spcAft>
+                <a:spcPts val="0"/>
+              </a:spcAft>
+              <a:buSzPts val="1400"/>
+              <a:buNone/>
+              <a:defRPr sz="4400" b="0" i="0" u="none" strike="noStrike" cap="none">
                 <a:solidFill>
                   <a:schemeClr val="dk1"/>
                 </a:solidFill>
@@ -4934,16 +5068,16 @@
                 <a:sym typeface="Calibri"/>
               </a:defRPr>
             </a:lvl3pPr>
-            <a:lvl4pPr indent="0" lvl="3" marL="0" marR="0" rtl="0" algn="ctr">
-              <a:spcBef>
-                <a:spcPts val="0"/>
-              </a:spcBef>
-              <a:spcAft>
-                <a:spcPts val="0"/>
-              </a:spcAft>
-              <a:buSzPts val="1400"/>
-              <a:buNone/>
-              <a:defRPr b="0" i="0" sz="4400" u="none" cap="none" strike="noStrike">
+            <a:lvl4pPr marL="0" marR="0" lvl="3" indent="0" algn="ctr" rtl="0">
+              <a:spcBef>
+                <a:spcPts val="0"/>
+              </a:spcBef>
+              <a:spcAft>
+                <a:spcPts val="0"/>
+              </a:spcAft>
+              <a:buSzPts val="1400"/>
+              <a:buNone/>
+              <a:defRPr sz="4400" b="0" i="0" u="none" strike="noStrike" cap="none">
                 <a:solidFill>
                   <a:schemeClr val="dk1"/>
                 </a:solidFill>
@@ -4953,16 +5087,16 @@
                 <a:sym typeface="Calibri"/>
               </a:defRPr>
             </a:lvl4pPr>
-            <a:lvl5pPr indent="0" lvl="4" marL="0" marR="0" rtl="0" algn="ctr">
-              <a:spcBef>
-                <a:spcPts val="0"/>
-              </a:spcBef>
-              <a:spcAft>
-                <a:spcPts val="0"/>
-              </a:spcAft>
-              <a:buSzPts val="1400"/>
-              <a:buNone/>
-              <a:defRPr b="0" i="0" sz="4400" u="none" cap="none" strike="noStrike">
+            <a:lvl5pPr marL="0" marR="0" lvl="4" indent="0" algn="ctr" rtl="0">
+              <a:spcBef>
+                <a:spcPts val="0"/>
+              </a:spcBef>
+              <a:spcAft>
+                <a:spcPts val="0"/>
+              </a:spcAft>
+              <a:buSzPts val="1400"/>
+              <a:buNone/>
+              <a:defRPr sz="4400" b="0" i="0" u="none" strike="noStrike" cap="none">
                 <a:solidFill>
                   <a:schemeClr val="dk1"/>
                 </a:solidFill>
@@ -4972,16 +5106,16 @@
                 <a:sym typeface="Calibri"/>
               </a:defRPr>
             </a:lvl5pPr>
-            <a:lvl6pPr indent="0" lvl="5" marL="457200" marR="0" rtl="0" algn="ctr">
-              <a:spcBef>
-                <a:spcPts val="0"/>
-              </a:spcBef>
-              <a:spcAft>
-                <a:spcPts val="0"/>
-              </a:spcAft>
-              <a:buSzPts val="1400"/>
-              <a:buNone/>
-              <a:defRPr b="0" i="0" sz="4400" u="none" cap="none" strike="noStrike">
+            <a:lvl6pPr marL="457200" marR="0" lvl="5" indent="0" algn="ctr" rtl="0">
+              <a:spcBef>
+                <a:spcPts val="0"/>
+              </a:spcBef>
+              <a:spcAft>
+                <a:spcPts val="0"/>
+              </a:spcAft>
+              <a:buSzPts val="1400"/>
+              <a:buNone/>
+              <a:defRPr sz="4400" b="0" i="0" u="none" strike="noStrike" cap="none">
                 <a:solidFill>
                   <a:schemeClr val="dk1"/>
                 </a:solidFill>
@@ -4991,16 +5125,16 @@
                 <a:sym typeface="Calibri"/>
               </a:defRPr>
             </a:lvl6pPr>
-            <a:lvl7pPr indent="0" lvl="6" marL="914400" marR="0" rtl="0" algn="ctr">
-              <a:spcBef>
-                <a:spcPts val="0"/>
-              </a:spcBef>
-              <a:spcAft>
-                <a:spcPts val="0"/>
-              </a:spcAft>
-              <a:buSzPts val="1400"/>
-              <a:buNone/>
-              <a:defRPr b="0" i="0" sz="4400" u="none" cap="none" strike="noStrike">
+            <a:lvl7pPr marL="914400" marR="0" lvl="6" indent="0" algn="ctr" rtl="0">
+              <a:spcBef>
+                <a:spcPts val="0"/>
+              </a:spcBef>
+              <a:spcAft>
+                <a:spcPts val="0"/>
+              </a:spcAft>
+              <a:buSzPts val="1400"/>
+              <a:buNone/>
+              <a:defRPr sz="4400" b="0" i="0" u="none" strike="noStrike" cap="none">
                 <a:solidFill>
                   <a:schemeClr val="dk1"/>
                 </a:solidFill>
@@ -5010,16 +5144,16 @@
                 <a:sym typeface="Calibri"/>
               </a:defRPr>
             </a:lvl7pPr>
-            <a:lvl8pPr indent="0" lvl="7" marL="1371600" marR="0" rtl="0" algn="ctr">
-              <a:spcBef>
-                <a:spcPts val="0"/>
-              </a:spcBef>
-              <a:spcAft>
-                <a:spcPts val="0"/>
-              </a:spcAft>
-              <a:buSzPts val="1400"/>
-              <a:buNone/>
-              <a:defRPr b="0" i="0" sz="4400" u="none" cap="none" strike="noStrike">
+            <a:lvl8pPr marL="1371600" marR="0" lvl="7" indent="0" algn="ctr" rtl="0">
+              <a:spcBef>
+                <a:spcPts val="0"/>
+              </a:spcBef>
+              <a:spcAft>
+                <a:spcPts val="0"/>
+              </a:spcAft>
+              <a:buSzPts val="1400"/>
+              <a:buNone/>
+              <a:defRPr sz="4400" b="0" i="0" u="none" strike="noStrike" cap="none">
                 <a:solidFill>
                   <a:schemeClr val="dk1"/>
                 </a:solidFill>
@@ -5029,16 +5163,16 @@
                 <a:sym typeface="Calibri"/>
               </a:defRPr>
             </a:lvl8pPr>
-            <a:lvl9pPr indent="0" lvl="8" marL="1828800" marR="0" rtl="0" algn="ctr">
-              <a:spcBef>
-                <a:spcPts val="0"/>
-              </a:spcBef>
-              <a:spcAft>
-                <a:spcPts val="0"/>
-              </a:spcAft>
-              <a:buSzPts val="1400"/>
-              <a:buNone/>
-              <a:defRPr b="0" i="0" sz="4400" u="none" cap="none" strike="noStrike">
+            <a:lvl9pPr marL="1828800" marR="0" lvl="8" indent="0" algn="ctr" rtl="0">
+              <a:spcBef>
+                <a:spcPts val="0"/>
+              </a:spcBef>
+              <a:spcAft>
+                <a:spcPts val="0"/>
+              </a:spcAft>
+              <a:buSzPts val="1400"/>
+              <a:buNone/>
+              <a:defRPr sz="4400" b="0" i="0" u="none" strike="noStrike" cap="none">
                 <a:solidFill>
                   <a:schemeClr val="dk1"/>
                 </a:solidFill>
@@ -5049,15 +5183,19 @@
               </a:defRPr>
             </a:lvl9pPr>
           </a:lstStyle>
-          <a:p/>
+          <a:p>
+            <a:endParaRPr/>
+          </a:p>
         </p:txBody>
       </p:sp>
       <p:sp>
         <p:nvSpPr>
           <p:cNvPr id="31" name="Google Shape;31;p4"/>
-          <p:cNvSpPr txBox="1"/>
+          <p:cNvSpPr txBox="1">
+            <a:spLocks noGrp="1"/>
+          </p:cNvSpPr>
           <p:nvPr>
-            <p:ph idx="1" type="subTitle"/>
+            <p:ph type="subTitle" idx="1"/>
           </p:nvPr>
         </p:nvSpPr>
         <p:spPr>
@@ -5074,11 +5212,11 @@
           </a:ln>
         </p:spPr>
         <p:txBody>
-          <a:bodyPr anchorCtr="0" anchor="t" bIns="91425" lIns="91425" spcFirstLastPara="1" rIns="91425" wrap="square" tIns="91425">
+          <a:bodyPr spcFirstLastPara="1" wrap="square" lIns="91425" tIns="91425" rIns="91425" bIns="91425" anchor="t" anchorCtr="0">
             <a:noAutofit/>
           </a:bodyPr>
           <a:lstStyle>
-            <a:lvl1pPr indent="0" lvl="0" marL="0" marR="0" rtl="0" algn="l">
+            <a:lvl1pPr marL="0" marR="0" lvl="0" indent="0" algn="l" rtl="0">
               <a:spcBef>
                 <a:spcPts val="400"/>
               </a:spcBef>
@@ -5091,7 +5229,7 @@
               <a:buSzPts val="2000"/>
               <a:buFont typeface="Arial"/>
               <a:buNone/>
-              <a:defRPr b="0" i="0" sz="2000" u="none" cap="none" strike="noStrike">
+              <a:defRPr sz="2000" b="0" i="0" u="none" strike="noStrike" cap="none">
                 <a:solidFill>
                   <a:schemeClr val="lt1"/>
                 </a:solidFill>
@@ -5101,7 +5239,7 @@
                 <a:sym typeface="Verdana"/>
               </a:defRPr>
             </a:lvl1pPr>
-            <a:lvl2pPr indent="0" lvl="1" marL="457200" marR="0" rtl="0" algn="ctr">
+            <a:lvl2pPr marL="457200" marR="0" lvl="1" indent="0" algn="ctr" rtl="0">
               <a:spcBef>
                 <a:spcPts val="560"/>
               </a:spcBef>
@@ -5114,7 +5252,7 @@
               <a:buSzPts val="2800"/>
               <a:buFont typeface="Arial"/>
               <a:buNone/>
-              <a:defRPr b="0" i="0" sz="2800" u="none" cap="none" strike="noStrike">
+              <a:defRPr sz="2800" b="0" i="0" u="none" strike="noStrike" cap="none">
                 <a:solidFill>
                   <a:srgbClr val="888888"/>
                 </a:solidFill>
@@ -5124,7 +5262,7 @@
                 <a:sym typeface="Calibri"/>
               </a:defRPr>
             </a:lvl2pPr>
-            <a:lvl3pPr indent="0" lvl="2" marL="914400" marR="0" rtl="0" algn="ctr">
+            <a:lvl3pPr marL="914400" marR="0" lvl="2" indent="0" algn="ctr" rtl="0">
               <a:spcBef>
                 <a:spcPts val="480"/>
               </a:spcBef>
@@ -5137,7 +5275,7 @@
               <a:buSzPts val="2400"/>
               <a:buFont typeface="Arial"/>
               <a:buNone/>
-              <a:defRPr b="0" i="0" sz="2400" u="none" cap="none" strike="noStrike">
+              <a:defRPr sz="2400" b="0" i="0" u="none" strike="noStrike" cap="none">
                 <a:solidFill>
                   <a:srgbClr val="888888"/>
                 </a:solidFill>
@@ -5147,7 +5285,7 @@
                 <a:sym typeface="Calibri"/>
               </a:defRPr>
             </a:lvl3pPr>
-            <a:lvl4pPr indent="0" lvl="3" marL="1371600" marR="0" rtl="0" algn="ctr">
+            <a:lvl4pPr marL="1371600" marR="0" lvl="3" indent="0" algn="ctr" rtl="0">
               <a:spcBef>
                 <a:spcPts val="400"/>
               </a:spcBef>
@@ -5160,7 +5298,7 @@
               <a:buSzPts val="2000"/>
               <a:buFont typeface="Arial"/>
               <a:buNone/>
-              <a:defRPr b="0" i="0" sz="2000" u="none" cap="none" strike="noStrike">
+              <a:defRPr sz="2000" b="0" i="0" u="none" strike="noStrike" cap="none">
                 <a:solidFill>
                   <a:srgbClr val="888888"/>
                 </a:solidFill>
@@ -5170,7 +5308,7 @@
                 <a:sym typeface="Calibri"/>
               </a:defRPr>
             </a:lvl4pPr>
-            <a:lvl5pPr indent="0" lvl="4" marL="1828800" marR="0" rtl="0" algn="ctr">
+            <a:lvl5pPr marL="1828800" marR="0" lvl="4" indent="0" algn="ctr" rtl="0">
               <a:spcBef>
                 <a:spcPts val="400"/>
               </a:spcBef>
@@ -5183,7 +5321,7 @@
               <a:buSzPts val="2000"/>
               <a:buFont typeface="Arial"/>
               <a:buNone/>
-              <a:defRPr b="0" i="0" sz="2000" u="none" cap="none" strike="noStrike">
+              <a:defRPr sz="2000" b="0" i="0" u="none" strike="noStrike" cap="none">
                 <a:solidFill>
                   <a:srgbClr val="888888"/>
                 </a:solidFill>
@@ -5193,7 +5331,7 @@
                 <a:sym typeface="Calibri"/>
               </a:defRPr>
             </a:lvl5pPr>
-            <a:lvl6pPr indent="0" lvl="5" marL="2286000" marR="0" rtl="0" algn="ctr">
+            <a:lvl6pPr marL="2286000" marR="0" lvl="5" indent="0" algn="ctr" rtl="0">
               <a:spcBef>
                 <a:spcPts val="400"/>
               </a:spcBef>
@@ -5206,7 +5344,7 @@
               <a:buSzPts val="2000"/>
               <a:buFont typeface="Arial"/>
               <a:buNone/>
-              <a:defRPr b="0" i="0" sz="2000" u="none" cap="none" strike="noStrike">
+              <a:defRPr sz="2000" b="0" i="0" u="none" strike="noStrike" cap="none">
                 <a:solidFill>
                   <a:srgbClr val="888888"/>
                 </a:solidFill>
@@ -5216,7 +5354,7 @@
                 <a:sym typeface="Calibri"/>
               </a:defRPr>
             </a:lvl6pPr>
-            <a:lvl7pPr indent="0" lvl="6" marL="2743200" marR="0" rtl="0" algn="ctr">
+            <a:lvl7pPr marL="2743200" marR="0" lvl="6" indent="0" algn="ctr" rtl="0">
               <a:spcBef>
                 <a:spcPts val="400"/>
               </a:spcBef>
@@ -5229,7 +5367,7 @@
               <a:buSzPts val="2000"/>
               <a:buFont typeface="Arial"/>
               <a:buNone/>
-              <a:defRPr b="0" i="0" sz="2000" u="none" cap="none" strike="noStrike">
+              <a:defRPr sz="2000" b="0" i="0" u="none" strike="noStrike" cap="none">
                 <a:solidFill>
                   <a:srgbClr val="888888"/>
                 </a:solidFill>
@@ -5239,7 +5377,7 @@
                 <a:sym typeface="Calibri"/>
               </a:defRPr>
             </a:lvl7pPr>
-            <a:lvl8pPr indent="0" lvl="7" marL="3200400" marR="0" rtl="0" algn="ctr">
+            <a:lvl8pPr marL="3200400" marR="0" lvl="7" indent="0" algn="ctr" rtl="0">
               <a:spcBef>
                 <a:spcPts val="400"/>
               </a:spcBef>
@@ -5252,7 +5390,7 @@
               <a:buSzPts val="2000"/>
               <a:buFont typeface="Arial"/>
               <a:buNone/>
-              <a:defRPr b="0" i="0" sz="2000" u="none" cap="none" strike="noStrike">
+              <a:defRPr sz="2000" b="0" i="0" u="none" strike="noStrike" cap="none">
                 <a:solidFill>
                   <a:srgbClr val="888888"/>
                 </a:solidFill>
@@ -5262,7 +5400,7 @@
                 <a:sym typeface="Calibri"/>
               </a:defRPr>
             </a:lvl8pPr>
-            <a:lvl9pPr indent="0" lvl="8" marL="3657600" marR="0" rtl="0" algn="ctr">
+            <a:lvl9pPr marL="3657600" marR="0" lvl="8" indent="0" algn="ctr" rtl="0">
               <a:spcBef>
                 <a:spcPts val="400"/>
               </a:spcBef>
@@ -5275,7 +5413,7 @@
               <a:buSzPts val="2000"/>
               <a:buFont typeface="Arial"/>
               <a:buNone/>
-              <a:defRPr b="0" i="0" sz="2000" u="none" cap="none" strike="noStrike">
+              <a:defRPr sz="2000" b="0" i="0" u="none" strike="noStrike" cap="none">
                 <a:solidFill>
                   <a:srgbClr val="888888"/>
                 </a:solidFill>
@@ -5286,7 +5424,9 @@
               </a:defRPr>
             </a:lvl9pPr>
           </a:lstStyle>
-          <a:p/>
+          <a:p>
+            <a:endParaRPr/>
+          </a:p>
         </p:txBody>
       </p:sp>
     </p:spTree>
@@ -5298,18 +5438,19 @@
 </file>
 
 <file path=ppt/slideMasters/slideMaster1.xml><?xml version="1.0" encoding="utf-8"?>
-<p:sldMaster xmlns:a="http://schemas.openxmlformats.org/drawingml/2006/main" xmlns:r="http://schemas.openxmlformats.org/officeDocument/2006/relationships" xmlns:mc="http://schemas.openxmlformats.org/markup-compatibility/2006" xmlns:mv="urn:schemas-microsoft-com:mac:vml" xmlns:p="http://schemas.openxmlformats.org/presentationml/2006/main" xmlns:c="http://schemas.openxmlformats.org/drawingml/2006/chart" xmlns:dgm="http://schemas.openxmlformats.org/drawingml/2006/diagram" xmlns:o="urn:schemas-microsoft-com:office:office" xmlns:v="urn:schemas-microsoft-com:vml" xmlns:pvml="urn:schemas-microsoft-com:office:powerpoint" xmlns:com="http://schemas.openxmlformats.org/drawingml/2006/compatibility" xmlns:p14="http://schemas.microsoft.com/office/powerpoint/2010/main" xmlns:p15="http://schemas.microsoft.com/office/powerpoint/2012/main" xmlns:ahyp="http://schemas.microsoft.com/office/drawing/2018/hyperlinkcolor">
+<p:sldMaster xmlns:a="http://schemas.openxmlformats.org/drawingml/2006/main" xmlns:r="http://schemas.openxmlformats.org/officeDocument/2006/relationships" xmlns:p="http://schemas.openxmlformats.org/presentationml/2006/main">
   <p:cSld>
     <p:bg>
       <p:bgPr>
         <a:solidFill>
           <a:schemeClr val="lt1"/>
         </a:solidFill>
+        <a:effectLst/>
       </p:bgPr>
     </p:bg>
     <p:spTree>
       <p:nvGrpSpPr>
-        <p:cNvPr id="9" name="Shape 9"/>
+        <p:cNvPr id="1" name="Shape 9"/>
         <p:cNvGrpSpPr/>
         <p:nvPr/>
       </p:nvGrpSpPr>
@@ -5324,7 +5465,9 @@
       <p:sp>
         <p:nvSpPr>
           <p:cNvPr id="10" name="Google Shape;10;p1"/>
-          <p:cNvSpPr txBox="1"/>
+          <p:cNvSpPr txBox="1">
+            <a:spLocks noGrp="1"/>
+          </p:cNvSpPr>
           <p:nvPr>
             <p:ph type="title"/>
           </p:nvPr>
@@ -5343,20 +5486,20 @@
           </a:ln>
         </p:spPr>
         <p:txBody>
-          <a:bodyPr anchorCtr="0" anchor="ctr" bIns="91425" lIns="91425" spcFirstLastPara="1" rIns="91425" wrap="square" tIns="91425">
+          <a:bodyPr spcFirstLastPara="1" wrap="square" lIns="91425" tIns="91425" rIns="91425" bIns="91425" anchor="ctr" anchorCtr="0">
             <a:noAutofit/>
           </a:bodyPr>
           <a:lstStyle>
-            <a:lvl1pPr indent="0" lvl="0" marL="0" marR="0" rtl="0" algn="ctr">
-              <a:spcBef>
-                <a:spcPts val="0"/>
-              </a:spcBef>
-              <a:spcAft>
-                <a:spcPts val="0"/>
-              </a:spcAft>
-              <a:buSzPts val="1400"/>
-              <a:buNone/>
-              <a:defRPr b="0" i="0" sz="4400" u="none" cap="none" strike="noStrike">
+            <a:lvl1pPr marL="0" marR="0" lvl="0" indent="0" algn="ctr" rtl="0">
+              <a:spcBef>
+                <a:spcPts val="0"/>
+              </a:spcBef>
+              <a:spcAft>
+                <a:spcPts val="0"/>
+              </a:spcAft>
+              <a:buSzPts val="1400"/>
+              <a:buNone/>
+              <a:defRPr sz="4400" b="0" i="0" u="none" strike="noStrike" cap="none">
                 <a:solidFill>
                   <a:schemeClr val="dk1"/>
                 </a:solidFill>
@@ -5366,16 +5509,16 @@
                 <a:sym typeface="Calibri"/>
               </a:defRPr>
             </a:lvl1pPr>
-            <a:lvl2pPr indent="0" lvl="1" marL="0" marR="0" rtl="0" algn="ctr">
-              <a:spcBef>
-                <a:spcPts val="0"/>
-              </a:spcBef>
-              <a:spcAft>
-                <a:spcPts val="0"/>
-              </a:spcAft>
-              <a:buSzPts val="1400"/>
-              <a:buNone/>
-              <a:defRPr b="0" i="0" sz="4400" u="none" cap="none" strike="noStrike">
+            <a:lvl2pPr marL="0" marR="0" lvl="1" indent="0" algn="ctr" rtl="0">
+              <a:spcBef>
+                <a:spcPts val="0"/>
+              </a:spcBef>
+              <a:spcAft>
+                <a:spcPts val="0"/>
+              </a:spcAft>
+              <a:buSzPts val="1400"/>
+              <a:buNone/>
+              <a:defRPr sz="4400" b="0" i="0" u="none" strike="noStrike" cap="none">
                 <a:solidFill>
                   <a:schemeClr val="dk1"/>
                 </a:solidFill>
@@ -5385,16 +5528,16 @@
                 <a:sym typeface="Calibri"/>
               </a:defRPr>
             </a:lvl2pPr>
-            <a:lvl3pPr indent="0" lvl="2" marL="0" marR="0" rtl="0" algn="ctr">
-              <a:spcBef>
-                <a:spcPts val="0"/>
-              </a:spcBef>
-              <a:spcAft>
-                <a:spcPts val="0"/>
-              </a:spcAft>
-              <a:buSzPts val="1400"/>
-              <a:buNone/>
-              <a:defRPr b="0" i="0" sz="4400" u="none" cap="none" strike="noStrike">
+            <a:lvl3pPr marL="0" marR="0" lvl="2" indent="0" algn="ctr" rtl="0">
+              <a:spcBef>
+                <a:spcPts val="0"/>
+              </a:spcBef>
+              <a:spcAft>
+                <a:spcPts val="0"/>
+              </a:spcAft>
+              <a:buSzPts val="1400"/>
+              <a:buNone/>
+              <a:defRPr sz="4400" b="0" i="0" u="none" strike="noStrike" cap="none">
                 <a:solidFill>
                   <a:schemeClr val="dk1"/>
                 </a:solidFill>
@@ -5404,16 +5547,16 @@
                 <a:sym typeface="Calibri"/>
               </a:defRPr>
             </a:lvl3pPr>
-            <a:lvl4pPr indent="0" lvl="3" marL="0" marR="0" rtl="0" algn="ctr">
-              <a:spcBef>
-                <a:spcPts val="0"/>
-              </a:spcBef>
-              <a:spcAft>
-                <a:spcPts val="0"/>
-              </a:spcAft>
-              <a:buSzPts val="1400"/>
-              <a:buNone/>
-              <a:defRPr b="0" i="0" sz="4400" u="none" cap="none" strike="noStrike">
+            <a:lvl4pPr marL="0" marR="0" lvl="3" indent="0" algn="ctr" rtl="0">
+              <a:spcBef>
+                <a:spcPts val="0"/>
+              </a:spcBef>
+              <a:spcAft>
+                <a:spcPts val="0"/>
+              </a:spcAft>
+              <a:buSzPts val="1400"/>
+              <a:buNone/>
+              <a:defRPr sz="4400" b="0" i="0" u="none" strike="noStrike" cap="none">
                 <a:solidFill>
                   <a:schemeClr val="dk1"/>
                 </a:solidFill>
@@ -5423,16 +5566,16 @@
                 <a:sym typeface="Calibri"/>
               </a:defRPr>
             </a:lvl4pPr>
-            <a:lvl5pPr indent="0" lvl="4" marL="0" marR="0" rtl="0" algn="ctr">
-              <a:spcBef>
-                <a:spcPts val="0"/>
-              </a:spcBef>
-              <a:spcAft>
-                <a:spcPts val="0"/>
-              </a:spcAft>
-              <a:buSzPts val="1400"/>
-              <a:buNone/>
-              <a:defRPr b="0" i="0" sz="4400" u="none" cap="none" strike="noStrike">
+            <a:lvl5pPr marL="0" marR="0" lvl="4" indent="0" algn="ctr" rtl="0">
+              <a:spcBef>
+                <a:spcPts val="0"/>
+              </a:spcBef>
+              <a:spcAft>
+                <a:spcPts val="0"/>
+              </a:spcAft>
+              <a:buSzPts val="1400"/>
+              <a:buNone/>
+              <a:defRPr sz="4400" b="0" i="0" u="none" strike="noStrike" cap="none">
                 <a:solidFill>
                   <a:schemeClr val="dk1"/>
                 </a:solidFill>
@@ -5442,16 +5585,16 @@
                 <a:sym typeface="Calibri"/>
               </a:defRPr>
             </a:lvl5pPr>
-            <a:lvl6pPr indent="0" lvl="5" marL="457200" marR="0" rtl="0" algn="ctr">
-              <a:spcBef>
-                <a:spcPts val="0"/>
-              </a:spcBef>
-              <a:spcAft>
-                <a:spcPts val="0"/>
-              </a:spcAft>
-              <a:buSzPts val="1400"/>
-              <a:buNone/>
-              <a:defRPr b="0" i="0" sz="4400" u="none" cap="none" strike="noStrike">
+            <a:lvl6pPr marL="457200" marR="0" lvl="5" indent="0" algn="ctr" rtl="0">
+              <a:spcBef>
+                <a:spcPts val="0"/>
+              </a:spcBef>
+              <a:spcAft>
+                <a:spcPts val="0"/>
+              </a:spcAft>
+              <a:buSzPts val="1400"/>
+              <a:buNone/>
+              <a:defRPr sz="4400" b="0" i="0" u="none" strike="noStrike" cap="none">
                 <a:solidFill>
                   <a:schemeClr val="dk1"/>
                 </a:solidFill>
@@ -5461,16 +5604,16 @@
                 <a:sym typeface="Calibri"/>
               </a:defRPr>
             </a:lvl6pPr>
-            <a:lvl7pPr indent="0" lvl="6" marL="914400" marR="0" rtl="0" algn="ctr">
-              <a:spcBef>
-                <a:spcPts val="0"/>
-              </a:spcBef>
-              <a:spcAft>
-                <a:spcPts val="0"/>
-              </a:spcAft>
-              <a:buSzPts val="1400"/>
-              <a:buNone/>
-              <a:defRPr b="0" i="0" sz="4400" u="none" cap="none" strike="noStrike">
+            <a:lvl7pPr marL="914400" marR="0" lvl="6" indent="0" algn="ctr" rtl="0">
+              <a:spcBef>
+                <a:spcPts val="0"/>
+              </a:spcBef>
+              <a:spcAft>
+                <a:spcPts val="0"/>
+              </a:spcAft>
+              <a:buSzPts val="1400"/>
+              <a:buNone/>
+              <a:defRPr sz="4400" b="0" i="0" u="none" strike="noStrike" cap="none">
                 <a:solidFill>
                   <a:schemeClr val="dk1"/>
                 </a:solidFill>
@@ -5480,16 +5623,16 @@
                 <a:sym typeface="Calibri"/>
               </a:defRPr>
             </a:lvl7pPr>
-            <a:lvl8pPr indent="0" lvl="7" marL="1371600" marR="0" rtl="0" algn="ctr">
-              <a:spcBef>
-                <a:spcPts val="0"/>
-              </a:spcBef>
-              <a:spcAft>
-                <a:spcPts val="0"/>
-              </a:spcAft>
-              <a:buSzPts val="1400"/>
-              <a:buNone/>
-              <a:defRPr b="0" i="0" sz="4400" u="none" cap="none" strike="noStrike">
+            <a:lvl8pPr marL="1371600" marR="0" lvl="7" indent="0" algn="ctr" rtl="0">
+              <a:spcBef>
+                <a:spcPts val="0"/>
+              </a:spcBef>
+              <a:spcAft>
+                <a:spcPts val="0"/>
+              </a:spcAft>
+              <a:buSzPts val="1400"/>
+              <a:buNone/>
+              <a:defRPr sz="4400" b="0" i="0" u="none" strike="noStrike" cap="none">
                 <a:solidFill>
                   <a:schemeClr val="dk1"/>
                 </a:solidFill>
@@ -5499,16 +5642,16 @@
                 <a:sym typeface="Calibri"/>
               </a:defRPr>
             </a:lvl8pPr>
-            <a:lvl9pPr indent="0" lvl="8" marL="1828800" marR="0" rtl="0" algn="ctr">
-              <a:spcBef>
-                <a:spcPts val="0"/>
-              </a:spcBef>
-              <a:spcAft>
-                <a:spcPts val="0"/>
-              </a:spcAft>
-              <a:buSzPts val="1400"/>
-              <a:buNone/>
-              <a:defRPr b="0" i="0" sz="4400" u="none" cap="none" strike="noStrike">
+            <a:lvl9pPr marL="1828800" marR="0" lvl="8" indent="0" algn="ctr" rtl="0">
+              <a:spcBef>
+                <a:spcPts val="0"/>
+              </a:spcBef>
+              <a:spcAft>
+                <a:spcPts val="0"/>
+              </a:spcAft>
+              <a:buSzPts val="1400"/>
+              <a:buNone/>
+              <a:defRPr sz="4400" b="0" i="0" u="none" strike="noStrike" cap="none">
                 <a:solidFill>
                   <a:schemeClr val="dk1"/>
                 </a:solidFill>
@@ -5519,15 +5662,19 @@
               </a:defRPr>
             </a:lvl9pPr>
           </a:lstStyle>
-          <a:p/>
+          <a:p>
+            <a:endParaRPr/>
+          </a:p>
         </p:txBody>
       </p:sp>
       <p:sp>
         <p:nvSpPr>
           <p:cNvPr id="11" name="Google Shape;11;p1"/>
-          <p:cNvSpPr txBox="1"/>
+          <p:cNvSpPr txBox="1">
+            <a:spLocks noGrp="1"/>
+          </p:cNvSpPr>
           <p:nvPr>
-            <p:ph idx="1" type="body"/>
+            <p:ph type="body" idx="1"/>
           </p:nvPr>
         </p:nvSpPr>
         <p:spPr>
@@ -5544,11 +5691,11 @@
           </a:ln>
         </p:spPr>
         <p:txBody>
-          <a:bodyPr anchorCtr="0" anchor="t" bIns="91425" lIns="91425" spcFirstLastPara="1" rIns="91425" wrap="square" tIns="91425">
+          <a:bodyPr spcFirstLastPara="1" wrap="square" lIns="91425" tIns="91425" rIns="91425" bIns="91425" anchor="t" anchorCtr="0">
             <a:noAutofit/>
           </a:bodyPr>
           <a:lstStyle>
-            <a:lvl1pPr indent="-431800" lvl="0" marL="457200" marR="0" rtl="0" algn="l">
+            <a:lvl1pPr marL="457200" marR="0" lvl="0" indent="-431800" algn="l" rtl="0">
               <a:spcBef>
                 <a:spcPts val="640"/>
               </a:spcBef>
@@ -5561,7 +5708,7 @@
               <a:buSzPts val="3200"/>
               <a:buFont typeface="Arial"/>
               <a:buChar char="•"/>
-              <a:defRPr b="0" i="0" sz="3200" u="none" cap="none" strike="noStrike">
+              <a:defRPr sz="3200" b="0" i="0" u="none" strike="noStrike" cap="none">
                 <a:solidFill>
                   <a:schemeClr val="dk1"/>
                 </a:solidFill>
@@ -5571,7 +5718,7 @@
                 <a:sym typeface="Calibri"/>
               </a:defRPr>
             </a:lvl1pPr>
-            <a:lvl2pPr indent="-406400" lvl="1" marL="914400" marR="0" rtl="0" algn="l">
+            <a:lvl2pPr marL="914400" marR="0" lvl="1" indent="-406400" algn="l" rtl="0">
               <a:spcBef>
                 <a:spcPts val="560"/>
               </a:spcBef>
@@ -5584,7 +5731,7 @@
               <a:buSzPts val="2800"/>
               <a:buFont typeface="Arial"/>
               <a:buChar char="–"/>
-              <a:defRPr b="0" i="0" sz="2800" u="none" cap="none" strike="noStrike">
+              <a:defRPr sz="2800" b="0" i="0" u="none" strike="noStrike" cap="none">
                 <a:solidFill>
                   <a:schemeClr val="dk1"/>
                 </a:solidFill>
@@ -5594,7 +5741,7 @@
                 <a:sym typeface="Calibri"/>
               </a:defRPr>
             </a:lvl2pPr>
-            <a:lvl3pPr indent="-381000" lvl="2" marL="1371600" marR="0" rtl="0" algn="l">
+            <a:lvl3pPr marL="1371600" marR="0" lvl="2" indent="-381000" algn="l" rtl="0">
               <a:spcBef>
                 <a:spcPts val="480"/>
               </a:spcBef>
@@ -5607,7 +5754,7 @@
               <a:buSzPts val="2400"/>
               <a:buFont typeface="Arial"/>
               <a:buChar char="•"/>
-              <a:defRPr b="0" i="0" sz="2400" u="none" cap="none" strike="noStrike">
+              <a:defRPr sz="2400" b="0" i="0" u="none" strike="noStrike" cap="none">
                 <a:solidFill>
                   <a:schemeClr val="dk1"/>
                 </a:solidFill>
@@ -5617,7 +5764,7 @@
                 <a:sym typeface="Calibri"/>
               </a:defRPr>
             </a:lvl3pPr>
-            <a:lvl4pPr indent="-355600" lvl="3" marL="1828800" marR="0" rtl="0" algn="l">
+            <a:lvl4pPr marL="1828800" marR="0" lvl="3" indent="-355600" algn="l" rtl="0">
               <a:spcBef>
                 <a:spcPts val="400"/>
               </a:spcBef>
@@ -5630,7 +5777,7 @@
               <a:buSzPts val="2000"/>
               <a:buFont typeface="Arial"/>
               <a:buChar char="–"/>
-              <a:defRPr b="0" i="0" sz="2000" u="none" cap="none" strike="noStrike">
+              <a:defRPr sz="2000" b="0" i="0" u="none" strike="noStrike" cap="none">
                 <a:solidFill>
                   <a:schemeClr val="dk1"/>
                 </a:solidFill>
@@ -5640,7 +5787,7 @@
                 <a:sym typeface="Calibri"/>
               </a:defRPr>
             </a:lvl4pPr>
-            <a:lvl5pPr indent="-355600" lvl="4" marL="2286000" marR="0" rtl="0" algn="l">
+            <a:lvl5pPr marL="2286000" marR="0" lvl="4" indent="-355600" algn="l" rtl="0">
               <a:spcBef>
                 <a:spcPts val="400"/>
               </a:spcBef>
@@ -5653,7 +5800,7 @@
               <a:buSzPts val="2000"/>
               <a:buFont typeface="Arial"/>
               <a:buChar char="»"/>
-              <a:defRPr b="0" i="0" sz="2000" u="none" cap="none" strike="noStrike">
+              <a:defRPr sz="2000" b="0" i="0" u="none" strike="noStrike" cap="none">
                 <a:solidFill>
                   <a:schemeClr val="dk1"/>
                 </a:solidFill>
@@ -5663,7 +5810,7 @@
                 <a:sym typeface="Calibri"/>
               </a:defRPr>
             </a:lvl5pPr>
-            <a:lvl6pPr indent="-355600" lvl="5" marL="2743200" marR="0" rtl="0" algn="l">
+            <a:lvl6pPr marL="2743200" marR="0" lvl="5" indent="-355600" algn="l" rtl="0">
               <a:spcBef>
                 <a:spcPts val="400"/>
               </a:spcBef>
@@ -5676,7 +5823,7 @@
               <a:buSzPts val="2000"/>
               <a:buFont typeface="Arial"/>
               <a:buChar char="•"/>
-              <a:defRPr b="0" i="0" sz="2000" u="none" cap="none" strike="noStrike">
+              <a:defRPr sz="2000" b="0" i="0" u="none" strike="noStrike" cap="none">
                 <a:solidFill>
                   <a:schemeClr val="dk1"/>
                 </a:solidFill>
@@ -5686,7 +5833,7 @@
                 <a:sym typeface="Calibri"/>
               </a:defRPr>
             </a:lvl6pPr>
-            <a:lvl7pPr indent="-355600" lvl="6" marL="3200400" marR="0" rtl="0" algn="l">
+            <a:lvl7pPr marL="3200400" marR="0" lvl="6" indent="-355600" algn="l" rtl="0">
               <a:spcBef>
                 <a:spcPts val="400"/>
               </a:spcBef>
@@ -5699,7 +5846,7 @@
               <a:buSzPts val="2000"/>
               <a:buFont typeface="Arial"/>
               <a:buChar char="•"/>
-              <a:defRPr b="0" i="0" sz="2000" u="none" cap="none" strike="noStrike">
+              <a:defRPr sz="2000" b="0" i="0" u="none" strike="noStrike" cap="none">
                 <a:solidFill>
                   <a:schemeClr val="dk1"/>
                 </a:solidFill>
@@ -5709,7 +5856,7 @@
                 <a:sym typeface="Calibri"/>
               </a:defRPr>
             </a:lvl7pPr>
-            <a:lvl8pPr indent="-355600" lvl="7" marL="3657600" marR="0" rtl="0" algn="l">
+            <a:lvl8pPr marL="3657600" marR="0" lvl="7" indent="-355600" algn="l" rtl="0">
               <a:spcBef>
                 <a:spcPts val="400"/>
               </a:spcBef>
@@ -5722,7 +5869,7 @@
               <a:buSzPts val="2000"/>
               <a:buFont typeface="Arial"/>
               <a:buChar char="•"/>
-              <a:defRPr b="0" i="0" sz="2000" u="none" cap="none" strike="noStrike">
+              <a:defRPr sz="2000" b="0" i="0" u="none" strike="noStrike" cap="none">
                 <a:solidFill>
                   <a:schemeClr val="dk1"/>
                 </a:solidFill>
@@ -5732,7 +5879,7 @@
                 <a:sym typeface="Calibri"/>
               </a:defRPr>
             </a:lvl8pPr>
-            <a:lvl9pPr indent="-355600" lvl="8" marL="4114800" marR="0" rtl="0" algn="l">
+            <a:lvl9pPr marL="4114800" marR="0" lvl="8" indent="-355600" algn="l" rtl="0">
               <a:spcBef>
                 <a:spcPts val="400"/>
               </a:spcBef>
@@ -5745,7 +5892,7 @@
               <a:buSzPts val="2000"/>
               <a:buFont typeface="Arial"/>
               <a:buChar char="•"/>
-              <a:defRPr b="0" i="0" sz="2000" u="none" cap="none" strike="noStrike">
+              <a:defRPr sz="2000" b="0" i="0" u="none" strike="noStrike" cap="none">
                 <a:solidFill>
                   <a:schemeClr val="dk1"/>
                 </a:solidFill>
@@ -5756,15 +5903,19 @@
               </a:defRPr>
             </a:lvl9pPr>
           </a:lstStyle>
-          <a:p/>
+          <a:p>
+            <a:endParaRPr/>
+          </a:p>
         </p:txBody>
       </p:sp>
       <p:sp>
         <p:nvSpPr>
           <p:cNvPr id="12" name="Google Shape;12;p1"/>
-          <p:cNvSpPr txBox="1"/>
+          <p:cNvSpPr txBox="1">
+            <a:spLocks noGrp="1"/>
+          </p:cNvSpPr>
           <p:nvPr>
-            <p:ph idx="10" type="dt"/>
+            <p:ph type="dt" idx="10"/>
           </p:nvPr>
         </p:nvSpPr>
         <p:spPr>
@@ -5781,20 +5932,20 @@
           </a:ln>
         </p:spPr>
         <p:txBody>
-          <a:bodyPr anchorCtr="0" anchor="ctr" bIns="91425" lIns="91425" spcFirstLastPara="1" rIns="91425" wrap="square" tIns="91425">
+          <a:bodyPr spcFirstLastPara="1" wrap="square" lIns="91425" tIns="91425" rIns="91425" bIns="91425" anchor="ctr" anchorCtr="0">
             <a:noAutofit/>
           </a:bodyPr>
           <a:lstStyle>
-            <a:lvl1pPr indent="0" lvl="0" marL="0" marR="0" rtl="0" algn="l">
-              <a:spcBef>
-                <a:spcPts val="0"/>
-              </a:spcBef>
-              <a:spcAft>
-                <a:spcPts val="0"/>
-              </a:spcAft>
-              <a:buSzPts val="1400"/>
-              <a:buNone/>
-              <a:defRPr b="0" i="0" sz="1200" u="none" cap="none" strike="noStrike">
+            <a:lvl1pPr marL="0" marR="0" lvl="0" indent="0" algn="l" rtl="0">
+              <a:spcBef>
+                <a:spcPts val="0"/>
+              </a:spcBef>
+              <a:spcAft>
+                <a:spcPts val="0"/>
+              </a:spcAft>
+              <a:buSzPts val="1400"/>
+              <a:buNone/>
+              <a:defRPr sz="1200" b="0" i="0" u="none" strike="noStrike" cap="none">
                 <a:solidFill>
                   <a:srgbClr val="898989"/>
                 </a:solidFill>
@@ -5804,16 +5955,16 @@
                 <a:sym typeface="Calibri"/>
               </a:defRPr>
             </a:lvl1pPr>
-            <a:lvl2pPr indent="0" lvl="1" marL="457200" marR="0" rtl="0" algn="l">
-              <a:spcBef>
-                <a:spcPts val="0"/>
-              </a:spcBef>
-              <a:spcAft>
-                <a:spcPts val="0"/>
-              </a:spcAft>
-              <a:buSzPts val="1400"/>
-              <a:buNone/>
-              <a:defRPr b="0" i="0" sz="1800" u="none" cap="none" strike="noStrike">
+            <a:lvl2pPr marL="457200" marR="0" lvl="1" indent="0" algn="l" rtl="0">
+              <a:spcBef>
+                <a:spcPts val="0"/>
+              </a:spcBef>
+              <a:spcAft>
+                <a:spcPts val="0"/>
+              </a:spcAft>
+              <a:buSzPts val="1400"/>
+              <a:buNone/>
+              <a:defRPr sz="1800" b="0" i="0" u="none" strike="noStrike" cap="none">
                 <a:solidFill>
                   <a:schemeClr val="dk1"/>
                 </a:solidFill>
@@ -5823,16 +5974,16 @@
                 <a:sym typeface="Arial"/>
               </a:defRPr>
             </a:lvl2pPr>
-            <a:lvl3pPr indent="0" lvl="2" marL="914400" marR="0" rtl="0" algn="l">
-              <a:spcBef>
-                <a:spcPts val="0"/>
-              </a:spcBef>
-              <a:spcAft>
-                <a:spcPts val="0"/>
-              </a:spcAft>
-              <a:buSzPts val="1400"/>
-              <a:buNone/>
-              <a:defRPr b="0" i="0" sz="1800" u="none" cap="none" strike="noStrike">
+            <a:lvl3pPr marL="914400" marR="0" lvl="2" indent="0" algn="l" rtl="0">
+              <a:spcBef>
+                <a:spcPts val="0"/>
+              </a:spcBef>
+              <a:spcAft>
+                <a:spcPts val="0"/>
+              </a:spcAft>
+              <a:buSzPts val="1400"/>
+              <a:buNone/>
+              <a:defRPr sz="1800" b="0" i="0" u="none" strike="noStrike" cap="none">
                 <a:solidFill>
                   <a:schemeClr val="dk1"/>
                 </a:solidFill>
@@ -5842,16 +5993,16 @@
                 <a:sym typeface="Arial"/>
               </a:defRPr>
             </a:lvl3pPr>
-            <a:lvl4pPr indent="0" lvl="3" marL="1371600" marR="0" rtl="0" algn="l">
-              <a:spcBef>
-                <a:spcPts val="0"/>
-              </a:spcBef>
-              <a:spcAft>
-                <a:spcPts val="0"/>
-              </a:spcAft>
-              <a:buSzPts val="1400"/>
-              <a:buNone/>
-              <a:defRPr b="0" i="0" sz="1800" u="none" cap="none" strike="noStrike">
+            <a:lvl4pPr marL="1371600" marR="0" lvl="3" indent="0" algn="l" rtl="0">
+              <a:spcBef>
+                <a:spcPts val="0"/>
+              </a:spcBef>
+              <a:spcAft>
+                <a:spcPts val="0"/>
+              </a:spcAft>
+              <a:buSzPts val="1400"/>
+              <a:buNone/>
+              <a:defRPr sz="1800" b="0" i="0" u="none" strike="noStrike" cap="none">
                 <a:solidFill>
                   <a:schemeClr val="dk1"/>
                 </a:solidFill>
@@ -5861,16 +6012,16 @@
                 <a:sym typeface="Arial"/>
               </a:defRPr>
             </a:lvl4pPr>
-            <a:lvl5pPr indent="0" lvl="4" marL="1828800" marR="0" rtl="0" algn="l">
-              <a:spcBef>
-                <a:spcPts val="0"/>
-              </a:spcBef>
-              <a:spcAft>
-                <a:spcPts val="0"/>
-              </a:spcAft>
-              <a:buSzPts val="1400"/>
-              <a:buNone/>
-              <a:defRPr b="0" i="0" sz="1800" u="none" cap="none" strike="noStrike">
+            <a:lvl5pPr marL="1828800" marR="0" lvl="4" indent="0" algn="l" rtl="0">
+              <a:spcBef>
+                <a:spcPts val="0"/>
+              </a:spcBef>
+              <a:spcAft>
+                <a:spcPts val="0"/>
+              </a:spcAft>
+              <a:buSzPts val="1400"/>
+              <a:buNone/>
+              <a:defRPr sz="1800" b="0" i="0" u="none" strike="noStrike" cap="none">
                 <a:solidFill>
                   <a:schemeClr val="dk1"/>
                 </a:solidFill>
@@ -5880,16 +6031,16 @@
                 <a:sym typeface="Arial"/>
               </a:defRPr>
             </a:lvl5pPr>
-            <a:lvl6pPr indent="0" lvl="5" marL="2286000" marR="0" rtl="0" algn="l">
-              <a:spcBef>
-                <a:spcPts val="0"/>
-              </a:spcBef>
-              <a:spcAft>
-                <a:spcPts val="0"/>
-              </a:spcAft>
-              <a:buSzPts val="1400"/>
-              <a:buNone/>
-              <a:defRPr b="0" i="0" sz="1800" u="none" cap="none" strike="noStrike">
+            <a:lvl6pPr marL="2286000" marR="0" lvl="5" indent="0" algn="l" rtl="0">
+              <a:spcBef>
+                <a:spcPts val="0"/>
+              </a:spcBef>
+              <a:spcAft>
+                <a:spcPts val="0"/>
+              </a:spcAft>
+              <a:buSzPts val="1400"/>
+              <a:buNone/>
+              <a:defRPr sz="1800" b="0" i="0" u="none" strike="noStrike" cap="none">
                 <a:solidFill>
                   <a:schemeClr val="dk1"/>
                 </a:solidFill>
@@ -5899,16 +6050,16 @@
                 <a:sym typeface="Arial"/>
               </a:defRPr>
             </a:lvl6pPr>
-            <a:lvl7pPr indent="0" lvl="6" marL="2743200" marR="0" rtl="0" algn="l">
-              <a:spcBef>
-                <a:spcPts val="0"/>
-              </a:spcBef>
-              <a:spcAft>
-                <a:spcPts val="0"/>
-              </a:spcAft>
-              <a:buSzPts val="1400"/>
-              <a:buNone/>
-              <a:defRPr b="0" i="0" sz="1800" u="none" cap="none" strike="noStrike">
+            <a:lvl7pPr marL="2743200" marR="0" lvl="6" indent="0" algn="l" rtl="0">
+              <a:spcBef>
+                <a:spcPts val="0"/>
+              </a:spcBef>
+              <a:spcAft>
+                <a:spcPts val="0"/>
+              </a:spcAft>
+              <a:buSzPts val="1400"/>
+              <a:buNone/>
+              <a:defRPr sz="1800" b="0" i="0" u="none" strike="noStrike" cap="none">
                 <a:solidFill>
                   <a:schemeClr val="dk1"/>
                 </a:solidFill>
@@ -5918,16 +6069,16 @@
                 <a:sym typeface="Arial"/>
               </a:defRPr>
             </a:lvl7pPr>
-            <a:lvl8pPr indent="0" lvl="7" marL="3200400" marR="0" rtl="0" algn="l">
-              <a:spcBef>
-                <a:spcPts val="0"/>
-              </a:spcBef>
-              <a:spcAft>
-                <a:spcPts val="0"/>
-              </a:spcAft>
-              <a:buSzPts val="1400"/>
-              <a:buNone/>
-              <a:defRPr b="0" i="0" sz="1800" u="none" cap="none" strike="noStrike">
+            <a:lvl8pPr marL="3200400" marR="0" lvl="7" indent="0" algn="l" rtl="0">
+              <a:spcBef>
+                <a:spcPts val="0"/>
+              </a:spcBef>
+              <a:spcAft>
+                <a:spcPts val="0"/>
+              </a:spcAft>
+              <a:buSzPts val="1400"/>
+              <a:buNone/>
+              <a:defRPr sz="1800" b="0" i="0" u="none" strike="noStrike" cap="none">
                 <a:solidFill>
                   <a:schemeClr val="dk1"/>
                 </a:solidFill>
@@ -5937,16 +6088,16 @@
                 <a:sym typeface="Arial"/>
               </a:defRPr>
             </a:lvl8pPr>
-            <a:lvl9pPr indent="0" lvl="8" marL="3657600" marR="0" rtl="0" algn="l">
-              <a:spcBef>
-                <a:spcPts val="0"/>
-              </a:spcBef>
-              <a:spcAft>
-                <a:spcPts val="0"/>
-              </a:spcAft>
-              <a:buSzPts val="1400"/>
-              <a:buNone/>
-              <a:defRPr b="0" i="0" sz="1800" u="none" cap="none" strike="noStrike">
+            <a:lvl9pPr marL="3657600" marR="0" lvl="8" indent="0" algn="l" rtl="0">
+              <a:spcBef>
+                <a:spcPts val="0"/>
+              </a:spcBef>
+              <a:spcAft>
+                <a:spcPts val="0"/>
+              </a:spcAft>
+              <a:buSzPts val="1400"/>
+              <a:buNone/>
+              <a:defRPr sz="1800" b="0" i="0" u="none" strike="noStrike" cap="none">
                 <a:solidFill>
                   <a:schemeClr val="dk1"/>
                 </a:solidFill>
@@ -5957,15 +6108,19 @@
               </a:defRPr>
             </a:lvl9pPr>
           </a:lstStyle>
-          <a:p/>
+          <a:p>
+            <a:endParaRPr/>
+          </a:p>
         </p:txBody>
       </p:sp>
       <p:sp>
         <p:nvSpPr>
           <p:cNvPr id="13" name="Google Shape;13;p1"/>
-          <p:cNvSpPr txBox="1"/>
+          <p:cNvSpPr txBox="1">
+            <a:spLocks noGrp="1"/>
+          </p:cNvSpPr>
           <p:nvPr>
-            <p:ph idx="11" type="ftr"/>
+            <p:ph type="ftr" idx="11"/>
           </p:nvPr>
         </p:nvSpPr>
         <p:spPr>
@@ -5982,20 +6137,20 @@
           </a:ln>
         </p:spPr>
         <p:txBody>
-          <a:bodyPr anchorCtr="0" anchor="ctr" bIns="91425" lIns="91425" spcFirstLastPara="1" rIns="91425" wrap="square" tIns="91425">
+          <a:bodyPr spcFirstLastPara="1" wrap="square" lIns="91425" tIns="91425" rIns="91425" bIns="91425" anchor="ctr" anchorCtr="0">
             <a:noAutofit/>
           </a:bodyPr>
           <a:lstStyle>
-            <a:lvl1pPr indent="0" lvl="0" marL="0" marR="0" rtl="0" algn="ctr">
-              <a:spcBef>
-                <a:spcPts val="0"/>
-              </a:spcBef>
-              <a:spcAft>
-                <a:spcPts val="0"/>
-              </a:spcAft>
-              <a:buSzPts val="1400"/>
-              <a:buNone/>
-              <a:defRPr b="0" i="0" sz="1200" u="none" cap="none" strike="noStrike">
+            <a:lvl1pPr marL="0" marR="0" lvl="0" indent="0" algn="ctr" rtl="0">
+              <a:spcBef>
+                <a:spcPts val="0"/>
+              </a:spcBef>
+              <a:spcAft>
+                <a:spcPts val="0"/>
+              </a:spcAft>
+              <a:buSzPts val="1400"/>
+              <a:buNone/>
+              <a:defRPr sz="1200" b="0" i="0" u="none" strike="noStrike" cap="none">
                 <a:solidFill>
                   <a:srgbClr val="888888"/>
                 </a:solidFill>
@@ -6005,16 +6160,16 @@
                 <a:sym typeface="Calibri"/>
               </a:defRPr>
             </a:lvl1pPr>
-            <a:lvl2pPr indent="0" lvl="1" marL="457200" marR="0" rtl="0" algn="l">
-              <a:spcBef>
-                <a:spcPts val="0"/>
-              </a:spcBef>
-              <a:spcAft>
-                <a:spcPts val="0"/>
-              </a:spcAft>
-              <a:buSzPts val="1400"/>
-              <a:buNone/>
-              <a:defRPr b="0" i="0" sz="1800" u="none" cap="none" strike="noStrike">
+            <a:lvl2pPr marL="457200" marR="0" lvl="1" indent="0" algn="l" rtl="0">
+              <a:spcBef>
+                <a:spcPts val="0"/>
+              </a:spcBef>
+              <a:spcAft>
+                <a:spcPts val="0"/>
+              </a:spcAft>
+              <a:buSzPts val="1400"/>
+              <a:buNone/>
+              <a:defRPr sz="1800" b="0" i="0" u="none" strike="noStrike" cap="none">
                 <a:solidFill>
                   <a:schemeClr val="dk1"/>
                 </a:solidFill>
@@ -6024,16 +6179,16 @@
                 <a:sym typeface="Arial"/>
               </a:defRPr>
             </a:lvl2pPr>
-            <a:lvl3pPr indent="0" lvl="2" marL="914400" marR="0" rtl="0" algn="l">
-              <a:spcBef>
-                <a:spcPts val="0"/>
-              </a:spcBef>
-              <a:spcAft>
-                <a:spcPts val="0"/>
-              </a:spcAft>
-              <a:buSzPts val="1400"/>
-              <a:buNone/>
-              <a:defRPr b="0" i="0" sz="1800" u="none" cap="none" strike="noStrike">
+            <a:lvl3pPr marL="914400" marR="0" lvl="2" indent="0" algn="l" rtl="0">
+              <a:spcBef>
+                <a:spcPts val="0"/>
+              </a:spcBef>
+              <a:spcAft>
+                <a:spcPts val="0"/>
+              </a:spcAft>
+              <a:buSzPts val="1400"/>
+              <a:buNone/>
+              <a:defRPr sz="1800" b="0" i="0" u="none" strike="noStrike" cap="none">
                 <a:solidFill>
                   <a:schemeClr val="dk1"/>
                 </a:solidFill>
@@ -6043,16 +6198,16 @@
                 <a:sym typeface="Arial"/>
               </a:defRPr>
             </a:lvl3pPr>
-            <a:lvl4pPr indent="0" lvl="3" marL="1371600" marR="0" rtl="0" algn="l">
-              <a:spcBef>
-                <a:spcPts val="0"/>
-              </a:spcBef>
-              <a:spcAft>
-                <a:spcPts val="0"/>
-              </a:spcAft>
-              <a:buSzPts val="1400"/>
-              <a:buNone/>
-              <a:defRPr b="0" i="0" sz="1800" u="none" cap="none" strike="noStrike">
+            <a:lvl4pPr marL="1371600" marR="0" lvl="3" indent="0" algn="l" rtl="0">
+              <a:spcBef>
+                <a:spcPts val="0"/>
+              </a:spcBef>
+              <a:spcAft>
+                <a:spcPts val="0"/>
+              </a:spcAft>
+              <a:buSzPts val="1400"/>
+              <a:buNone/>
+              <a:defRPr sz="1800" b="0" i="0" u="none" strike="noStrike" cap="none">
                 <a:solidFill>
                   <a:schemeClr val="dk1"/>
                 </a:solidFill>
@@ -6062,16 +6217,16 @@
                 <a:sym typeface="Arial"/>
               </a:defRPr>
             </a:lvl4pPr>
-            <a:lvl5pPr indent="0" lvl="4" marL="1828800" marR="0" rtl="0" algn="l">
-              <a:spcBef>
-                <a:spcPts val="0"/>
-              </a:spcBef>
-              <a:spcAft>
-                <a:spcPts val="0"/>
-              </a:spcAft>
-              <a:buSzPts val="1400"/>
-              <a:buNone/>
-              <a:defRPr b="0" i="0" sz="1800" u="none" cap="none" strike="noStrike">
+            <a:lvl5pPr marL="1828800" marR="0" lvl="4" indent="0" algn="l" rtl="0">
+              <a:spcBef>
+                <a:spcPts val="0"/>
+              </a:spcBef>
+              <a:spcAft>
+                <a:spcPts val="0"/>
+              </a:spcAft>
+              <a:buSzPts val="1400"/>
+              <a:buNone/>
+              <a:defRPr sz="1800" b="0" i="0" u="none" strike="noStrike" cap="none">
                 <a:solidFill>
                   <a:schemeClr val="dk1"/>
                 </a:solidFill>
@@ -6081,16 +6236,16 @@
                 <a:sym typeface="Arial"/>
               </a:defRPr>
             </a:lvl5pPr>
-            <a:lvl6pPr indent="0" lvl="5" marL="2286000" marR="0" rtl="0" algn="l">
-              <a:spcBef>
-                <a:spcPts val="0"/>
-              </a:spcBef>
-              <a:spcAft>
-                <a:spcPts val="0"/>
-              </a:spcAft>
-              <a:buSzPts val="1400"/>
-              <a:buNone/>
-              <a:defRPr b="0" i="0" sz="1800" u="none" cap="none" strike="noStrike">
+            <a:lvl6pPr marL="2286000" marR="0" lvl="5" indent="0" algn="l" rtl="0">
+              <a:spcBef>
+                <a:spcPts val="0"/>
+              </a:spcBef>
+              <a:spcAft>
+                <a:spcPts val="0"/>
+              </a:spcAft>
+              <a:buSzPts val="1400"/>
+              <a:buNone/>
+              <a:defRPr sz="1800" b="0" i="0" u="none" strike="noStrike" cap="none">
                 <a:solidFill>
                   <a:schemeClr val="dk1"/>
                 </a:solidFill>
@@ -6100,16 +6255,16 @@
                 <a:sym typeface="Arial"/>
               </a:defRPr>
             </a:lvl6pPr>
-            <a:lvl7pPr indent="0" lvl="6" marL="2743200" marR="0" rtl="0" algn="l">
-              <a:spcBef>
-                <a:spcPts val="0"/>
-              </a:spcBef>
-              <a:spcAft>
-                <a:spcPts val="0"/>
-              </a:spcAft>
-              <a:buSzPts val="1400"/>
-              <a:buNone/>
-              <a:defRPr b="0" i="0" sz="1800" u="none" cap="none" strike="noStrike">
+            <a:lvl7pPr marL="2743200" marR="0" lvl="6" indent="0" algn="l" rtl="0">
+              <a:spcBef>
+                <a:spcPts val="0"/>
+              </a:spcBef>
+              <a:spcAft>
+                <a:spcPts val="0"/>
+              </a:spcAft>
+              <a:buSzPts val="1400"/>
+              <a:buNone/>
+              <a:defRPr sz="1800" b="0" i="0" u="none" strike="noStrike" cap="none">
                 <a:solidFill>
                   <a:schemeClr val="dk1"/>
                 </a:solidFill>
@@ -6119,16 +6274,16 @@
                 <a:sym typeface="Arial"/>
               </a:defRPr>
             </a:lvl7pPr>
-            <a:lvl8pPr indent="0" lvl="7" marL="3200400" marR="0" rtl="0" algn="l">
-              <a:spcBef>
-                <a:spcPts val="0"/>
-              </a:spcBef>
-              <a:spcAft>
-                <a:spcPts val="0"/>
-              </a:spcAft>
-              <a:buSzPts val="1400"/>
-              <a:buNone/>
-              <a:defRPr b="0" i="0" sz="1800" u="none" cap="none" strike="noStrike">
+            <a:lvl8pPr marL="3200400" marR="0" lvl="7" indent="0" algn="l" rtl="0">
+              <a:spcBef>
+                <a:spcPts val="0"/>
+              </a:spcBef>
+              <a:spcAft>
+                <a:spcPts val="0"/>
+              </a:spcAft>
+              <a:buSzPts val="1400"/>
+              <a:buNone/>
+              <a:defRPr sz="1800" b="0" i="0" u="none" strike="noStrike" cap="none">
                 <a:solidFill>
                   <a:schemeClr val="dk1"/>
                 </a:solidFill>
@@ -6138,16 +6293,16 @@
                 <a:sym typeface="Arial"/>
               </a:defRPr>
             </a:lvl8pPr>
-            <a:lvl9pPr indent="0" lvl="8" marL="3657600" marR="0" rtl="0" algn="l">
-              <a:spcBef>
-                <a:spcPts val="0"/>
-              </a:spcBef>
-              <a:spcAft>
-                <a:spcPts val="0"/>
-              </a:spcAft>
-              <a:buSzPts val="1400"/>
-              <a:buNone/>
-              <a:defRPr b="0" i="0" sz="1800" u="none" cap="none" strike="noStrike">
+            <a:lvl9pPr marL="3657600" marR="0" lvl="8" indent="0" algn="l" rtl="0">
+              <a:spcBef>
+                <a:spcPts val="0"/>
+              </a:spcBef>
+              <a:spcAft>
+                <a:spcPts val="0"/>
+              </a:spcAft>
+              <a:buSzPts val="1400"/>
+              <a:buNone/>
+              <a:defRPr sz="1800" b="0" i="0" u="none" strike="noStrike" cap="none">
                 <a:solidFill>
                   <a:schemeClr val="dk1"/>
                 </a:solidFill>
@@ -6158,15 +6313,19 @@
               </a:defRPr>
             </a:lvl9pPr>
           </a:lstStyle>
-          <a:p/>
+          <a:p>
+            <a:endParaRPr/>
+          </a:p>
         </p:txBody>
       </p:sp>
       <p:sp>
         <p:nvSpPr>
           <p:cNvPr id="14" name="Google Shape;14;p1"/>
-          <p:cNvSpPr txBox="1"/>
+          <p:cNvSpPr txBox="1">
+            <a:spLocks noGrp="1"/>
+          </p:cNvSpPr>
           <p:nvPr>
-            <p:ph idx="12" type="sldNum"/>
+            <p:ph type="sldNum" idx="12"/>
           </p:nvPr>
         </p:nvSpPr>
         <p:spPr>
@@ -6183,19 +6342,19 @@
           </a:ln>
         </p:spPr>
         <p:txBody>
-          <a:bodyPr anchorCtr="0" anchor="ctr" bIns="45700" lIns="91425" spcFirstLastPara="1" rIns="91425" wrap="square" tIns="45700">
+          <a:bodyPr spcFirstLastPara="1" wrap="square" lIns="91425" tIns="45700" rIns="91425" bIns="45700" anchor="ctr" anchorCtr="0">
             <a:noAutofit/>
           </a:bodyPr>
           <a:lstStyle>
-            <a:lvl1pPr indent="0" lvl="0" marL="0" marR="0" rtl="0" algn="r">
-              <a:spcBef>
-                <a:spcPts val="0"/>
-              </a:spcBef>
-              <a:spcAft>
-                <a:spcPts val="0"/>
-              </a:spcAft>
-              <a:buNone/>
-              <a:defRPr b="0" i="0" sz="1200" u="none" cap="none" strike="noStrike">
+            <a:lvl1pPr marL="0" marR="0" lvl="0" indent="0" algn="r" rtl="0">
+              <a:spcBef>
+                <a:spcPts val="0"/>
+              </a:spcBef>
+              <a:spcAft>
+                <a:spcPts val="0"/>
+              </a:spcAft>
+              <a:buNone/>
+              <a:defRPr sz="1200" b="0" i="0" u="none" strike="noStrike" cap="none">
                 <a:solidFill>
                   <a:srgbClr val="898989"/>
                 </a:solidFill>
@@ -6205,15 +6364,15 @@
                 <a:sym typeface="Calibri"/>
               </a:defRPr>
             </a:lvl1pPr>
-            <a:lvl2pPr indent="0" lvl="1" marL="0" marR="0" rtl="0" algn="r">
-              <a:spcBef>
-                <a:spcPts val="0"/>
-              </a:spcBef>
-              <a:spcAft>
-                <a:spcPts val="0"/>
-              </a:spcAft>
-              <a:buNone/>
-              <a:defRPr b="0" i="0" sz="1200" u="none" cap="none" strike="noStrike">
+            <a:lvl2pPr marL="0" marR="0" lvl="1" indent="0" algn="r" rtl="0">
+              <a:spcBef>
+                <a:spcPts val="0"/>
+              </a:spcBef>
+              <a:spcAft>
+                <a:spcPts val="0"/>
+              </a:spcAft>
+              <a:buNone/>
+              <a:defRPr sz="1200" b="0" i="0" u="none" strike="noStrike" cap="none">
                 <a:solidFill>
                   <a:srgbClr val="898989"/>
                 </a:solidFill>
@@ -6223,15 +6382,15 @@
                 <a:sym typeface="Calibri"/>
               </a:defRPr>
             </a:lvl2pPr>
-            <a:lvl3pPr indent="0" lvl="2" marL="0" marR="0" rtl="0" algn="r">
-              <a:spcBef>
-                <a:spcPts val="0"/>
-              </a:spcBef>
-              <a:spcAft>
-                <a:spcPts val="0"/>
-              </a:spcAft>
-              <a:buNone/>
-              <a:defRPr b="0" i="0" sz="1200" u="none" cap="none" strike="noStrike">
+            <a:lvl3pPr marL="0" marR="0" lvl="2" indent="0" algn="r" rtl="0">
+              <a:spcBef>
+                <a:spcPts val="0"/>
+              </a:spcBef>
+              <a:spcAft>
+                <a:spcPts val="0"/>
+              </a:spcAft>
+              <a:buNone/>
+              <a:defRPr sz="1200" b="0" i="0" u="none" strike="noStrike" cap="none">
                 <a:solidFill>
                   <a:srgbClr val="898989"/>
                 </a:solidFill>
@@ -6241,15 +6400,15 @@
                 <a:sym typeface="Calibri"/>
               </a:defRPr>
             </a:lvl3pPr>
-            <a:lvl4pPr indent="0" lvl="3" marL="0" marR="0" rtl="0" algn="r">
-              <a:spcBef>
-                <a:spcPts val="0"/>
-              </a:spcBef>
-              <a:spcAft>
-                <a:spcPts val="0"/>
-              </a:spcAft>
-              <a:buNone/>
-              <a:defRPr b="0" i="0" sz="1200" u="none" cap="none" strike="noStrike">
+            <a:lvl4pPr marL="0" marR="0" lvl="3" indent="0" algn="r" rtl="0">
+              <a:spcBef>
+                <a:spcPts val="0"/>
+              </a:spcBef>
+              <a:spcAft>
+                <a:spcPts val="0"/>
+              </a:spcAft>
+              <a:buNone/>
+              <a:defRPr sz="1200" b="0" i="0" u="none" strike="noStrike" cap="none">
                 <a:solidFill>
                   <a:srgbClr val="898989"/>
                 </a:solidFill>
@@ -6259,15 +6418,15 @@
                 <a:sym typeface="Calibri"/>
               </a:defRPr>
             </a:lvl4pPr>
-            <a:lvl5pPr indent="0" lvl="4" marL="0" marR="0" rtl="0" algn="r">
-              <a:spcBef>
-                <a:spcPts val="0"/>
-              </a:spcBef>
-              <a:spcAft>
-                <a:spcPts val="0"/>
-              </a:spcAft>
-              <a:buNone/>
-              <a:defRPr b="0" i="0" sz="1200" u="none" cap="none" strike="noStrike">
+            <a:lvl5pPr marL="0" marR="0" lvl="4" indent="0" algn="r" rtl="0">
+              <a:spcBef>
+                <a:spcPts val="0"/>
+              </a:spcBef>
+              <a:spcAft>
+                <a:spcPts val="0"/>
+              </a:spcAft>
+              <a:buNone/>
+              <a:defRPr sz="1200" b="0" i="0" u="none" strike="noStrike" cap="none">
                 <a:solidFill>
                   <a:srgbClr val="898989"/>
                 </a:solidFill>
@@ -6277,15 +6436,15 @@
                 <a:sym typeface="Calibri"/>
               </a:defRPr>
             </a:lvl5pPr>
-            <a:lvl6pPr indent="0" lvl="5" marL="0" marR="0" rtl="0" algn="r">
-              <a:spcBef>
-                <a:spcPts val="0"/>
-              </a:spcBef>
-              <a:spcAft>
-                <a:spcPts val="0"/>
-              </a:spcAft>
-              <a:buNone/>
-              <a:defRPr b="0" i="0" sz="1200" u="none" cap="none" strike="noStrike">
+            <a:lvl6pPr marL="0" marR="0" lvl="5" indent="0" algn="r" rtl="0">
+              <a:spcBef>
+                <a:spcPts val="0"/>
+              </a:spcBef>
+              <a:spcAft>
+                <a:spcPts val="0"/>
+              </a:spcAft>
+              <a:buNone/>
+              <a:defRPr sz="1200" b="0" i="0" u="none" strike="noStrike" cap="none">
                 <a:solidFill>
                   <a:srgbClr val="898989"/>
                 </a:solidFill>
@@ -6295,15 +6454,15 @@
                 <a:sym typeface="Calibri"/>
               </a:defRPr>
             </a:lvl6pPr>
-            <a:lvl7pPr indent="0" lvl="6" marL="0" marR="0" rtl="0" algn="r">
-              <a:spcBef>
-                <a:spcPts val="0"/>
-              </a:spcBef>
-              <a:spcAft>
-                <a:spcPts val="0"/>
-              </a:spcAft>
-              <a:buNone/>
-              <a:defRPr b="0" i="0" sz="1200" u="none" cap="none" strike="noStrike">
+            <a:lvl7pPr marL="0" marR="0" lvl="6" indent="0" algn="r" rtl="0">
+              <a:spcBef>
+                <a:spcPts val="0"/>
+              </a:spcBef>
+              <a:spcAft>
+                <a:spcPts val="0"/>
+              </a:spcAft>
+              <a:buNone/>
+              <a:defRPr sz="1200" b="0" i="0" u="none" strike="noStrike" cap="none">
                 <a:solidFill>
                   <a:srgbClr val="898989"/>
                 </a:solidFill>
@@ -6313,15 +6472,15 @@
                 <a:sym typeface="Calibri"/>
               </a:defRPr>
             </a:lvl7pPr>
-            <a:lvl8pPr indent="0" lvl="7" marL="0" marR="0" rtl="0" algn="r">
-              <a:spcBef>
-                <a:spcPts val="0"/>
-              </a:spcBef>
-              <a:spcAft>
-                <a:spcPts val="0"/>
-              </a:spcAft>
-              <a:buNone/>
-              <a:defRPr b="0" i="0" sz="1200" u="none" cap="none" strike="noStrike">
+            <a:lvl8pPr marL="0" marR="0" lvl="7" indent="0" algn="r" rtl="0">
+              <a:spcBef>
+                <a:spcPts val="0"/>
+              </a:spcBef>
+              <a:spcAft>
+                <a:spcPts val="0"/>
+              </a:spcAft>
+              <a:buNone/>
+              <a:defRPr sz="1200" b="0" i="0" u="none" strike="noStrike" cap="none">
                 <a:solidFill>
                   <a:srgbClr val="898989"/>
                 </a:solidFill>
@@ -6331,15 +6490,15 @@
                 <a:sym typeface="Calibri"/>
               </a:defRPr>
             </a:lvl8pPr>
-            <a:lvl9pPr indent="0" lvl="8" marL="0" marR="0" rtl="0" algn="r">
-              <a:spcBef>
-                <a:spcPts val="0"/>
-              </a:spcBef>
-              <a:spcAft>
-                <a:spcPts val="0"/>
-              </a:spcAft>
-              <a:buNone/>
-              <a:defRPr b="0" i="0" sz="1200" u="none" cap="none" strike="noStrike">
+            <a:lvl9pPr marL="0" marR="0" lvl="8" indent="0" algn="r" rtl="0">
+              <a:spcBef>
+                <a:spcPts val="0"/>
+              </a:spcBef>
+              <a:spcAft>
+                <a:spcPts val="0"/>
+              </a:spcAft>
+              <a:buNone/>
+              <a:defRPr sz="1200" b="0" i="0" u="none" strike="noStrike" cap="none">
                 <a:solidFill>
                   <a:srgbClr val="898989"/>
                 </a:solidFill>
@@ -6351,7 +6510,7 @@
             </a:lvl9pPr>
           </a:lstStyle>
           <a:p>
-            <a:pPr indent="0" lvl="0" marL="0" rtl="0" algn="r">
+            <a:pPr marL="0" lvl="0" indent="0" algn="r" rtl="0">
               <a:spcBef>
                 <a:spcPts val="0"/>
               </a:spcBef>
@@ -6370,16 +6529,16 @@
       </p:sp>
     </p:spTree>
   </p:cSld>
-  <p:clrMap accent1="accent1" accent2="accent2" accent3="accent3" accent4="accent4" accent5="accent5" accent6="accent6" bg1="lt1" bg2="dk2" tx1="dk1" tx2="lt2" folHlink="folHlink" hlink="hlink"/>
+  <p:clrMap bg1="lt1" tx1="dk1" bg2="dk2" tx2="lt2" accent1="accent1" accent2="accent2" accent3="accent3" accent4="accent4" accent5="accent5" accent6="accent6" hlink="hlink" folHlink="folHlink"/>
   <p:sldLayoutIdLst>
     <p:sldLayoutId id="2147483648" r:id="rId1"/>
     <p:sldLayoutId id="2147483649" r:id="rId2"/>
     <p:sldLayoutId id="2147483650" r:id="rId3"/>
   </p:sldLayoutIdLst>
-  <p:hf dt="0" ftr="0" hdr="0" sldNum="0"/>
+  <p:hf sldNum="0" hdr="0" ftr="0" dt="0"/>
   <p:txStyles>
     <p:titleStyle>
-      <a:defPPr lvl="0" marR="0" rtl="0" algn="l">
+      <a:defPPr marR="0" lvl="0" algn="l" rtl="0">
         <a:lnSpc>
           <a:spcPct val="100000"/>
         </a:lnSpc>
@@ -6390,7 +6549,7 @@
           <a:spcPts val="0"/>
         </a:spcAft>
       </a:defPPr>
-      <a:lvl1pPr lvl="0" marR="0" rtl="0" algn="l">
+      <a:lvl1pPr marR="0" lvl="0" algn="l" rtl="0">
         <a:lnSpc>
           <a:spcPct val="100000"/>
         </a:lnSpc>
@@ -6404,7 +6563,7 @@
           <a:srgbClr val="000000"/>
         </a:buClr>
         <a:buFont typeface="Arial"/>
-        <a:defRPr b="0" i="0" sz="1400" u="none" cap="none" strike="noStrike">
+        <a:defRPr sz="1400" b="0" i="0" u="none" strike="noStrike" cap="none">
           <a:solidFill>
             <a:srgbClr val="000000"/>
           </a:solidFill>
@@ -6414,7 +6573,7 @@
           <a:sym typeface="Arial"/>
         </a:defRPr>
       </a:lvl1pPr>
-      <a:lvl2pPr lvl="1" marR="0" rtl="0" algn="l">
+      <a:lvl2pPr marR="0" lvl="1" algn="l" rtl="0">
         <a:lnSpc>
           <a:spcPct val="100000"/>
         </a:lnSpc>
@@ -6428,7 +6587,7 @@
           <a:srgbClr val="000000"/>
         </a:buClr>
         <a:buFont typeface="Arial"/>
-        <a:defRPr b="0" i="0" sz="1400" u="none" cap="none" strike="noStrike">
+        <a:defRPr sz="1400" b="0" i="0" u="none" strike="noStrike" cap="none">
           <a:solidFill>
             <a:srgbClr val="000000"/>
           </a:solidFill>
@@ -6438,7 +6597,7 @@
           <a:sym typeface="Arial"/>
         </a:defRPr>
       </a:lvl2pPr>
-      <a:lvl3pPr lvl="2" marR="0" rtl="0" algn="l">
+      <a:lvl3pPr marR="0" lvl="2" algn="l" rtl="0">
         <a:lnSpc>
           <a:spcPct val="100000"/>
         </a:lnSpc>
@@ -6452,7 +6611,7 @@
           <a:srgbClr val="000000"/>
         </a:buClr>
         <a:buFont typeface="Arial"/>
-        <a:defRPr b="0" i="0" sz="1400" u="none" cap="none" strike="noStrike">
+        <a:defRPr sz="1400" b="0" i="0" u="none" strike="noStrike" cap="none">
           <a:solidFill>
             <a:srgbClr val="000000"/>
           </a:solidFill>
@@ -6462,7 +6621,7 @@
           <a:sym typeface="Arial"/>
         </a:defRPr>
       </a:lvl3pPr>
-      <a:lvl4pPr lvl="3" marR="0" rtl="0" algn="l">
+      <a:lvl4pPr marR="0" lvl="3" algn="l" rtl="0">
         <a:lnSpc>
           <a:spcPct val="100000"/>
         </a:lnSpc>
@@ -6476,7 +6635,7 @@
           <a:srgbClr val="000000"/>
         </a:buClr>
         <a:buFont typeface="Arial"/>
-        <a:defRPr b="0" i="0" sz="1400" u="none" cap="none" strike="noStrike">
+        <a:defRPr sz="1400" b="0" i="0" u="none" strike="noStrike" cap="none">
           <a:solidFill>
             <a:srgbClr val="000000"/>
           </a:solidFill>
@@ -6486,7 +6645,7 @@
           <a:sym typeface="Arial"/>
         </a:defRPr>
       </a:lvl4pPr>
-      <a:lvl5pPr lvl="4" marR="0" rtl="0" algn="l">
+      <a:lvl5pPr marR="0" lvl="4" algn="l" rtl="0">
         <a:lnSpc>
           <a:spcPct val="100000"/>
         </a:lnSpc>
@@ -6500,7 +6659,7 @@
           <a:srgbClr val="000000"/>
         </a:buClr>
         <a:buFont typeface="Arial"/>
-        <a:defRPr b="0" i="0" sz="1400" u="none" cap="none" strike="noStrike">
+        <a:defRPr sz="1400" b="0" i="0" u="none" strike="noStrike" cap="none">
           <a:solidFill>
             <a:srgbClr val="000000"/>
           </a:solidFill>
@@ -6510,7 +6669,7 @@
           <a:sym typeface="Arial"/>
         </a:defRPr>
       </a:lvl5pPr>
-      <a:lvl6pPr lvl="5" marR="0" rtl="0" algn="l">
+      <a:lvl6pPr marR="0" lvl="5" algn="l" rtl="0">
         <a:lnSpc>
           <a:spcPct val="100000"/>
         </a:lnSpc>
@@ -6524,7 +6683,7 @@
           <a:srgbClr val="000000"/>
         </a:buClr>
         <a:buFont typeface="Arial"/>
-        <a:defRPr b="0" i="0" sz="1400" u="none" cap="none" strike="noStrike">
+        <a:defRPr sz="1400" b="0" i="0" u="none" strike="noStrike" cap="none">
           <a:solidFill>
             <a:srgbClr val="000000"/>
           </a:solidFill>
@@ -6534,7 +6693,7 @@
           <a:sym typeface="Arial"/>
         </a:defRPr>
       </a:lvl6pPr>
-      <a:lvl7pPr lvl="6" marR="0" rtl="0" algn="l">
+      <a:lvl7pPr marR="0" lvl="6" algn="l" rtl="0">
         <a:lnSpc>
           <a:spcPct val="100000"/>
         </a:lnSpc>
@@ -6548,7 +6707,7 @@
           <a:srgbClr val="000000"/>
         </a:buClr>
         <a:buFont typeface="Arial"/>
-        <a:defRPr b="0" i="0" sz="1400" u="none" cap="none" strike="noStrike">
+        <a:defRPr sz="1400" b="0" i="0" u="none" strike="noStrike" cap="none">
           <a:solidFill>
             <a:srgbClr val="000000"/>
           </a:solidFill>
@@ -6558,7 +6717,7 @@
           <a:sym typeface="Arial"/>
         </a:defRPr>
       </a:lvl7pPr>
-      <a:lvl8pPr lvl="7" marR="0" rtl="0" algn="l">
+      <a:lvl8pPr marR="0" lvl="7" algn="l" rtl="0">
         <a:lnSpc>
           <a:spcPct val="100000"/>
         </a:lnSpc>
@@ -6572,7 +6731,7 @@
           <a:srgbClr val="000000"/>
         </a:buClr>
         <a:buFont typeface="Arial"/>
-        <a:defRPr b="0" i="0" sz="1400" u="none" cap="none" strike="noStrike">
+        <a:defRPr sz="1400" b="0" i="0" u="none" strike="noStrike" cap="none">
           <a:solidFill>
             <a:srgbClr val="000000"/>
           </a:solidFill>
@@ -6582,7 +6741,7 @@
           <a:sym typeface="Arial"/>
         </a:defRPr>
       </a:lvl8pPr>
-      <a:lvl9pPr lvl="8" marR="0" rtl="0" algn="l">
+      <a:lvl9pPr marR="0" lvl="8" algn="l" rtl="0">
         <a:lnSpc>
           <a:spcPct val="100000"/>
         </a:lnSpc>
@@ -6596,7 +6755,7 @@
           <a:srgbClr val="000000"/>
         </a:buClr>
         <a:buFont typeface="Arial"/>
-        <a:defRPr b="0" i="0" sz="1400" u="none" cap="none" strike="noStrike">
+        <a:defRPr sz="1400" b="0" i="0" u="none" strike="noStrike" cap="none">
           <a:solidFill>
             <a:srgbClr val="000000"/>
           </a:solidFill>
@@ -6608,7 +6767,7 @@
       </a:lvl9pPr>
     </p:titleStyle>
     <p:bodyStyle>
-      <a:defPPr lvl="0" marR="0" rtl="0" algn="l">
+      <a:defPPr marR="0" lvl="0" algn="l" rtl="0">
         <a:lnSpc>
           <a:spcPct val="100000"/>
         </a:lnSpc>
@@ -6619,7 +6778,7 @@
           <a:spcPts val="0"/>
         </a:spcAft>
       </a:defPPr>
-      <a:lvl1pPr lvl="0" marR="0" rtl="0" algn="l">
+      <a:lvl1pPr marR="0" lvl="0" algn="l" rtl="0">
         <a:lnSpc>
           <a:spcPct val="100000"/>
         </a:lnSpc>
@@ -6633,7 +6792,7 @@
           <a:srgbClr val="000000"/>
         </a:buClr>
         <a:buFont typeface="Arial"/>
-        <a:defRPr b="0" i="0" sz="1400" u="none" cap="none" strike="noStrike">
+        <a:defRPr sz="1400" b="0" i="0" u="none" strike="noStrike" cap="none">
           <a:solidFill>
             <a:srgbClr val="000000"/>
           </a:solidFill>
@@ -6643,7 +6802,7 @@
           <a:sym typeface="Arial"/>
         </a:defRPr>
       </a:lvl1pPr>
-      <a:lvl2pPr lvl="1" marR="0" rtl="0" algn="l">
+      <a:lvl2pPr marR="0" lvl="1" algn="l" rtl="0">
         <a:lnSpc>
           <a:spcPct val="100000"/>
         </a:lnSpc>
@@ -6657,7 +6816,7 @@
           <a:srgbClr val="000000"/>
         </a:buClr>
         <a:buFont typeface="Arial"/>
-        <a:defRPr b="0" i="0" sz="1400" u="none" cap="none" strike="noStrike">
+        <a:defRPr sz="1400" b="0" i="0" u="none" strike="noStrike" cap="none">
           <a:solidFill>
             <a:srgbClr val="000000"/>
           </a:solidFill>
@@ -6667,7 +6826,7 @@
           <a:sym typeface="Arial"/>
         </a:defRPr>
       </a:lvl2pPr>
-      <a:lvl3pPr lvl="2" marR="0" rtl="0" algn="l">
+      <a:lvl3pPr marR="0" lvl="2" algn="l" rtl="0">
         <a:lnSpc>
           <a:spcPct val="100000"/>
         </a:lnSpc>
@@ -6681,7 +6840,7 @@
           <a:srgbClr val="000000"/>
         </a:buClr>
         <a:buFont typeface="Arial"/>
-        <a:defRPr b="0" i="0" sz="1400" u="none" cap="none" strike="noStrike">
+        <a:defRPr sz="1400" b="0" i="0" u="none" strike="noStrike" cap="none">
           <a:solidFill>
             <a:srgbClr val="000000"/>
           </a:solidFill>
@@ -6691,7 +6850,7 @@
           <a:sym typeface="Arial"/>
         </a:defRPr>
       </a:lvl3pPr>
-      <a:lvl4pPr lvl="3" marR="0" rtl="0" algn="l">
+      <a:lvl4pPr marR="0" lvl="3" algn="l" rtl="0">
         <a:lnSpc>
           <a:spcPct val="100000"/>
         </a:lnSpc>
@@ -6705,7 +6864,7 @@
           <a:srgbClr val="000000"/>
         </a:buClr>
         <a:buFont typeface="Arial"/>
-        <a:defRPr b="0" i="0" sz="1400" u="none" cap="none" strike="noStrike">
+        <a:defRPr sz="1400" b="0" i="0" u="none" strike="noStrike" cap="none">
           <a:solidFill>
             <a:srgbClr val="000000"/>
           </a:solidFill>
@@ -6715,7 +6874,7 @@
           <a:sym typeface="Arial"/>
         </a:defRPr>
       </a:lvl4pPr>
-      <a:lvl5pPr lvl="4" marR="0" rtl="0" algn="l">
+      <a:lvl5pPr marR="0" lvl="4" algn="l" rtl="0">
         <a:lnSpc>
           <a:spcPct val="100000"/>
         </a:lnSpc>
@@ -6729,7 +6888,7 @@
           <a:srgbClr val="000000"/>
         </a:buClr>
         <a:buFont typeface="Arial"/>
-        <a:defRPr b="0" i="0" sz="1400" u="none" cap="none" strike="noStrike">
+        <a:defRPr sz="1400" b="0" i="0" u="none" strike="noStrike" cap="none">
           <a:solidFill>
             <a:srgbClr val="000000"/>
           </a:solidFill>
@@ -6739,7 +6898,7 @@
           <a:sym typeface="Arial"/>
         </a:defRPr>
       </a:lvl5pPr>
-      <a:lvl6pPr lvl="5" marR="0" rtl="0" algn="l">
+      <a:lvl6pPr marR="0" lvl="5" algn="l" rtl="0">
         <a:lnSpc>
           <a:spcPct val="100000"/>
         </a:lnSpc>
@@ -6753,7 +6912,7 @@
           <a:srgbClr val="000000"/>
         </a:buClr>
         <a:buFont typeface="Arial"/>
-        <a:defRPr b="0" i="0" sz="1400" u="none" cap="none" strike="noStrike">
+        <a:defRPr sz="1400" b="0" i="0" u="none" strike="noStrike" cap="none">
           <a:solidFill>
             <a:srgbClr val="000000"/>
           </a:solidFill>
@@ -6763,7 +6922,7 @@
           <a:sym typeface="Arial"/>
         </a:defRPr>
       </a:lvl6pPr>
-      <a:lvl7pPr lvl="6" marR="0" rtl="0" algn="l">
+      <a:lvl7pPr marR="0" lvl="6" algn="l" rtl="0">
         <a:lnSpc>
           <a:spcPct val="100000"/>
         </a:lnSpc>
@@ -6777,7 +6936,7 @@
           <a:srgbClr val="000000"/>
         </a:buClr>
         <a:buFont typeface="Arial"/>
-        <a:defRPr b="0" i="0" sz="1400" u="none" cap="none" strike="noStrike">
+        <a:defRPr sz="1400" b="0" i="0" u="none" strike="noStrike" cap="none">
           <a:solidFill>
             <a:srgbClr val="000000"/>
           </a:solidFill>
@@ -6787,7 +6946,7 @@
           <a:sym typeface="Arial"/>
         </a:defRPr>
       </a:lvl7pPr>
-      <a:lvl8pPr lvl="7" marR="0" rtl="0" algn="l">
+      <a:lvl8pPr marR="0" lvl="7" algn="l" rtl="0">
         <a:lnSpc>
           <a:spcPct val="100000"/>
         </a:lnSpc>
@@ -6801,7 +6960,7 @@
           <a:srgbClr val="000000"/>
         </a:buClr>
         <a:buFont typeface="Arial"/>
-        <a:defRPr b="0" i="0" sz="1400" u="none" cap="none" strike="noStrike">
+        <a:defRPr sz="1400" b="0" i="0" u="none" strike="noStrike" cap="none">
           <a:solidFill>
             <a:srgbClr val="000000"/>
           </a:solidFill>
@@ -6811,7 +6970,7 @@
           <a:sym typeface="Arial"/>
         </a:defRPr>
       </a:lvl8pPr>
-      <a:lvl9pPr lvl="8" marR="0" rtl="0" algn="l">
+      <a:lvl9pPr marR="0" lvl="8" algn="l" rtl="0">
         <a:lnSpc>
           <a:spcPct val="100000"/>
         </a:lnSpc>
@@ -6825,7 +6984,7 @@
           <a:srgbClr val="000000"/>
         </a:buClr>
         <a:buFont typeface="Arial"/>
-        <a:defRPr b="0" i="0" sz="1400" u="none" cap="none" strike="noStrike">
+        <a:defRPr sz="1400" b="0" i="0" u="none" strike="noStrike" cap="none">
           <a:solidFill>
             <a:srgbClr val="000000"/>
           </a:solidFill>
@@ -6837,7 +6996,7 @@
       </a:lvl9pPr>
     </p:bodyStyle>
     <p:otherStyle>
-      <a:defPPr lvl="0" marR="0" rtl="0" algn="l">
+      <a:defPPr marR="0" lvl="0" algn="l" rtl="0">
         <a:lnSpc>
           <a:spcPct val="100000"/>
         </a:lnSpc>
@@ -6848,7 +7007,7 @@
           <a:spcPts val="0"/>
         </a:spcAft>
       </a:defPPr>
-      <a:lvl1pPr lvl="0" marR="0" rtl="0" algn="l">
+      <a:lvl1pPr marR="0" lvl="0" algn="l" rtl="0">
         <a:lnSpc>
           <a:spcPct val="100000"/>
         </a:lnSpc>
@@ -6862,7 +7021,7 @@
           <a:srgbClr val="000000"/>
         </a:buClr>
         <a:buFont typeface="Arial"/>
-        <a:defRPr b="0" i="0" sz="1400" u="none" cap="none" strike="noStrike">
+        <a:defRPr sz="1400" b="0" i="0" u="none" strike="noStrike" cap="none">
           <a:solidFill>
             <a:srgbClr val="000000"/>
           </a:solidFill>
@@ -6872,7 +7031,7 @@
           <a:sym typeface="Arial"/>
         </a:defRPr>
       </a:lvl1pPr>
-      <a:lvl2pPr lvl="1" marR="0" rtl="0" algn="l">
+      <a:lvl2pPr marR="0" lvl="1" algn="l" rtl="0">
         <a:lnSpc>
           <a:spcPct val="100000"/>
         </a:lnSpc>
@@ -6886,7 +7045,7 @@
           <a:srgbClr val="000000"/>
         </a:buClr>
         <a:buFont typeface="Arial"/>
-        <a:defRPr b="0" i="0" sz="1400" u="none" cap="none" strike="noStrike">
+        <a:defRPr sz="1400" b="0" i="0" u="none" strike="noStrike" cap="none">
           <a:solidFill>
             <a:srgbClr val="000000"/>
           </a:solidFill>
@@ -6896,7 +7055,7 @@
           <a:sym typeface="Arial"/>
         </a:defRPr>
       </a:lvl2pPr>
-      <a:lvl3pPr lvl="2" marR="0" rtl="0" algn="l">
+      <a:lvl3pPr marR="0" lvl="2" algn="l" rtl="0">
         <a:lnSpc>
           <a:spcPct val="100000"/>
         </a:lnSpc>
@@ -6910,7 +7069,7 @@
           <a:srgbClr val="000000"/>
         </a:buClr>
         <a:buFont typeface="Arial"/>
-        <a:defRPr b="0" i="0" sz="1400" u="none" cap="none" strike="noStrike">
+        <a:defRPr sz="1400" b="0" i="0" u="none" strike="noStrike" cap="none">
           <a:solidFill>
             <a:srgbClr val="000000"/>
           </a:solidFill>
@@ -6920,7 +7079,7 @@
           <a:sym typeface="Arial"/>
         </a:defRPr>
       </a:lvl3pPr>
-      <a:lvl4pPr lvl="3" marR="0" rtl="0" algn="l">
+      <a:lvl4pPr marR="0" lvl="3" algn="l" rtl="0">
         <a:lnSpc>
           <a:spcPct val="100000"/>
         </a:lnSpc>
@@ -6934,7 +7093,7 @@
           <a:srgbClr val="000000"/>
         </a:buClr>
         <a:buFont typeface="Arial"/>
-        <a:defRPr b="0" i="0" sz="1400" u="none" cap="none" strike="noStrike">
+        <a:defRPr sz="1400" b="0" i="0" u="none" strike="noStrike" cap="none">
           <a:solidFill>
             <a:srgbClr val="000000"/>
           </a:solidFill>
@@ -6944,7 +7103,7 @@
           <a:sym typeface="Arial"/>
         </a:defRPr>
       </a:lvl4pPr>
-      <a:lvl5pPr lvl="4" marR="0" rtl="0" algn="l">
+      <a:lvl5pPr marR="0" lvl="4" algn="l" rtl="0">
         <a:lnSpc>
           <a:spcPct val="100000"/>
         </a:lnSpc>
@@ -6958,7 +7117,7 @@
           <a:srgbClr val="000000"/>
         </a:buClr>
         <a:buFont typeface="Arial"/>
-        <a:defRPr b="0" i="0" sz="1400" u="none" cap="none" strike="noStrike">
+        <a:defRPr sz="1400" b="0" i="0" u="none" strike="noStrike" cap="none">
           <a:solidFill>
             <a:srgbClr val="000000"/>
           </a:solidFill>
@@ -6968,7 +7127,7 @@
           <a:sym typeface="Arial"/>
         </a:defRPr>
       </a:lvl5pPr>
-      <a:lvl6pPr lvl="5" marR="0" rtl="0" algn="l">
+      <a:lvl6pPr marR="0" lvl="5" algn="l" rtl="0">
         <a:lnSpc>
           <a:spcPct val="100000"/>
         </a:lnSpc>
@@ -6982,7 +7141,7 @@
           <a:srgbClr val="000000"/>
         </a:buClr>
         <a:buFont typeface="Arial"/>
-        <a:defRPr b="0" i="0" sz="1400" u="none" cap="none" strike="noStrike">
+        <a:defRPr sz="1400" b="0" i="0" u="none" strike="noStrike" cap="none">
           <a:solidFill>
             <a:srgbClr val="000000"/>
           </a:solidFill>
@@ -6992,7 +7151,7 @@
           <a:sym typeface="Arial"/>
         </a:defRPr>
       </a:lvl6pPr>
-      <a:lvl7pPr lvl="6" marR="0" rtl="0" algn="l">
+      <a:lvl7pPr marR="0" lvl="6" algn="l" rtl="0">
         <a:lnSpc>
           <a:spcPct val="100000"/>
         </a:lnSpc>
@@ -7006,7 +7165,7 @@
           <a:srgbClr val="000000"/>
         </a:buClr>
         <a:buFont typeface="Arial"/>
-        <a:defRPr b="0" i="0" sz="1400" u="none" cap="none" strike="noStrike">
+        <a:defRPr sz="1400" b="0" i="0" u="none" strike="noStrike" cap="none">
           <a:solidFill>
             <a:srgbClr val="000000"/>
           </a:solidFill>
@@ -7016,7 +7175,7 @@
           <a:sym typeface="Arial"/>
         </a:defRPr>
       </a:lvl7pPr>
-      <a:lvl8pPr lvl="7" marR="0" rtl="0" algn="l">
+      <a:lvl8pPr marR="0" lvl="7" algn="l" rtl="0">
         <a:lnSpc>
           <a:spcPct val="100000"/>
         </a:lnSpc>
@@ -7030,7 +7189,7 @@
           <a:srgbClr val="000000"/>
         </a:buClr>
         <a:buFont typeface="Arial"/>
-        <a:defRPr b="0" i="0" sz="1400" u="none" cap="none" strike="noStrike">
+        <a:defRPr sz="1400" b="0" i="0" u="none" strike="noStrike" cap="none">
           <a:solidFill>
             <a:srgbClr val="000000"/>
           </a:solidFill>
@@ -7040,7 +7199,7 @@
           <a:sym typeface="Arial"/>
         </a:defRPr>
       </a:lvl8pPr>
-      <a:lvl9pPr lvl="8" marR="0" rtl="0" algn="l">
+      <a:lvl9pPr marR="0" lvl="8" algn="l" rtl="0">
         <a:lnSpc>
           <a:spcPct val="100000"/>
         </a:lnSpc>
@@ -7054,7 +7213,7 @@
           <a:srgbClr val="000000"/>
         </a:buClr>
         <a:buFont typeface="Arial"/>
-        <a:defRPr b="0" i="0" sz="1400" u="none" cap="none" strike="noStrike">
+        <a:defRPr sz="1400" b="0" i="0" u="none" strike="noStrike" cap="none">
           <a:solidFill>
             <a:srgbClr val="000000"/>
           </a:solidFill>
@@ -7070,11 +7229,11 @@
 </file>
 
 <file path=ppt/slides/slide1.xml><?xml version="1.0" encoding="utf-8"?>
-<p:sld xmlns:a="http://schemas.openxmlformats.org/drawingml/2006/main" xmlns:r="http://schemas.openxmlformats.org/officeDocument/2006/relationships" xmlns:mc="http://schemas.openxmlformats.org/markup-compatibility/2006" xmlns:mv="urn:schemas-microsoft-com:mac:vml" xmlns:p="http://schemas.openxmlformats.org/presentationml/2006/main" xmlns:c="http://schemas.openxmlformats.org/drawingml/2006/chart" xmlns:dgm="http://schemas.openxmlformats.org/drawingml/2006/diagram" xmlns:o="urn:schemas-microsoft-com:office:office" xmlns:v="urn:schemas-microsoft-com:vml" xmlns:pvml="urn:schemas-microsoft-com:office:powerpoint" xmlns:com="http://schemas.openxmlformats.org/drawingml/2006/compatibility" xmlns:p14="http://schemas.microsoft.com/office/powerpoint/2010/main" xmlns:p15="http://schemas.microsoft.com/office/powerpoint/2012/main" xmlns:ahyp="http://schemas.microsoft.com/office/drawing/2018/hyperlinkcolor">
+<p:sld xmlns:a="http://schemas.openxmlformats.org/drawingml/2006/main" xmlns:r="http://schemas.openxmlformats.org/officeDocument/2006/relationships" xmlns:p="http://schemas.openxmlformats.org/presentationml/2006/main">
   <p:cSld>
     <p:spTree>
       <p:nvGrpSpPr>
-        <p:cNvPr id="35" name="Shape 35"/>
+        <p:cNvPr id="1" name="Shape 35"/>
         <p:cNvGrpSpPr/>
         <p:nvPr/>
       </p:nvGrpSpPr>
@@ -7089,7 +7248,9 @@
       <p:sp>
         <p:nvSpPr>
           <p:cNvPr id="36" name="Google Shape;36;p5"/>
-          <p:cNvSpPr txBox="1"/>
+          <p:cNvSpPr txBox="1">
+            <a:spLocks noGrp="1"/>
+          </p:cNvSpPr>
           <p:nvPr>
             <p:ph type="ctrTitle"/>
           </p:nvPr>
@@ -7108,12 +7269,12 @@
           </a:ln>
         </p:spPr>
         <p:txBody>
-          <a:bodyPr anchorCtr="0" anchor="ctr" bIns="45700" lIns="91425" spcFirstLastPara="1" rIns="91425" wrap="square" tIns="45700">
+          <a:bodyPr spcFirstLastPara="1" wrap="square" lIns="91425" tIns="45700" rIns="91425" bIns="45700" anchor="ctr" anchorCtr="0">
             <a:noAutofit/>
           </a:bodyPr>
           <a:lstStyle/>
           <a:p>
-            <a:pPr indent="0" lvl="0" marL="0" marR="0" rtl="0" algn="l">
+            <a:pPr marL="0" marR="0" lvl="0" indent="0" algn="l" rtl="0">
               <a:spcBef>
                 <a:spcPts val="0"/>
               </a:spcBef>
@@ -7133,9 +7294,11 @@
       <p:sp>
         <p:nvSpPr>
           <p:cNvPr id="37" name="Google Shape;37;p5"/>
-          <p:cNvSpPr txBox="1"/>
+          <p:cNvSpPr txBox="1">
+            <a:spLocks noGrp="1"/>
+          </p:cNvSpPr>
           <p:nvPr>
-            <p:ph idx="1" type="subTitle"/>
+            <p:ph type="subTitle" idx="1"/>
           </p:nvPr>
         </p:nvSpPr>
         <p:spPr>
@@ -7152,12 +7315,12 @@
           </a:ln>
         </p:spPr>
         <p:txBody>
-          <a:bodyPr anchorCtr="0" anchor="t" bIns="45700" lIns="91425" spcFirstLastPara="1" rIns="91425" wrap="square" tIns="45700">
+          <a:bodyPr spcFirstLastPara="1" wrap="square" lIns="91425" tIns="45700" rIns="91425" bIns="45700" anchor="t" anchorCtr="0">
             <a:noAutofit/>
           </a:bodyPr>
           <a:lstStyle/>
           <a:p>
-            <a:pPr indent="0" lvl="0" marL="0" marR="0" rtl="0" algn="l">
+            <a:pPr marL="0" marR="0" lvl="0" indent="0" algn="l" rtl="0">
               <a:spcBef>
                 <a:spcPts val="0"/>
               </a:spcBef>
@@ -7178,7 +7341,7 @@
             <a:endParaRPr sz="1400"/>
           </a:p>
           <a:p>
-            <a:pPr indent="0" lvl="0" marL="0" marR="0" rtl="0" algn="l">
+            <a:pPr marL="0" marR="0" lvl="0" indent="0" algn="l" rtl="0">
               <a:spcBef>
                 <a:spcPts val="0"/>
               </a:spcBef>
@@ -7192,9 +7355,6 @@
               <a:buFont typeface="Arial"/>
               <a:buNone/>
             </a:pPr>
-            <a:r>
-              <a:t/>
-            </a:r>
             <a:endParaRPr/>
           </a:p>
         </p:txBody>
@@ -7208,11 +7368,11 @@
 </file>
 
 <file path=ppt/slides/slide10.xml><?xml version="1.0" encoding="utf-8"?>
-<p:sld xmlns:a="http://schemas.openxmlformats.org/drawingml/2006/main" xmlns:r="http://schemas.openxmlformats.org/officeDocument/2006/relationships" xmlns:mc="http://schemas.openxmlformats.org/markup-compatibility/2006" xmlns:mv="urn:schemas-microsoft-com:mac:vml" xmlns:p="http://schemas.openxmlformats.org/presentationml/2006/main" xmlns:c="http://schemas.openxmlformats.org/drawingml/2006/chart" xmlns:dgm="http://schemas.openxmlformats.org/drawingml/2006/diagram" xmlns:o="urn:schemas-microsoft-com:office:office" xmlns:v="urn:schemas-microsoft-com:vml" xmlns:pvml="urn:schemas-microsoft-com:office:powerpoint" xmlns:com="http://schemas.openxmlformats.org/drawingml/2006/compatibility" xmlns:p14="http://schemas.microsoft.com/office/powerpoint/2010/main" xmlns:p15="http://schemas.microsoft.com/office/powerpoint/2012/main" xmlns:ahyp="http://schemas.microsoft.com/office/drawing/2018/hyperlinkcolor">
+<p:sld xmlns:a="http://schemas.openxmlformats.org/drawingml/2006/main" xmlns:r="http://schemas.openxmlformats.org/officeDocument/2006/relationships" xmlns:p="http://schemas.openxmlformats.org/presentationml/2006/main">
   <p:cSld>
     <p:spTree>
       <p:nvGrpSpPr>
-        <p:cNvPr id="105" name="Shape 105"/>
+        <p:cNvPr id="1" name="Shape 105"/>
         <p:cNvGrpSpPr/>
         <p:nvPr/>
       </p:nvGrpSpPr>
@@ -7227,7 +7387,9 @@
       <p:sp>
         <p:nvSpPr>
           <p:cNvPr id="106" name="Google Shape;106;p14"/>
-          <p:cNvSpPr txBox="1"/>
+          <p:cNvSpPr txBox="1">
+            <a:spLocks noGrp="1"/>
+          </p:cNvSpPr>
           <p:nvPr>
             <p:ph type="title"/>
           </p:nvPr>
@@ -7242,12 +7404,12 @@
           </a:prstGeom>
         </p:spPr>
         <p:txBody>
-          <a:bodyPr anchorCtr="0" anchor="ctr" bIns="91425" lIns="91425" spcFirstLastPara="1" rIns="91425" wrap="square" tIns="91425">
+          <a:bodyPr spcFirstLastPara="1" wrap="square" lIns="91425" tIns="91425" rIns="91425" bIns="91425" anchor="ctr" anchorCtr="0">
             <a:noAutofit/>
           </a:bodyPr>
           <a:lstStyle/>
           <a:p>
-            <a:pPr indent="0" lvl="0" marL="0" rtl="0" algn="l">
+            <a:pPr marL="0" lvl="0" indent="0" algn="l" rtl="0">
               <a:spcBef>
                 <a:spcPts val="0"/>
               </a:spcBef>
@@ -7262,19 +7424,53 @@
               <a:buNone/>
             </a:pPr>
             <a:r>
-              <a:rPr lang="en-US"/>
-              <a:t>Use case 2.5: Beheren van groepen</a:t>
+              <a:rPr lang="en-US" dirty="0"/>
+              <a:t>Use case 2.5: </a:t>
             </a:r>
-            <a:endParaRPr/>
+            <a:r>
+              <a:rPr lang="en-US" dirty="0" err="1"/>
+              <a:t>Beheren</a:t>
+            </a:r>
+            <a:r>
+              <a:rPr lang="en-US" dirty="0"/>
+              <a:t> van </a:t>
+            </a:r>
+            <a:r>
+              <a:rPr lang="en-US" dirty="0" err="1"/>
+              <a:t>groepen</a:t>
+            </a:r>
+            <a:r>
+              <a:rPr lang="en-BE" dirty="0"/>
+              <a:t> (</a:t>
+            </a:r>
+            <a:r>
+              <a:rPr lang="en-BE" dirty="0" err="1"/>
+              <a:t>aankoop</a:t>
+            </a:r>
+            <a:r>
+              <a:rPr lang="en-BE" dirty="0"/>
+              <a:t> </a:t>
+            </a:r>
+            <a:r>
+              <a:rPr lang="en-US" dirty="0" err="1"/>
+              <a:t>ov</a:t>
+            </a:r>
+            <a:r>
+              <a:rPr lang="en-BE" dirty="0"/>
+              <a:t>er)</a:t>
+            </a:r>
+            <a:endParaRPr dirty="0"/>
           </a:p>
         </p:txBody>
       </p:sp>
       <p:sp>
         <p:nvSpPr>
           <p:cNvPr id="107" name="Google Shape;107;p14"/>
-          <p:cNvSpPr txBox="1"/>
+          <p:cNvSpPr txBox="1">
+            <a:spLocks noGrp="1"/>
+          </p:cNvSpPr>
           <p:nvPr>
-            <p:ph idx="1" type="body"/>
+            <p:ph type="body" idx="1"/>
           </p:nvPr>
         </p:nvSpPr>
         <p:spPr>
@@ -7287,12 +7483,12 @@
           </a:prstGeom>
         </p:spPr>
         <p:txBody>
-          <a:bodyPr anchorCtr="0" anchor="t" bIns="91425" lIns="91425" spcFirstLastPara="1" rIns="91425" wrap="square" tIns="91425">
+          <a:bodyPr spcFirstLastPara="1" wrap="square" lIns="91425" tIns="91425" rIns="91425" bIns="91425" anchor="t" anchorCtr="0">
             <a:noAutofit/>
           </a:bodyPr>
           <a:lstStyle/>
           <a:p>
-            <a:pPr indent="0" lvl="0" marL="0" rtl="0" algn="l">
+            <a:pPr marL="0" lvl="0" indent="0" algn="l" rtl="0">
               <a:spcBef>
                 <a:spcPts val="560"/>
               </a:spcBef>
@@ -7301,9 +7497,6 @@
               </a:spcAft>
               <a:buNone/>
             </a:pPr>
-            <a:r>
-              <a:t/>
-            </a:r>
             <a:endParaRPr/>
           </a:p>
         </p:txBody>
@@ -7345,11 +7538,11 @@
 </file>
 
 <file path=ppt/slides/slide11.xml><?xml version="1.0" encoding="utf-8"?>
-<p:sld xmlns:a="http://schemas.openxmlformats.org/drawingml/2006/main" xmlns:r="http://schemas.openxmlformats.org/officeDocument/2006/relationships" xmlns:mc="http://schemas.openxmlformats.org/markup-compatibility/2006" xmlns:mv="urn:schemas-microsoft-com:mac:vml" xmlns:p="http://schemas.openxmlformats.org/presentationml/2006/main" xmlns:c="http://schemas.openxmlformats.org/drawingml/2006/chart" xmlns:dgm="http://schemas.openxmlformats.org/drawingml/2006/diagram" xmlns:o="urn:schemas-microsoft-com:office:office" xmlns:v="urn:schemas-microsoft-com:vml" xmlns:pvml="urn:schemas-microsoft-com:office:powerpoint" xmlns:com="http://schemas.openxmlformats.org/drawingml/2006/compatibility" xmlns:p14="http://schemas.microsoft.com/office/powerpoint/2010/main" xmlns:p15="http://schemas.microsoft.com/office/powerpoint/2012/main" xmlns:ahyp="http://schemas.microsoft.com/office/drawing/2018/hyperlinkcolor">
+<p:sld xmlns:a="http://schemas.openxmlformats.org/drawingml/2006/main" xmlns:r="http://schemas.openxmlformats.org/officeDocument/2006/relationships" xmlns:p="http://schemas.openxmlformats.org/presentationml/2006/main">
   <p:cSld>
     <p:spTree>
       <p:nvGrpSpPr>
-        <p:cNvPr id="113" name="Shape 113"/>
+        <p:cNvPr id="1" name="Shape 113"/>
         <p:cNvGrpSpPr/>
         <p:nvPr/>
       </p:nvGrpSpPr>
@@ -7364,7 +7557,9 @@
       <p:sp>
         <p:nvSpPr>
           <p:cNvPr id="114" name="Google Shape;114;p15"/>
-          <p:cNvSpPr txBox="1"/>
+          <p:cNvSpPr txBox="1">
+            <a:spLocks noGrp="1"/>
+          </p:cNvSpPr>
           <p:nvPr>
             <p:ph type="title"/>
           </p:nvPr>
@@ -7379,12 +7574,12 @@
           </a:prstGeom>
         </p:spPr>
         <p:txBody>
-          <a:bodyPr anchorCtr="0" anchor="ctr" bIns="91425" lIns="91425" spcFirstLastPara="1" rIns="91425" wrap="square" tIns="91425">
+          <a:bodyPr spcFirstLastPara="1" wrap="square" lIns="91425" tIns="91425" rIns="91425" bIns="91425" anchor="ctr" anchorCtr="0">
             <a:noAutofit/>
           </a:bodyPr>
           <a:lstStyle/>
           <a:p>
-            <a:pPr indent="0" lvl="0" marL="0" rtl="0" algn="l">
+            <a:pPr marL="0" lvl="0" indent="0" algn="l" rtl="0">
               <a:spcBef>
                 <a:spcPts val="0"/>
               </a:spcBef>
@@ -7394,19 +7589,65 @@
               <a:buNone/>
             </a:pPr>
             <a:r>
-              <a:rPr lang="en-US"/>
-              <a:t>Use case 2.6: Beheren van een groep </a:t>
+              <a:rPr lang="en-US" dirty="0"/>
+              <a:t>Use case 2.6: </a:t>
             </a:r>
-            <a:endParaRPr/>
+            <a:r>
+              <a:rPr lang="en-US" dirty="0" err="1"/>
+              <a:t>Beheren</a:t>
+            </a:r>
+            <a:r>
+              <a:rPr lang="en-US" dirty="0"/>
+              <a:t> van </a:t>
+            </a:r>
+            <a:r>
+              <a:rPr lang="en-US" dirty="0" err="1"/>
+              <a:t>een</a:t>
+            </a:r>
+            <a:r>
+              <a:rPr lang="en-US" dirty="0"/>
+              <a:t> </a:t>
+            </a:r>
+            <a:r>
+              <a:rPr lang="en-US" dirty="0" err="1"/>
+              <a:t>groep</a:t>
+            </a:r>
+            <a:r>
+              <a:rPr lang="en-BE" dirty="0"/>
+              <a:t> (</a:t>
+            </a:r>
+            <a:r>
+              <a:rPr lang="en-BE" dirty="0" err="1"/>
+              <a:t>groep</a:t>
+            </a:r>
+            <a:r>
+              <a:rPr lang="en-BE" dirty="0"/>
+              <a:t> </a:t>
+            </a:r>
+            <a:r>
+              <a:rPr lang="en-BE" dirty="0" err="1"/>
+              <a:t>wijzigen</a:t>
+            </a:r>
+            <a:r>
+              <a:rPr lang="en-BE" dirty="0"/>
+              <a:t>)</a:t>
+            </a:r>
+            <a:r>
+              <a:rPr lang="en-US" dirty="0"/>
+              <a:t> </a:t>
+            </a:r>
+            <a:endParaRPr dirty="0"/>
           </a:p>
         </p:txBody>
       </p:sp>
       <p:sp>
         <p:nvSpPr>
           <p:cNvPr id="115" name="Google Shape;115;p15"/>
-          <p:cNvSpPr txBox="1"/>
+          <p:cNvSpPr txBox="1">
+            <a:spLocks noGrp="1"/>
+          </p:cNvSpPr>
           <p:nvPr>
-            <p:ph idx="1" type="body"/>
+            <p:ph type="body" idx="1"/>
           </p:nvPr>
         </p:nvSpPr>
         <p:spPr>
@@ -7419,12 +7660,12 @@
           </a:prstGeom>
         </p:spPr>
         <p:txBody>
-          <a:bodyPr anchorCtr="0" anchor="t" bIns="91425" lIns="91425" spcFirstLastPara="1" rIns="91425" wrap="square" tIns="91425">
+          <a:bodyPr spcFirstLastPara="1" wrap="square" lIns="91425" tIns="91425" rIns="91425" bIns="91425" anchor="t" anchorCtr="0">
             <a:noAutofit/>
           </a:bodyPr>
           <a:lstStyle/>
           <a:p>
-            <a:pPr indent="0" lvl="0" marL="0" rtl="0" algn="l">
+            <a:pPr marL="0" lvl="0" indent="0" algn="l" rtl="0">
               <a:spcBef>
                 <a:spcPts val="560"/>
               </a:spcBef>
@@ -7433,9 +7674,6 @@
               </a:spcAft>
               <a:buNone/>
             </a:pPr>
-            <a:r>
-              <a:t/>
-            </a:r>
             <a:endParaRPr/>
           </a:p>
         </p:txBody>
@@ -7477,11 +7715,11 @@
 </file>
 
 <file path=ppt/slides/slide12.xml><?xml version="1.0" encoding="utf-8"?>
-<p:sld xmlns:a="http://schemas.openxmlformats.org/drawingml/2006/main" xmlns:r="http://schemas.openxmlformats.org/officeDocument/2006/relationships" xmlns:mc="http://schemas.openxmlformats.org/markup-compatibility/2006" xmlns:mv="urn:schemas-microsoft-com:mac:vml" xmlns:p="http://schemas.openxmlformats.org/presentationml/2006/main" xmlns:c="http://schemas.openxmlformats.org/drawingml/2006/chart" xmlns:dgm="http://schemas.openxmlformats.org/drawingml/2006/diagram" xmlns:o="urn:schemas-microsoft-com:office:office" xmlns:v="urn:schemas-microsoft-com:vml" xmlns:pvml="urn:schemas-microsoft-com:office:powerpoint" xmlns:com="http://schemas.openxmlformats.org/drawingml/2006/compatibility" xmlns:p14="http://schemas.microsoft.com/office/powerpoint/2010/main" xmlns:p15="http://schemas.microsoft.com/office/powerpoint/2012/main" xmlns:ahyp="http://schemas.microsoft.com/office/drawing/2018/hyperlinkcolor">
+<p:sld xmlns:a="http://schemas.openxmlformats.org/drawingml/2006/main" xmlns:r="http://schemas.openxmlformats.org/officeDocument/2006/relationships" xmlns:p="http://schemas.openxmlformats.org/presentationml/2006/main">
   <p:cSld>
     <p:spTree>
       <p:nvGrpSpPr>
-        <p:cNvPr id="120" name="Shape 120"/>
+        <p:cNvPr id="1" name="Shape 120"/>
         <p:cNvGrpSpPr/>
         <p:nvPr/>
       </p:nvGrpSpPr>
@@ -7496,7 +7734,9 @@
       <p:sp>
         <p:nvSpPr>
           <p:cNvPr id="121" name="Google Shape;121;p16"/>
-          <p:cNvSpPr txBox="1"/>
+          <p:cNvSpPr txBox="1">
+            <a:spLocks noGrp="1"/>
+          </p:cNvSpPr>
           <p:nvPr>
             <p:ph type="ctrTitle"/>
           </p:nvPr>
@@ -7515,12 +7755,12 @@
           </a:ln>
         </p:spPr>
         <p:txBody>
-          <a:bodyPr anchorCtr="0" anchor="ctr" bIns="45700" lIns="91425" spcFirstLastPara="1" rIns="91425" wrap="square" tIns="45700">
+          <a:bodyPr spcFirstLastPara="1" wrap="square" lIns="91425" tIns="45700" rIns="91425" bIns="45700" anchor="ctr" anchorCtr="0">
             <a:noAutofit/>
           </a:bodyPr>
           <a:lstStyle/>
           <a:p>
-            <a:pPr indent="0" lvl="0" marL="0" marR="0" rtl="0" algn="l">
+            <a:pPr marL="0" marR="0" lvl="0" indent="0" algn="l" rtl="0">
               <a:spcBef>
                 <a:spcPts val="0"/>
               </a:spcBef>
@@ -7533,7 +7773,7 @@
               <a:rPr lang="en-US"/>
               <a:t>VMS</a:t>
             </a:r>
-            <a:endParaRPr b="1" i="0" sz="3200" u="none" cap="none" strike="noStrike">
+            <a:endParaRPr sz="3200" b="1" i="0" u="none" strike="noStrike" cap="none">
               <a:solidFill>
                 <a:schemeClr val="lt1"/>
               </a:solidFill>
@@ -7548,9 +7788,11 @@
       <p:sp>
         <p:nvSpPr>
           <p:cNvPr id="122" name="Google Shape;122;p16"/>
-          <p:cNvSpPr txBox="1"/>
+          <p:cNvSpPr txBox="1">
+            <a:spLocks noGrp="1"/>
+          </p:cNvSpPr>
           <p:nvPr>
-            <p:ph idx="1" type="subTitle"/>
+            <p:ph type="subTitle" idx="1"/>
           </p:nvPr>
         </p:nvSpPr>
         <p:spPr>
@@ -7567,12 +7809,12 @@
           </a:ln>
         </p:spPr>
         <p:txBody>
-          <a:bodyPr anchorCtr="0" anchor="t" bIns="45700" lIns="91425" spcFirstLastPara="1" rIns="91425" wrap="square" tIns="45700">
+          <a:bodyPr spcFirstLastPara="1" wrap="square" lIns="91425" tIns="45700" rIns="91425" bIns="45700" anchor="t" anchorCtr="0">
             <a:noAutofit/>
           </a:bodyPr>
           <a:lstStyle/>
           <a:p>
-            <a:pPr indent="0" lvl="0" marL="0" marR="0" rtl="0" algn="l">
+            <a:pPr marL="0" marR="0" lvl="0" indent="0" algn="l" rtl="0">
               <a:spcBef>
                 <a:spcPts val="0"/>
               </a:spcBef>
@@ -7590,7 +7832,7 @@
               <a:rPr lang="en-US"/>
               <a:t>Uw eigen Veeteelt Management Systeem</a:t>
             </a:r>
-            <a:endParaRPr b="0" i="0" sz="2000" u="none" cap="none" strike="noStrike">
+            <a:endParaRPr sz="2000" b="0" i="0" u="none" strike="noStrike" cap="none">
               <a:solidFill>
                 <a:schemeClr val="lt1"/>
               </a:solidFill>
@@ -7639,11 +7881,11 @@
 </file>
 
 <file path=ppt/slides/slide2.xml><?xml version="1.0" encoding="utf-8"?>
-<p:sld xmlns:a="http://schemas.openxmlformats.org/drawingml/2006/main" xmlns:r="http://schemas.openxmlformats.org/officeDocument/2006/relationships" xmlns:mc="http://schemas.openxmlformats.org/markup-compatibility/2006" xmlns:mv="urn:schemas-microsoft-com:mac:vml" xmlns:p="http://schemas.openxmlformats.org/presentationml/2006/main" xmlns:c="http://schemas.openxmlformats.org/drawingml/2006/chart" xmlns:dgm="http://schemas.openxmlformats.org/drawingml/2006/diagram" xmlns:o="urn:schemas-microsoft-com:office:office" xmlns:v="urn:schemas-microsoft-com:vml" xmlns:pvml="urn:schemas-microsoft-com:office:powerpoint" xmlns:com="http://schemas.openxmlformats.org/drawingml/2006/compatibility" xmlns:p14="http://schemas.microsoft.com/office/powerpoint/2010/main" xmlns:p15="http://schemas.microsoft.com/office/powerpoint/2012/main" xmlns:ahyp="http://schemas.microsoft.com/office/drawing/2018/hyperlinkcolor">
+<p:sld xmlns:a="http://schemas.openxmlformats.org/drawingml/2006/main" xmlns:r="http://schemas.openxmlformats.org/officeDocument/2006/relationships" xmlns:p="http://schemas.openxmlformats.org/presentationml/2006/main">
   <p:cSld>
     <p:spTree>
       <p:nvGrpSpPr>
-        <p:cNvPr id="41" name="Shape 41"/>
+        <p:cNvPr id="1" name="Shape 41"/>
         <p:cNvGrpSpPr/>
         <p:nvPr/>
       </p:nvGrpSpPr>
@@ -7658,7 +7900,9 @@
       <p:sp>
         <p:nvSpPr>
           <p:cNvPr id="42" name="Google Shape;42;p6"/>
-          <p:cNvSpPr txBox="1"/>
+          <p:cNvSpPr txBox="1">
+            <a:spLocks noGrp="1"/>
+          </p:cNvSpPr>
           <p:nvPr>
             <p:ph type="title"/>
           </p:nvPr>
@@ -7677,12 +7921,12 @@
           </a:ln>
         </p:spPr>
         <p:txBody>
-          <a:bodyPr anchorCtr="0" anchor="ctr" bIns="45700" lIns="91425" spcFirstLastPara="1" rIns="91425" wrap="square" tIns="45700">
+          <a:bodyPr spcFirstLastPara="1" wrap="square" lIns="91425" tIns="45700" rIns="91425" bIns="45700" anchor="ctr" anchorCtr="0">
             <a:noAutofit/>
           </a:bodyPr>
           <a:lstStyle/>
           <a:p>
-            <a:pPr indent="0" lvl="0" marL="0" rtl="0" algn="l">
+            <a:pPr marL="0" lvl="0" indent="0" algn="l" rtl="0">
               <a:spcBef>
                 <a:spcPts val="0"/>
               </a:spcBef>
@@ -7700,7 +7944,7 @@
               <a:rPr lang="en-US"/>
               <a:t>Project Veeteelt</a:t>
             </a:r>
-            <a:endParaRPr b="0" i="0" sz="2400" u="none" cap="none" strike="noStrike">
+            <a:endParaRPr sz="2400" b="0" i="0" u="none" strike="noStrike" cap="none">
               <a:solidFill>
                 <a:schemeClr val="dk1"/>
               </a:solidFill>
@@ -7715,9 +7959,11 @@
       <p:sp>
         <p:nvSpPr>
           <p:cNvPr id="43" name="Google Shape;43;p6"/>
-          <p:cNvSpPr txBox="1"/>
+          <p:cNvSpPr txBox="1">
+            <a:spLocks noGrp="1"/>
+          </p:cNvSpPr>
           <p:nvPr>
-            <p:ph idx="1" type="body"/>
+            <p:ph type="body" idx="1"/>
           </p:nvPr>
         </p:nvSpPr>
         <p:spPr>
@@ -7734,12 +7980,12 @@
           </a:ln>
         </p:spPr>
         <p:txBody>
-          <a:bodyPr anchorCtr="0" anchor="t" bIns="45700" lIns="91425" spcFirstLastPara="1" rIns="91425" wrap="square" tIns="45700">
+          <a:bodyPr spcFirstLastPara="1" wrap="square" lIns="91425" tIns="45700" rIns="91425" bIns="45700" anchor="t" anchorCtr="0">
             <a:noAutofit/>
           </a:bodyPr>
           <a:lstStyle/>
           <a:p>
-            <a:pPr indent="0" lvl="0" marL="0" marR="0" rtl="0" algn="l">
+            <a:pPr marL="0" marR="0" lvl="0" indent="0" algn="l" rtl="0">
               <a:spcBef>
                 <a:spcPts val="0"/>
               </a:spcBef>
@@ -7754,13 +8000,13 @@
               <a:buNone/>
             </a:pPr>
             <a:r>
-              <a:rPr b="1" lang="en-US" sz="2000" u="sng"/>
+              <a:rPr lang="en-US" sz="2000" b="1" u="sng"/>
               <a:t>Probleem</a:t>
             </a:r>
-            <a:endParaRPr b="1" sz="2000" u="sng"/>
+            <a:endParaRPr sz="2000" b="1" u="sng"/>
           </a:p>
           <a:p>
-            <a:pPr indent="0" lvl="0" marL="0" marR="0" rtl="0" algn="l">
+            <a:pPr marL="0" marR="0" lvl="0" indent="0" algn="l" rtl="0">
               <a:spcBef>
                 <a:spcPts val="0"/>
               </a:spcBef>
@@ -7774,13 +8020,10 @@
               <a:buFont typeface="Noto Sans Symbols"/>
               <a:buNone/>
             </a:pPr>
-            <a:r>
-              <a:t/>
-            </a:r>
-            <a:endParaRPr b="1" sz="2000" u="sng"/>
+            <a:endParaRPr sz="2000" b="1" u="sng"/>
           </a:p>
           <a:p>
-            <a:pPr indent="-342900" lvl="0" marL="457200" rtl="0" algn="l">
+            <a:pPr marL="457200" lvl="0" indent="-342900" algn="l" rtl="0">
               <a:spcBef>
                 <a:spcPts val="0"/>
               </a:spcBef>
@@ -7797,7 +8040,7 @@
             <a:endParaRPr sz="1800"/>
           </a:p>
           <a:p>
-            <a:pPr indent="0" lvl="0" marL="4114800" rtl="0" algn="l">
+            <a:pPr marL="4114800" lvl="0" indent="0" algn="l" rtl="0">
               <a:spcBef>
                 <a:spcPts val="0"/>
               </a:spcBef>
@@ -7806,13 +8049,10 @@
               </a:spcAft>
               <a:buNone/>
             </a:pPr>
-            <a:r>
-              <a:t/>
-            </a:r>
             <a:endParaRPr sz="1800"/>
           </a:p>
           <a:p>
-            <a:pPr indent="-342900" lvl="0" marL="457200" rtl="0" algn="l">
+            <a:pPr marL="457200" lvl="0" indent="-342900" algn="l" rtl="0">
               <a:spcBef>
                 <a:spcPts val="0"/>
               </a:spcBef>
@@ -7829,7 +8069,7 @@
             <a:endParaRPr sz="1800"/>
           </a:p>
           <a:p>
-            <a:pPr indent="0" lvl="0" marL="4114800" rtl="0" algn="l">
+            <a:pPr marL="4114800" lvl="0" indent="0" algn="l" rtl="0">
               <a:spcBef>
                 <a:spcPts val="0"/>
               </a:spcBef>
@@ -7838,13 +8078,10 @@
               </a:spcAft>
               <a:buNone/>
             </a:pPr>
-            <a:r>
-              <a:t/>
-            </a:r>
             <a:endParaRPr sz="1800"/>
           </a:p>
           <a:p>
-            <a:pPr indent="-342900" lvl="0" marL="457200" rtl="0" algn="l">
+            <a:pPr marL="457200" lvl="0" indent="-342900" algn="l" rtl="0">
               <a:spcBef>
                 <a:spcPts val="0"/>
               </a:spcBef>
@@ -7861,7 +8098,7 @@
             <a:endParaRPr sz="1800"/>
           </a:p>
           <a:p>
-            <a:pPr indent="0" lvl="0" marL="0" rtl="0" algn="l">
+            <a:pPr marL="0" lvl="0" indent="0" algn="l" rtl="0">
               <a:spcBef>
                 <a:spcPts val="0"/>
               </a:spcBef>
@@ -7870,13 +8107,10 @@
               </a:spcAft>
               <a:buNone/>
             </a:pPr>
-            <a:r>
-              <a:t/>
-            </a:r>
             <a:endParaRPr sz="1800"/>
           </a:p>
           <a:p>
-            <a:pPr indent="0" lvl="0" marL="0" rtl="0" algn="l">
+            <a:pPr marL="0" lvl="0" indent="0" algn="l" rtl="0">
               <a:spcBef>
                 <a:spcPts val="0"/>
               </a:spcBef>
@@ -7885,13 +8119,10 @@
               </a:spcAft>
               <a:buNone/>
             </a:pPr>
-            <a:r>
-              <a:t/>
-            </a:r>
             <a:endParaRPr sz="1800"/>
           </a:p>
           <a:p>
-            <a:pPr indent="-165100" lvl="0" marL="1257300" marR="0" rtl="0" algn="l">
+            <a:pPr marL="1257300" marR="0" lvl="0" indent="-165100" algn="l" rtl="0">
               <a:spcBef>
                 <a:spcPts val="0"/>
               </a:spcBef>
@@ -7905,13 +8136,10 @@
               <a:buFont typeface="Noto Sans Symbols"/>
               <a:buNone/>
             </a:pPr>
-            <a:r>
-              <a:t/>
-            </a:r>
-            <a:endParaRPr b="1" sz="2000" u="sng"/>
+            <a:endParaRPr sz="2000" b="1" u="sng"/>
           </a:p>
           <a:p>
-            <a:pPr indent="-165100" lvl="0" marL="1257300" marR="0" rtl="0" algn="l">
+            <a:pPr marL="1257300" marR="0" lvl="0" indent="-165100" algn="l" rtl="0">
               <a:spcBef>
                 <a:spcPts val="0"/>
               </a:spcBef>
@@ -7925,13 +8153,10 @@
               <a:buFont typeface="Noto Sans Symbols"/>
               <a:buNone/>
             </a:pPr>
-            <a:r>
-              <a:t/>
-            </a:r>
             <a:endParaRPr sz="1800"/>
           </a:p>
           <a:p>
-            <a:pPr indent="-165100" lvl="0" marL="1257300" marR="0" rtl="0" algn="l">
+            <a:pPr marL="1257300" marR="0" lvl="0" indent="-165100" algn="l" rtl="0">
               <a:spcBef>
                 <a:spcPts val="0"/>
               </a:spcBef>
@@ -7952,7 +8177,7 @@
             <a:endParaRPr sz="1800"/>
           </a:p>
           <a:p>
-            <a:pPr indent="0" lvl="0" marL="1092200" marR="0" rtl="0" algn="l">
+            <a:pPr marL="1092200" marR="0" lvl="0" indent="0" algn="l" rtl="0">
               <a:spcBef>
                 <a:spcPts val="0"/>
               </a:spcBef>
@@ -7966,13 +8191,10 @@
               <a:buFont typeface="Noto Sans Symbols"/>
               <a:buNone/>
             </a:pPr>
-            <a:r>
-              <a:t/>
-            </a:r>
             <a:endParaRPr sz="1600"/>
           </a:p>
           <a:p>
-            <a:pPr indent="-165100" lvl="0" marL="1257300" marR="0" rtl="0" algn="l">
+            <a:pPr marL="1257300" marR="0" lvl="0" indent="-165100" algn="l" rtl="0">
               <a:spcBef>
                 <a:spcPts val="0"/>
               </a:spcBef>
@@ -7986,9 +8208,6 @@
               <a:buFont typeface="Noto Sans Symbols"/>
               <a:buNone/>
             </a:pPr>
-            <a:r>
-              <a:t/>
-            </a:r>
             <a:endParaRPr sz="1600"/>
           </a:p>
         </p:txBody>
@@ -8003,7 +8222,7 @@
           <a:blip r:embed="rId3">
             <a:alphaModFix/>
           </a:blip>
-          <a:srcRect b="0" l="2600" r="-2600" t="0"/>
+          <a:srcRect l="2600" r="-2600"/>
           <a:stretch/>
         </p:blipFill>
         <p:spPr>
@@ -8023,9 +8242,11 @@
       <p:sp>
         <p:nvSpPr>
           <p:cNvPr id="45" name="Google Shape;45;p6"/>
-          <p:cNvSpPr txBox="1"/>
+          <p:cNvSpPr txBox="1">
+            <a:spLocks noGrp="1"/>
+          </p:cNvSpPr>
           <p:nvPr>
-            <p:ph idx="1" type="body"/>
+            <p:ph type="body" idx="1"/>
           </p:nvPr>
         </p:nvSpPr>
         <p:spPr>
@@ -8042,12 +8263,12 @@
           </a:ln>
         </p:spPr>
         <p:txBody>
-          <a:bodyPr anchorCtr="0" anchor="t" bIns="45700" lIns="91425" spcFirstLastPara="1" rIns="91425" wrap="square" tIns="45700">
+          <a:bodyPr spcFirstLastPara="1" wrap="square" lIns="91425" tIns="45700" rIns="91425" bIns="45700" anchor="t" anchorCtr="0">
             <a:noAutofit/>
           </a:bodyPr>
           <a:lstStyle/>
           <a:p>
-            <a:pPr indent="0" lvl="0" marL="0" marR="0" rtl="0" algn="l">
+            <a:pPr marL="0" marR="0" lvl="0" indent="0" algn="l" rtl="0">
               <a:spcBef>
                 <a:spcPts val="0"/>
               </a:spcBef>
@@ -8062,13 +8283,13 @@
               <a:buNone/>
             </a:pPr>
             <a:r>
-              <a:rPr b="1" lang="en-US" sz="2000" u="sng"/>
+              <a:rPr lang="en-US" sz="2000" b="1" u="sng"/>
               <a:t>Oplossing:</a:t>
             </a:r>
-            <a:endParaRPr b="1" sz="2000" u="sng"/>
+            <a:endParaRPr sz="2000" b="1" u="sng"/>
           </a:p>
           <a:p>
-            <a:pPr indent="0" lvl="0" marL="4114800" marR="0" rtl="0" algn="l">
+            <a:pPr marL="4114800" marR="0" lvl="0" indent="0" algn="l" rtl="0">
               <a:spcBef>
                 <a:spcPts val="0"/>
               </a:spcBef>
@@ -8077,13 +8298,10 @@
               </a:spcAft>
               <a:buNone/>
             </a:pPr>
-            <a:r>
-              <a:t/>
-            </a:r>
             <a:endParaRPr sz="1800"/>
           </a:p>
           <a:p>
-            <a:pPr indent="-342900" lvl="0" marL="457200" marR="0" rtl="0" algn="l">
+            <a:pPr marL="457200" marR="0" lvl="0" indent="-342900" algn="l" rtl="0">
               <a:spcBef>
                 <a:spcPts val="0"/>
               </a:spcBef>
@@ -8095,16 +8313,12 @@
             </a:pPr>
             <a:r>
               <a:rPr lang="en-US" sz="1800"/>
-              <a:t>Belangrijke parameters </a:t>
-            </a:r>
-            <a:r>
-              <a:rPr lang="en-US" sz="1800"/>
-              <a:t>visualiseren</a:t>
+              <a:t>Belangrijke parameters visualiseren</a:t>
             </a:r>
             <a:endParaRPr sz="1800"/>
           </a:p>
           <a:p>
-            <a:pPr indent="0" lvl="0" marL="4114800" marR="0" rtl="0" algn="l">
+            <a:pPr marL="4114800" marR="0" lvl="0" indent="0" algn="l" rtl="0">
               <a:spcBef>
                 <a:spcPts val="0"/>
               </a:spcBef>
@@ -8113,13 +8327,10 @@
               </a:spcAft>
               <a:buNone/>
             </a:pPr>
-            <a:r>
-              <a:t/>
-            </a:r>
             <a:endParaRPr sz="1800"/>
           </a:p>
           <a:p>
-            <a:pPr indent="-342900" lvl="0" marL="457200" marR="0" rtl="0" algn="l">
+            <a:pPr marL="457200" marR="0" lvl="0" indent="-342900" algn="l" rtl="0">
               <a:spcBef>
                 <a:spcPts val="0"/>
               </a:spcBef>
@@ -8136,7 +8347,7 @@
             <a:endParaRPr sz="1800"/>
           </a:p>
           <a:p>
-            <a:pPr indent="0" lvl="0" marL="4114800" marR="0" rtl="0" algn="l">
+            <a:pPr marL="4114800" marR="0" lvl="0" indent="0" algn="l" rtl="0">
               <a:spcBef>
                 <a:spcPts val="0"/>
               </a:spcBef>
@@ -8145,13 +8356,10 @@
               </a:spcAft>
               <a:buNone/>
             </a:pPr>
-            <a:r>
-              <a:t/>
-            </a:r>
             <a:endParaRPr sz="1800"/>
           </a:p>
           <a:p>
-            <a:pPr indent="-342900" lvl="0" marL="457200" marR="0" rtl="0" algn="l">
+            <a:pPr marL="457200" marR="0" lvl="0" indent="-342900" algn="l" rtl="0">
               <a:spcBef>
                 <a:spcPts val="0"/>
               </a:spcBef>
@@ -8168,7 +8376,7 @@
             <a:endParaRPr sz="1800"/>
           </a:p>
           <a:p>
-            <a:pPr indent="0" lvl="0" marL="4114800" marR="0" rtl="0" algn="l">
+            <a:pPr marL="4114800" marR="0" lvl="0" indent="0" algn="l" rtl="0">
               <a:spcBef>
                 <a:spcPts val="0"/>
               </a:spcBef>
@@ -8177,13 +8385,10 @@
               </a:spcAft>
               <a:buNone/>
             </a:pPr>
-            <a:r>
-              <a:t/>
-            </a:r>
             <a:endParaRPr sz="1600"/>
           </a:p>
           <a:p>
-            <a:pPr indent="-165100" lvl="0" marL="1257300" marR="0" rtl="0" algn="l">
+            <a:pPr marL="1257300" marR="0" lvl="0" indent="-165100" algn="l" rtl="0">
               <a:spcBef>
                 <a:spcPts val="0"/>
               </a:spcBef>
@@ -8197,9 +8402,6 @@
               <a:buFont typeface="Noto Sans Symbols"/>
               <a:buNone/>
             </a:pPr>
-            <a:r>
-              <a:t/>
-            </a:r>
             <a:endParaRPr sz="1600"/>
           </a:p>
         </p:txBody>
@@ -8213,11 +8415,11 @@
 </file>
 
 <file path=ppt/slides/slide3.xml><?xml version="1.0" encoding="utf-8"?>
-<p:sld xmlns:a="http://schemas.openxmlformats.org/drawingml/2006/main" xmlns:r="http://schemas.openxmlformats.org/officeDocument/2006/relationships" xmlns:mc="http://schemas.openxmlformats.org/markup-compatibility/2006" xmlns:mv="urn:schemas-microsoft-com:mac:vml" xmlns:p="http://schemas.openxmlformats.org/presentationml/2006/main" xmlns:c="http://schemas.openxmlformats.org/drawingml/2006/chart" xmlns:dgm="http://schemas.openxmlformats.org/drawingml/2006/diagram" xmlns:o="urn:schemas-microsoft-com:office:office" xmlns:v="urn:schemas-microsoft-com:vml" xmlns:pvml="urn:schemas-microsoft-com:office:powerpoint" xmlns:com="http://schemas.openxmlformats.org/drawingml/2006/compatibility" xmlns:p14="http://schemas.microsoft.com/office/powerpoint/2010/main" xmlns:p15="http://schemas.microsoft.com/office/powerpoint/2012/main" xmlns:ahyp="http://schemas.microsoft.com/office/drawing/2018/hyperlinkcolor">
+<p:sld xmlns:a="http://schemas.openxmlformats.org/drawingml/2006/main" xmlns:r="http://schemas.openxmlformats.org/officeDocument/2006/relationships" xmlns:p="http://schemas.openxmlformats.org/presentationml/2006/main">
   <p:cSld>
     <p:spTree>
       <p:nvGrpSpPr>
-        <p:cNvPr id="49" name="Shape 49"/>
+        <p:cNvPr id="1" name="Shape 49"/>
         <p:cNvGrpSpPr/>
         <p:nvPr/>
       </p:nvGrpSpPr>
@@ -8232,7 +8434,9 @@
       <p:sp>
         <p:nvSpPr>
           <p:cNvPr id="50" name="Google Shape;50;p7"/>
-          <p:cNvSpPr txBox="1"/>
+          <p:cNvSpPr txBox="1">
+            <a:spLocks noGrp="1"/>
+          </p:cNvSpPr>
           <p:nvPr>
             <p:ph type="title"/>
           </p:nvPr>
@@ -8251,12 +8455,12 @@
           </a:ln>
         </p:spPr>
         <p:txBody>
-          <a:bodyPr anchorCtr="0" anchor="ctr" bIns="45700" lIns="91425" spcFirstLastPara="1" rIns="91425" wrap="square" tIns="45700">
+          <a:bodyPr spcFirstLastPara="1" wrap="square" lIns="91425" tIns="45700" rIns="91425" bIns="45700" anchor="ctr" anchorCtr="0">
             <a:noAutofit/>
           </a:bodyPr>
           <a:lstStyle/>
           <a:p>
-            <a:pPr indent="0" lvl="0" marL="0" marR="0" rtl="0" algn="l">
+            <a:pPr marL="0" marR="0" lvl="0" indent="0" algn="l" rtl="0">
               <a:spcBef>
                 <a:spcPts val="0"/>
               </a:spcBef>
@@ -8269,7 +8473,7 @@
               <a:rPr lang="en-US"/>
               <a:t>Ons systeem</a:t>
             </a:r>
-            <a:endParaRPr b="0" i="0" sz="2400" u="none" cap="none" strike="noStrike">
+            <a:endParaRPr sz="2400" b="0" i="0" u="none" strike="noStrike" cap="none">
               <a:solidFill>
                 <a:schemeClr val="dk1"/>
               </a:solidFill>
@@ -8284,9 +8488,11 @@
       <p:sp>
         <p:nvSpPr>
           <p:cNvPr id="51" name="Google Shape;51;p7"/>
-          <p:cNvSpPr txBox="1"/>
+          <p:cNvSpPr txBox="1">
+            <a:spLocks noGrp="1"/>
+          </p:cNvSpPr>
           <p:nvPr>
-            <p:ph idx="1" type="body"/>
+            <p:ph type="body" idx="1"/>
           </p:nvPr>
         </p:nvSpPr>
         <p:spPr>
@@ -8303,12 +8509,12 @@
           </a:ln>
         </p:spPr>
         <p:txBody>
-          <a:bodyPr anchorCtr="0" anchor="t" bIns="45700" lIns="91425" spcFirstLastPara="1" rIns="91425" wrap="square" tIns="45700">
+          <a:bodyPr spcFirstLastPara="1" wrap="square" lIns="91425" tIns="45700" rIns="91425" bIns="45700" anchor="t" anchorCtr="0">
             <a:noAutofit/>
           </a:bodyPr>
           <a:lstStyle/>
           <a:p>
-            <a:pPr indent="-165100" lvl="0" marL="342900" marR="0" rtl="0" algn="l">
+            <a:pPr marL="342900" marR="0" lvl="0" indent="-165100" algn="l" rtl="0">
               <a:spcBef>
                 <a:spcPts val="0"/>
               </a:spcBef>
@@ -8322,10 +8528,7 @@
               <a:buFont typeface="Noto Sans Symbols"/>
               <a:buNone/>
             </a:pPr>
-            <a:r>
-              <a:t/>
-            </a:r>
-            <a:endParaRPr b="0" i="0" sz="2800" u="none" cap="none" strike="noStrike">
+            <a:endParaRPr sz="2800" b="0" i="0" u="none" strike="noStrike" cap="none">
               <a:solidFill>
                 <a:srgbClr val="474746"/>
               </a:solidFill>
@@ -8374,11 +8577,11 @@
 </file>
 
 <file path=ppt/slides/slide4.xml><?xml version="1.0" encoding="utf-8"?>
-<p:sld xmlns:a="http://schemas.openxmlformats.org/drawingml/2006/main" xmlns:r="http://schemas.openxmlformats.org/officeDocument/2006/relationships" xmlns:mc="http://schemas.openxmlformats.org/markup-compatibility/2006" xmlns:mv="urn:schemas-microsoft-com:mac:vml" xmlns:p="http://schemas.openxmlformats.org/presentationml/2006/main" xmlns:c="http://schemas.openxmlformats.org/drawingml/2006/chart" xmlns:dgm="http://schemas.openxmlformats.org/drawingml/2006/diagram" xmlns:o="urn:schemas-microsoft-com:office:office" xmlns:v="urn:schemas-microsoft-com:vml" xmlns:pvml="urn:schemas-microsoft-com:office:powerpoint" xmlns:com="http://schemas.openxmlformats.org/drawingml/2006/compatibility" xmlns:p14="http://schemas.microsoft.com/office/powerpoint/2010/main" xmlns:p15="http://schemas.microsoft.com/office/powerpoint/2012/main" xmlns:ahyp="http://schemas.microsoft.com/office/drawing/2018/hyperlinkcolor">
+<p:sld xmlns:a="http://schemas.openxmlformats.org/drawingml/2006/main" xmlns:r="http://schemas.openxmlformats.org/officeDocument/2006/relationships" xmlns:p="http://schemas.openxmlformats.org/presentationml/2006/main">
   <p:cSld>
     <p:spTree>
       <p:nvGrpSpPr>
-        <p:cNvPr id="57" name="Shape 57"/>
+        <p:cNvPr id="1" name="Shape 57"/>
         <p:cNvGrpSpPr/>
         <p:nvPr/>
       </p:nvGrpSpPr>
@@ -8393,7 +8596,9 @@
       <p:sp>
         <p:nvSpPr>
           <p:cNvPr id="58" name="Google Shape;58;p8"/>
-          <p:cNvSpPr txBox="1"/>
+          <p:cNvSpPr txBox="1">
+            <a:spLocks noGrp="1"/>
+          </p:cNvSpPr>
           <p:nvPr>
             <p:ph type="title"/>
           </p:nvPr>
@@ -8408,12 +8613,12 @@
           </a:prstGeom>
         </p:spPr>
         <p:txBody>
-          <a:bodyPr anchorCtr="0" anchor="ctr" bIns="91425" lIns="91425" spcFirstLastPara="1" rIns="91425" wrap="square" tIns="91425">
+          <a:bodyPr spcFirstLastPara="1" wrap="square" lIns="91425" tIns="91425" rIns="91425" bIns="91425" anchor="ctr" anchorCtr="0">
             <a:noAutofit/>
           </a:bodyPr>
           <a:lstStyle/>
           <a:p>
-            <a:pPr indent="0" lvl="0" marL="0" rtl="0" algn="l">
+            <a:pPr marL="0" lvl="0" indent="0" algn="l" rtl="0">
               <a:spcBef>
                 <a:spcPts val="0"/>
               </a:spcBef>
@@ -8433,9 +8638,11 @@
       <p:sp>
         <p:nvSpPr>
           <p:cNvPr id="59" name="Google Shape;59;p8"/>
-          <p:cNvSpPr txBox="1"/>
+          <p:cNvSpPr txBox="1">
+            <a:spLocks noGrp="1"/>
+          </p:cNvSpPr>
           <p:nvPr>
-            <p:ph idx="1" type="body"/>
+            <p:ph type="body" idx="1"/>
           </p:nvPr>
         </p:nvSpPr>
         <p:spPr>
@@ -8448,12 +8655,12 @@
           </a:prstGeom>
         </p:spPr>
         <p:txBody>
-          <a:bodyPr anchorCtr="0" anchor="t" bIns="91425" lIns="91425" spcFirstLastPara="1" rIns="91425" wrap="square" tIns="91425">
+          <a:bodyPr spcFirstLastPara="1" wrap="square" lIns="91425" tIns="91425" rIns="91425" bIns="91425" anchor="t" anchorCtr="0">
             <a:noAutofit/>
           </a:bodyPr>
           <a:lstStyle/>
           <a:p>
-            <a:pPr indent="0" lvl="0" marL="0" rtl="0" algn="l">
+            <a:pPr marL="0" lvl="0" indent="0" algn="l" rtl="0">
               <a:spcBef>
                 <a:spcPts val="560"/>
               </a:spcBef>
@@ -8462,9 +8669,6 @@
               </a:spcAft>
               <a:buNone/>
             </a:pPr>
-            <a:r>
-              <a:t/>
-            </a:r>
             <a:endParaRPr/>
           </a:p>
         </p:txBody>
@@ -8506,11 +8710,11 @@
 </file>
 
 <file path=ppt/slides/slide5.xml><?xml version="1.0" encoding="utf-8"?>
-<p:sld xmlns:a="http://schemas.openxmlformats.org/drawingml/2006/main" xmlns:r="http://schemas.openxmlformats.org/officeDocument/2006/relationships" xmlns:mc="http://schemas.openxmlformats.org/markup-compatibility/2006" xmlns:mv="urn:schemas-microsoft-com:mac:vml" xmlns:p="http://schemas.openxmlformats.org/presentationml/2006/main" xmlns:c="http://schemas.openxmlformats.org/drawingml/2006/chart" xmlns:dgm="http://schemas.openxmlformats.org/drawingml/2006/diagram" xmlns:o="urn:schemas-microsoft-com:office:office" xmlns:v="urn:schemas-microsoft-com:vml" xmlns:pvml="urn:schemas-microsoft-com:office:powerpoint" xmlns:com="http://schemas.openxmlformats.org/drawingml/2006/compatibility" xmlns:p14="http://schemas.microsoft.com/office/powerpoint/2010/main" xmlns:p15="http://schemas.microsoft.com/office/powerpoint/2012/main" xmlns:ahyp="http://schemas.microsoft.com/office/drawing/2018/hyperlinkcolor">
+<p:sld xmlns:a="http://schemas.openxmlformats.org/drawingml/2006/main" xmlns:r="http://schemas.openxmlformats.org/officeDocument/2006/relationships" xmlns:p="http://schemas.openxmlformats.org/presentationml/2006/main">
   <p:cSld>
     <p:spTree>
       <p:nvGrpSpPr>
-        <p:cNvPr id="65" name="Shape 65"/>
+        <p:cNvPr id="1" name="Shape 65"/>
         <p:cNvGrpSpPr/>
         <p:nvPr/>
       </p:nvGrpSpPr>
@@ -8525,7 +8729,9 @@
       <p:sp>
         <p:nvSpPr>
           <p:cNvPr id="66" name="Google Shape;66;p9"/>
-          <p:cNvSpPr txBox="1"/>
+          <p:cNvSpPr txBox="1">
+            <a:spLocks noGrp="1"/>
+          </p:cNvSpPr>
           <p:nvPr>
             <p:ph type="title"/>
           </p:nvPr>
@@ -8540,12 +8746,12 @@
           </a:prstGeom>
         </p:spPr>
         <p:txBody>
-          <a:bodyPr anchorCtr="0" anchor="ctr" bIns="91425" lIns="91425" spcFirstLastPara="1" rIns="91425" wrap="square" tIns="91425">
+          <a:bodyPr spcFirstLastPara="1" wrap="square" lIns="91425" tIns="91425" rIns="91425" bIns="91425" anchor="ctr" anchorCtr="0">
             <a:noAutofit/>
           </a:bodyPr>
           <a:lstStyle/>
           <a:p>
-            <a:pPr indent="0" lvl="0" marL="0" rtl="0" algn="l">
+            <a:pPr marL="0" lvl="0" indent="0" algn="l" rtl="0">
               <a:spcBef>
                 <a:spcPts val="0"/>
               </a:spcBef>
@@ -8565,9 +8771,11 @@
       <p:sp>
         <p:nvSpPr>
           <p:cNvPr id="67" name="Google Shape;67;p9"/>
-          <p:cNvSpPr txBox="1"/>
+          <p:cNvSpPr txBox="1">
+            <a:spLocks noGrp="1"/>
+          </p:cNvSpPr>
           <p:nvPr>
-            <p:ph idx="1" type="body"/>
+            <p:ph type="body" idx="1"/>
           </p:nvPr>
         </p:nvSpPr>
         <p:spPr>
@@ -8580,12 +8788,12 @@
           </a:prstGeom>
         </p:spPr>
         <p:txBody>
-          <a:bodyPr anchorCtr="0" anchor="t" bIns="91425" lIns="91425" spcFirstLastPara="1" rIns="91425" wrap="square" tIns="91425">
+          <a:bodyPr spcFirstLastPara="1" wrap="square" lIns="91425" tIns="91425" rIns="91425" bIns="91425" anchor="t" anchorCtr="0">
             <a:noAutofit/>
           </a:bodyPr>
           <a:lstStyle/>
           <a:p>
-            <a:pPr indent="0" lvl="0" marL="0" rtl="0" algn="l">
+            <a:pPr marL="0" lvl="0" indent="0" algn="l" rtl="0">
               <a:spcBef>
                 <a:spcPts val="560"/>
               </a:spcBef>
@@ -8594,9 +8802,6 @@
               </a:spcAft>
               <a:buNone/>
             </a:pPr>
-            <a:r>
-              <a:t/>
-            </a:r>
             <a:endParaRPr/>
           </a:p>
         </p:txBody>
@@ -8638,11 +8843,11 @@
 </file>
 
 <file path=ppt/slides/slide6.xml><?xml version="1.0" encoding="utf-8"?>
-<p:sld xmlns:a="http://schemas.openxmlformats.org/drawingml/2006/main" xmlns:r="http://schemas.openxmlformats.org/officeDocument/2006/relationships" xmlns:mc="http://schemas.openxmlformats.org/markup-compatibility/2006" xmlns:mv="urn:schemas-microsoft-com:mac:vml" xmlns:p="http://schemas.openxmlformats.org/presentationml/2006/main" xmlns:c="http://schemas.openxmlformats.org/drawingml/2006/chart" xmlns:dgm="http://schemas.openxmlformats.org/drawingml/2006/diagram" xmlns:o="urn:schemas-microsoft-com:office:office" xmlns:v="urn:schemas-microsoft-com:vml" xmlns:pvml="urn:schemas-microsoft-com:office:powerpoint" xmlns:com="http://schemas.openxmlformats.org/drawingml/2006/compatibility" xmlns:p14="http://schemas.microsoft.com/office/powerpoint/2010/main" xmlns:p15="http://schemas.microsoft.com/office/powerpoint/2012/main" xmlns:ahyp="http://schemas.microsoft.com/office/drawing/2018/hyperlinkcolor">
+<p:sld xmlns:a="http://schemas.openxmlformats.org/drawingml/2006/main" xmlns:r="http://schemas.openxmlformats.org/officeDocument/2006/relationships" xmlns:p="http://schemas.openxmlformats.org/presentationml/2006/main">
   <p:cSld>
     <p:spTree>
       <p:nvGrpSpPr>
-        <p:cNvPr id="73" name="Shape 73"/>
+        <p:cNvPr id="1" name="Shape 73"/>
         <p:cNvGrpSpPr/>
         <p:nvPr/>
       </p:nvGrpSpPr>
@@ -8657,7 +8862,9 @@
       <p:sp>
         <p:nvSpPr>
           <p:cNvPr id="74" name="Google Shape;74;p10"/>
-          <p:cNvSpPr txBox="1"/>
+          <p:cNvSpPr txBox="1">
+            <a:spLocks noGrp="1"/>
+          </p:cNvSpPr>
           <p:nvPr>
             <p:ph type="title"/>
           </p:nvPr>
@@ -8672,12 +8879,12 @@
           </a:prstGeom>
         </p:spPr>
         <p:txBody>
-          <a:bodyPr anchorCtr="0" anchor="ctr" bIns="91425" lIns="91425" spcFirstLastPara="1" rIns="91425" wrap="square" tIns="91425">
+          <a:bodyPr spcFirstLastPara="1" wrap="square" lIns="91425" tIns="91425" rIns="91425" bIns="91425" anchor="ctr" anchorCtr="0">
             <a:noAutofit/>
           </a:bodyPr>
           <a:lstStyle/>
           <a:p>
-            <a:pPr indent="0" lvl="0" marL="0" rtl="0" algn="l">
+            <a:pPr marL="0" lvl="0" indent="0" algn="l" rtl="0">
               <a:spcBef>
                 <a:spcPts val="0"/>
               </a:spcBef>
@@ -8687,19 +8894,33 @@
               <a:buNone/>
             </a:pPr>
             <a:r>
-              <a:rPr lang="en-US"/>
-              <a:t>Use case 2.1: Beheren van groepen</a:t>
+              <a:rPr lang="en-US" dirty="0"/>
+              <a:t>Use case 2.1: </a:t>
             </a:r>
-            <a:endParaRPr/>
+            <a:r>
+              <a:rPr lang="en-US" dirty="0" err="1"/>
+              <a:t>Beheren</a:t>
+            </a:r>
+            <a:r>
+              <a:rPr lang="en-US" dirty="0"/>
+              <a:t> van </a:t>
+            </a:r>
+            <a:r>
+              <a:rPr lang="en-US" dirty="0" err="1"/>
+              <a:t>groepen</a:t>
+            </a:r>
+            <a:endParaRPr dirty="0"/>
           </a:p>
         </p:txBody>
       </p:sp>
       <p:sp>
         <p:nvSpPr>
           <p:cNvPr id="75" name="Google Shape;75;p10"/>
-          <p:cNvSpPr txBox="1"/>
+          <p:cNvSpPr txBox="1">
+            <a:spLocks noGrp="1"/>
+          </p:cNvSpPr>
           <p:nvPr>
-            <p:ph idx="1" type="body"/>
+            <p:ph type="body" idx="1"/>
           </p:nvPr>
         </p:nvSpPr>
         <p:spPr>
@@ -8712,12 +8933,12 @@
           </a:prstGeom>
         </p:spPr>
         <p:txBody>
-          <a:bodyPr anchorCtr="0" anchor="t" bIns="91425" lIns="91425" spcFirstLastPara="1" rIns="91425" wrap="square" tIns="91425">
+          <a:bodyPr spcFirstLastPara="1" wrap="square" lIns="91425" tIns="91425" rIns="91425" bIns="91425" anchor="t" anchorCtr="0">
             <a:noAutofit/>
           </a:bodyPr>
           <a:lstStyle/>
           <a:p>
-            <a:pPr indent="0" lvl="0" marL="0" rtl="0" algn="l">
+            <a:pPr marL="0" lvl="0" indent="0" algn="l" rtl="0">
               <a:spcBef>
                 <a:spcPts val="560"/>
               </a:spcBef>
@@ -8726,9 +8947,6 @@
               </a:spcAft>
               <a:buNone/>
             </a:pPr>
-            <a:r>
-              <a:t/>
-            </a:r>
             <a:endParaRPr/>
           </a:p>
         </p:txBody>
@@ -8770,11 +8988,11 @@
 </file>
 
 <file path=ppt/slides/slide7.xml><?xml version="1.0" encoding="utf-8"?>
-<p:sld xmlns:a="http://schemas.openxmlformats.org/drawingml/2006/main" xmlns:r="http://schemas.openxmlformats.org/officeDocument/2006/relationships" xmlns:mc="http://schemas.openxmlformats.org/markup-compatibility/2006" xmlns:mv="urn:schemas-microsoft-com:mac:vml" xmlns:p="http://schemas.openxmlformats.org/presentationml/2006/main" xmlns:c="http://schemas.openxmlformats.org/drawingml/2006/chart" xmlns:dgm="http://schemas.openxmlformats.org/drawingml/2006/diagram" xmlns:o="urn:schemas-microsoft-com:office:office" xmlns:v="urn:schemas-microsoft-com:vml" xmlns:pvml="urn:schemas-microsoft-com:office:powerpoint" xmlns:com="http://schemas.openxmlformats.org/drawingml/2006/compatibility" xmlns:p14="http://schemas.microsoft.com/office/powerpoint/2010/main" xmlns:p15="http://schemas.microsoft.com/office/powerpoint/2012/main" xmlns:ahyp="http://schemas.microsoft.com/office/drawing/2018/hyperlinkcolor">
+<p:sld xmlns:a="http://schemas.openxmlformats.org/drawingml/2006/main" xmlns:r="http://schemas.openxmlformats.org/officeDocument/2006/relationships" xmlns:p="http://schemas.openxmlformats.org/presentationml/2006/main">
   <p:cSld>
     <p:spTree>
       <p:nvGrpSpPr>
-        <p:cNvPr id="81" name="Shape 81"/>
+        <p:cNvPr id="1" name="Shape 81"/>
         <p:cNvGrpSpPr/>
         <p:nvPr/>
       </p:nvGrpSpPr>
@@ -8789,7 +9007,9 @@
       <p:sp>
         <p:nvSpPr>
           <p:cNvPr id="82" name="Google Shape;82;p11"/>
-          <p:cNvSpPr txBox="1"/>
+          <p:cNvSpPr txBox="1">
+            <a:spLocks noGrp="1"/>
+          </p:cNvSpPr>
           <p:nvPr>
             <p:ph type="title"/>
           </p:nvPr>
@@ -8804,12 +9024,12 @@
           </a:prstGeom>
         </p:spPr>
         <p:txBody>
-          <a:bodyPr anchorCtr="0" anchor="ctr" bIns="91425" lIns="91425" spcFirstLastPara="1" rIns="91425" wrap="square" tIns="91425">
+          <a:bodyPr spcFirstLastPara="1" wrap="square" lIns="91425" tIns="91425" rIns="91425" bIns="91425" anchor="ctr" anchorCtr="0">
             <a:noAutofit/>
           </a:bodyPr>
           <a:lstStyle/>
           <a:p>
-            <a:pPr indent="0" lvl="0" marL="0" rtl="0" algn="l">
+            <a:pPr marL="0" lvl="0" indent="0" algn="l" rtl="0">
               <a:spcBef>
                 <a:spcPts val="0"/>
               </a:spcBef>
@@ -8824,19 +9044,53 @@
               <a:buNone/>
             </a:pPr>
             <a:r>
-              <a:rPr lang="en-US"/>
-              <a:t>Use case 2.2: Beheren van groepen</a:t>
+              <a:rPr lang="en-US" dirty="0"/>
+              <a:t>Use case 2.2: </a:t>
             </a:r>
-            <a:endParaRPr/>
+            <a:r>
+              <a:rPr lang="en-US" dirty="0" err="1"/>
+              <a:t>Beheren</a:t>
+            </a:r>
+            <a:r>
+              <a:rPr lang="en-US" dirty="0"/>
+              <a:t> van </a:t>
+            </a:r>
+            <a:r>
+              <a:rPr lang="en-US" dirty="0" err="1"/>
+              <a:t>groepen</a:t>
+            </a:r>
+            <a:r>
+              <a:rPr lang="en-BE" dirty="0"/>
+              <a:t> (</a:t>
+            </a:r>
+            <a:r>
+              <a:rPr lang="en-BE" dirty="0" err="1"/>
+              <a:t>nieuwe</a:t>
+            </a:r>
+            <a:r>
+              <a:rPr lang="en-BE" dirty="0"/>
+              <a:t> </a:t>
+            </a:r>
+            <a:r>
+              <a:rPr lang="en-BE" dirty="0" err="1"/>
+              <a:t>groep</a:t>
+            </a:r>
+            <a:r>
+              <a:rPr lang="en-BE" dirty="0"/>
+              <a:t>)</a:t>
+            </a:r>
+            <a:endParaRPr dirty="0"/>
           </a:p>
         </p:txBody>
       </p:sp>
       <p:sp>
         <p:nvSpPr>
           <p:cNvPr id="83" name="Google Shape;83;p11"/>
-          <p:cNvSpPr txBox="1"/>
+          <p:cNvSpPr txBox="1">
+            <a:spLocks noGrp="1"/>
+          </p:cNvSpPr>
           <p:nvPr>
-            <p:ph idx="1" type="body"/>
+            <p:ph type="body" idx="1"/>
           </p:nvPr>
         </p:nvSpPr>
         <p:spPr>
@@ -8849,12 +9103,12 @@
           </a:prstGeom>
         </p:spPr>
         <p:txBody>
-          <a:bodyPr anchorCtr="0" anchor="t" bIns="91425" lIns="91425" spcFirstLastPara="1" rIns="91425" wrap="square" tIns="91425">
+          <a:bodyPr spcFirstLastPara="1" wrap="square" lIns="91425" tIns="91425" rIns="91425" bIns="91425" anchor="t" anchorCtr="0">
             <a:noAutofit/>
           </a:bodyPr>
           <a:lstStyle/>
           <a:p>
-            <a:pPr indent="0" lvl="0" marL="0" rtl="0" algn="l">
+            <a:pPr marL="0" lvl="0" indent="0" algn="l" rtl="0">
               <a:spcBef>
                 <a:spcPts val="560"/>
               </a:spcBef>
@@ -8863,9 +9117,6 @@
               </a:spcAft>
               <a:buNone/>
             </a:pPr>
-            <a:r>
-              <a:t/>
-            </a:r>
             <a:endParaRPr/>
           </a:p>
         </p:txBody>
@@ -8907,11 +9158,11 @@
 </file>
 
 <file path=ppt/slides/slide8.xml><?xml version="1.0" encoding="utf-8"?>
-<p:sld xmlns:a="http://schemas.openxmlformats.org/drawingml/2006/main" xmlns:r="http://schemas.openxmlformats.org/officeDocument/2006/relationships" xmlns:mc="http://schemas.openxmlformats.org/markup-compatibility/2006" xmlns:mv="urn:schemas-microsoft-com:mac:vml" xmlns:p="http://schemas.openxmlformats.org/presentationml/2006/main" xmlns:c="http://schemas.openxmlformats.org/drawingml/2006/chart" xmlns:dgm="http://schemas.openxmlformats.org/drawingml/2006/diagram" xmlns:o="urn:schemas-microsoft-com:office:office" xmlns:v="urn:schemas-microsoft-com:vml" xmlns:pvml="urn:schemas-microsoft-com:office:powerpoint" xmlns:com="http://schemas.openxmlformats.org/drawingml/2006/compatibility" xmlns:p14="http://schemas.microsoft.com/office/powerpoint/2010/main" xmlns:p15="http://schemas.microsoft.com/office/powerpoint/2012/main" xmlns:ahyp="http://schemas.microsoft.com/office/drawing/2018/hyperlinkcolor">
+<p:sld xmlns:a="http://schemas.openxmlformats.org/drawingml/2006/main" xmlns:r="http://schemas.openxmlformats.org/officeDocument/2006/relationships" xmlns:p="http://schemas.openxmlformats.org/presentationml/2006/main">
   <p:cSld>
     <p:spTree>
       <p:nvGrpSpPr>
-        <p:cNvPr id="89" name="Shape 89"/>
+        <p:cNvPr id="1" name="Shape 89"/>
         <p:cNvGrpSpPr/>
         <p:nvPr/>
       </p:nvGrpSpPr>
@@ -8926,7 +9177,9 @@
       <p:sp>
         <p:nvSpPr>
           <p:cNvPr id="90" name="Google Shape;90;p12"/>
-          <p:cNvSpPr txBox="1"/>
+          <p:cNvSpPr txBox="1">
+            <a:spLocks noGrp="1"/>
+          </p:cNvSpPr>
           <p:nvPr>
             <p:ph type="title"/>
           </p:nvPr>
@@ -8941,12 +9194,12 @@
           </a:prstGeom>
         </p:spPr>
         <p:txBody>
-          <a:bodyPr anchorCtr="0" anchor="ctr" bIns="91425" lIns="91425" spcFirstLastPara="1" rIns="91425" wrap="square" tIns="91425">
+          <a:bodyPr spcFirstLastPara="1" wrap="square" lIns="91425" tIns="91425" rIns="91425" bIns="91425" anchor="ctr" anchorCtr="0">
             <a:noAutofit/>
           </a:bodyPr>
           <a:lstStyle/>
           <a:p>
-            <a:pPr indent="0" lvl="0" marL="0" rtl="0" algn="l">
+            <a:pPr marL="0" lvl="0" indent="0" algn="l" rtl="0">
               <a:spcBef>
                 <a:spcPts val="0"/>
               </a:spcBef>
@@ -8961,19 +9214,53 @@
               <a:buNone/>
             </a:pPr>
             <a:r>
-              <a:rPr lang="en-US"/>
-              <a:t>Use case 2.3: Beheren van groepen</a:t>
+              <a:rPr lang="en-US" dirty="0"/>
+              <a:t>Use case 2.3: </a:t>
             </a:r>
-            <a:endParaRPr/>
+            <a:r>
+              <a:rPr lang="en-US" dirty="0" err="1"/>
+              <a:t>Beheren</a:t>
+            </a:r>
+            <a:r>
+              <a:rPr lang="en-US" dirty="0"/>
+              <a:t> van </a:t>
+            </a:r>
+            <a:r>
+              <a:rPr lang="en-US" dirty="0" err="1"/>
+              <a:t>groepen</a:t>
+            </a:r>
+            <a:r>
+              <a:rPr lang="en-BE" dirty="0"/>
+              <a:t> (</a:t>
+            </a:r>
+            <a:r>
+              <a:rPr lang="en-BE" dirty="0" err="1"/>
+              <a:t>nieuwe</a:t>
+            </a:r>
+            <a:r>
+              <a:rPr lang="en-BE" dirty="0"/>
+              <a:t> </a:t>
+            </a:r>
+            <a:r>
+              <a:rPr lang="en-BE" dirty="0" err="1"/>
+              <a:t>weging</a:t>
+            </a:r>
+            <a:r>
+              <a:rPr lang="en-BE" dirty="0"/>
+              <a:t>)</a:t>
+            </a:r>
+            <a:endParaRPr dirty="0"/>
           </a:p>
         </p:txBody>
       </p:sp>
       <p:sp>
         <p:nvSpPr>
           <p:cNvPr id="91" name="Google Shape;91;p12"/>
-          <p:cNvSpPr txBox="1"/>
+          <p:cNvSpPr txBox="1">
+            <a:spLocks noGrp="1"/>
+          </p:cNvSpPr>
           <p:nvPr>
-            <p:ph idx="1" type="body"/>
+            <p:ph type="body" idx="1"/>
           </p:nvPr>
         </p:nvSpPr>
         <p:spPr>
@@ -8986,12 +9273,12 @@
           </a:prstGeom>
         </p:spPr>
         <p:txBody>
-          <a:bodyPr anchorCtr="0" anchor="t" bIns="91425" lIns="91425" spcFirstLastPara="1" rIns="91425" wrap="square" tIns="91425">
+          <a:bodyPr spcFirstLastPara="1" wrap="square" lIns="91425" tIns="91425" rIns="91425" bIns="91425" anchor="t" anchorCtr="0">
             <a:noAutofit/>
           </a:bodyPr>
           <a:lstStyle/>
           <a:p>
-            <a:pPr indent="0" lvl="0" marL="0" rtl="0" algn="l">
+            <a:pPr marL="0" lvl="0" indent="0" algn="l" rtl="0">
               <a:spcBef>
                 <a:spcPts val="560"/>
               </a:spcBef>
@@ -9000,9 +9287,6 @@
               </a:spcAft>
               <a:buNone/>
             </a:pPr>
-            <a:r>
-              <a:t/>
-            </a:r>
             <a:endParaRPr/>
           </a:p>
         </p:txBody>
@@ -9044,11 +9328,11 @@
 </file>
 
 <file path=ppt/slides/slide9.xml><?xml version="1.0" encoding="utf-8"?>
-<p:sld xmlns:a="http://schemas.openxmlformats.org/drawingml/2006/main" xmlns:r="http://schemas.openxmlformats.org/officeDocument/2006/relationships" xmlns:mc="http://schemas.openxmlformats.org/markup-compatibility/2006" xmlns:mv="urn:schemas-microsoft-com:mac:vml" xmlns:p="http://schemas.openxmlformats.org/presentationml/2006/main" xmlns:c="http://schemas.openxmlformats.org/drawingml/2006/chart" xmlns:dgm="http://schemas.openxmlformats.org/drawingml/2006/diagram" xmlns:o="urn:schemas-microsoft-com:office:office" xmlns:v="urn:schemas-microsoft-com:vml" xmlns:pvml="urn:schemas-microsoft-com:office:powerpoint" xmlns:com="http://schemas.openxmlformats.org/drawingml/2006/compatibility" xmlns:p14="http://schemas.microsoft.com/office/powerpoint/2010/main" xmlns:p15="http://schemas.microsoft.com/office/powerpoint/2012/main" xmlns:ahyp="http://schemas.microsoft.com/office/drawing/2018/hyperlinkcolor">
+<p:sld xmlns:a="http://schemas.openxmlformats.org/drawingml/2006/main" xmlns:r="http://schemas.openxmlformats.org/officeDocument/2006/relationships" xmlns:p="http://schemas.openxmlformats.org/presentationml/2006/main">
   <p:cSld>
     <p:spTree>
       <p:nvGrpSpPr>
-        <p:cNvPr id="97" name="Shape 97"/>
+        <p:cNvPr id="1" name="Shape 97"/>
         <p:cNvGrpSpPr/>
         <p:nvPr/>
       </p:nvGrpSpPr>
@@ -9063,7 +9347,9 @@
       <p:sp>
         <p:nvSpPr>
           <p:cNvPr id="98" name="Google Shape;98;p13"/>
-          <p:cNvSpPr txBox="1"/>
+          <p:cNvSpPr txBox="1">
+            <a:spLocks noGrp="1"/>
+          </p:cNvSpPr>
           <p:nvPr>
             <p:ph type="title"/>
           </p:nvPr>
@@ -9078,12 +9364,12 @@
           </a:prstGeom>
         </p:spPr>
         <p:txBody>
-          <a:bodyPr anchorCtr="0" anchor="ctr" bIns="91425" lIns="91425" spcFirstLastPara="1" rIns="91425" wrap="square" tIns="91425">
+          <a:bodyPr spcFirstLastPara="1" wrap="square" lIns="91425" tIns="91425" rIns="91425" bIns="91425" anchor="ctr" anchorCtr="0">
             <a:noAutofit/>
           </a:bodyPr>
           <a:lstStyle/>
           <a:p>
-            <a:pPr indent="0" lvl="0" marL="0" rtl="0" algn="l">
+            <a:pPr marL="0" lvl="0" indent="0" algn="l" rtl="0">
               <a:spcBef>
                 <a:spcPts val="0"/>
               </a:spcBef>
@@ -9098,19 +9384,53 @@
               <a:buNone/>
             </a:pPr>
             <a:r>
-              <a:rPr lang="en-US"/>
-              <a:t>Use case 2.4: Beheren van groepen</a:t>
+              <a:rPr lang="en-US" dirty="0"/>
+              <a:t>Use case 2.4: </a:t>
             </a:r>
-            <a:endParaRPr/>
+            <a:r>
+              <a:rPr lang="en-US" dirty="0" err="1"/>
+              <a:t>Beheren</a:t>
+            </a:r>
+            <a:r>
+              <a:rPr lang="en-US" dirty="0"/>
+              <a:t> van </a:t>
+            </a:r>
+            <a:r>
+              <a:rPr lang="en-US" dirty="0" err="1"/>
+              <a:t>groepen</a:t>
+            </a:r>
+            <a:r>
+              <a:rPr lang="en-BE" dirty="0"/>
+              <a:t> (</a:t>
+            </a:r>
+            <a:r>
+              <a:rPr lang="en-BE" dirty="0" err="1"/>
+              <a:t>verkoop</a:t>
+            </a:r>
+            <a:r>
+              <a:rPr lang="en-BE" dirty="0"/>
+              <a:t> </a:t>
+            </a:r>
+            <a:r>
+              <a:rPr lang="en-BE" dirty="0" err="1"/>
+              <a:t>groep</a:t>
+            </a:r>
+            <a:r>
+              <a:rPr lang="en-BE" dirty="0"/>
+              <a:t>)</a:t>
+            </a:r>
+            <a:endParaRPr dirty="0"/>
           </a:p>
         </p:txBody>
       </p:sp>
       <p:sp>
         <p:nvSpPr>
           <p:cNvPr id="99" name="Google Shape;99;p13"/>
-          <p:cNvSpPr txBox="1"/>
+          <p:cNvSpPr txBox="1">
+            <a:spLocks noGrp="1"/>
+          </p:cNvSpPr>
           <p:nvPr>
-            <p:ph idx="1" type="body"/>
+            <p:ph type="body" idx="1"/>
           </p:nvPr>
         </p:nvSpPr>
         <p:spPr>
@@ -9123,12 +9443,12 @@
           </a:prstGeom>
         </p:spPr>
         <p:txBody>
-          <a:bodyPr anchorCtr="0" anchor="t" bIns="91425" lIns="91425" spcFirstLastPara="1" rIns="91425" wrap="square" tIns="91425">
+          <a:bodyPr spcFirstLastPara="1" wrap="square" lIns="91425" tIns="91425" rIns="91425" bIns="91425" anchor="t" anchorCtr="0">
             <a:noAutofit/>
           </a:bodyPr>
           <a:lstStyle/>
           <a:p>
-            <a:pPr indent="0" lvl="0" marL="0" rtl="0" algn="l">
+            <a:pPr marL="0" lvl="0" indent="0" algn="l" rtl="0">
               <a:spcBef>
                 <a:spcPts val="560"/>
               </a:spcBef>
@@ -9137,9 +9457,6 @@
               </a:spcAft>
               <a:buNone/>
             </a:pPr>
-            <a:r>
-              <a:t/>
-            </a:r>
             <a:endParaRPr/>
           </a:p>
         </p:txBody>
@@ -9181,7 +9498,7 @@
 </file>
 
 <file path=ppt/theme/theme1.xml><?xml version="1.0" encoding="utf-8"?>
-<a:theme xmlns:a="http://schemas.openxmlformats.org/drawingml/2006/main" xmlns:r="http://schemas.openxmlformats.org/officeDocument/2006/relationships" name="Office-thema">
+<a:theme xmlns:a="http://schemas.openxmlformats.org/drawingml/2006/main" name="Office Theme">
   <a:themeElements>
     <a:clrScheme name="Office">
       <a:dk1>
@@ -9456,11 +9773,13 @@
       </a:bgFillStyleLst>
     </a:fmtScheme>
   </a:themeElements>
+  <a:objectDefaults/>
+  <a:extraClrSchemeLst/>
 </a:theme>
 </file>
 
 <file path=ppt/theme/theme2.xml><?xml version="1.0" encoding="utf-8"?>
-<a:theme xmlns:a="http://schemas.openxmlformats.org/drawingml/2006/main" xmlns:r="http://schemas.openxmlformats.org/officeDocument/2006/relationships" name="Office Theme">
+<a:theme xmlns:a="http://schemas.openxmlformats.org/drawingml/2006/main" name="Office-thema">
   <a:themeElements>
     <a:clrScheme name="Office">
       <a:dk1>
@@ -9735,5 +10054,7 @@
       </a:bgFillStyleLst>
     </a:fmtScheme>
   </a:themeElements>
+  <a:objectDefaults/>
+  <a:extraClrSchemeLst/>
 </a:theme>
 </file>